--- a/6 - Deployment and Security/Deployment.pptx
+++ b/6 - Deployment and Security/Deployment.pptx
@@ -15697,7 +15697,15 @@
           <a:p>
             <a:r>
               <a:rPr lang="en-US" dirty="0"/>
-              <a:t>Set of organizational standards and requirements for compliances or policy adherence.</a:t>
+              <a:t>Set of organizational standards and requirements </a:t>
+            </a:r>
+            <a:r>
+              <a:rPr lang="en-US"/>
+              <a:t>for compliance </a:t>
+            </a:r>
+            <a:r>
+              <a:rPr lang="en-US" dirty="0"/>
+              <a:t>or policy adherence.</a:t>
             </a:r>
           </a:p>
           <a:p>

--- a/6 - Deployment and Security/Deployment.pptx
+++ b/6 - Deployment and Security/Deployment.pptx
@@ -5,7 +5,7 @@
     <p:sldMasterId id="2147483659" r:id="rId1"/>
   </p:sldMasterIdLst>
   <p:notesMasterIdLst>
-    <p:notesMasterId r:id="rId20"/>
+    <p:notesMasterId r:id="rId21"/>
   </p:notesMasterIdLst>
   <p:sldIdLst>
     <p:sldId id="256" r:id="rId2"/>
@@ -14,49 +14,50 @@
     <p:sldId id="495" r:id="rId5"/>
     <p:sldId id="497" r:id="rId6"/>
     <p:sldId id="496" r:id="rId7"/>
-    <p:sldId id="492" r:id="rId8"/>
-    <p:sldId id="498" r:id="rId9"/>
-    <p:sldId id="507" r:id="rId10"/>
-    <p:sldId id="499" r:id="rId11"/>
-    <p:sldId id="508" r:id="rId12"/>
-    <p:sldId id="500" r:id="rId13"/>
-    <p:sldId id="503" r:id="rId14"/>
-    <p:sldId id="509" r:id="rId15"/>
-    <p:sldId id="510" r:id="rId16"/>
-    <p:sldId id="501" r:id="rId17"/>
-    <p:sldId id="505" r:id="rId18"/>
-    <p:sldId id="504" r:id="rId19"/>
+    <p:sldId id="511" r:id="rId8"/>
+    <p:sldId id="492" r:id="rId9"/>
+    <p:sldId id="498" r:id="rId10"/>
+    <p:sldId id="507" r:id="rId11"/>
+    <p:sldId id="499" r:id="rId12"/>
+    <p:sldId id="508" r:id="rId13"/>
+    <p:sldId id="500" r:id="rId14"/>
+    <p:sldId id="503" r:id="rId15"/>
+    <p:sldId id="509" r:id="rId16"/>
+    <p:sldId id="510" r:id="rId17"/>
+    <p:sldId id="501" r:id="rId18"/>
+    <p:sldId id="505" r:id="rId19"/>
+    <p:sldId id="504" r:id="rId20"/>
   </p:sldIdLst>
   <p:sldSz cx="9144000" cy="5143500" type="screen16x9"/>
   <p:notesSz cx="6858000" cy="9144000"/>
   <p:embeddedFontLst>
     <p:embeddedFont>
       <p:font typeface="Consolas" panose="020B0609020204030204" pitchFamily="49" charset="0"/>
-      <p:regular r:id="rId21"/>
-      <p:bold r:id="rId22"/>
-      <p:italic r:id="rId23"/>
-      <p:boldItalic r:id="rId24"/>
+      <p:regular r:id="rId22"/>
+      <p:bold r:id="rId23"/>
+      <p:italic r:id="rId24"/>
+      <p:boldItalic r:id="rId25"/>
     </p:embeddedFont>
     <p:embeddedFont>
       <p:font typeface="Lato" panose="020F0502020204030203" pitchFamily="34" charset="0"/>
-      <p:regular r:id="rId25"/>
-      <p:bold r:id="rId26"/>
-      <p:italic r:id="rId27"/>
-      <p:boldItalic r:id="rId28"/>
+      <p:regular r:id="rId26"/>
+      <p:bold r:id="rId27"/>
+      <p:italic r:id="rId28"/>
+      <p:boldItalic r:id="rId29"/>
     </p:embeddedFont>
     <p:embeddedFont>
-      <p:font typeface="Raleway" panose="020B0503030101060003" pitchFamily="34" charset="0"/>
-      <p:regular r:id="rId29"/>
-      <p:bold r:id="rId30"/>
-      <p:italic r:id="rId31"/>
-      <p:boldItalic r:id="rId32"/>
+      <p:font typeface="Raleway" pitchFamily="2" charset="77"/>
+      <p:regular r:id="rId30"/>
+      <p:bold r:id="rId31"/>
+      <p:italic r:id="rId32"/>
+      <p:boldItalic r:id="rId33"/>
     </p:embeddedFont>
     <p:embeddedFont>
       <p:font typeface="Segoe UI" panose="020B0502040204020203" pitchFamily="34" charset="0"/>
-      <p:regular r:id="rId33"/>
-      <p:bold r:id="rId34"/>
-      <p:italic r:id="rId35"/>
-      <p:boldItalic r:id="rId36"/>
+      <p:regular r:id="rId34"/>
+      <p:bold r:id="rId35"/>
+      <p:italic r:id="rId36"/>
+      <p:boldItalic r:id="rId37"/>
     </p:embeddedFont>
   </p:embeddedFontLst>
   <p:defaultTextStyle>
@@ -1079,6 +1080,788 @@
 </file>
 
 <file path=ppt/diagrams/colors2.xml><?xml version="1.0" encoding="utf-8"?>
+<dgm:colorsDef xmlns:dgm="http://schemas.openxmlformats.org/drawingml/2006/diagram" xmlns:a="http://schemas.openxmlformats.org/drawingml/2006/main" uniqueId="urn:microsoft.com/office/officeart/2005/8/colors/colorful2">
+  <dgm:title val=""/>
+  <dgm:desc val=""/>
+  <dgm:catLst>
+    <dgm:cat type="colorful" pri="10200"/>
+  </dgm:catLst>
+  <dgm:styleLbl name="node0">
+    <dgm:fillClrLst meth="repeat">
+      <a:schemeClr val="accent1"/>
+    </dgm:fillClrLst>
+    <dgm:linClrLst meth="repeat">
+      <a:schemeClr val="lt1"/>
+    </dgm:linClrLst>
+    <dgm:effectClrLst/>
+    <dgm:txLinClrLst/>
+    <dgm:txFillClrLst/>
+    <dgm:txEffectClrLst/>
+  </dgm:styleLbl>
+  <dgm:styleLbl name="node1">
+    <dgm:fillClrLst>
+      <a:schemeClr val="accent2"/>
+      <a:schemeClr val="accent3"/>
+    </dgm:fillClrLst>
+    <dgm:linClrLst meth="repeat">
+      <a:schemeClr val="lt1"/>
+    </dgm:linClrLst>
+    <dgm:effectClrLst/>
+    <dgm:txLinClrLst/>
+    <dgm:txFillClrLst/>
+    <dgm:txEffectClrLst/>
+  </dgm:styleLbl>
+  <dgm:styleLbl name="alignNode1">
+    <dgm:fillClrLst>
+      <a:schemeClr val="accent2"/>
+      <a:schemeClr val="accent3"/>
+    </dgm:fillClrLst>
+    <dgm:linClrLst>
+      <a:schemeClr val="accent2"/>
+      <a:schemeClr val="accent3"/>
+    </dgm:linClrLst>
+    <dgm:effectClrLst/>
+    <dgm:txLinClrLst/>
+    <dgm:txFillClrLst/>
+    <dgm:txEffectClrLst/>
+  </dgm:styleLbl>
+  <dgm:styleLbl name="lnNode1">
+    <dgm:fillClrLst>
+      <a:schemeClr val="accent2"/>
+      <a:schemeClr val="accent3"/>
+    </dgm:fillClrLst>
+    <dgm:linClrLst meth="repeat">
+      <a:schemeClr val="lt1"/>
+    </dgm:linClrLst>
+    <dgm:effectClrLst/>
+    <dgm:txLinClrLst/>
+    <dgm:txFillClrLst/>
+    <dgm:txEffectClrLst/>
+  </dgm:styleLbl>
+  <dgm:styleLbl name="vennNode1">
+    <dgm:fillClrLst>
+      <a:schemeClr val="accent2">
+        <a:alpha val="50000"/>
+      </a:schemeClr>
+      <a:schemeClr val="accent3">
+        <a:alpha val="50000"/>
+      </a:schemeClr>
+    </dgm:fillClrLst>
+    <dgm:linClrLst meth="repeat">
+      <a:schemeClr val="lt1"/>
+    </dgm:linClrLst>
+    <dgm:effectClrLst/>
+    <dgm:txLinClrLst/>
+    <dgm:txFillClrLst/>
+    <dgm:txEffectClrLst/>
+  </dgm:styleLbl>
+  <dgm:styleLbl name="node2">
+    <dgm:fillClrLst>
+      <a:schemeClr val="accent3"/>
+    </dgm:fillClrLst>
+    <dgm:linClrLst meth="repeat">
+      <a:schemeClr val="lt1"/>
+    </dgm:linClrLst>
+    <dgm:effectClrLst/>
+    <dgm:txLinClrLst/>
+    <dgm:txFillClrLst/>
+    <dgm:txEffectClrLst/>
+  </dgm:styleLbl>
+  <dgm:styleLbl name="node3">
+    <dgm:fillClrLst>
+      <a:schemeClr val="accent4"/>
+    </dgm:fillClrLst>
+    <dgm:linClrLst meth="repeat">
+      <a:schemeClr val="lt1"/>
+    </dgm:linClrLst>
+    <dgm:effectClrLst/>
+    <dgm:txLinClrLst/>
+    <dgm:txFillClrLst/>
+    <dgm:txEffectClrLst/>
+  </dgm:styleLbl>
+  <dgm:styleLbl name="node4">
+    <dgm:fillClrLst>
+      <a:schemeClr val="accent5"/>
+    </dgm:fillClrLst>
+    <dgm:linClrLst meth="repeat">
+      <a:schemeClr val="lt1"/>
+    </dgm:linClrLst>
+    <dgm:effectClrLst/>
+    <dgm:txLinClrLst/>
+    <dgm:txFillClrLst/>
+    <dgm:txEffectClrLst/>
+  </dgm:styleLbl>
+  <dgm:styleLbl name="fgImgPlace1">
+    <dgm:fillClrLst>
+      <a:schemeClr val="accent2">
+        <a:tint val="50000"/>
+      </a:schemeClr>
+      <a:schemeClr val="accent3">
+        <a:tint val="50000"/>
+      </a:schemeClr>
+    </dgm:fillClrLst>
+    <dgm:linClrLst meth="repeat">
+      <a:schemeClr val="lt1"/>
+    </dgm:linClrLst>
+    <dgm:effectClrLst/>
+    <dgm:txLinClrLst/>
+    <dgm:txFillClrLst meth="repeat">
+      <a:schemeClr val="lt1"/>
+    </dgm:txFillClrLst>
+    <dgm:txEffectClrLst/>
+  </dgm:styleLbl>
+  <dgm:styleLbl name="alignImgPlace1">
+    <dgm:fillClrLst>
+      <a:schemeClr val="accent2">
+        <a:tint val="50000"/>
+      </a:schemeClr>
+      <a:schemeClr val="accent3">
+        <a:tint val="20000"/>
+      </a:schemeClr>
+    </dgm:fillClrLst>
+    <dgm:linClrLst meth="repeat">
+      <a:schemeClr val="lt1"/>
+    </dgm:linClrLst>
+    <dgm:effectClrLst/>
+    <dgm:txLinClrLst/>
+    <dgm:txFillClrLst meth="repeat">
+      <a:schemeClr val="lt1"/>
+    </dgm:txFillClrLst>
+    <dgm:txEffectClrLst/>
+  </dgm:styleLbl>
+  <dgm:styleLbl name="bgImgPlace1">
+    <dgm:fillClrLst>
+      <a:schemeClr val="accent2">
+        <a:tint val="50000"/>
+      </a:schemeClr>
+      <a:schemeClr val="accent3">
+        <a:tint val="20000"/>
+      </a:schemeClr>
+    </dgm:fillClrLst>
+    <dgm:linClrLst meth="repeat">
+      <a:schemeClr val="lt1"/>
+    </dgm:linClrLst>
+    <dgm:effectClrLst/>
+    <dgm:txLinClrLst/>
+    <dgm:txFillClrLst meth="repeat">
+      <a:schemeClr val="lt1"/>
+    </dgm:txFillClrLst>
+    <dgm:txEffectClrLst/>
+  </dgm:styleLbl>
+  <dgm:styleLbl name="sibTrans2D1">
+    <dgm:fillClrLst>
+      <a:schemeClr val="accent2"/>
+      <a:schemeClr val="accent3"/>
+    </dgm:fillClrLst>
+    <dgm:linClrLst meth="repeat">
+      <a:schemeClr val="lt1"/>
+    </dgm:linClrLst>
+    <dgm:effectClrLst/>
+    <dgm:txLinClrLst/>
+    <dgm:txFillClrLst/>
+    <dgm:txEffectClrLst/>
+  </dgm:styleLbl>
+  <dgm:styleLbl name="fgSibTrans2D1">
+    <dgm:fillClrLst>
+      <a:schemeClr val="accent2"/>
+      <a:schemeClr val="accent3"/>
+    </dgm:fillClrLst>
+    <dgm:linClrLst meth="repeat">
+      <a:schemeClr val="lt1"/>
+    </dgm:linClrLst>
+    <dgm:effectClrLst/>
+    <dgm:txLinClrLst/>
+    <dgm:txFillClrLst meth="repeat">
+      <a:schemeClr val="lt1"/>
+    </dgm:txFillClrLst>
+    <dgm:txEffectClrLst/>
+  </dgm:styleLbl>
+  <dgm:styleLbl name="bgSibTrans2D1">
+    <dgm:fillClrLst>
+      <a:schemeClr val="accent2"/>
+      <a:schemeClr val="accent3"/>
+    </dgm:fillClrLst>
+    <dgm:linClrLst meth="repeat">
+      <a:schemeClr val="lt1"/>
+    </dgm:linClrLst>
+    <dgm:effectClrLst/>
+    <dgm:txLinClrLst/>
+    <dgm:txFillClrLst meth="repeat">
+      <a:schemeClr val="lt1"/>
+    </dgm:txFillClrLst>
+    <dgm:txEffectClrLst/>
+  </dgm:styleLbl>
+  <dgm:styleLbl name="sibTrans1D1">
+    <dgm:fillClrLst/>
+    <dgm:linClrLst>
+      <a:schemeClr val="accent2"/>
+      <a:schemeClr val="accent3"/>
+    </dgm:linClrLst>
+    <dgm:effectClrLst/>
+    <dgm:txLinClrLst/>
+    <dgm:txFillClrLst meth="repeat">
+      <a:schemeClr val="tx1"/>
+    </dgm:txFillClrLst>
+    <dgm:txEffectClrLst/>
+  </dgm:styleLbl>
+  <dgm:styleLbl name="callout">
+    <dgm:fillClrLst meth="repeat">
+      <a:schemeClr val="accent2"/>
+    </dgm:fillClrLst>
+    <dgm:linClrLst meth="repeat">
+      <a:schemeClr val="accent2">
+        <a:tint val="50000"/>
+      </a:schemeClr>
+    </dgm:linClrLst>
+    <dgm:effectClrLst/>
+    <dgm:txLinClrLst/>
+    <dgm:txFillClrLst meth="repeat">
+      <a:schemeClr val="tx1"/>
+    </dgm:txFillClrLst>
+    <dgm:txEffectClrLst/>
+  </dgm:styleLbl>
+  <dgm:styleLbl name="asst0">
+    <dgm:fillClrLst meth="repeat">
+      <a:schemeClr val="accent2"/>
+    </dgm:fillClrLst>
+    <dgm:linClrLst meth="repeat">
+      <a:schemeClr val="lt1">
+        <a:shade val="80000"/>
+      </a:schemeClr>
+    </dgm:linClrLst>
+    <dgm:effectClrLst/>
+    <dgm:txLinClrLst/>
+    <dgm:txFillClrLst/>
+    <dgm:txEffectClrLst/>
+  </dgm:styleLbl>
+  <dgm:styleLbl name="asst1">
+    <dgm:fillClrLst meth="repeat">
+      <a:schemeClr val="accent3"/>
+    </dgm:fillClrLst>
+    <dgm:linClrLst meth="repeat">
+      <a:schemeClr val="lt1">
+        <a:shade val="80000"/>
+      </a:schemeClr>
+    </dgm:linClrLst>
+    <dgm:effectClrLst/>
+    <dgm:txLinClrLst/>
+    <dgm:txFillClrLst/>
+    <dgm:txEffectClrLst/>
+  </dgm:styleLbl>
+  <dgm:styleLbl name="asst2">
+    <dgm:fillClrLst>
+      <a:schemeClr val="accent4"/>
+    </dgm:fillClrLst>
+    <dgm:linClrLst meth="repeat">
+      <a:schemeClr val="lt1"/>
+    </dgm:linClrLst>
+    <dgm:effectClrLst/>
+    <dgm:txLinClrLst/>
+    <dgm:txFillClrLst/>
+    <dgm:txEffectClrLst/>
+  </dgm:styleLbl>
+  <dgm:styleLbl name="asst3">
+    <dgm:fillClrLst>
+      <a:schemeClr val="accent5"/>
+    </dgm:fillClrLst>
+    <dgm:linClrLst meth="repeat">
+      <a:schemeClr val="lt1"/>
+    </dgm:linClrLst>
+    <dgm:effectClrLst/>
+    <dgm:txLinClrLst/>
+    <dgm:txFillClrLst/>
+    <dgm:txEffectClrLst/>
+  </dgm:styleLbl>
+  <dgm:styleLbl name="asst4">
+    <dgm:fillClrLst>
+      <a:schemeClr val="accent6"/>
+    </dgm:fillClrLst>
+    <dgm:linClrLst meth="repeat">
+      <a:schemeClr val="lt1"/>
+    </dgm:linClrLst>
+    <dgm:effectClrLst/>
+    <dgm:txLinClrLst/>
+    <dgm:txFillClrLst/>
+    <dgm:txEffectClrLst/>
+  </dgm:styleLbl>
+  <dgm:styleLbl name="parChTrans2D1">
+    <dgm:fillClrLst meth="repeat">
+      <a:schemeClr val="accent2"/>
+    </dgm:fillClrLst>
+    <dgm:linClrLst meth="repeat">
+      <a:schemeClr val="lt1"/>
+    </dgm:linClrLst>
+    <dgm:effectClrLst/>
+    <dgm:txLinClrLst/>
+    <dgm:txFillClrLst meth="repeat">
+      <a:schemeClr val="lt1"/>
+    </dgm:txFillClrLst>
+    <dgm:txEffectClrLst/>
+  </dgm:styleLbl>
+  <dgm:styleLbl name="parChTrans2D2">
+    <dgm:fillClrLst meth="repeat">
+      <a:schemeClr val="accent3"/>
+    </dgm:fillClrLst>
+    <dgm:linClrLst meth="repeat">
+      <a:schemeClr val="lt1"/>
+    </dgm:linClrLst>
+    <dgm:effectClrLst/>
+    <dgm:txLinClrLst/>
+    <dgm:txFillClrLst/>
+    <dgm:txEffectClrLst/>
+  </dgm:styleLbl>
+  <dgm:styleLbl name="parChTrans2D3">
+    <dgm:fillClrLst meth="repeat">
+      <a:schemeClr val="accent4"/>
+    </dgm:fillClrLst>
+    <dgm:linClrLst meth="repeat">
+      <a:schemeClr val="lt1"/>
+    </dgm:linClrLst>
+    <dgm:effectClrLst/>
+    <dgm:txLinClrLst/>
+    <dgm:txFillClrLst/>
+    <dgm:txEffectClrLst/>
+  </dgm:styleLbl>
+  <dgm:styleLbl name="parChTrans2D4">
+    <dgm:fillClrLst meth="repeat">
+      <a:schemeClr val="accent5"/>
+    </dgm:fillClrLst>
+    <dgm:linClrLst meth="repeat">
+      <a:schemeClr val="lt1"/>
+    </dgm:linClrLst>
+    <dgm:effectClrLst/>
+    <dgm:txLinClrLst/>
+    <dgm:txFillClrLst meth="repeat">
+      <a:schemeClr val="lt1"/>
+    </dgm:txFillClrLst>
+    <dgm:txEffectClrLst/>
+  </dgm:styleLbl>
+  <dgm:styleLbl name="parChTrans1D1">
+    <dgm:fillClrLst meth="repeat">
+      <a:schemeClr val="accent2"/>
+    </dgm:fillClrLst>
+    <dgm:linClrLst meth="repeat">
+      <a:schemeClr val="accent2"/>
+    </dgm:linClrLst>
+    <dgm:effectClrLst/>
+    <dgm:txLinClrLst/>
+    <dgm:txFillClrLst meth="repeat">
+      <a:schemeClr val="tx1"/>
+    </dgm:txFillClrLst>
+    <dgm:txEffectClrLst/>
+  </dgm:styleLbl>
+  <dgm:styleLbl name="parChTrans1D2">
+    <dgm:fillClrLst meth="repeat">
+      <a:schemeClr val="accent2">
+        <a:tint val="90000"/>
+      </a:schemeClr>
+    </dgm:fillClrLst>
+    <dgm:linClrLst meth="repeat">
+      <a:schemeClr val="accent3"/>
+    </dgm:linClrLst>
+    <dgm:effectClrLst/>
+    <dgm:txLinClrLst/>
+    <dgm:txFillClrLst meth="repeat">
+      <a:schemeClr val="tx1"/>
+    </dgm:txFillClrLst>
+    <dgm:txEffectClrLst/>
+  </dgm:styleLbl>
+  <dgm:styleLbl name="parChTrans1D3">
+    <dgm:fillClrLst meth="repeat">
+      <a:schemeClr val="accent2">
+        <a:tint val="70000"/>
+      </a:schemeClr>
+    </dgm:fillClrLst>
+    <dgm:linClrLst meth="repeat">
+      <a:schemeClr val="accent4"/>
+    </dgm:linClrLst>
+    <dgm:effectClrLst/>
+    <dgm:txLinClrLst/>
+    <dgm:txFillClrLst meth="repeat">
+      <a:schemeClr val="tx1"/>
+    </dgm:txFillClrLst>
+    <dgm:txEffectClrLst/>
+  </dgm:styleLbl>
+  <dgm:styleLbl name="parChTrans1D4">
+    <dgm:fillClrLst meth="repeat">
+      <a:schemeClr val="accent2">
+        <a:tint val="50000"/>
+      </a:schemeClr>
+    </dgm:fillClrLst>
+    <dgm:linClrLst meth="repeat">
+      <a:schemeClr val="accent5"/>
+    </dgm:linClrLst>
+    <dgm:effectClrLst/>
+    <dgm:txLinClrLst/>
+    <dgm:txFillClrLst meth="repeat">
+      <a:schemeClr val="tx1"/>
+    </dgm:txFillClrLst>
+    <dgm:txEffectClrLst/>
+  </dgm:styleLbl>
+  <dgm:styleLbl name="fgAcc1">
+    <dgm:fillClrLst meth="repeat">
+      <a:schemeClr val="lt1">
+        <a:alpha val="90000"/>
+      </a:schemeClr>
+    </dgm:fillClrLst>
+    <dgm:linClrLst>
+      <a:schemeClr val="accent2"/>
+      <a:schemeClr val="accent3"/>
+    </dgm:linClrLst>
+    <dgm:effectClrLst/>
+    <dgm:txLinClrLst/>
+    <dgm:txFillClrLst meth="repeat">
+      <a:schemeClr val="dk1"/>
+    </dgm:txFillClrLst>
+    <dgm:txEffectClrLst/>
+  </dgm:styleLbl>
+  <dgm:styleLbl name="conFgAcc1">
+    <dgm:fillClrLst meth="repeat">
+      <a:schemeClr val="lt1">
+        <a:alpha val="90000"/>
+      </a:schemeClr>
+    </dgm:fillClrLst>
+    <dgm:linClrLst>
+      <a:schemeClr val="accent2"/>
+      <a:schemeClr val="accent3"/>
+    </dgm:linClrLst>
+    <dgm:effectClrLst/>
+    <dgm:txLinClrLst/>
+    <dgm:txFillClrLst meth="repeat">
+      <a:schemeClr val="dk1"/>
+    </dgm:txFillClrLst>
+    <dgm:txEffectClrLst/>
+  </dgm:styleLbl>
+  <dgm:styleLbl name="alignAcc1">
+    <dgm:fillClrLst meth="repeat">
+      <a:schemeClr val="lt1">
+        <a:alpha val="90000"/>
+      </a:schemeClr>
+    </dgm:fillClrLst>
+    <dgm:linClrLst>
+      <a:schemeClr val="accent2"/>
+      <a:schemeClr val="accent3"/>
+    </dgm:linClrLst>
+    <dgm:effectClrLst/>
+    <dgm:txLinClrLst/>
+    <dgm:txFillClrLst meth="repeat">
+      <a:schemeClr val="dk1"/>
+    </dgm:txFillClrLst>
+    <dgm:txEffectClrLst/>
+  </dgm:styleLbl>
+  <dgm:styleLbl name="trAlignAcc1">
+    <dgm:fillClrLst meth="repeat">
+      <a:schemeClr val="lt1">
+        <a:alpha val="40000"/>
+      </a:schemeClr>
+    </dgm:fillClrLst>
+    <dgm:linClrLst meth="repeat">
+      <a:schemeClr val="accent2"/>
+    </dgm:linClrLst>
+    <dgm:effectClrLst/>
+    <dgm:txLinClrLst/>
+    <dgm:txFillClrLst meth="repeat">
+      <a:schemeClr val="dk1"/>
+    </dgm:txFillClrLst>
+    <dgm:txEffectClrLst/>
+  </dgm:styleLbl>
+  <dgm:styleLbl name="bgAcc1">
+    <dgm:fillClrLst meth="repeat">
+      <a:schemeClr val="lt1">
+        <a:alpha val="90000"/>
+      </a:schemeClr>
+    </dgm:fillClrLst>
+    <dgm:linClrLst>
+      <a:schemeClr val="accent2"/>
+      <a:schemeClr val="accent3"/>
+    </dgm:linClrLst>
+    <dgm:effectClrLst/>
+    <dgm:txLinClrLst/>
+    <dgm:txFillClrLst meth="repeat">
+      <a:schemeClr val="dk1"/>
+    </dgm:txFillClrLst>
+    <dgm:txEffectClrLst/>
+  </dgm:styleLbl>
+  <dgm:styleLbl name="solidFgAcc1">
+    <dgm:fillClrLst meth="repeat">
+      <a:schemeClr val="lt1"/>
+    </dgm:fillClrLst>
+    <dgm:linClrLst>
+      <a:schemeClr val="accent2"/>
+      <a:schemeClr val="accent3"/>
+    </dgm:linClrLst>
+    <dgm:effectClrLst/>
+    <dgm:txLinClrLst/>
+    <dgm:txFillClrLst meth="repeat">
+      <a:schemeClr val="dk1"/>
+    </dgm:txFillClrLst>
+    <dgm:txEffectClrLst/>
+  </dgm:styleLbl>
+  <dgm:styleLbl name="solidAlignAcc1">
+    <dgm:fillClrLst meth="repeat">
+      <a:schemeClr val="lt1"/>
+    </dgm:fillClrLst>
+    <dgm:linClrLst>
+      <a:schemeClr val="accent2"/>
+      <a:schemeClr val="accent3"/>
+    </dgm:linClrLst>
+    <dgm:effectClrLst/>
+    <dgm:txLinClrLst/>
+    <dgm:txFillClrLst meth="repeat">
+      <a:schemeClr val="dk1"/>
+    </dgm:txFillClrLst>
+    <dgm:txEffectClrLst/>
+  </dgm:styleLbl>
+  <dgm:styleLbl name="solidBgAcc1">
+    <dgm:fillClrLst meth="repeat">
+      <a:schemeClr val="lt1"/>
+    </dgm:fillClrLst>
+    <dgm:linClrLst>
+      <a:schemeClr val="accent2"/>
+      <a:schemeClr val="accent3"/>
+    </dgm:linClrLst>
+    <dgm:effectClrLst/>
+    <dgm:txLinClrLst/>
+    <dgm:txFillClrLst meth="repeat">
+      <a:schemeClr val="dk1"/>
+    </dgm:txFillClrLst>
+    <dgm:txEffectClrLst/>
+  </dgm:styleLbl>
+  <dgm:styleLbl name="fgAccFollowNode1">
+    <dgm:fillClrLst>
+      <a:schemeClr val="accent2">
+        <a:tint val="40000"/>
+        <a:alpha val="90000"/>
+      </a:schemeClr>
+      <a:schemeClr val="accent3">
+        <a:tint val="40000"/>
+        <a:alpha val="90000"/>
+      </a:schemeClr>
+    </dgm:fillClrLst>
+    <dgm:linClrLst>
+      <a:schemeClr val="accent2">
+        <a:tint val="40000"/>
+        <a:alpha val="90000"/>
+      </a:schemeClr>
+      <a:schemeClr val="accent3">
+        <a:tint val="40000"/>
+        <a:alpha val="90000"/>
+      </a:schemeClr>
+    </dgm:linClrLst>
+    <dgm:effectClrLst/>
+    <dgm:txLinClrLst/>
+    <dgm:txFillClrLst meth="repeat">
+      <a:schemeClr val="dk1"/>
+    </dgm:txFillClrLst>
+    <dgm:txEffectClrLst/>
+  </dgm:styleLbl>
+  <dgm:styleLbl name="alignAccFollowNode1">
+    <dgm:fillClrLst>
+      <a:schemeClr val="accent2">
+        <a:tint val="40000"/>
+        <a:alpha val="90000"/>
+      </a:schemeClr>
+      <a:schemeClr val="accent3">
+        <a:tint val="40000"/>
+        <a:alpha val="90000"/>
+      </a:schemeClr>
+    </dgm:fillClrLst>
+    <dgm:linClrLst>
+      <a:schemeClr val="accent2">
+        <a:tint val="40000"/>
+        <a:alpha val="90000"/>
+      </a:schemeClr>
+      <a:schemeClr val="accent3">
+        <a:tint val="40000"/>
+        <a:alpha val="90000"/>
+      </a:schemeClr>
+    </dgm:linClrLst>
+    <dgm:effectClrLst/>
+    <dgm:txLinClrLst/>
+    <dgm:txFillClrLst meth="repeat">
+      <a:schemeClr val="dk1"/>
+    </dgm:txFillClrLst>
+    <dgm:txEffectClrLst/>
+  </dgm:styleLbl>
+  <dgm:styleLbl name="bgAccFollowNode1">
+    <dgm:fillClrLst>
+      <a:schemeClr val="accent2">
+        <a:tint val="40000"/>
+        <a:alpha val="90000"/>
+      </a:schemeClr>
+      <a:schemeClr val="accent3">
+        <a:tint val="40000"/>
+        <a:alpha val="90000"/>
+      </a:schemeClr>
+    </dgm:fillClrLst>
+    <dgm:linClrLst>
+      <a:schemeClr val="accent2">
+        <a:tint val="40000"/>
+        <a:alpha val="90000"/>
+      </a:schemeClr>
+      <a:schemeClr val="accent3">
+        <a:tint val="40000"/>
+        <a:alpha val="90000"/>
+      </a:schemeClr>
+    </dgm:linClrLst>
+    <dgm:effectClrLst/>
+    <dgm:txLinClrLst/>
+    <dgm:txFillClrLst meth="repeat">
+      <a:schemeClr val="dk1"/>
+    </dgm:txFillClrLst>
+    <dgm:txEffectClrLst/>
+  </dgm:styleLbl>
+  <dgm:styleLbl name="fgAcc0">
+    <dgm:fillClrLst meth="repeat">
+      <a:schemeClr val="lt1">
+        <a:alpha val="90000"/>
+      </a:schemeClr>
+    </dgm:fillClrLst>
+    <dgm:linClrLst>
+      <a:schemeClr val="accent1"/>
+    </dgm:linClrLst>
+    <dgm:effectClrLst/>
+    <dgm:txLinClrLst/>
+    <dgm:txFillClrLst meth="repeat">
+      <a:schemeClr val="dk1"/>
+    </dgm:txFillClrLst>
+    <dgm:txEffectClrLst/>
+  </dgm:styleLbl>
+  <dgm:styleLbl name="fgAcc2">
+    <dgm:fillClrLst meth="repeat">
+      <a:schemeClr val="lt1">
+        <a:alpha val="90000"/>
+      </a:schemeClr>
+    </dgm:fillClrLst>
+    <dgm:linClrLst>
+      <a:schemeClr val="accent3"/>
+    </dgm:linClrLst>
+    <dgm:effectClrLst/>
+    <dgm:txLinClrLst/>
+    <dgm:txFillClrLst meth="repeat">
+      <a:schemeClr val="dk1"/>
+    </dgm:txFillClrLst>
+    <dgm:txEffectClrLst/>
+  </dgm:styleLbl>
+  <dgm:styleLbl name="fgAcc3">
+    <dgm:fillClrLst meth="repeat">
+      <a:schemeClr val="lt1">
+        <a:alpha val="90000"/>
+      </a:schemeClr>
+    </dgm:fillClrLst>
+    <dgm:linClrLst>
+      <a:schemeClr val="accent4"/>
+    </dgm:linClrLst>
+    <dgm:effectClrLst/>
+    <dgm:txLinClrLst/>
+    <dgm:txFillClrLst meth="repeat">
+      <a:schemeClr val="dk1"/>
+    </dgm:txFillClrLst>
+    <dgm:txEffectClrLst/>
+  </dgm:styleLbl>
+  <dgm:styleLbl name="fgAcc4">
+    <dgm:fillClrLst meth="repeat">
+      <a:schemeClr val="lt1">
+        <a:alpha val="90000"/>
+      </a:schemeClr>
+    </dgm:fillClrLst>
+    <dgm:linClrLst>
+      <a:schemeClr val="accent5"/>
+    </dgm:linClrLst>
+    <dgm:effectClrLst/>
+    <dgm:txLinClrLst/>
+    <dgm:txFillClrLst meth="repeat">
+      <a:schemeClr val="dk1"/>
+    </dgm:txFillClrLst>
+    <dgm:txEffectClrLst/>
+  </dgm:styleLbl>
+  <dgm:styleLbl name="bgShp">
+    <dgm:fillClrLst meth="repeat">
+      <a:schemeClr val="accent2">
+        <a:tint val="40000"/>
+      </a:schemeClr>
+    </dgm:fillClrLst>
+    <dgm:linClrLst meth="repeat">
+      <a:schemeClr val="dk1"/>
+    </dgm:linClrLst>
+    <dgm:effectClrLst/>
+    <dgm:txLinClrLst/>
+    <dgm:txFillClrLst meth="repeat">
+      <a:schemeClr val="dk1"/>
+    </dgm:txFillClrLst>
+    <dgm:txEffectClrLst/>
+  </dgm:styleLbl>
+  <dgm:styleLbl name="dkBgShp">
+    <dgm:fillClrLst meth="repeat">
+      <a:schemeClr val="accent2">
+        <a:shade val="90000"/>
+      </a:schemeClr>
+    </dgm:fillClrLst>
+    <dgm:linClrLst meth="repeat">
+      <a:schemeClr val="dk1"/>
+    </dgm:linClrLst>
+    <dgm:effectClrLst/>
+    <dgm:txLinClrLst/>
+    <dgm:txFillClrLst meth="repeat">
+      <a:schemeClr val="lt1"/>
+    </dgm:txFillClrLst>
+    <dgm:txEffectClrLst/>
+  </dgm:styleLbl>
+  <dgm:styleLbl name="trBgShp">
+    <dgm:fillClrLst meth="repeat">
+      <a:schemeClr val="accent2">
+        <a:tint val="50000"/>
+        <a:alpha val="40000"/>
+      </a:schemeClr>
+    </dgm:fillClrLst>
+    <dgm:linClrLst meth="repeat">
+      <a:schemeClr val="accent2"/>
+    </dgm:linClrLst>
+    <dgm:effectClrLst/>
+    <dgm:txLinClrLst/>
+    <dgm:txFillClrLst meth="repeat">
+      <a:schemeClr val="lt1"/>
+    </dgm:txFillClrLst>
+    <dgm:txEffectClrLst/>
+  </dgm:styleLbl>
+  <dgm:styleLbl name="fgShp">
+    <dgm:fillClrLst meth="repeat">
+      <a:schemeClr val="accent2">
+        <a:tint val="40000"/>
+      </a:schemeClr>
+    </dgm:fillClrLst>
+    <dgm:linClrLst meth="repeat">
+      <a:schemeClr val="lt1"/>
+    </dgm:linClrLst>
+    <dgm:effectClrLst/>
+    <dgm:txLinClrLst/>
+    <dgm:txFillClrLst meth="repeat">
+      <a:schemeClr val="dk1"/>
+    </dgm:txFillClrLst>
+    <dgm:txEffectClrLst/>
+  </dgm:styleLbl>
+  <dgm:styleLbl name="revTx">
+    <dgm:fillClrLst meth="repeat">
+      <a:schemeClr val="lt1">
+        <a:alpha val="0"/>
+      </a:schemeClr>
+    </dgm:fillClrLst>
+    <dgm:linClrLst meth="repeat">
+      <a:schemeClr val="dk1">
+        <a:alpha val="0"/>
+      </a:schemeClr>
+    </dgm:linClrLst>
+    <dgm:effectClrLst/>
+    <dgm:txLinClrLst/>
+    <dgm:txFillClrLst meth="repeat">
+      <a:schemeClr val="tx1"/>
+    </dgm:txFillClrLst>
+    <dgm:txEffectClrLst/>
+  </dgm:styleLbl>
+</dgm:colorsDef>
+</file>
+
+<file path=ppt/diagrams/colors3.xml><?xml version="1.0" encoding="utf-8"?>
 <dgm:colorsDef xmlns:dgm="http://schemas.openxmlformats.org/drawingml/2006/diagram" xmlns:a="http://schemas.openxmlformats.org/drawingml/2006/main" uniqueId="urn:microsoft.com/office/officeart/2005/8/colors/colorful1">
   <dgm:title val=""/>
   <dgm:desc val=""/>
@@ -1998,6 +2781,305 @@
 </file>
 
 <file path=ppt/diagrams/data1.xml><?xml version="1.0" encoding="utf-8"?>
+<dgm:dataModel xmlns:dgm="http://schemas.openxmlformats.org/drawingml/2006/diagram" xmlns:a="http://schemas.openxmlformats.org/drawingml/2006/main">
+  <dgm:ptLst>
+    <dgm:pt modelId="{1209DA6C-1ED0-764E-B626-6D0EF1E5CC04}" type="doc">
+      <dgm:prSet loTypeId="urn:microsoft.com/office/officeart/2005/8/layout/process4" loCatId="" qsTypeId="urn:microsoft.com/office/officeart/2005/8/quickstyle/simple1" qsCatId="simple" csTypeId="urn:microsoft.com/office/officeart/2005/8/colors/colorful2" csCatId="colorful" phldr="1"/>
+      <dgm:spPr/>
+    </dgm:pt>
+    <dgm:pt modelId="{6AEFFD33-6E31-094A-B3A3-747897D95B16}">
+      <dgm:prSet phldrT="[Text]"/>
+      <dgm:spPr/>
+      <dgm:t>
+        <a:bodyPr/>
+        <a:lstStyle/>
+        <a:p>
+          <a:r>
+            <a:rPr lang="en-US" dirty="0"/>
+            <a:t>Make GitHub Repo</a:t>
+          </a:r>
+        </a:p>
+      </dgm:t>
+    </dgm:pt>
+    <dgm:pt modelId="{7411EE22-79F7-CE4B-AF45-589187AED16C}" type="parTrans" cxnId="{3E455B51-3C80-2247-ACAF-5EDA7A0C6A78}">
+      <dgm:prSet/>
+      <dgm:spPr/>
+      <dgm:t>
+        <a:bodyPr/>
+        <a:lstStyle/>
+        <a:p>
+          <a:endParaRPr lang="en-US"/>
+        </a:p>
+      </dgm:t>
+    </dgm:pt>
+    <dgm:pt modelId="{3BF4654C-741B-6945-BBD2-BF4F39E88FF7}" type="sibTrans" cxnId="{3E455B51-3C80-2247-ACAF-5EDA7A0C6A78}">
+      <dgm:prSet/>
+      <dgm:spPr/>
+      <dgm:t>
+        <a:bodyPr/>
+        <a:lstStyle/>
+        <a:p>
+          <a:endParaRPr lang="en-US"/>
+        </a:p>
+      </dgm:t>
+    </dgm:pt>
+    <dgm:pt modelId="{C0F74FA9-C124-534F-84F9-1022C5245B15}">
+      <dgm:prSet phldrT="[Text]"/>
+      <dgm:spPr/>
+      <dgm:t>
+        <a:bodyPr/>
+        <a:lstStyle/>
+        <a:p>
+          <a:r>
+            <a:rPr lang="en-US" dirty="0"/>
+            <a:t>Add YAML file to .</a:t>
+          </a:r>
+          <a:r>
+            <a:rPr lang="en-US" dirty="0" err="1"/>
+            <a:t>github</a:t>
+          </a:r>
+          <a:r>
+            <a:rPr lang="en-US" dirty="0"/>
+            <a:t>/actions folder</a:t>
+          </a:r>
+        </a:p>
+      </dgm:t>
+    </dgm:pt>
+    <dgm:pt modelId="{62ACEA03-73D4-AA44-8EE3-26C5E4824385}" type="parTrans" cxnId="{D88D6DF5-2F76-F441-B516-49FA9CF1A8F9}">
+      <dgm:prSet/>
+      <dgm:spPr/>
+      <dgm:t>
+        <a:bodyPr/>
+        <a:lstStyle/>
+        <a:p>
+          <a:endParaRPr lang="en-US"/>
+        </a:p>
+      </dgm:t>
+    </dgm:pt>
+    <dgm:pt modelId="{B45FC33D-7343-BE4E-BD3A-56E929DFB873}" type="sibTrans" cxnId="{D88D6DF5-2F76-F441-B516-49FA9CF1A8F9}">
+      <dgm:prSet/>
+      <dgm:spPr/>
+      <dgm:t>
+        <a:bodyPr/>
+        <a:lstStyle/>
+        <a:p>
+          <a:endParaRPr lang="en-US"/>
+        </a:p>
+      </dgm:t>
+    </dgm:pt>
+    <dgm:pt modelId="{74C9474F-A8D7-8348-A9D3-800A809F3DEA}">
+      <dgm:prSet phldrT="[Text]"/>
+      <dgm:spPr/>
+      <dgm:t>
+        <a:bodyPr/>
+        <a:lstStyle/>
+        <a:p>
+          <a:r>
+            <a:rPr lang="en-US" dirty="0"/>
+            <a:t>Add Terraform File(s) to Repo</a:t>
+          </a:r>
+        </a:p>
+      </dgm:t>
+    </dgm:pt>
+    <dgm:pt modelId="{272E7279-2D88-2D4E-85F0-0F50CC9B5CE2}" type="parTrans" cxnId="{37940B42-B725-7C47-A469-3D536DD692D1}">
+      <dgm:prSet/>
+      <dgm:spPr/>
+      <dgm:t>
+        <a:bodyPr/>
+        <a:lstStyle/>
+        <a:p>
+          <a:endParaRPr lang="en-US"/>
+        </a:p>
+      </dgm:t>
+    </dgm:pt>
+    <dgm:pt modelId="{732D5CB9-7EE0-2D4C-ACBD-BB94A2129980}" type="sibTrans" cxnId="{37940B42-B725-7C47-A469-3D536DD692D1}">
+      <dgm:prSet/>
+      <dgm:spPr/>
+      <dgm:t>
+        <a:bodyPr/>
+        <a:lstStyle/>
+        <a:p>
+          <a:endParaRPr lang="en-US"/>
+        </a:p>
+      </dgm:t>
+    </dgm:pt>
+    <dgm:pt modelId="{E3C9FCF6-01FF-B44E-94A9-514E73914B66}">
+      <dgm:prSet phldrT="[Text]"/>
+      <dgm:spPr/>
+      <dgm:t>
+        <a:bodyPr/>
+        <a:lstStyle/>
+        <a:p>
+          <a:r>
+            <a:rPr lang="en-US" dirty="0"/>
+            <a:t>Commit and Push Changes to Repo</a:t>
+          </a:r>
+        </a:p>
+      </dgm:t>
+    </dgm:pt>
+    <dgm:pt modelId="{8E737A9A-FA38-D047-B91B-7B856B6DD50F}" type="parTrans" cxnId="{8770C6CE-8C06-9B43-9713-A37EA11F8FCF}">
+      <dgm:prSet/>
+      <dgm:spPr/>
+      <dgm:t>
+        <a:bodyPr/>
+        <a:lstStyle/>
+        <a:p>
+          <a:endParaRPr lang="en-US"/>
+        </a:p>
+      </dgm:t>
+    </dgm:pt>
+    <dgm:pt modelId="{A536760E-BE95-AB40-BDED-3EDD86C6D1A7}" type="sibTrans" cxnId="{8770C6CE-8C06-9B43-9713-A37EA11F8FCF}">
+      <dgm:prSet/>
+      <dgm:spPr/>
+      <dgm:t>
+        <a:bodyPr/>
+        <a:lstStyle/>
+        <a:p>
+          <a:endParaRPr lang="en-US"/>
+        </a:p>
+      </dgm:t>
+    </dgm:pt>
+    <dgm:pt modelId="{2503CB1C-21A7-F94F-BC2E-37DE5A00145E}">
+      <dgm:prSet phldrT="[Text]"/>
+      <dgm:spPr/>
+      <dgm:t>
+        <a:bodyPr/>
+        <a:lstStyle/>
+        <a:p>
+          <a:r>
+            <a:rPr lang="en-US" dirty="0"/>
+            <a:t>Add Cloud Secrets to Repo</a:t>
+          </a:r>
+        </a:p>
+      </dgm:t>
+    </dgm:pt>
+    <dgm:pt modelId="{F3598C78-C0D8-4D46-A2FB-D104F0DD177E}" type="parTrans" cxnId="{CBC5170F-F3C8-1E4C-9DC1-49828643E731}">
+      <dgm:prSet/>
+      <dgm:spPr/>
+      <dgm:t>
+        <a:bodyPr/>
+        <a:lstStyle/>
+        <a:p>
+          <a:endParaRPr lang="en-US"/>
+        </a:p>
+      </dgm:t>
+    </dgm:pt>
+    <dgm:pt modelId="{FF69CE39-A3F4-FE43-8D74-B2CB4CA2E996}" type="sibTrans" cxnId="{CBC5170F-F3C8-1E4C-9DC1-49828643E731}">
+      <dgm:prSet/>
+      <dgm:spPr/>
+      <dgm:t>
+        <a:bodyPr/>
+        <a:lstStyle/>
+        <a:p>
+          <a:endParaRPr lang="en-US"/>
+        </a:p>
+      </dgm:t>
+    </dgm:pt>
+    <dgm:pt modelId="{600856BD-8283-2041-A710-E9335A4BE70E}" type="pres">
+      <dgm:prSet presAssocID="{1209DA6C-1ED0-764E-B626-6D0EF1E5CC04}" presName="Name0" presStyleCnt="0">
+        <dgm:presLayoutVars>
+          <dgm:dir/>
+          <dgm:animLvl val="lvl"/>
+          <dgm:resizeHandles val="exact"/>
+        </dgm:presLayoutVars>
+      </dgm:prSet>
+      <dgm:spPr/>
+    </dgm:pt>
+    <dgm:pt modelId="{F7EC605A-8860-4940-AB87-85378FBE3B17}" type="pres">
+      <dgm:prSet presAssocID="{E3C9FCF6-01FF-B44E-94A9-514E73914B66}" presName="boxAndChildren" presStyleCnt="0"/>
+      <dgm:spPr/>
+    </dgm:pt>
+    <dgm:pt modelId="{E65F5BA4-5BAD-4F45-88DA-AB162A269E70}" type="pres">
+      <dgm:prSet presAssocID="{E3C9FCF6-01FF-B44E-94A9-514E73914B66}" presName="parentTextBox" presStyleLbl="node1" presStyleIdx="0" presStyleCnt="5"/>
+      <dgm:spPr/>
+    </dgm:pt>
+    <dgm:pt modelId="{33560C6F-CD5D-3145-A7EC-D03616CE468B}" type="pres">
+      <dgm:prSet presAssocID="{732D5CB9-7EE0-2D4C-ACBD-BB94A2129980}" presName="sp" presStyleCnt="0"/>
+      <dgm:spPr/>
+    </dgm:pt>
+    <dgm:pt modelId="{91F03C63-F21B-B54E-94E0-5DFBE63DA012}" type="pres">
+      <dgm:prSet presAssocID="{74C9474F-A8D7-8348-A9D3-800A809F3DEA}" presName="arrowAndChildren" presStyleCnt="0"/>
+      <dgm:spPr/>
+    </dgm:pt>
+    <dgm:pt modelId="{05CFC7BC-62A6-4E46-B050-C30345193116}" type="pres">
+      <dgm:prSet presAssocID="{74C9474F-A8D7-8348-A9D3-800A809F3DEA}" presName="parentTextArrow" presStyleLbl="node1" presStyleIdx="1" presStyleCnt="5"/>
+      <dgm:spPr/>
+    </dgm:pt>
+    <dgm:pt modelId="{396B460D-D028-9643-8B2C-364DC78423E2}" type="pres">
+      <dgm:prSet presAssocID="{B45FC33D-7343-BE4E-BD3A-56E929DFB873}" presName="sp" presStyleCnt="0"/>
+      <dgm:spPr/>
+    </dgm:pt>
+    <dgm:pt modelId="{C5F69C1B-0840-FE4F-BD6E-2CF6EE8D66B2}" type="pres">
+      <dgm:prSet presAssocID="{C0F74FA9-C124-534F-84F9-1022C5245B15}" presName="arrowAndChildren" presStyleCnt="0"/>
+      <dgm:spPr/>
+    </dgm:pt>
+    <dgm:pt modelId="{FE6A1512-8664-C544-8637-46A094A00665}" type="pres">
+      <dgm:prSet presAssocID="{C0F74FA9-C124-534F-84F9-1022C5245B15}" presName="parentTextArrow" presStyleLbl="node1" presStyleIdx="2" presStyleCnt="5"/>
+      <dgm:spPr/>
+    </dgm:pt>
+    <dgm:pt modelId="{E99D7F6E-D4A1-7D41-8238-30FA1E809FE7}" type="pres">
+      <dgm:prSet presAssocID="{FF69CE39-A3F4-FE43-8D74-B2CB4CA2E996}" presName="sp" presStyleCnt="0"/>
+      <dgm:spPr/>
+    </dgm:pt>
+    <dgm:pt modelId="{0463ADF0-4889-A849-A905-894E6B48B055}" type="pres">
+      <dgm:prSet presAssocID="{2503CB1C-21A7-F94F-BC2E-37DE5A00145E}" presName="arrowAndChildren" presStyleCnt="0"/>
+      <dgm:spPr/>
+    </dgm:pt>
+    <dgm:pt modelId="{645AA5F0-C37E-1A44-ADB8-2C04917BC818}" type="pres">
+      <dgm:prSet presAssocID="{2503CB1C-21A7-F94F-BC2E-37DE5A00145E}" presName="parentTextArrow" presStyleLbl="node1" presStyleIdx="3" presStyleCnt="5"/>
+      <dgm:spPr/>
+    </dgm:pt>
+    <dgm:pt modelId="{14BB48CC-7E8D-0646-99AB-3E4F315415A5}" type="pres">
+      <dgm:prSet presAssocID="{3BF4654C-741B-6945-BBD2-BF4F39E88FF7}" presName="sp" presStyleCnt="0"/>
+      <dgm:spPr/>
+    </dgm:pt>
+    <dgm:pt modelId="{5FF76908-D0A9-E243-80D6-47C48F6C230C}" type="pres">
+      <dgm:prSet presAssocID="{6AEFFD33-6E31-094A-B3A3-747897D95B16}" presName="arrowAndChildren" presStyleCnt="0"/>
+      <dgm:spPr/>
+    </dgm:pt>
+    <dgm:pt modelId="{914286F6-4832-5C47-86F8-7654B45B16F5}" type="pres">
+      <dgm:prSet presAssocID="{6AEFFD33-6E31-094A-B3A3-747897D95B16}" presName="parentTextArrow" presStyleLbl="node1" presStyleIdx="4" presStyleCnt="5"/>
+      <dgm:spPr/>
+    </dgm:pt>
+  </dgm:ptLst>
+  <dgm:cxnLst>
+    <dgm:cxn modelId="{CBC5170F-F3C8-1E4C-9DC1-49828643E731}" srcId="{1209DA6C-1ED0-764E-B626-6D0EF1E5CC04}" destId="{2503CB1C-21A7-F94F-BC2E-37DE5A00145E}" srcOrd="1" destOrd="0" parTransId="{F3598C78-C0D8-4D46-A2FB-D104F0DD177E}" sibTransId="{FF69CE39-A3F4-FE43-8D74-B2CB4CA2E996}"/>
+    <dgm:cxn modelId="{A7201815-E382-5542-8228-86BD4D8A334F}" type="presOf" srcId="{2503CB1C-21A7-F94F-BC2E-37DE5A00145E}" destId="{645AA5F0-C37E-1A44-ADB8-2C04917BC818}" srcOrd="0" destOrd="0" presId="urn:microsoft.com/office/officeart/2005/8/layout/process4"/>
+    <dgm:cxn modelId="{D4958722-FA02-0F4B-B214-147DC4AF79E4}" type="presOf" srcId="{74C9474F-A8D7-8348-A9D3-800A809F3DEA}" destId="{05CFC7BC-62A6-4E46-B050-C30345193116}" srcOrd="0" destOrd="0" presId="urn:microsoft.com/office/officeart/2005/8/layout/process4"/>
+    <dgm:cxn modelId="{E2BB0B3B-C9BD-EF46-9814-936DDFFEA823}" type="presOf" srcId="{C0F74FA9-C124-534F-84F9-1022C5245B15}" destId="{FE6A1512-8664-C544-8637-46A094A00665}" srcOrd="0" destOrd="0" presId="urn:microsoft.com/office/officeart/2005/8/layout/process4"/>
+    <dgm:cxn modelId="{37940B42-B725-7C47-A469-3D536DD692D1}" srcId="{1209DA6C-1ED0-764E-B626-6D0EF1E5CC04}" destId="{74C9474F-A8D7-8348-A9D3-800A809F3DEA}" srcOrd="3" destOrd="0" parTransId="{272E7279-2D88-2D4E-85F0-0F50CC9B5CE2}" sibTransId="{732D5CB9-7EE0-2D4C-ACBD-BB94A2129980}"/>
+    <dgm:cxn modelId="{3E455B51-3C80-2247-ACAF-5EDA7A0C6A78}" srcId="{1209DA6C-1ED0-764E-B626-6D0EF1E5CC04}" destId="{6AEFFD33-6E31-094A-B3A3-747897D95B16}" srcOrd="0" destOrd="0" parTransId="{7411EE22-79F7-CE4B-AF45-589187AED16C}" sibTransId="{3BF4654C-741B-6945-BBD2-BF4F39E88FF7}"/>
+    <dgm:cxn modelId="{9331D8C4-7733-5D4F-8085-A9E4432B355C}" type="presOf" srcId="{1209DA6C-1ED0-764E-B626-6D0EF1E5CC04}" destId="{600856BD-8283-2041-A710-E9335A4BE70E}" srcOrd="0" destOrd="0" presId="urn:microsoft.com/office/officeart/2005/8/layout/process4"/>
+    <dgm:cxn modelId="{8770C6CE-8C06-9B43-9713-A37EA11F8FCF}" srcId="{1209DA6C-1ED0-764E-B626-6D0EF1E5CC04}" destId="{E3C9FCF6-01FF-B44E-94A9-514E73914B66}" srcOrd="4" destOrd="0" parTransId="{8E737A9A-FA38-D047-B91B-7B856B6DD50F}" sibTransId="{A536760E-BE95-AB40-BDED-3EDD86C6D1A7}"/>
+    <dgm:cxn modelId="{B3126ED8-4EF4-4E43-BBFF-5392DE068998}" type="presOf" srcId="{E3C9FCF6-01FF-B44E-94A9-514E73914B66}" destId="{E65F5BA4-5BAD-4F45-88DA-AB162A269E70}" srcOrd="0" destOrd="0" presId="urn:microsoft.com/office/officeart/2005/8/layout/process4"/>
+    <dgm:cxn modelId="{1040ABE8-9A2E-1E45-B5EE-DE04DA17BCD5}" type="presOf" srcId="{6AEFFD33-6E31-094A-B3A3-747897D95B16}" destId="{914286F6-4832-5C47-86F8-7654B45B16F5}" srcOrd="0" destOrd="0" presId="urn:microsoft.com/office/officeart/2005/8/layout/process4"/>
+    <dgm:cxn modelId="{D88D6DF5-2F76-F441-B516-49FA9CF1A8F9}" srcId="{1209DA6C-1ED0-764E-B626-6D0EF1E5CC04}" destId="{C0F74FA9-C124-534F-84F9-1022C5245B15}" srcOrd="2" destOrd="0" parTransId="{62ACEA03-73D4-AA44-8EE3-26C5E4824385}" sibTransId="{B45FC33D-7343-BE4E-BD3A-56E929DFB873}"/>
+    <dgm:cxn modelId="{70CF5A2B-559E-BF47-A7BD-6A4BDAE48382}" type="presParOf" srcId="{600856BD-8283-2041-A710-E9335A4BE70E}" destId="{F7EC605A-8860-4940-AB87-85378FBE3B17}" srcOrd="0" destOrd="0" presId="urn:microsoft.com/office/officeart/2005/8/layout/process4"/>
+    <dgm:cxn modelId="{E7F6AF29-685C-6F4A-BF67-3833EC98E9E6}" type="presParOf" srcId="{F7EC605A-8860-4940-AB87-85378FBE3B17}" destId="{E65F5BA4-5BAD-4F45-88DA-AB162A269E70}" srcOrd="0" destOrd="0" presId="urn:microsoft.com/office/officeart/2005/8/layout/process4"/>
+    <dgm:cxn modelId="{415C8D33-08C0-E54E-9ED5-AEC55A7E0092}" type="presParOf" srcId="{600856BD-8283-2041-A710-E9335A4BE70E}" destId="{33560C6F-CD5D-3145-A7EC-D03616CE468B}" srcOrd="1" destOrd="0" presId="urn:microsoft.com/office/officeart/2005/8/layout/process4"/>
+    <dgm:cxn modelId="{8D281A67-D23F-D54A-94BD-AC97FFBB41C9}" type="presParOf" srcId="{600856BD-8283-2041-A710-E9335A4BE70E}" destId="{91F03C63-F21B-B54E-94E0-5DFBE63DA012}" srcOrd="2" destOrd="0" presId="urn:microsoft.com/office/officeart/2005/8/layout/process4"/>
+    <dgm:cxn modelId="{DA4A7292-4F12-844D-B23A-BA0AD7D5782F}" type="presParOf" srcId="{91F03C63-F21B-B54E-94E0-5DFBE63DA012}" destId="{05CFC7BC-62A6-4E46-B050-C30345193116}" srcOrd="0" destOrd="0" presId="urn:microsoft.com/office/officeart/2005/8/layout/process4"/>
+    <dgm:cxn modelId="{D558F7DA-47E4-C64E-9977-1B1F22F5C70C}" type="presParOf" srcId="{600856BD-8283-2041-A710-E9335A4BE70E}" destId="{396B460D-D028-9643-8B2C-364DC78423E2}" srcOrd="3" destOrd="0" presId="urn:microsoft.com/office/officeart/2005/8/layout/process4"/>
+    <dgm:cxn modelId="{D8993120-FD0B-5740-A317-2BF8D7D59E40}" type="presParOf" srcId="{600856BD-8283-2041-A710-E9335A4BE70E}" destId="{C5F69C1B-0840-FE4F-BD6E-2CF6EE8D66B2}" srcOrd="4" destOrd="0" presId="urn:microsoft.com/office/officeart/2005/8/layout/process4"/>
+    <dgm:cxn modelId="{633D7F7B-C8F8-004F-BAAE-6B35D460186B}" type="presParOf" srcId="{C5F69C1B-0840-FE4F-BD6E-2CF6EE8D66B2}" destId="{FE6A1512-8664-C544-8637-46A094A00665}" srcOrd="0" destOrd="0" presId="urn:microsoft.com/office/officeart/2005/8/layout/process4"/>
+    <dgm:cxn modelId="{D592B58E-6611-6A4F-973F-A1A975060AD4}" type="presParOf" srcId="{600856BD-8283-2041-A710-E9335A4BE70E}" destId="{E99D7F6E-D4A1-7D41-8238-30FA1E809FE7}" srcOrd="5" destOrd="0" presId="urn:microsoft.com/office/officeart/2005/8/layout/process4"/>
+    <dgm:cxn modelId="{33C935B0-1516-5047-AEFD-CC29EE128E4C}" type="presParOf" srcId="{600856BD-8283-2041-A710-E9335A4BE70E}" destId="{0463ADF0-4889-A849-A905-894E6B48B055}" srcOrd="6" destOrd="0" presId="urn:microsoft.com/office/officeart/2005/8/layout/process4"/>
+    <dgm:cxn modelId="{CE2DB8F5-5489-6E4F-84CD-53F5F420BC61}" type="presParOf" srcId="{0463ADF0-4889-A849-A905-894E6B48B055}" destId="{645AA5F0-C37E-1A44-ADB8-2C04917BC818}" srcOrd="0" destOrd="0" presId="urn:microsoft.com/office/officeart/2005/8/layout/process4"/>
+    <dgm:cxn modelId="{34D6D656-3D32-C646-A910-C7942D335DC1}" type="presParOf" srcId="{600856BD-8283-2041-A710-E9335A4BE70E}" destId="{14BB48CC-7E8D-0646-99AB-3E4F315415A5}" srcOrd="7" destOrd="0" presId="urn:microsoft.com/office/officeart/2005/8/layout/process4"/>
+    <dgm:cxn modelId="{98407BE7-B145-7D46-9764-83B2B827762B}" type="presParOf" srcId="{600856BD-8283-2041-A710-E9335A4BE70E}" destId="{5FF76908-D0A9-E243-80D6-47C48F6C230C}" srcOrd="8" destOrd="0" presId="urn:microsoft.com/office/officeart/2005/8/layout/process4"/>
+    <dgm:cxn modelId="{EC2F5BD0-2CAF-2246-9938-DE086F87AD95}" type="presParOf" srcId="{5FF76908-D0A9-E243-80D6-47C48F6C230C}" destId="{914286F6-4832-5C47-86F8-7654B45B16F5}" srcOrd="0" destOrd="0" presId="urn:microsoft.com/office/officeart/2005/8/layout/process4"/>
+  </dgm:cxnLst>
+  <dgm:bg/>
+  <dgm:whole/>
+  <dgm:extLst>
+    <a:ext uri="http://schemas.microsoft.com/office/drawing/2008/diagram">
+      <dsp:dataModelExt xmlns:dsp="http://schemas.microsoft.com/office/drawing/2008/diagram" relId="rId6" minVer="http://schemas.openxmlformats.org/drawingml/2006/diagram"/>
+    </a:ext>
+  </dgm:extLst>
+</dgm:dataModel>
+</file>
+
+<file path=ppt/diagrams/data2.xml><?xml version="1.0" encoding="utf-8"?>
 <dgm:dataModel xmlns:dgm="http://schemas.openxmlformats.org/drawingml/2006/diagram" xmlns:a="http://schemas.openxmlformats.org/drawingml/2006/main">
   <dgm:ptLst>
     <dgm:pt modelId="{C5AF32B7-D897-40F3-A8B2-81E4AA89D7C0}" type="doc">
@@ -2929,13 +4011,13 @@
     <dgm:cxn modelId="{51F98C37-C270-4AC8-B4B8-85F922655795}" type="presOf" srcId="{52C92379-56CA-4145-9D8D-D2419C19DB12}" destId="{9FF7F0ED-D5C8-405A-84FC-8016EB59CCE4}" srcOrd="0" destOrd="0" presId="urn:microsoft.com/office/officeart/2005/8/layout/default"/>
     <dgm:cxn modelId="{3812E63C-E142-4B34-937B-A59E6969A6D2}" type="presOf" srcId="{9B5EA2FC-7E16-4F2F-9350-4C214E870E28}" destId="{62EB7232-2D20-47D1-934B-303969BB0210}" srcOrd="0" destOrd="1" presId="urn:microsoft.com/office/officeart/2005/8/layout/default"/>
     <dgm:cxn modelId="{88C2D33E-3C86-463B-AE50-45D86AB804B7}" type="presOf" srcId="{19C32A6C-1796-43DE-BFF9-C6E76AC68FC4}" destId="{BF92092A-7DD7-4828-8798-8749466E9693}" srcOrd="0" destOrd="0" presId="urn:microsoft.com/office/officeart/2005/8/layout/default"/>
-    <dgm:cxn modelId="{1AF66060-07B0-4230-92C5-5DC9EF7E2AB1}" type="presOf" srcId="{E5BD570C-39F9-437E-AA68-69E247EDCA17}" destId="{809B040E-6CA3-462F-92F4-691C0A8DF4B9}" srcOrd="0" destOrd="0" presId="urn:microsoft.com/office/officeart/2005/8/layout/default"/>
     <dgm:cxn modelId="{B2407847-4584-4441-A3AE-70E2D6740518}" srcId="{C5AF32B7-D897-40F3-A8B2-81E4AA89D7C0}" destId="{47E31199-CCB6-477B-8003-B6D159DCAEF5}" srcOrd="6" destOrd="0" parTransId="{3CE6EE66-C1CA-4F35-AE64-EEBB99DB1C3D}" sibTransId="{EBCBA095-7A7D-4A58-B14D-BB68AFB56501}"/>
     <dgm:cxn modelId="{60AED149-7986-451C-8531-EEFAE5F82A65}" type="presOf" srcId="{C2895E37-7228-44B4-9F60-9F8E17EB98F1}" destId="{F05DCA6E-FA2C-47E3-A826-F80462831911}" srcOrd="0" destOrd="0" presId="urn:microsoft.com/office/officeart/2005/8/layout/default"/>
     <dgm:cxn modelId="{C371874E-4C6B-4EF1-923C-4B7F88DAB76A}" type="presOf" srcId="{FFA918CE-DCAD-421D-A5B3-4534CEFC44AC}" destId="{653B7EB1-631F-4329-8B59-E485B1008A14}" srcOrd="0" destOrd="0" presId="urn:microsoft.com/office/officeart/2005/8/layout/default"/>
+    <dgm:cxn modelId="{24117256-96BA-4543-AE50-FE21AD1EFB02}" type="presOf" srcId="{CD625AC7-7961-4CF9-B2FA-6D08899F6272}" destId="{E994852E-B6F3-44E9-9297-D43A04F9D081}" srcOrd="0" destOrd="0" presId="urn:microsoft.com/office/officeart/2005/8/layout/default"/>
+    <dgm:cxn modelId="{1AF66060-07B0-4230-92C5-5DC9EF7E2AB1}" type="presOf" srcId="{E5BD570C-39F9-437E-AA68-69E247EDCA17}" destId="{809B040E-6CA3-462F-92F4-691C0A8DF4B9}" srcOrd="0" destOrd="0" presId="urn:microsoft.com/office/officeart/2005/8/layout/default"/>
     <dgm:cxn modelId="{9FA85B71-5B0E-4EC2-8888-808DA4C4FE3E}" srcId="{C5AF32B7-D897-40F3-A8B2-81E4AA89D7C0}" destId="{9DC14873-29AA-42E0-9107-A7754BE56ABF}" srcOrd="14" destOrd="0" parTransId="{0612E6D0-DF8A-4DF8-86E3-2A7680CA2BA4}" sibTransId="{7984810D-4158-4A44-A380-285DCD87D3C7}"/>
     <dgm:cxn modelId="{0A8D4176-D515-4878-9ADA-6056FC2A8D39}" type="presOf" srcId="{DF6595B8-A201-4A60-A2F2-EA112897DB7E}" destId="{663263DC-5FEF-4C25-AE71-09C43D8093CC}" srcOrd="0" destOrd="0" presId="urn:microsoft.com/office/officeart/2005/8/layout/default"/>
-    <dgm:cxn modelId="{24117256-96BA-4543-AE50-FE21AD1EFB02}" type="presOf" srcId="{CD625AC7-7961-4CF9-B2FA-6D08899F6272}" destId="{E994852E-B6F3-44E9-9297-D43A04F9D081}" srcOrd="0" destOrd="0" presId="urn:microsoft.com/office/officeart/2005/8/layout/default"/>
     <dgm:cxn modelId="{3F904677-3318-42D9-AD74-15FC69B5F25D}" srcId="{C5AF32B7-D897-40F3-A8B2-81E4AA89D7C0}" destId="{C2895E37-7228-44B4-9F60-9F8E17EB98F1}" srcOrd="17" destOrd="0" parTransId="{27041BF0-DCD1-43AF-94FE-6366345EBEF3}" sibTransId="{98132D86-CBC2-4B55-8A90-7BB910A47C3E}"/>
     <dgm:cxn modelId="{3FA2977D-4746-441C-92C5-34AA2820E636}" srcId="{C5AF32B7-D897-40F3-A8B2-81E4AA89D7C0}" destId="{4A7B320F-5DF2-4F5B-B3D5-164EB63907B4}" srcOrd="2" destOrd="0" parTransId="{F8E217E2-9A3D-46A8-B1D7-A60F294E36D2}" sibTransId="{A3EF0EAD-0CC7-4079-8407-AFB7D282D0D2}"/>
     <dgm:cxn modelId="{0B707282-C413-4891-AE92-9EF431A87837}" srcId="{C5AF32B7-D897-40F3-A8B2-81E4AA89D7C0}" destId="{19C32A6C-1796-43DE-BFF9-C6E76AC68FC4}" srcOrd="12" destOrd="0" parTransId="{0112750E-C61E-4719-95EB-784CCE525153}" sibTransId="{C440AD4B-D650-419B-90E5-23E69E10D14F}"/>
@@ -3003,7 +4085,7 @@
 </dgm:dataModel>
 </file>
 
-<file path=ppt/diagrams/data2.xml><?xml version="1.0" encoding="utf-8"?>
+<file path=ppt/diagrams/data3.xml><?xml version="1.0" encoding="utf-8"?>
 <dgm:dataModel xmlns:dgm="http://schemas.openxmlformats.org/drawingml/2006/diagram" xmlns:a="http://schemas.openxmlformats.org/drawingml/2006/main">
   <dgm:ptLst>
     <dgm:pt modelId="{DB9DDE70-83A7-48B4-A256-CC2BA0AFCA71}" type="doc">
@@ -3547,6 +4629,411 @@
 </file>
 
 <file path=ppt/diagrams/drawing1.xml><?xml version="1.0" encoding="utf-8"?>
+<dsp:drawing xmlns:dgm="http://schemas.openxmlformats.org/drawingml/2006/diagram" xmlns:dsp="http://schemas.microsoft.com/office/drawing/2008/diagram" xmlns:a="http://schemas.openxmlformats.org/drawingml/2006/main">
+  <dsp:spTree>
+    <dsp:nvGrpSpPr>
+      <dsp:cNvPr id="0" name=""/>
+      <dsp:cNvGrpSpPr/>
+    </dsp:nvGrpSpPr>
+    <dsp:grpSpPr/>
+    <dsp:sp modelId="{E65F5BA4-5BAD-4F45-88DA-AB162A269E70}">
+      <dsp:nvSpPr>
+        <dsp:cNvPr id="0" name=""/>
+        <dsp:cNvSpPr/>
+      </dsp:nvSpPr>
+      <dsp:spPr>
+        <a:xfrm>
+          <a:off x="0" y="3084905"/>
+          <a:ext cx="8269357" cy="506104"/>
+        </a:xfrm>
+        <a:prstGeom prst="rect">
+          <a:avLst/>
+        </a:prstGeom>
+        <a:solidFill>
+          <a:schemeClr val="accent2">
+            <a:hueOff val="0"/>
+            <a:satOff val="0"/>
+            <a:lumOff val="0"/>
+            <a:alphaOff val="0"/>
+          </a:schemeClr>
+        </a:solidFill>
+        <a:ln w="25400" cap="flat" cmpd="sng" algn="ctr">
+          <a:solidFill>
+            <a:schemeClr val="lt1">
+              <a:hueOff val="0"/>
+              <a:satOff val="0"/>
+              <a:lumOff val="0"/>
+              <a:alphaOff val="0"/>
+            </a:schemeClr>
+          </a:solidFill>
+          <a:prstDash val="solid"/>
+        </a:ln>
+        <a:effectLst/>
+      </dsp:spPr>
+      <dsp:style>
+        <a:lnRef idx="2">
+          <a:scrgbClr r="0" g="0" b="0"/>
+        </a:lnRef>
+        <a:fillRef idx="1">
+          <a:scrgbClr r="0" g="0" b="0"/>
+        </a:fillRef>
+        <a:effectRef idx="0">
+          <a:scrgbClr r="0" g="0" b="0"/>
+        </a:effectRef>
+        <a:fontRef idx="minor">
+          <a:schemeClr val="lt1"/>
+        </a:fontRef>
+      </dsp:style>
+      <dsp:txBody>
+        <a:bodyPr spcFirstLastPara="0" vert="horz" wrap="square" lIns="128016" tIns="128016" rIns="128016" bIns="128016" numCol="1" spcCol="1270" anchor="ctr" anchorCtr="0">
+          <a:noAutofit/>
+        </a:bodyPr>
+        <a:lstStyle/>
+        <a:p>
+          <a:pPr marL="0" lvl="0" indent="0" algn="ctr" defTabSz="800100">
+            <a:lnSpc>
+              <a:spcPct val="90000"/>
+            </a:lnSpc>
+            <a:spcBef>
+              <a:spcPct val="0"/>
+            </a:spcBef>
+            <a:spcAft>
+              <a:spcPct val="35000"/>
+            </a:spcAft>
+            <a:buNone/>
+          </a:pPr>
+          <a:r>
+            <a:rPr lang="en-US" sz="1800" kern="1200" dirty="0"/>
+            <a:t>Commit and Push Changes to Repo</a:t>
+          </a:r>
+        </a:p>
+      </dsp:txBody>
+      <dsp:txXfrm>
+        <a:off x="0" y="3084905"/>
+        <a:ext cx="8269357" cy="506104"/>
+      </dsp:txXfrm>
+    </dsp:sp>
+    <dsp:sp modelId="{05CFC7BC-62A6-4E46-B050-C30345193116}">
+      <dsp:nvSpPr>
+        <dsp:cNvPr id="0" name=""/>
+        <dsp:cNvSpPr/>
+      </dsp:nvSpPr>
+      <dsp:spPr>
+        <a:xfrm rot="10800000">
+          <a:off x="0" y="2314108"/>
+          <a:ext cx="8269357" cy="778388"/>
+        </a:xfrm>
+        <a:prstGeom prst="upArrowCallout">
+          <a:avLst/>
+        </a:prstGeom>
+        <a:solidFill>
+          <a:schemeClr val="accent2">
+            <a:hueOff val="736886"/>
+            <a:satOff val="3381"/>
+            <a:lumOff val="4853"/>
+            <a:alphaOff val="0"/>
+          </a:schemeClr>
+        </a:solidFill>
+        <a:ln w="25400" cap="flat" cmpd="sng" algn="ctr">
+          <a:solidFill>
+            <a:schemeClr val="lt1">
+              <a:hueOff val="0"/>
+              <a:satOff val="0"/>
+              <a:lumOff val="0"/>
+              <a:alphaOff val="0"/>
+            </a:schemeClr>
+          </a:solidFill>
+          <a:prstDash val="solid"/>
+        </a:ln>
+        <a:effectLst/>
+      </dsp:spPr>
+      <dsp:style>
+        <a:lnRef idx="2">
+          <a:scrgbClr r="0" g="0" b="0"/>
+        </a:lnRef>
+        <a:fillRef idx="1">
+          <a:scrgbClr r="0" g="0" b="0"/>
+        </a:fillRef>
+        <a:effectRef idx="0">
+          <a:scrgbClr r="0" g="0" b="0"/>
+        </a:effectRef>
+        <a:fontRef idx="minor">
+          <a:schemeClr val="lt1"/>
+        </a:fontRef>
+      </dsp:style>
+      <dsp:txBody>
+        <a:bodyPr spcFirstLastPara="0" vert="horz" wrap="square" lIns="128016" tIns="128016" rIns="128016" bIns="128016" numCol="1" spcCol="1270" anchor="ctr" anchorCtr="0">
+          <a:noAutofit/>
+        </a:bodyPr>
+        <a:lstStyle/>
+        <a:p>
+          <a:pPr marL="0" lvl="0" indent="0" algn="ctr" defTabSz="800100">
+            <a:lnSpc>
+              <a:spcPct val="90000"/>
+            </a:lnSpc>
+            <a:spcBef>
+              <a:spcPct val="0"/>
+            </a:spcBef>
+            <a:spcAft>
+              <a:spcPct val="35000"/>
+            </a:spcAft>
+            <a:buNone/>
+          </a:pPr>
+          <a:r>
+            <a:rPr lang="en-US" sz="1800" kern="1200" dirty="0"/>
+            <a:t>Add Terraform File(s) to Repo</a:t>
+          </a:r>
+        </a:p>
+      </dsp:txBody>
+      <dsp:txXfrm rot="10800000">
+        <a:off x="0" y="2314108"/>
+        <a:ext cx="8269357" cy="505773"/>
+      </dsp:txXfrm>
+    </dsp:sp>
+    <dsp:sp modelId="{FE6A1512-8664-C544-8637-46A094A00665}">
+      <dsp:nvSpPr>
+        <dsp:cNvPr id="0" name=""/>
+        <dsp:cNvSpPr/>
+      </dsp:nvSpPr>
+      <dsp:spPr>
+        <a:xfrm rot="10800000">
+          <a:off x="0" y="1543311"/>
+          <a:ext cx="8269357" cy="778388"/>
+        </a:xfrm>
+        <a:prstGeom prst="upArrowCallout">
+          <a:avLst/>
+        </a:prstGeom>
+        <a:solidFill>
+          <a:schemeClr val="accent2">
+            <a:hueOff val="1473771"/>
+            <a:satOff val="6763"/>
+            <a:lumOff val="9706"/>
+            <a:alphaOff val="0"/>
+          </a:schemeClr>
+        </a:solidFill>
+        <a:ln w="25400" cap="flat" cmpd="sng" algn="ctr">
+          <a:solidFill>
+            <a:schemeClr val="lt1">
+              <a:hueOff val="0"/>
+              <a:satOff val="0"/>
+              <a:lumOff val="0"/>
+              <a:alphaOff val="0"/>
+            </a:schemeClr>
+          </a:solidFill>
+          <a:prstDash val="solid"/>
+        </a:ln>
+        <a:effectLst/>
+      </dsp:spPr>
+      <dsp:style>
+        <a:lnRef idx="2">
+          <a:scrgbClr r="0" g="0" b="0"/>
+        </a:lnRef>
+        <a:fillRef idx="1">
+          <a:scrgbClr r="0" g="0" b="0"/>
+        </a:fillRef>
+        <a:effectRef idx="0">
+          <a:scrgbClr r="0" g="0" b="0"/>
+        </a:effectRef>
+        <a:fontRef idx="minor">
+          <a:schemeClr val="lt1"/>
+        </a:fontRef>
+      </dsp:style>
+      <dsp:txBody>
+        <a:bodyPr spcFirstLastPara="0" vert="horz" wrap="square" lIns="128016" tIns="128016" rIns="128016" bIns="128016" numCol="1" spcCol="1270" anchor="ctr" anchorCtr="0">
+          <a:noAutofit/>
+        </a:bodyPr>
+        <a:lstStyle/>
+        <a:p>
+          <a:pPr marL="0" lvl="0" indent="0" algn="ctr" defTabSz="800100">
+            <a:lnSpc>
+              <a:spcPct val="90000"/>
+            </a:lnSpc>
+            <a:spcBef>
+              <a:spcPct val="0"/>
+            </a:spcBef>
+            <a:spcAft>
+              <a:spcPct val="35000"/>
+            </a:spcAft>
+            <a:buNone/>
+          </a:pPr>
+          <a:r>
+            <a:rPr lang="en-US" sz="1800" kern="1200" dirty="0"/>
+            <a:t>Add YAML file to .</a:t>
+          </a:r>
+          <a:r>
+            <a:rPr lang="en-US" sz="1800" kern="1200" dirty="0" err="1"/>
+            <a:t>github</a:t>
+          </a:r>
+          <a:r>
+            <a:rPr lang="en-US" sz="1800" kern="1200" dirty="0"/>
+            <a:t>/actions folder</a:t>
+          </a:r>
+        </a:p>
+      </dsp:txBody>
+      <dsp:txXfrm rot="10800000">
+        <a:off x="0" y="1543311"/>
+        <a:ext cx="8269357" cy="505773"/>
+      </dsp:txXfrm>
+    </dsp:sp>
+    <dsp:sp modelId="{645AA5F0-C37E-1A44-ADB8-2C04917BC818}">
+      <dsp:nvSpPr>
+        <dsp:cNvPr id="0" name=""/>
+        <dsp:cNvSpPr/>
+      </dsp:nvSpPr>
+      <dsp:spPr>
+        <a:xfrm rot="10800000">
+          <a:off x="0" y="772514"/>
+          <a:ext cx="8269357" cy="778388"/>
+        </a:xfrm>
+        <a:prstGeom prst="upArrowCallout">
+          <a:avLst/>
+        </a:prstGeom>
+        <a:solidFill>
+          <a:schemeClr val="accent2">
+            <a:hueOff val="2210657"/>
+            <a:satOff val="10144"/>
+            <a:lumOff val="14559"/>
+            <a:alphaOff val="0"/>
+          </a:schemeClr>
+        </a:solidFill>
+        <a:ln w="25400" cap="flat" cmpd="sng" algn="ctr">
+          <a:solidFill>
+            <a:schemeClr val="lt1">
+              <a:hueOff val="0"/>
+              <a:satOff val="0"/>
+              <a:lumOff val="0"/>
+              <a:alphaOff val="0"/>
+            </a:schemeClr>
+          </a:solidFill>
+          <a:prstDash val="solid"/>
+        </a:ln>
+        <a:effectLst/>
+      </dsp:spPr>
+      <dsp:style>
+        <a:lnRef idx="2">
+          <a:scrgbClr r="0" g="0" b="0"/>
+        </a:lnRef>
+        <a:fillRef idx="1">
+          <a:scrgbClr r="0" g="0" b="0"/>
+        </a:fillRef>
+        <a:effectRef idx="0">
+          <a:scrgbClr r="0" g="0" b="0"/>
+        </a:effectRef>
+        <a:fontRef idx="minor">
+          <a:schemeClr val="lt1"/>
+        </a:fontRef>
+      </dsp:style>
+      <dsp:txBody>
+        <a:bodyPr spcFirstLastPara="0" vert="horz" wrap="square" lIns="128016" tIns="128016" rIns="128016" bIns="128016" numCol="1" spcCol="1270" anchor="ctr" anchorCtr="0">
+          <a:noAutofit/>
+        </a:bodyPr>
+        <a:lstStyle/>
+        <a:p>
+          <a:pPr marL="0" lvl="0" indent="0" algn="ctr" defTabSz="800100">
+            <a:lnSpc>
+              <a:spcPct val="90000"/>
+            </a:lnSpc>
+            <a:spcBef>
+              <a:spcPct val="0"/>
+            </a:spcBef>
+            <a:spcAft>
+              <a:spcPct val="35000"/>
+            </a:spcAft>
+            <a:buNone/>
+          </a:pPr>
+          <a:r>
+            <a:rPr lang="en-US" sz="1800" kern="1200" dirty="0"/>
+            <a:t>Add Cloud Secrets to Repo</a:t>
+          </a:r>
+        </a:p>
+      </dsp:txBody>
+      <dsp:txXfrm rot="10800000">
+        <a:off x="0" y="772514"/>
+        <a:ext cx="8269357" cy="505773"/>
+      </dsp:txXfrm>
+    </dsp:sp>
+    <dsp:sp modelId="{914286F6-4832-5C47-86F8-7654B45B16F5}">
+      <dsp:nvSpPr>
+        <dsp:cNvPr id="0" name=""/>
+        <dsp:cNvSpPr/>
+      </dsp:nvSpPr>
+      <dsp:spPr>
+        <a:xfrm rot="10800000">
+          <a:off x="0" y="1717"/>
+          <a:ext cx="8269357" cy="778388"/>
+        </a:xfrm>
+        <a:prstGeom prst="upArrowCallout">
+          <a:avLst/>
+        </a:prstGeom>
+        <a:solidFill>
+          <a:schemeClr val="accent2">
+            <a:hueOff val="2947542"/>
+            <a:satOff val="13526"/>
+            <a:lumOff val="19412"/>
+            <a:alphaOff val="0"/>
+          </a:schemeClr>
+        </a:solidFill>
+        <a:ln w="25400" cap="flat" cmpd="sng" algn="ctr">
+          <a:solidFill>
+            <a:schemeClr val="lt1">
+              <a:hueOff val="0"/>
+              <a:satOff val="0"/>
+              <a:lumOff val="0"/>
+              <a:alphaOff val="0"/>
+            </a:schemeClr>
+          </a:solidFill>
+          <a:prstDash val="solid"/>
+        </a:ln>
+        <a:effectLst/>
+      </dsp:spPr>
+      <dsp:style>
+        <a:lnRef idx="2">
+          <a:scrgbClr r="0" g="0" b="0"/>
+        </a:lnRef>
+        <a:fillRef idx="1">
+          <a:scrgbClr r="0" g="0" b="0"/>
+        </a:fillRef>
+        <a:effectRef idx="0">
+          <a:scrgbClr r="0" g="0" b="0"/>
+        </a:effectRef>
+        <a:fontRef idx="minor">
+          <a:schemeClr val="lt1"/>
+        </a:fontRef>
+      </dsp:style>
+      <dsp:txBody>
+        <a:bodyPr spcFirstLastPara="0" vert="horz" wrap="square" lIns="128016" tIns="128016" rIns="128016" bIns="128016" numCol="1" spcCol="1270" anchor="ctr" anchorCtr="0">
+          <a:noAutofit/>
+        </a:bodyPr>
+        <a:lstStyle/>
+        <a:p>
+          <a:pPr marL="0" lvl="0" indent="0" algn="ctr" defTabSz="800100">
+            <a:lnSpc>
+              <a:spcPct val="90000"/>
+            </a:lnSpc>
+            <a:spcBef>
+              <a:spcPct val="0"/>
+            </a:spcBef>
+            <a:spcAft>
+              <a:spcPct val="35000"/>
+            </a:spcAft>
+            <a:buNone/>
+          </a:pPr>
+          <a:r>
+            <a:rPr lang="en-US" sz="1800" kern="1200" dirty="0"/>
+            <a:t>Make GitHub Repo</a:t>
+          </a:r>
+        </a:p>
+      </dsp:txBody>
+      <dsp:txXfrm rot="10800000">
+        <a:off x="0" y="1717"/>
+        <a:ext cx="8269357" cy="505773"/>
+      </dsp:txXfrm>
+    </dsp:sp>
+  </dsp:spTree>
+</dsp:drawing>
+</file>
+
+<file path=ppt/diagrams/drawing2.xml><?xml version="1.0" encoding="utf-8"?>
 <dsp:drawing xmlns:dgm="http://schemas.openxmlformats.org/drawingml/2006/diagram" xmlns:dsp="http://schemas.microsoft.com/office/drawing/2008/diagram" xmlns:a="http://schemas.openxmlformats.org/drawingml/2006/main">
   <dsp:spTree>
     <dsp:nvGrpSpPr>
@@ -4962,7 +6449,7 @@
 </dsp:drawing>
 </file>
 
-<file path=ppt/diagrams/drawing2.xml><?xml version="1.0" encoding="utf-8"?>
+<file path=ppt/diagrams/drawing3.xml><?xml version="1.0" encoding="utf-8"?>
 <dsp:drawing xmlns:dgm="http://schemas.openxmlformats.org/drawingml/2006/diagram" xmlns:dsp="http://schemas.microsoft.com/office/drawing/2008/diagram" xmlns:a="http://schemas.openxmlformats.org/drawingml/2006/main">
   <dsp:spTree>
     <dsp:nvGrpSpPr>
@@ -5613,6 +7100,359 @@
 </file>
 
 <file path=ppt/diagrams/layout1.xml><?xml version="1.0" encoding="utf-8"?>
+<dgm:layoutDef xmlns:dgm="http://schemas.openxmlformats.org/drawingml/2006/diagram" xmlns:a="http://schemas.openxmlformats.org/drawingml/2006/main" uniqueId="urn:microsoft.com/office/officeart/2005/8/layout/process4">
+  <dgm:title val=""/>
+  <dgm:desc val=""/>
+  <dgm:catLst>
+    <dgm:cat type="process" pri="16000"/>
+    <dgm:cat type="list" pri="20000"/>
+  </dgm:catLst>
+  <dgm:sampData>
+    <dgm:dataModel>
+      <dgm:ptLst>
+        <dgm:pt modelId="0" type="doc"/>
+        <dgm:pt modelId="1">
+          <dgm:prSet phldr="1"/>
+        </dgm:pt>
+        <dgm:pt modelId="11">
+          <dgm:prSet phldr="1"/>
+        </dgm:pt>
+        <dgm:pt modelId="12">
+          <dgm:prSet phldr="1"/>
+        </dgm:pt>
+        <dgm:pt modelId="2">
+          <dgm:prSet phldr="1"/>
+        </dgm:pt>
+        <dgm:pt modelId="21">
+          <dgm:prSet phldr="1"/>
+        </dgm:pt>
+        <dgm:pt modelId="22">
+          <dgm:prSet phldr="1"/>
+        </dgm:pt>
+        <dgm:pt modelId="3">
+          <dgm:prSet phldr="1"/>
+        </dgm:pt>
+        <dgm:pt modelId="31">
+          <dgm:prSet phldr="1"/>
+        </dgm:pt>
+        <dgm:pt modelId="32">
+          <dgm:prSet phldr="1"/>
+        </dgm:pt>
+      </dgm:ptLst>
+      <dgm:cxnLst>
+        <dgm:cxn modelId="4" srcId="0" destId="1" srcOrd="0" destOrd="0"/>
+        <dgm:cxn modelId="5" srcId="0" destId="2" srcOrd="1" destOrd="0"/>
+        <dgm:cxn modelId="6" srcId="0" destId="3" srcOrd="2" destOrd="0"/>
+        <dgm:cxn modelId="13" srcId="1" destId="11" srcOrd="0" destOrd="0"/>
+        <dgm:cxn modelId="14" srcId="1" destId="12" srcOrd="1" destOrd="0"/>
+        <dgm:cxn modelId="23" srcId="2" destId="21" srcOrd="0" destOrd="0"/>
+        <dgm:cxn modelId="24" srcId="2" destId="22" srcOrd="1" destOrd="0"/>
+        <dgm:cxn modelId="33" srcId="3" destId="31" srcOrd="0" destOrd="0"/>
+        <dgm:cxn modelId="34" srcId="3" destId="32" srcOrd="1" destOrd="0"/>
+      </dgm:cxnLst>
+      <dgm:bg/>
+      <dgm:whole/>
+    </dgm:dataModel>
+  </dgm:sampData>
+  <dgm:styleData>
+    <dgm:dataModel>
+      <dgm:ptLst>
+        <dgm:pt modelId="0" type="doc"/>
+        <dgm:pt modelId="1"/>
+        <dgm:pt modelId="11"/>
+        <dgm:pt modelId="2"/>
+        <dgm:pt modelId="21"/>
+      </dgm:ptLst>
+      <dgm:cxnLst>
+        <dgm:cxn modelId="4" srcId="0" destId="1" srcOrd="0" destOrd="0"/>
+        <dgm:cxn modelId="5" srcId="0" destId="2" srcOrd="1" destOrd="0"/>
+        <dgm:cxn modelId="13" srcId="1" destId="11" srcOrd="0" destOrd="0"/>
+        <dgm:cxn modelId="23" srcId="2" destId="21" srcOrd="0" destOrd="0"/>
+      </dgm:cxnLst>
+      <dgm:bg/>
+      <dgm:whole/>
+    </dgm:dataModel>
+  </dgm:styleData>
+  <dgm:clrData>
+    <dgm:dataModel>
+      <dgm:ptLst>
+        <dgm:pt modelId="0" type="doc"/>
+        <dgm:pt modelId="1"/>
+        <dgm:pt modelId="11"/>
+        <dgm:pt modelId="2"/>
+        <dgm:pt modelId="21"/>
+        <dgm:pt modelId="3"/>
+        <dgm:pt modelId="31"/>
+        <dgm:pt modelId="4"/>
+        <dgm:pt modelId="41"/>
+      </dgm:ptLst>
+      <dgm:cxnLst>
+        <dgm:cxn modelId="5" srcId="0" destId="1" srcOrd="0" destOrd="0"/>
+        <dgm:cxn modelId="6" srcId="0" destId="2" srcOrd="1" destOrd="0"/>
+        <dgm:cxn modelId="7" srcId="0" destId="3" srcOrd="2" destOrd="0"/>
+        <dgm:cxn modelId="8" srcId="0" destId="4" srcOrd="3" destOrd="0"/>
+        <dgm:cxn modelId="13" srcId="1" destId="11" srcOrd="0" destOrd="0"/>
+        <dgm:cxn modelId="23" srcId="2" destId="21" srcOrd="0" destOrd="0"/>
+        <dgm:cxn modelId="33" srcId="3" destId="31" srcOrd="0" destOrd="0"/>
+        <dgm:cxn modelId="43" srcId="4" destId="41" srcOrd="0" destOrd="0"/>
+      </dgm:cxnLst>
+      <dgm:bg/>
+      <dgm:whole/>
+    </dgm:dataModel>
+  </dgm:clrData>
+  <dgm:layoutNode name="Name0">
+    <dgm:varLst>
+      <dgm:dir/>
+      <dgm:animLvl val="lvl"/>
+      <dgm:resizeHandles val="exact"/>
+    </dgm:varLst>
+    <dgm:alg type="lin">
+      <dgm:param type="linDir" val="fromB"/>
+    </dgm:alg>
+    <dgm:shape xmlns:r="http://schemas.openxmlformats.org/officeDocument/2006/relationships" r:blip="">
+      <dgm:adjLst/>
+    </dgm:shape>
+    <dgm:presOf/>
+    <dgm:constrLst>
+      <dgm:constr type="h" for="ch" forName="boxAndChildren" refType="h"/>
+      <dgm:constr type="h" for="ch" forName="arrowAndChildren" refType="h" refFor="ch" refForName="boxAndChildren" op="equ" fact="1.538"/>
+      <dgm:constr type="w" for="ch" forName="arrowAndChildren" refType="w"/>
+      <dgm:constr type="w" for="ch" forName="boxAndChildren" refType="w"/>
+      <dgm:constr type="h" for="ch" forName="sp" refType="h" fact="-0.015"/>
+      <dgm:constr type="primFontSz" for="des" forName="parentTextBox" val="65"/>
+      <dgm:constr type="primFontSz" for="des" forName="parentTextArrow" refType="primFontSz" refFor="des" refForName="parentTextBox" op="equ"/>
+      <dgm:constr type="primFontSz" for="des" forName="childTextArrow" val="65"/>
+      <dgm:constr type="primFontSz" for="des" forName="childTextBox" refType="primFontSz" refFor="des" refForName="childTextArrow" op="equ"/>
+    </dgm:constrLst>
+    <dgm:ruleLst/>
+    <dgm:forEach name="Name1" axis="ch" ptType="node" st="-1" step="-1">
+      <dgm:choose name="Name2">
+        <dgm:if name="Name3" axis="self" ptType="node" func="revPos" op="equ" val="1">
+          <dgm:layoutNode name="boxAndChildren">
+            <dgm:alg type="composite"/>
+            <dgm:shape xmlns:r="http://schemas.openxmlformats.org/officeDocument/2006/relationships" r:blip="">
+              <dgm:adjLst/>
+            </dgm:shape>
+            <dgm:presOf/>
+            <dgm:choose name="Name4">
+              <dgm:if name="Name5" axis="ch" ptType="node" func="cnt" op="gte" val="1">
+                <dgm:constrLst>
+                  <dgm:constr type="w" for="ch" forName="parentTextBox" refType="w"/>
+                  <dgm:constr type="h" for="ch" forName="parentTextBox" refType="h" fact="0.54"/>
+                  <dgm:constr type="t" for="ch" forName="parentTextBox"/>
+                  <dgm:constr type="w" for="ch" forName="entireBox" refType="w"/>
+                  <dgm:constr type="h" for="ch" forName="entireBox" refType="h"/>
+                  <dgm:constr type="w" for="ch" forName="descendantBox" refType="w"/>
+                  <dgm:constr type="b" for="ch" forName="descendantBox" refType="h" fact="0.98"/>
+                  <dgm:constr type="h" for="ch" forName="descendantBox" refType="h" fact="0.46"/>
+                </dgm:constrLst>
+              </dgm:if>
+              <dgm:else name="Name6">
+                <dgm:constrLst>
+                  <dgm:constr type="w" for="ch" forName="parentTextBox" refType="w"/>
+                  <dgm:constr type="h" for="ch" forName="parentTextBox" refType="h"/>
+                </dgm:constrLst>
+              </dgm:else>
+            </dgm:choose>
+            <dgm:ruleLst/>
+            <dgm:layoutNode name="parentTextBox">
+              <dgm:alg type="tx"/>
+              <dgm:choose name="Name7">
+                <dgm:if name="Name8" axis="ch" ptType="node" func="cnt" op="gte" val="1">
+                  <dgm:shape xmlns:r="http://schemas.openxmlformats.org/officeDocument/2006/relationships" type="rect" r:blip="" zOrderOff="1" hideGeom="1">
+                    <dgm:adjLst/>
+                  </dgm:shape>
+                </dgm:if>
+                <dgm:else name="Name9">
+                  <dgm:shape xmlns:r="http://schemas.openxmlformats.org/officeDocument/2006/relationships" type="rect" r:blip="">
+                    <dgm:adjLst/>
+                  </dgm:shape>
+                </dgm:else>
+              </dgm:choose>
+              <dgm:presOf axis="self"/>
+              <dgm:constrLst/>
+              <dgm:ruleLst>
+                <dgm:rule type="primFontSz" val="5" fact="NaN" max="NaN"/>
+              </dgm:ruleLst>
+            </dgm:layoutNode>
+            <dgm:choose name="Name10">
+              <dgm:if name="Name11" axis="ch" ptType="node" func="cnt" op="gte" val="1">
+                <dgm:layoutNode name="entireBox">
+                  <dgm:alg type="sp"/>
+                  <dgm:shape xmlns:r="http://schemas.openxmlformats.org/officeDocument/2006/relationships" type="rect" r:blip="">
+                    <dgm:adjLst/>
+                  </dgm:shape>
+                  <dgm:presOf axis="self"/>
+                  <dgm:constrLst/>
+                  <dgm:ruleLst/>
+                </dgm:layoutNode>
+                <dgm:layoutNode name="descendantBox" styleLbl="fgAccFollowNode1">
+                  <dgm:choose name="Name12">
+                    <dgm:if name="Name13" func="var" arg="dir" op="equ" val="norm">
+                      <dgm:alg type="lin"/>
+                    </dgm:if>
+                    <dgm:else name="Name14">
+                      <dgm:alg type="lin">
+                        <dgm:param type="linDir" val="fromR"/>
+                      </dgm:alg>
+                    </dgm:else>
+                  </dgm:choose>
+                  <dgm:shape xmlns:r="http://schemas.openxmlformats.org/officeDocument/2006/relationships" r:blip="">
+                    <dgm:adjLst/>
+                  </dgm:shape>
+                  <dgm:presOf/>
+                  <dgm:constrLst>
+                    <dgm:constr type="w" for="ch" forName="childTextBox" refType="w"/>
+                    <dgm:constr type="h" for="ch" forName="childTextBox" refType="h"/>
+                  </dgm:constrLst>
+                  <dgm:ruleLst/>
+                  <dgm:forEach name="Name15" axis="ch" ptType="node">
+                    <dgm:layoutNode name="childTextBox" styleLbl="fgAccFollowNode1">
+                      <dgm:varLst>
+                        <dgm:bulletEnabled val="1"/>
+                      </dgm:varLst>
+                      <dgm:alg type="tx"/>
+                      <dgm:shape xmlns:r="http://schemas.openxmlformats.org/officeDocument/2006/relationships" type="rect" r:blip="">
+                        <dgm:adjLst/>
+                      </dgm:shape>
+                      <dgm:presOf axis="desOrSelf" ptType="node"/>
+                      <dgm:constrLst>
+                        <dgm:constr type="tMarg" refType="primFontSz" fact="0.1"/>
+                        <dgm:constr type="bMarg" refType="primFontSz" fact="0.1"/>
+                      </dgm:constrLst>
+                      <dgm:ruleLst>
+                        <dgm:rule type="primFontSz" val="5" fact="NaN" max="NaN"/>
+                      </dgm:ruleLst>
+                    </dgm:layoutNode>
+                  </dgm:forEach>
+                </dgm:layoutNode>
+              </dgm:if>
+              <dgm:else name="Name16"/>
+            </dgm:choose>
+          </dgm:layoutNode>
+        </dgm:if>
+        <dgm:else name="Name17">
+          <dgm:layoutNode name="arrowAndChildren">
+            <dgm:alg type="composite"/>
+            <dgm:shape xmlns:r="http://schemas.openxmlformats.org/officeDocument/2006/relationships" r:blip="">
+              <dgm:adjLst/>
+            </dgm:shape>
+            <dgm:presOf/>
+            <dgm:choose name="Name18">
+              <dgm:if name="Name19" axis="ch" ptType="node" func="cnt" op="gte" val="1">
+                <dgm:constrLst>
+                  <dgm:constr type="w" for="ch" forName="parentTextArrow" refType="w"/>
+                  <dgm:constr type="t" for="ch" forName="parentTextArrow"/>
+                  <dgm:constr type="h" for="ch" forName="parentTextArrow" refType="h" fact="0.351"/>
+                  <dgm:constr type="w" for="ch" forName="arrow" refType="w"/>
+                  <dgm:constr type="h" for="ch" forName="arrow" refType="h"/>
+                  <dgm:constr type="w" for="ch" forName="descendantArrow" refType="w"/>
+                  <dgm:constr type="b" for="ch" forName="descendantArrow" refType="h" fact="0.65"/>
+                  <dgm:constr type="h" for="ch" forName="descendantArrow" refType="h" fact="0.299"/>
+                </dgm:constrLst>
+              </dgm:if>
+              <dgm:else name="Name20">
+                <dgm:constrLst>
+                  <dgm:constr type="w" for="ch" forName="parentTextArrow" refType="w"/>
+                  <dgm:constr type="h" for="ch" forName="parentTextArrow" refType="h"/>
+                </dgm:constrLst>
+              </dgm:else>
+            </dgm:choose>
+            <dgm:ruleLst/>
+            <dgm:layoutNode name="parentTextArrow">
+              <dgm:alg type="tx"/>
+              <dgm:choose name="Name21">
+                <dgm:if name="Name22" axis="ch" ptType="node" func="cnt" op="gte" val="1">
+                  <dgm:shape xmlns:r="http://schemas.openxmlformats.org/officeDocument/2006/relationships" type="rect" r:blip="" zOrderOff="1" hideGeom="1">
+                    <dgm:adjLst/>
+                  </dgm:shape>
+                </dgm:if>
+                <dgm:else name="Name23">
+                  <dgm:shape xmlns:r="http://schemas.openxmlformats.org/officeDocument/2006/relationships" rot="180" type="upArrowCallout" r:blip="">
+                    <dgm:adjLst/>
+                  </dgm:shape>
+                </dgm:else>
+              </dgm:choose>
+              <dgm:presOf axis="self"/>
+              <dgm:constrLst/>
+              <dgm:ruleLst>
+                <dgm:rule type="primFontSz" val="5" fact="NaN" max="NaN"/>
+              </dgm:ruleLst>
+            </dgm:layoutNode>
+            <dgm:choose name="Name24">
+              <dgm:if name="Name25" axis="ch" ptType="node" func="cnt" op="gte" val="1">
+                <dgm:layoutNode name="arrow">
+                  <dgm:alg type="sp"/>
+                  <dgm:shape xmlns:r="http://schemas.openxmlformats.org/officeDocument/2006/relationships" rot="180" type="upArrowCallout" r:blip="">
+                    <dgm:adjLst/>
+                  </dgm:shape>
+                  <dgm:presOf axis="self"/>
+                  <dgm:constrLst/>
+                  <dgm:ruleLst/>
+                </dgm:layoutNode>
+                <dgm:layoutNode name="descendantArrow">
+                  <dgm:choose name="Name26">
+                    <dgm:if name="Name27" func="var" arg="dir" op="equ" val="norm">
+                      <dgm:alg type="lin"/>
+                    </dgm:if>
+                    <dgm:else name="Name28">
+                      <dgm:alg type="lin">
+                        <dgm:param type="linDir" val="fromR"/>
+                      </dgm:alg>
+                    </dgm:else>
+                  </dgm:choose>
+                  <dgm:shape xmlns:r="http://schemas.openxmlformats.org/officeDocument/2006/relationships" r:blip="">
+                    <dgm:adjLst/>
+                  </dgm:shape>
+                  <dgm:presOf/>
+                  <dgm:constrLst>
+                    <dgm:constr type="w" for="ch" forName="childTextArrow" refType="w"/>
+                    <dgm:constr type="h" for="ch" forName="childTextArrow" refType="h"/>
+                  </dgm:constrLst>
+                  <dgm:ruleLst/>
+                  <dgm:forEach name="Name29" axis="ch" ptType="node">
+                    <dgm:layoutNode name="childTextArrow" styleLbl="fgAccFollowNode1">
+                      <dgm:varLst>
+                        <dgm:bulletEnabled val="1"/>
+                      </dgm:varLst>
+                      <dgm:alg type="tx"/>
+                      <dgm:shape xmlns:r="http://schemas.openxmlformats.org/officeDocument/2006/relationships" type="rect" r:blip="">
+                        <dgm:adjLst/>
+                      </dgm:shape>
+                      <dgm:presOf axis="desOrSelf" ptType="node"/>
+                      <dgm:constrLst>
+                        <dgm:constr type="tMarg" refType="primFontSz" fact="0.1"/>
+                        <dgm:constr type="bMarg" refType="primFontSz" fact="0.1"/>
+                      </dgm:constrLst>
+                      <dgm:ruleLst>
+                        <dgm:rule type="primFontSz" val="5" fact="NaN" max="NaN"/>
+                      </dgm:ruleLst>
+                    </dgm:layoutNode>
+                  </dgm:forEach>
+                </dgm:layoutNode>
+              </dgm:if>
+              <dgm:else name="Name30"/>
+            </dgm:choose>
+          </dgm:layoutNode>
+        </dgm:else>
+      </dgm:choose>
+      <dgm:forEach name="Name31" axis="precedSib" ptType="sibTrans" st="-1" cnt="1">
+        <dgm:layoutNode name="sp">
+          <dgm:alg type="sp"/>
+          <dgm:shape xmlns:r="http://schemas.openxmlformats.org/officeDocument/2006/relationships" r:blip="">
+            <dgm:adjLst/>
+          </dgm:shape>
+          <dgm:presOf axis="self"/>
+          <dgm:constrLst/>
+          <dgm:ruleLst/>
+        </dgm:layoutNode>
+      </dgm:forEach>
+    </dgm:forEach>
+  </dgm:layoutNode>
+</dgm:layoutDef>
+</file>
+
+<file path=ppt/diagrams/layout2.xml><?xml version="1.0" encoding="utf-8"?>
 <dgm:layoutDef xmlns:dgm="http://schemas.openxmlformats.org/drawingml/2006/diagram" xmlns:a="http://schemas.openxmlformats.org/drawingml/2006/main" uniqueId="urn:microsoft.com/office/officeart/2005/8/layout/default">
   <dgm:title val=""/>
   <dgm:desc val=""/>
@@ -5759,7 +7599,7 @@
 </dgm:layoutDef>
 </file>
 
-<file path=ppt/diagrams/layout2.xml><?xml version="1.0" encoding="utf-8"?>
+<file path=ppt/diagrams/layout3.xml><?xml version="1.0" encoding="utf-8"?>
 <dgm:layoutDef xmlns:dgm="http://schemas.openxmlformats.org/drawingml/2006/diagram" xmlns:a="http://schemas.openxmlformats.org/drawingml/2006/main" uniqueId="urn:microsoft.com/office/officeart/2005/8/layout/list1">
   <dgm:title val=""/>
   <dgm:desc val=""/>
@@ -7019,6 +8859,1040 @@
 </file>
 
 <file path=ppt/diagrams/quickStyle2.xml><?xml version="1.0" encoding="utf-8"?>
+<dgm:styleDef xmlns:dgm="http://schemas.openxmlformats.org/drawingml/2006/diagram" xmlns:a="http://schemas.openxmlformats.org/drawingml/2006/main" uniqueId="urn:microsoft.com/office/officeart/2005/8/quickstyle/simple1">
+  <dgm:title val=""/>
+  <dgm:desc val=""/>
+  <dgm:catLst>
+    <dgm:cat type="simple" pri="10100"/>
+  </dgm:catLst>
+  <dgm:scene3d>
+    <a:camera prst="orthographicFront"/>
+    <a:lightRig rig="threePt" dir="t"/>
+  </dgm:scene3d>
+  <dgm:styleLbl name="node0">
+    <dgm:scene3d>
+      <a:camera prst="orthographicFront"/>
+      <a:lightRig rig="threePt" dir="t"/>
+    </dgm:scene3d>
+    <dgm:sp3d/>
+    <dgm:txPr/>
+    <dgm:style>
+      <a:lnRef idx="2">
+        <a:scrgbClr r="0" g="0" b="0"/>
+      </a:lnRef>
+      <a:fillRef idx="1">
+        <a:scrgbClr r="0" g="0" b="0"/>
+      </a:fillRef>
+      <a:effectRef idx="0">
+        <a:scrgbClr r="0" g="0" b="0"/>
+      </a:effectRef>
+      <a:fontRef idx="minor">
+        <a:schemeClr val="lt1"/>
+      </a:fontRef>
+    </dgm:style>
+  </dgm:styleLbl>
+  <dgm:styleLbl name="lnNode1">
+    <dgm:scene3d>
+      <a:camera prst="orthographicFront"/>
+      <a:lightRig rig="threePt" dir="t"/>
+    </dgm:scene3d>
+    <dgm:sp3d/>
+    <dgm:txPr/>
+    <dgm:style>
+      <a:lnRef idx="2">
+        <a:scrgbClr r="0" g="0" b="0"/>
+      </a:lnRef>
+      <a:fillRef idx="1">
+        <a:scrgbClr r="0" g="0" b="0"/>
+      </a:fillRef>
+      <a:effectRef idx="0">
+        <a:scrgbClr r="0" g="0" b="0"/>
+      </a:effectRef>
+      <a:fontRef idx="minor">
+        <a:schemeClr val="lt1"/>
+      </a:fontRef>
+    </dgm:style>
+  </dgm:styleLbl>
+  <dgm:styleLbl name="vennNode1">
+    <dgm:scene3d>
+      <a:camera prst="orthographicFront"/>
+      <a:lightRig rig="threePt" dir="t"/>
+    </dgm:scene3d>
+    <dgm:sp3d/>
+    <dgm:txPr/>
+    <dgm:style>
+      <a:lnRef idx="2">
+        <a:scrgbClr r="0" g="0" b="0"/>
+      </a:lnRef>
+      <a:fillRef idx="1">
+        <a:scrgbClr r="0" g="0" b="0"/>
+      </a:fillRef>
+      <a:effectRef idx="0">
+        <a:scrgbClr r="0" g="0" b="0"/>
+      </a:effectRef>
+      <a:fontRef idx="minor">
+        <a:schemeClr val="tx1"/>
+      </a:fontRef>
+    </dgm:style>
+  </dgm:styleLbl>
+  <dgm:styleLbl name="alignNode1">
+    <dgm:scene3d>
+      <a:camera prst="orthographicFront"/>
+      <a:lightRig rig="threePt" dir="t"/>
+    </dgm:scene3d>
+    <dgm:sp3d/>
+    <dgm:txPr/>
+    <dgm:style>
+      <a:lnRef idx="2">
+        <a:scrgbClr r="0" g="0" b="0"/>
+      </a:lnRef>
+      <a:fillRef idx="1">
+        <a:scrgbClr r="0" g="0" b="0"/>
+      </a:fillRef>
+      <a:effectRef idx="0">
+        <a:scrgbClr r="0" g="0" b="0"/>
+      </a:effectRef>
+      <a:fontRef idx="minor">
+        <a:schemeClr val="lt1"/>
+      </a:fontRef>
+    </dgm:style>
+  </dgm:styleLbl>
+  <dgm:styleLbl name="node1">
+    <dgm:scene3d>
+      <a:camera prst="orthographicFront"/>
+      <a:lightRig rig="threePt" dir="t"/>
+    </dgm:scene3d>
+    <dgm:sp3d/>
+    <dgm:txPr/>
+    <dgm:style>
+      <a:lnRef idx="2">
+        <a:scrgbClr r="0" g="0" b="0"/>
+      </a:lnRef>
+      <a:fillRef idx="1">
+        <a:scrgbClr r="0" g="0" b="0"/>
+      </a:fillRef>
+      <a:effectRef idx="0">
+        <a:scrgbClr r="0" g="0" b="0"/>
+      </a:effectRef>
+      <a:fontRef idx="minor">
+        <a:schemeClr val="lt1"/>
+      </a:fontRef>
+    </dgm:style>
+  </dgm:styleLbl>
+  <dgm:styleLbl name="node2">
+    <dgm:scene3d>
+      <a:camera prst="orthographicFront"/>
+      <a:lightRig rig="threePt" dir="t"/>
+    </dgm:scene3d>
+    <dgm:sp3d/>
+    <dgm:txPr/>
+    <dgm:style>
+      <a:lnRef idx="2">
+        <a:scrgbClr r="0" g="0" b="0"/>
+      </a:lnRef>
+      <a:fillRef idx="1">
+        <a:scrgbClr r="0" g="0" b="0"/>
+      </a:fillRef>
+      <a:effectRef idx="0">
+        <a:scrgbClr r="0" g="0" b="0"/>
+      </a:effectRef>
+      <a:fontRef idx="minor">
+        <a:schemeClr val="lt1"/>
+      </a:fontRef>
+    </dgm:style>
+  </dgm:styleLbl>
+  <dgm:styleLbl name="node3">
+    <dgm:scene3d>
+      <a:camera prst="orthographicFront"/>
+      <a:lightRig rig="threePt" dir="t"/>
+    </dgm:scene3d>
+    <dgm:sp3d/>
+    <dgm:txPr/>
+    <dgm:style>
+      <a:lnRef idx="2">
+        <a:scrgbClr r="0" g="0" b="0"/>
+      </a:lnRef>
+      <a:fillRef idx="1">
+        <a:scrgbClr r="0" g="0" b="0"/>
+      </a:fillRef>
+      <a:effectRef idx="0">
+        <a:scrgbClr r="0" g="0" b="0"/>
+      </a:effectRef>
+      <a:fontRef idx="minor">
+        <a:schemeClr val="lt1"/>
+      </a:fontRef>
+    </dgm:style>
+  </dgm:styleLbl>
+  <dgm:styleLbl name="node4">
+    <dgm:scene3d>
+      <a:camera prst="orthographicFront"/>
+      <a:lightRig rig="threePt" dir="t"/>
+    </dgm:scene3d>
+    <dgm:sp3d/>
+    <dgm:txPr/>
+    <dgm:style>
+      <a:lnRef idx="2">
+        <a:scrgbClr r="0" g="0" b="0"/>
+      </a:lnRef>
+      <a:fillRef idx="1">
+        <a:scrgbClr r="0" g="0" b="0"/>
+      </a:fillRef>
+      <a:effectRef idx="0">
+        <a:scrgbClr r="0" g="0" b="0"/>
+      </a:effectRef>
+      <a:fontRef idx="minor">
+        <a:schemeClr val="lt1"/>
+      </a:fontRef>
+    </dgm:style>
+  </dgm:styleLbl>
+  <dgm:styleLbl name="fgImgPlace1">
+    <dgm:scene3d>
+      <a:camera prst="orthographicFront"/>
+      <a:lightRig rig="threePt" dir="t"/>
+    </dgm:scene3d>
+    <dgm:sp3d/>
+    <dgm:txPr/>
+    <dgm:style>
+      <a:lnRef idx="2">
+        <a:scrgbClr r="0" g="0" b="0"/>
+      </a:lnRef>
+      <a:fillRef idx="1">
+        <a:scrgbClr r="0" g="0" b="0"/>
+      </a:fillRef>
+      <a:effectRef idx="0">
+        <a:scrgbClr r="0" g="0" b="0"/>
+      </a:effectRef>
+      <a:fontRef idx="minor"/>
+    </dgm:style>
+  </dgm:styleLbl>
+  <dgm:styleLbl name="alignImgPlace1">
+    <dgm:scene3d>
+      <a:camera prst="orthographicFront"/>
+      <a:lightRig rig="threePt" dir="t"/>
+    </dgm:scene3d>
+    <dgm:sp3d/>
+    <dgm:txPr/>
+    <dgm:style>
+      <a:lnRef idx="2">
+        <a:scrgbClr r="0" g="0" b="0"/>
+      </a:lnRef>
+      <a:fillRef idx="1">
+        <a:scrgbClr r="0" g="0" b="0"/>
+      </a:fillRef>
+      <a:effectRef idx="0">
+        <a:scrgbClr r="0" g="0" b="0"/>
+      </a:effectRef>
+      <a:fontRef idx="minor"/>
+    </dgm:style>
+  </dgm:styleLbl>
+  <dgm:styleLbl name="bgImgPlace1">
+    <dgm:scene3d>
+      <a:camera prst="orthographicFront"/>
+      <a:lightRig rig="threePt" dir="t"/>
+    </dgm:scene3d>
+    <dgm:sp3d/>
+    <dgm:txPr/>
+    <dgm:style>
+      <a:lnRef idx="2">
+        <a:scrgbClr r="0" g="0" b="0"/>
+      </a:lnRef>
+      <a:fillRef idx="1">
+        <a:scrgbClr r="0" g="0" b="0"/>
+      </a:fillRef>
+      <a:effectRef idx="0">
+        <a:scrgbClr r="0" g="0" b="0"/>
+      </a:effectRef>
+      <a:fontRef idx="minor"/>
+    </dgm:style>
+  </dgm:styleLbl>
+  <dgm:styleLbl name="sibTrans2D1">
+    <dgm:scene3d>
+      <a:camera prst="orthographicFront"/>
+      <a:lightRig rig="threePt" dir="t"/>
+    </dgm:scene3d>
+    <dgm:sp3d/>
+    <dgm:txPr/>
+    <dgm:style>
+      <a:lnRef idx="0">
+        <a:scrgbClr r="0" g="0" b="0"/>
+      </a:lnRef>
+      <a:fillRef idx="1">
+        <a:scrgbClr r="0" g="0" b="0"/>
+      </a:fillRef>
+      <a:effectRef idx="0">
+        <a:scrgbClr r="0" g="0" b="0"/>
+      </a:effectRef>
+      <a:fontRef idx="minor">
+        <a:schemeClr val="lt1"/>
+      </a:fontRef>
+    </dgm:style>
+  </dgm:styleLbl>
+  <dgm:styleLbl name="fgSibTrans2D1">
+    <dgm:scene3d>
+      <a:camera prst="orthographicFront"/>
+      <a:lightRig rig="threePt" dir="t"/>
+    </dgm:scene3d>
+    <dgm:sp3d/>
+    <dgm:txPr/>
+    <dgm:style>
+      <a:lnRef idx="0">
+        <a:scrgbClr r="0" g="0" b="0"/>
+      </a:lnRef>
+      <a:fillRef idx="1">
+        <a:scrgbClr r="0" g="0" b="0"/>
+      </a:fillRef>
+      <a:effectRef idx="0">
+        <a:scrgbClr r="0" g="0" b="0"/>
+      </a:effectRef>
+      <a:fontRef idx="minor">
+        <a:schemeClr val="lt1"/>
+      </a:fontRef>
+    </dgm:style>
+  </dgm:styleLbl>
+  <dgm:styleLbl name="bgSibTrans2D1">
+    <dgm:scene3d>
+      <a:camera prst="orthographicFront"/>
+      <a:lightRig rig="threePt" dir="t"/>
+    </dgm:scene3d>
+    <dgm:sp3d/>
+    <dgm:txPr/>
+    <dgm:style>
+      <a:lnRef idx="0">
+        <a:scrgbClr r="0" g="0" b="0"/>
+      </a:lnRef>
+      <a:fillRef idx="1">
+        <a:scrgbClr r="0" g="0" b="0"/>
+      </a:fillRef>
+      <a:effectRef idx="0">
+        <a:scrgbClr r="0" g="0" b="0"/>
+      </a:effectRef>
+      <a:fontRef idx="minor">
+        <a:schemeClr val="lt1"/>
+      </a:fontRef>
+    </dgm:style>
+  </dgm:styleLbl>
+  <dgm:styleLbl name="sibTrans1D1">
+    <dgm:scene3d>
+      <a:camera prst="orthographicFront"/>
+      <a:lightRig rig="threePt" dir="t"/>
+    </dgm:scene3d>
+    <dgm:sp3d/>
+    <dgm:txPr/>
+    <dgm:style>
+      <a:lnRef idx="1">
+        <a:scrgbClr r="0" g="0" b="0"/>
+      </a:lnRef>
+      <a:fillRef idx="0">
+        <a:scrgbClr r="0" g="0" b="0"/>
+      </a:fillRef>
+      <a:effectRef idx="0">
+        <a:scrgbClr r="0" g="0" b="0"/>
+      </a:effectRef>
+      <a:fontRef idx="minor"/>
+    </dgm:style>
+  </dgm:styleLbl>
+  <dgm:styleLbl name="callout">
+    <dgm:scene3d>
+      <a:camera prst="orthographicFront"/>
+      <a:lightRig rig="threePt" dir="t"/>
+    </dgm:scene3d>
+    <dgm:sp3d/>
+    <dgm:txPr/>
+    <dgm:style>
+      <a:lnRef idx="2">
+        <a:scrgbClr r="0" g="0" b="0"/>
+      </a:lnRef>
+      <a:fillRef idx="1">
+        <a:scrgbClr r="0" g="0" b="0"/>
+      </a:fillRef>
+      <a:effectRef idx="0">
+        <a:scrgbClr r="0" g="0" b="0"/>
+      </a:effectRef>
+      <a:fontRef idx="minor"/>
+    </dgm:style>
+  </dgm:styleLbl>
+  <dgm:styleLbl name="asst0">
+    <dgm:scene3d>
+      <a:camera prst="orthographicFront"/>
+      <a:lightRig rig="threePt" dir="t"/>
+    </dgm:scene3d>
+    <dgm:sp3d/>
+    <dgm:txPr/>
+    <dgm:style>
+      <a:lnRef idx="2">
+        <a:scrgbClr r="0" g="0" b="0"/>
+      </a:lnRef>
+      <a:fillRef idx="1">
+        <a:scrgbClr r="0" g="0" b="0"/>
+      </a:fillRef>
+      <a:effectRef idx="0">
+        <a:scrgbClr r="0" g="0" b="0"/>
+      </a:effectRef>
+      <a:fontRef idx="minor">
+        <a:schemeClr val="lt1"/>
+      </a:fontRef>
+    </dgm:style>
+  </dgm:styleLbl>
+  <dgm:styleLbl name="asst1">
+    <dgm:scene3d>
+      <a:camera prst="orthographicFront"/>
+      <a:lightRig rig="threePt" dir="t"/>
+    </dgm:scene3d>
+    <dgm:sp3d/>
+    <dgm:txPr/>
+    <dgm:style>
+      <a:lnRef idx="2">
+        <a:scrgbClr r="0" g="0" b="0"/>
+      </a:lnRef>
+      <a:fillRef idx="1">
+        <a:scrgbClr r="0" g="0" b="0"/>
+      </a:fillRef>
+      <a:effectRef idx="0">
+        <a:scrgbClr r="0" g="0" b="0"/>
+      </a:effectRef>
+      <a:fontRef idx="minor">
+        <a:schemeClr val="lt1"/>
+      </a:fontRef>
+    </dgm:style>
+  </dgm:styleLbl>
+  <dgm:styleLbl name="asst2">
+    <dgm:scene3d>
+      <a:camera prst="orthographicFront"/>
+      <a:lightRig rig="threePt" dir="t"/>
+    </dgm:scene3d>
+    <dgm:sp3d/>
+    <dgm:txPr/>
+    <dgm:style>
+      <a:lnRef idx="2">
+        <a:scrgbClr r="0" g="0" b="0"/>
+      </a:lnRef>
+      <a:fillRef idx="1">
+        <a:scrgbClr r="0" g="0" b="0"/>
+      </a:fillRef>
+      <a:effectRef idx="0">
+        <a:scrgbClr r="0" g="0" b="0"/>
+      </a:effectRef>
+      <a:fontRef idx="minor">
+        <a:schemeClr val="lt1"/>
+      </a:fontRef>
+    </dgm:style>
+  </dgm:styleLbl>
+  <dgm:styleLbl name="asst3">
+    <dgm:scene3d>
+      <a:camera prst="orthographicFront"/>
+      <a:lightRig rig="threePt" dir="t"/>
+    </dgm:scene3d>
+    <dgm:sp3d/>
+    <dgm:txPr/>
+    <dgm:style>
+      <a:lnRef idx="2">
+        <a:scrgbClr r="0" g="0" b="0"/>
+      </a:lnRef>
+      <a:fillRef idx="1">
+        <a:scrgbClr r="0" g="0" b="0"/>
+      </a:fillRef>
+      <a:effectRef idx="0">
+        <a:scrgbClr r="0" g="0" b="0"/>
+      </a:effectRef>
+      <a:fontRef idx="minor">
+        <a:schemeClr val="lt1"/>
+      </a:fontRef>
+    </dgm:style>
+  </dgm:styleLbl>
+  <dgm:styleLbl name="asst4">
+    <dgm:scene3d>
+      <a:camera prst="orthographicFront"/>
+      <a:lightRig rig="threePt" dir="t"/>
+    </dgm:scene3d>
+    <dgm:sp3d/>
+    <dgm:txPr/>
+    <dgm:style>
+      <a:lnRef idx="2">
+        <a:scrgbClr r="0" g="0" b="0"/>
+      </a:lnRef>
+      <a:fillRef idx="1">
+        <a:scrgbClr r="0" g="0" b="0"/>
+      </a:fillRef>
+      <a:effectRef idx="0">
+        <a:scrgbClr r="0" g="0" b="0"/>
+      </a:effectRef>
+      <a:fontRef idx="minor">
+        <a:schemeClr val="lt1"/>
+      </a:fontRef>
+    </dgm:style>
+  </dgm:styleLbl>
+  <dgm:styleLbl name="parChTrans2D1">
+    <dgm:scene3d>
+      <a:camera prst="orthographicFront"/>
+      <a:lightRig rig="threePt" dir="t"/>
+    </dgm:scene3d>
+    <dgm:sp3d/>
+    <dgm:txPr/>
+    <dgm:style>
+      <a:lnRef idx="2">
+        <a:scrgbClr r="0" g="0" b="0"/>
+      </a:lnRef>
+      <a:fillRef idx="1">
+        <a:scrgbClr r="0" g="0" b="0"/>
+      </a:fillRef>
+      <a:effectRef idx="0">
+        <a:scrgbClr r="0" g="0" b="0"/>
+      </a:effectRef>
+      <a:fontRef idx="minor">
+        <a:schemeClr val="lt1"/>
+      </a:fontRef>
+    </dgm:style>
+  </dgm:styleLbl>
+  <dgm:styleLbl name="parChTrans2D2">
+    <dgm:scene3d>
+      <a:camera prst="orthographicFront"/>
+      <a:lightRig rig="threePt" dir="t"/>
+    </dgm:scene3d>
+    <dgm:sp3d/>
+    <dgm:txPr/>
+    <dgm:style>
+      <a:lnRef idx="2">
+        <a:scrgbClr r="0" g="0" b="0"/>
+      </a:lnRef>
+      <a:fillRef idx="1">
+        <a:scrgbClr r="0" g="0" b="0"/>
+      </a:fillRef>
+      <a:effectRef idx="0">
+        <a:scrgbClr r="0" g="0" b="0"/>
+      </a:effectRef>
+      <a:fontRef idx="minor">
+        <a:schemeClr val="lt1"/>
+      </a:fontRef>
+    </dgm:style>
+  </dgm:styleLbl>
+  <dgm:styleLbl name="parChTrans2D3">
+    <dgm:scene3d>
+      <a:camera prst="orthographicFront"/>
+      <a:lightRig rig="threePt" dir="t"/>
+    </dgm:scene3d>
+    <dgm:sp3d/>
+    <dgm:txPr/>
+    <dgm:style>
+      <a:lnRef idx="2">
+        <a:scrgbClr r="0" g="0" b="0"/>
+      </a:lnRef>
+      <a:fillRef idx="1">
+        <a:scrgbClr r="0" g="0" b="0"/>
+      </a:fillRef>
+      <a:effectRef idx="0">
+        <a:scrgbClr r="0" g="0" b="0"/>
+      </a:effectRef>
+      <a:fontRef idx="minor">
+        <a:schemeClr val="lt1"/>
+      </a:fontRef>
+    </dgm:style>
+  </dgm:styleLbl>
+  <dgm:styleLbl name="parChTrans2D4">
+    <dgm:scene3d>
+      <a:camera prst="orthographicFront"/>
+      <a:lightRig rig="threePt" dir="t"/>
+    </dgm:scene3d>
+    <dgm:sp3d/>
+    <dgm:txPr/>
+    <dgm:style>
+      <a:lnRef idx="2">
+        <a:scrgbClr r="0" g="0" b="0"/>
+      </a:lnRef>
+      <a:fillRef idx="1">
+        <a:scrgbClr r="0" g="0" b="0"/>
+      </a:fillRef>
+      <a:effectRef idx="0">
+        <a:scrgbClr r="0" g="0" b="0"/>
+      </a:effectRef>
+      <a:fontRef idx="minor">
+        <a:schemeClr val="lt1"/>
+      </a:fontRef>
+    </dgm:style>
+  </dgm:styleLbl>
+  <dgm:styleLbl name="parChTrans1D1">
+    <dgm:scene3d>
+      <a:camera prst="orthographicFront"/>
+      <a:lightRig rig="threePt" dir="t"/>
+    </dgm:scene3d>
+    <dgm:sp3d/>
+    <dgm:txPr/>
+    <dgm:style>
+      <a:lnRef idx="2">
+        <a:scrgbClr r="0" g="0" b="0"/>
+      </a:lnRef>
+      <a:fillRef idx="0">
+        <a:scrgbClr r="0" g="0" b="0"/>
+      </a:fillRef>
+      <a:effectRef idx="0">
+        <a:scrgbClr r="0" g="0" b="0"/>
+      </a:effectRef>
+      <a:fontRef idx="minor"/>
+    </dgm:style>
+  </dgm:styleLbl>
+  <dgm:styleLbl name="parChTrans1D2">
+    <dgm:scene3d>
+      <a:camera prst="orthographicFront"/>
+      <a:lightRig rig="threePt" dir="t"/>
+    </dgm:scene3d>
+    <dgm:sp3d/>
+    <dgm:txPr/>
+    <dgm:style>
+      <a:lnRef idx="2">
+        <a:scrgbClr r="0" g="0" b="0"/>
+      </a:lnRef>
+      <a:fillRef idx="0">
+        <a:scrgbClr r="0" g="0" b="0"/>
+      </a:fillRef>
+      <a:effectRef idx="0">
+        <a:scrgbClr r="0" g="0" b="0"/>
+      </a:effectRef>
+      <a:fontRef idx="minor"/>
+    </dgm:style>
+  </dgm:styleLbl>
+  <dgm:styleLbl name="parChTrans1D3">
+    <dgm:scene3d>
+      <a:camera prst="orthographicFront"/>
+      <a:lightRig rig="threePt" dir="t"/>
+    </dgm:scene3d>
+    <dgm:sp3d/>
+    <dgm:txPr/>
+    <dgm:style>
+      <a:lnRef idx="2">
+        <a:scrgbClr r="0" g="0" b="0"/>
+      </a:lnRef>
+      <a:fillRef idx="0">
+        <a:scrgbClr r="0" g="0" b="0"/>
+      </a:fillRef>
+      <a:effectRef idx="0">
+        <a:scrgbClr r="0" g="0" b="0"/>
+      </a:effectRef>
+      <a:fontRef idx="minor"/>
+    </dgm:style>
+  </dgm:styleLbl>
+  <dgm:styleLbl name="parChTrans1D4">
+    <dgm:scene3d>
+      <a:camera prst="orthographicFront"/>
+      <a:lightRig rig="threePt" dir="t"/>
+    </dgm:scene3d>
+    <dgm:sp3d/>
+    <dgm:txPr/>
+    <dgm:style>
+      <a:lnRef idx="2">
+        <a:scrgbClr r="0" g="0" b="0"/>
+      </a:lnRef>
+      <a:fillRef idx="0">
+        <a:scrgbClr r="0" g="0" b="0"/>
+      </a:fillRef>
+      <a:effectRef idx="0">
+        <a:scrgbClr r="0" g="0" b="0"/>
+      </a:effectRef>
+      <a:fontRef idx="minor"/>
+    </dgm:style>
+  </dgm:styleLbl>
+  <dgm:styleLbl name="fgAcc1">
+    <dgm:scene3d>
+      <a:camera prst="orthographicFront"/>
+      <a:lightRig rig="threePt" dir="t"/>
+    </dgm:scene3d>
+    <dgm:sp3d/>
+    <dgm:txPr/>
+    <dgm:style>
+      <a:lnRef idx="2">
+        <a:scrgbClr r="0" g="0" b="0"/>
+      </a:lnRef>
+      <a:fillRef idx="1">
+        <a:scrgbClr r="0" g="0" b="0"/>
+      </a:fillRef>
+      <a:effectRef idx="0">
+        <a:scrgbClr r="0" g="0" b="0"/>
+      </a:effectRef>
+      <a:fontRef idx="minor"/>
+    </dgm:style>
+  </dgm:styleLbl>
+  <dgm:styleLbl name="conFgAcc1">
+    <dgm:scene3d>
+      <a:camera prst="orthographicFront"/>
+      <a:lightRig rig="threePt" dir="t"/>
+    </dgm:scene3d>
+    <dgm:sp3d/>
+    <dgm:txPr/>
+    <dgm:style>
+      <a:lnRef idx="2">
+        <a:scrgbClr r="0" g="0" b="0"/>
+      </a:lnRef>
+      <a:fillRef idx="1">
+        <a:scrgbClr r="0" g="0" b="0"/>
+      </a:fillRef>
+      <a:effectRef idx="0">
+        <a:scrgbClr r="0" g="0" b="0"/>
+      </a:effectRef>
+      <a:fontRef idx="minor"/>
+    </dgm:style>
+  </dgm:styleLbl>
+  <dgm:styleLbl name="alignAcc1">
+    <dgm:scene3d>
+      <a:camera prst="orthographicFront"/>
+      <a:lightRig rig="threePt" dir="t"/>
+    </dgm:scene3d>
+    <dgm:sp3d/>
+    <dgm:txPr/>
+    <dgm:style>
+      <a:lnRef idx="2">
+        <a:scrgbClr r="0" g="0" b="0"/>
+      </a:lnRef>
+      <a:fillRef idx="1">
+        <a:scrgbClr r="0" g="0" b="0"/>
+      </a:fillRef>
+      <a:effectRef idx="0">
+        <a:scrgbClr r="0" g="0" b="0"/>
+      </a:effectRef>
+      <a:fontRef idx="minor"/>
+    </dgm:style>
+  </dgm:styleLbl>
+  <dgm:styleLbl name="trAlignAcc1">
+    <dgm:scene3d>
+      <a:camera prst="orthographicFront"/>
+      <a:lightRig rig="threePt" dir="t"/>
+    </dgm:scene3d>
+    <dgm:sp3d/>
+    <dgm:txPr/>
+    <dgm:style>
+      <a:lnRef idx="1">
+        <a:scrgbClr r="0" g="0" b="0"/>
+      </a:lnRef>
+      <a:fillRef idx="1">
+        <a:scrgbClr r="0" g="0" b="0"/>
+      </a:fillRef>
+      <a:effectRef idx="0">
+        <a:scrgbClr r="0" g="0" b="0"/>
+      </a:effectRef>
+      <a:fontRef idx="minor"/>
+    </dgm:style>
+  </dgm:styleLbl>
+  <dgm:styleLbl name="bgAcc1">
+    <dgm:scene3d>
+      <a:camera prst="orthographicFront"/>
+      <a:lightRig rig="threePt" dir="t"/>
+    </dgm:scene3d>
+    <dgm:sp3d/>
+    <dgm:txPr/>
+    <dgm:style>
+      <a:lnRef idx="2">
+        <a:scrgbClr r="0" g="0" b="0"/>
+      </a:lnRef>
+      <a:fillRef idx="1">
+        <a:scrgbClr r="0" g="0" b="0"/>
+      </a:fillRef>
+      <a:effectRef idx="0">
+        <a:scrgbClr r="0" g="0" b="0"/>
+      </a:effectRef>
+      <a:fontRef idx="minor"/>
+    </dgm:style>
+  </dgm:styleLbl>
+  <dgm:styleLbl name="solidFgAcc1">
+    <dgm:scene3d>
+      <a:camera prst="orthographicFront"/>
+      <a:lightRig rig="threePt" dir="t"/>
+    </dgm:scene3d>
+    <dgm:sp3d/>
+    <dgm:txPr/>
+    <dgm:style>
+      <a:lnRef idx="2">
+        <a:scrgbClr r="0" g="0" b="0"/>
+      </a:lnRef>
+      <a:fillRef idx="1">
+        <a:scrgbClr r="0" g="0" b="0"/>
+      </a:fillRef>
+      <a:effectRef idx="0">
+        <a:scrgbClr r="0" g="0" b="0"/>
+      </a:effectRef>
+      <a:fontRef idx="minor"/>
+    </dgm:style>
+  </dgm:styleLbl>
+  <dgm:styleLbl name="solidAlignAcc1">
+    <dgm:scene3d>
+      <a:camera prst="orthographicFront"/>
+      <a:lightRig rig="threePt" dir="t"/>
+    </dgm:scene3d>
+    <dgm:sp3d/>
+    <dgm:txPr/>
+    <dgm:style>
+      <a:lnRef idx="2">
+        <a:scrgbClr r="0" g="0" b="0"/>
+      </a:lnRef>
+      <a:fillRef idx="1">
+        <a:scrgbClr r="0" g="0" b="0"/>
+      </a:fillRef>
+      <a:effectRef idx="0">
+        <a:scrgbClr r="0" g="0" b="0"/>
+      </a:effectRef>
+      <a:fontRef idx="minor"/>
+    </dgm:style>
+  </dgm:styleLbl>
+  <dgm:styleLbl name="solidBgAcc1">
+    <dgm:scene3d>
+      <a:camera prst="orthographicFront"/>
+      <a:lightRig rig="threePt" dir="t"/>
+    </dgm:scene3d>
+    <dgm:sp3d/>
+    <dgm:txPr/>
+    <dgm:style>
+      <a:lnRef idx="2">
+        <a:scrgbClr r="0" g="0" b="0"/>
+      </a:lnRef>
+      <a:fillRef idx="1">
+        <a:scrgbClr r="0" g="0" b="0"/>
+      </a:fillRef>
+      <a:effectRef idx="0">
+        <a:scrgbClr r="0" g="0" b="0"/>
+      </a:effectRef>
+      <a:fontRef idx="minor"/>
+    </dgm:style>
+  </dgm:styleLbl>
+  <dgm:styleLbl name="fgAccFollowNode1">
+    <dgm:scene3d>
+      <a:camera prst="orthographicFront"/>
+      <a:lightRig rig="threePt" dir="t"/>
+    </dgm:scene3d>
+    <dgm:sp3d/>
+    <dgm:txPr/>
+    <dgm:style>
+      <a:lnRef idx="2">
+        <a:scrgbClr r="0" g="0" b="0"/>
+      </a:lnRef>
+      <a:fillRef idx="1">
+        <a:scrgbClr r="0" g="0" b="0"/>
+      </a:fillRef>
+      <a:effectRef idx="0">
+        <a:scrgbClr r="0" g="0" b="0"/>
+      </a:effectRef>
+      <a:fontRef idx="minor"/>
+    </dgm:style>
+  </dgm:styleLbl>
+  <dgm:styleLbl name="alignAccFollowNode1">
+    <dgm:scene3d>
+      <a:camera prst="orthographicFront"/>
+      <a:lightRig rig="threePt" dir="t"/>
+    </dgm:scene3d>
+    <dgm:sp3d/>
+    <dgm:txPr/>
+    <dgm:style>
+      <a:lnRef idx="2">
+        <a:scrgbClr r="0" g="0" b="0"/>
+      </a:lnRef>
+      <a:fillRef idx="1">
+        <a:scrgbClr r="0" g="0" b="0"/>
+      </a:fillRef>
+      <a:effectRef idx="0">
+        <a:scrgbClr r="0" g="0" b="0"/>
+      </a:effectRef>
+      <a:fontRef idx="minor"/>
+    </dgm:style>
+  </dgm:styleLbl>
+  <dgm:styleLbl name="bgAccFollowNode1">
+    <dgm:scene3d>
+      <a:camera prst="orthographicFront"/>
+      <a:lightRig rig="threePt" dir="t"/>
+    </dgm:scene3d>
+    <dgm:sp3d/>
+    <dgm:txPr/>
+    <dgm:style>
+      <a:lnRef idx="2">
+        <a:scrgbClr r="0" g="0" b="0"/>
+      </a:lnRef>
+      <a:fillRef idx="1">
+        <a:scrgbClr r="0" g="0" b="0"/>
+      </a:fillRef>
+      <a:effectRef idx="0">
+        <a:scrgbClr r="0" g="0" b="0"/>
+      </a:effectRef>
+      <a:fontRef idx="minor"/>
+    </dgm:style>
+  </dgm:styleLbl>
+  <dgm:styleLbl name="fgAcc0">
+    <dgm:scene3d>
+      <a:camera prst="orthographicFront"/>
+      <a:lightRig rig="threePt" dir="t"/>
+    </dgm:scene3d>
+    <dgm:sp3d/>
+    <dgm:txPr/>
+    <dgm:style>
+      <a:lnRef idx="2">
+        <a:scrgbClr r="0" g="0" b="0"/>
+      </a:lnRef>
+      <a:fillRef idx="1">
+        <a:scrgbClr r="0" g="0" b="0"/>
+      </a:fillRef>
+      <a:effectRef idx="0">
+        <a:scrgbClr r="0" g="0" b="0"/>
+      </a:effectRef>
+      <a:fontRef idx="minor"/>
+    </dgm:style>
+  </dgm:styleLbl>
+  <dgm:styleLbl name="fgAcc2">
+    <dgm:scene3d>
+      <a:camera prst="orthographicFront"/>
+      <a:lightRig rig="threePt" dir="t"/>
+    </dgm:scene3d>
+    <dgm:sp3d/>
+    <dgm:txPr/>
+    <dgm:style>
+      <a:lnRef idx="2">
+        <a:scrgbClr r="0" g="0" b="0"/>
+      </a:lnRef>
+      <a:fillRef idx="1">
+        <a:scrgbClr r="0" g="0" b="0"/>
+      </a:fillRef>
+      <a:effectRef idx="0">
+        <a:scrgbClr r="0" g="0" b="0"/>
+      </a:effectRef>
+      <a:fontRef idx="minor"/>
+    </dgm:style>
+  </dgm:styleLbl>
+  <dgm:styleLbl name="fgAcc3">
+    <dgm:scene3d>
+      <a:camera prst="orthographicFront"/>
+      <a:lightRig rig="threePt" dir="t"/>
+    </dgm:scene3d>
+    <dgm:sp3d/>
+    <dgm:txPr/>
+    <dgm:style>
+      <a:lnRef idx="2">
+        <a:scrgbClr r="0" g="0" b="0"/>
+      </a:lnRef>
+      <a:fillRef idx="1">
+        <a:scrgbClr r="0" g="0" b="0"/>
+      </a:fillRef>
+      <a:effectRef idx="0">
+        <a:scrgbClr r="0" g="0" b="0"/>
+      </a:effectRef>
+      <a:fontRef idx="minor"/>
+    </dgm:style>
+  </dgm:styleLbl>
+  <dgm:styleLbl name="fgAcc4">
+    <dgm:scene3d>
+      <a:camera prst="orthographicFront"/>
+      <a:lightRig rig="threePt" dir="t"/>
+    </dgm:scene3d>
+    <dgm:sp3d/>
+    <dgm:txPr/>
+    <dgm:style>
+      <a:lnRef idx="2">
+        <a:scrgbClr r="0" g="0" b="0"/>
+      </a:lnRef>
+      <a:fillRef idx="1">
+        <a:scrgbClr r="0" g="0" b="0"/>
+      </a:fillRef>
+      <a:effectRef idx="0">
+        <a:scrgbClr r="0" g="0" b="0"/>
+      </a:effectRef>
+      <a:fontRef idx="minor"/>
+    </dgm:style>
+  </dgm:styleLbl>
+  <dgm:styleLbl name="bgShp">
+    <dgm:scene3d>
+      <a:camera prst="orthographicFront"/>
+      <a:lightRig rig="threePt" dir="t"/>
+    </dgm:scene3d>
+    <dgm:sp3d/>
+    <dgm:txPr/>
+    <dgm:style>
+      <a:lnRef idx="0">
+        <a:scrgbClr r="0" g="0" b="0"/>
+      </a:lnRef>
+      <a:fillRef idx="1">
+        <a:scrgbClr r="0" g="0" b="0"/>
+      </a:fillRef>
+      <a:effectRef idx="0">
+        <a:scrgbClr r="0" g="0" b="0"/>
+      </a:effectRef>
+      <a:fontRef idx="minor"/>
+    </dgm:style>
+  </dgm:styleLbl>
+  <dgm:styleLbl name="dkBgShp">
+    <dgm:scene3d>
+      <a:camera prst="orthographicFront"/>
+      <a:lightRig rig="threePt" dir="t"/>
+    </dgm:scene3d>
+    <dgm:sp3d/>
+    <dgm:txPr/>
+    <dgm:style>
+      <a:lnRef idx="0">
+        <a:scrgbClr r="0" g="0" b="0"/>
+      </a:lnRef>
+      <a:fillRef idx="1">
+        <a:scrgbClr r="0" g="0" b="0"/>
+      </a:fillRef>
+      <a:effectRef idx="0">
+        <a:scrgbClr r="0" g="0" b="0"/>
+      </a:effectRef>
+      <a:fontRef idx="minor"/>
+    </dgm:style>
+  </dgm:styleLbl>
+  <dgm:styleLbl name="trBgShp">
+    <dgm:scene3d>
+      <a:camera prst="orthographicFront"/>
+      <a:lightRig rig="threePt" dir="t"/>
+    </dgm:scene3d>
+    <dgm:sp3d/>
+    <dgm:txPr/>
+    <dgm:style>
+      <a:lnRef idx="0">
+        <a:scrgbClr r="0" g="0" b="0"/>
+      </a:lnRef>
+      <a:fillRef idx="1">
+        <a:scrgbClr r="0" g="0" b="0"/>
+      </a:fillRef>
+      <a:effectRef idx="0">
+        <a:scrgbClr r="0" g="0" b="0"/>
+      </a:effectRef>
+      <a:fontRef idx="minor"/>
+    </dgm:style>
+  </dgm:styleLbl>
+  <dgm:styleLbl name="fgShp">
+    <dgm:scene3d>
+      <a:camera prst="orthographicFront"/>
+      <a:lightRig rig="threePt" dir="t"/>
+    </dgm:scene3d>
+    <dgm:sp3d/>
+    <dgm:txPr/>
+    <dgm:style>
+      <a:lnRef idx="2">
+        <a:scrgbClr r="0" g="0" b="0"/>
+      </a:lnRef>
+      <a:fillRef idx="1">
+        <a:scrgbClr r="0" g="0" b="0"/>
+      </a:fillRef>
+      <a:effectRef idx="0">
+        <a:scrgbClr r="0" g="0" b="0"/>
+      </a:effectRef>
+      <a:fontRef idx="minor"/>
+    </dgm:style>
+  </dgm:styleLbl>
+  <dgm:styleLbl name="revTx">
+    <dgm:scene3d>
+      <a:camera prst="orthographicFront"/>
+      <a:lightRig rig="threePt" dir="t"/>
+    </dgm:scene3d>
+    <dgm:sp3d/>
+    <dgm:txPr/>
+    <dgm:style>
+      <a:lnRef idx="0">
+        <a:scrgbClr r="0" g="0" b="0"/>
+      </a:lnRef>
+      <a:fillRef idx="0">
+        <a:scrgbClr r="0" g="0" b="0"/>
+      </a:fillRef>
+      <a:effectRef idx="0">
+        <a:scrgbClr r="0" g="0" b="0"/>
+      </a:effectRef>
+      <a:fontRef idx="minor"/>
+    </dgm:style>
+  </dgm:styleLbl>
+</dgm:styleDef>
+</file>
+
+<file path=ppt/diagrams/quickStyle3.xml><?xml version="1.0" encoding="utf-8"?>
 <dgm:styleDef xmlns:dgm="http://schemas.openxmlformats.org/drawingml/2006/diagram" xmlns:a="http://schemas.openxmlformats.org/drawingml/2006/main" uniqueId="urn:microsoft.com/office/officeart/2005/8/quickstyle/simple1">
   <dgm:title val=""/>
   <dgm:desc val=""/>
@@ -13152,6 +16026,322 @@
           <p:cNvPr id="2" name="Title 1">
             <a:extLst>
               <a:ext uri="{FF2B5EF4-FFF2-40B4-BE49-F238E27FC236}">
+                <a16:creationId xmlns:a16="http://schemas.microsoft.com/office/drawing/2014/main" id="{31172A33-5ECA-4EF8-A822-18D86D3890A2}"/>
+              </a:ext>
+            </a:extLst>
+          </p:cNvPr>
+          <p:cNvSpPr>
+            <a:spLocks noGrp="1"/>
+          </p:cNvSpPr>
+          <p:nvPr>
+            <p:ph type="title"/>
+          </p:nvPr>
+        </p:nvSpPr>
+        <p:spPr>
+          <a:xfrm>
+            <a:off x="228600" y="575950"/>
+            <a:ext cx="4229099" cy="635400"/>
+          </a:xfrm>
+        </p:spPr>
+        <p:txBody>
+          <a:bodyPr/>
+          <a:lstStyle/>
+          <a:p>
+            <a:r>
+              <a:rPr lang="en-US" dirty="0"/>
+              <a:t>RBAC and</a:t>
+            </a:r>
+            <a:br>
+              <a:rPr lang="en-US" dirty="0"/>
+            </a:br>
+            <a:r>
+              <a:rPr lang="en-US" dirty="0"/>
+              <a:t>Access Control Lists</a:t>
+            </a:r>
+          </a:p>
+        </p:txBody>
+      </p:sp>
+      <p:sp>
+        <p:nvSpPr>
+          <p:cNvPr id="4" name="Text Placeholder 3">
+            <a:extLst>
+              <a:ext uri="{FF2B5EF4-FFF2-40B4-BE49-F238E27FC236}">
+                <a16:creationId xmlns:a16="http://schemas.microsoft.com/office/drawing/2014/main" id="{32CBB2E9-2ABA-4028-91C3-22B87B811D94}"/>
+              </a:ext>
+            </a:extLst>
+          </p:cNvPr>
+          <p:cNvSpPr>
+            <a:spLocks noGrp="1"/>
+          </p:cNvSpPr>
+          <p:nvPr>
+            <p:ph type="body" idx="1"/>
+          </p:nvPr>
+        </p:nvSpPr>
+        <p:spPr>
+          <a:xfrm>
+            <a:off x="228600" y="1602675"/>
+            <a:ext cx="4229099" cy="3002400"/>
+          </a:xfrm>
+        </p:spPr>
+        <p:txBody>
+          <a:bodyPr/>
+          <a:lstStyle/>
+          <a:p>
+            <a:pPr>
+              <a:lnSpc>
+                <a:spcPct val="100000"/>
+              </a:lnSpc>
+            </a:pPr>
+            <a:r>
+              <a:rPr lang="en-US" dirty="0"/>
+              <a:t>Common Role-Based Access Controls:</a:t>
+            </a:r>
+          </a:p>
+          <a:p>
+            <a:pPr lvl="1">
+              <a:lnSpc>
+                <a:spcPct val="100000"/>
+              </a:lnSpc>
+              <a:spcBef>
+                <a:spcPts val="0"/>
+              </a:spcBef>
+            </a:pPr>
+            <a:r>
+              <a:rPr lang="en-US" dirty="0"/>
+              <a:t>Owner</a:t>
+            </a:r>
+          </a:p>
+          <a:p>
+            <a:pPr lvl="2">
+              <a:lnSpc>
+                <a:spcPct val="100000"/>
+              </a:lnSpc>
+              <a:spcBef>
+                <a:spcPts val="0"/>
+              </a:spcBef>
+            </a:pPr>
+            <a:r>
+              <a:rPr lang="en-US" dirty="0"/>
+              <a:t>Grants full access to manage all resources, including the ability to assign roles in Azure RBAC.</a:t>
+            </a:r>
+          </a:p>
+          <a:p>
+            <a:pPr lvl="1">
+              <a:lnSpc>
+                <a:spcPct val="100000"/>
+              </a:lnSpc>
+              <a:spcBef>
+                <a:spcPts val="0"/>
+              </a:spcBef>
+            </a:pPr>
+            <a:r>
+              <a:rPr lang="en-US" dirty="0"/>
+              <a:t>Contributor</a:t>
+            </a:r>
+          </a:p>
+          <a:p>
+            <a:pPr lvl="2">
+              <a:lnSpc>
+                <a:spcPct val="100000"/>
+              </a:lnSpc>
+              <a:spcBef>
+                <a:spcPts val="0"/>
+              </a:spcBef>
+            </a:pPr>
+            <a:r>
+              <a:rPr lang="en-US" dirty="0"/>
+              <a:t>Grants full access to manage all resources, but does not allow you to assign roles in Azure RBAC</a:t>
+            </a:r>
+          </a:p>
+          <a:p>
+            <a:pPr lvl="1">
+              <a:lnSpc>
+                <a:spcPct val="100000"/>
+              </a:lnSpc>
+              <a:spcBef>
+                <a:spcPts val="0"/>
+              </a:spcBef>
+            </a:pPr>
+            <a:r>
+              <a:rPr lang="en-US" dirty="0"/>
+              <a:t>Reader</a:t>
+            </a:r>
+          </a:p>
+          <a:p>
+            <a:pPr lvl="2">
+              <a:lnSpc>
+                <a:spcPct val="100000"/>
+              </a:lnSpc>
+              <a:spcBef>
+                <a:spcPts val="0"/>
+              </a:spcBef>
+            </a:pPr>
+            <a:r>
+              <a:rPr lang="en-US" dirty="0"/>
+              <a:t>View all resources but does not allow you to make any changes.</a:t>
+            </a:r>
+          </a:p>
+          <a:p>
+            <a:pPr lvl="1">
+              <a:spcBef>
+                <a:spcPts val="0"/>
+              </a:spcBef>
+            </a:pPr>
+            <a:endParaRPr lang="en-US" dirty="0"/>
+          </a:p>
+          <a:p>
+            <a:r>
+              <a:rPr lang="en-US" dirty="0"/>
+              <a:t>RBAC: Broad Access to </a:t>
+            </a:r>
+            <a:r>
+              <a:rPr lang="en-US" u="sng" dirty="0"/>
+              <a:t>Resources</a:t>
+            </a:r>
+          </a:p>
+        </p:txBody>
+      </p:sp>
+      <p:sp>
+        <p:nvSpPr>
+          <p:cNvPr id="5" name="Text Placeholder 4">
+            <a:extLst>
+              <a:ext uri="{FF2B5EF4-FFF2-40B4-BE49-F238E27FC236}">
+                <a16:creationId xmlns:a16="http://schemas.microsoft.com/office/drawing/2014/main" id="{650A2090-A988-4686-B19A-92DE27B07275}"/>
+              </a:ext>
+            </a:extLst>
+          </p:cNvPr>
+          <p:cNvSpPr>
+            <a:spLocks noGrp="1"/>
+          </p:cNvSpPr>
+          <p:nvPr>
+            <p:ph type="body" idx="2"/>
+          </p:nvPr>
+        </p:nvSpPr>
+        <p:spPr>
+          <a:xfrm>
+            <a:off x="4572000" y="4053840"/>
+            <a:ext cx="4149972" cy="551234"/>
+          </a:xfrm>
+        </p:spPr>
+        <p:txBody>
+          <a:bodyPr/>
+          <a:lstStyle/>
+          <a:p>
+            <a:r>
+              <a:rPr lang="en-US" dirty="0"/>
+              <a:t>ACLs: Finer Access to </a:t>
+            </a:r>
+            <a:r>
+              <a:rPr lang="en-US" u="sng" dirty="0"/>
+              <a:t>Data</a:t>
+            </a:r>
+          </a:p>
+          <a:p>
+            <a:endParaRPr lang="en-US" dirty="0"/>
+          </a:p>
+        </p:txBody>
+      </p:sp>
+      <p:pic>
+        <p:nvPicPr>
+          <p:cNvPr id="7" name="Picture 6">
+            <a:extLst>
+              <a:ext uri="{FF2B5EF4-FFF2-40B4-BE49-F238E27FC236}">
+                <a16:creationId xmlns:a16="http://schemas.microsoft.com/office/drawing/2014/main" id="{BEF0022F-1DCB-4010-8257-5B1F796D97CD}"/>
+              </a:ext>
+            </a:extLst>
+          </p:cNvPr>
+          <p:cNvPicPr>
+            <a:picLocks noChangeAspect="1"/>
+          </p:cNvPicPr>
+          <p:nvPr/>
+        </p:nvPicPr>
+        <p:blipFill>
+          <a:blip r:embed="rId2"/>
+          <a:stretch>
+            <a:fillRect/>
+          </a:stretch>
+        </p:blipFill>
+        <p:spPr>
+          <a:xfrm>
+            <a:off x="5218059" y="198120"/>
+            <a:ext cx="2857854" cy="3695700"/>
+          </a:xfrm>
+          <a:prstGeom prst="rect">
+            <a:avLst/>
+          </a:prstGeom>
+        </p:spPr>
+      </p:pic>
+      <p:pic>
+        <p:nvPicPr>
+          <p:cNvPr id="9" name="Graphic 8" descr="Cursor with solid fill">
+            <a:extLst>
+              <a:ext uri="{FF2B5EF4-FFF2-40B4-BE49-F238E27FC236}">
+                <a16:creationId xmlns:a16="http://schemas.microsoft.com/office/drawing/2014/main" id="{D10E39E2-C77B-4F11-B3EB-6A1B6C7EC1C5}"/>
+              </a:ext>
+            </a:extLst>
+          </p:cNvPr>
+          <p:cNvPicPr>
+            <a:picLocks noChangeAspect="1"/>
+          </p:cNvPicPr>
+          <p:nvPr/>
+        </p:nvPicPr>
+        <p:blipFill>
+          <a:blip r:embed="rId3">
+            <a:extLst>
+              <a:ext uri="{96DAC541-7B7A-43D3-8B79-37D633B846F1}">
+                <asvg:svgBlip xmlns:asvg="http://schemas.microsoft.com/office/drawing/2016/SVG/main" r:embed="rId4"/>
+              </a:ext>
+            </a:extLst>
+          </a:blip>
+          <a:stretch>
+            <a:fillRect/>
+          </a:stretch>
+        </p:blipFill>
+        <p:spPr>
+          <a:xfrm>
+            <a:off x="6964033" y="641360"/>
+            <a:ext cx="394960" cy="394960"/>
+          </a:xfrm>
+          <a:prstGeom prst="rect">
+            <a:avLst/>
+          </a:prstGeom>
+        </p:spPr>
+      </p:pic>
+    </p:spTree>
+    <p:extLst>
+      <p:ext uri="{BB962C8B-B14F-4D97-AF65-F5344CB8AC3E}">
+        <p14:creationId xmlns:p14="http://schemas.microsoft.com/office/powerpoint/2010/main" val="1897025720"/>
+      </p:ext>
+    </p:extLst>
+  </p:cSld>
+  <p:clrMapOvr>
+    <a:masterClrMapping/>
+  </p:clrMapOvr>
+</p:sld>
+</file>
+
+<file path=ppt/slides/slide11.xml><?xml version="1.0" encoding="utf-8"?>
+<p:sld xmlns:a="http://schemas.openxmlformats.org/drawingml/2006/main" xmlns:r="http://schemas.openxmlformats.org/officeDocument/2006/relationships" xmlns:p="http://schemas.openxmlformats.org/presentationml/2006/main">
+  <p:cSld>
+    <p:spTree>
+      <p:nvGrpSpPr>
+        <p:cNvPr id="1" name=""/>
+        <p:cNvGrpSpPr/>
+        <p:nvPr/>
+      </p:nvGrpSpPr>
+      <p:grpSpPr>
+        <a:xfrm>
+          <a:off x="0" y="0"/>
+          <a:ext cx="0" cy="0"/>
+          <a:chOff x="0" y="0"/>
+          <a:chExt cx="0" cy="0"/>
+        </a:xfrm>
+      </p:grpSpPr>
+      <p:sp>
+        <p:nvSpPr>
+          <p:cNvPr id="2" name="Title 1">
+            <a:extLst>
+              <a:ext uri="{FF2B5EF4-FFF2-40B4-BE49-F238E27FC236}">
                 <a16:creationId xmlns:a16="http://schemas.microsoft.com/office/drawing/2014/main" id="{4F6A0ACB-5451-4019-B67C-3158FEB40695}"/>
               </a:ext>
             </a:extLst>
@@ -13302,7 +16492,7 @@
 </p:sld>
 </file>
 
-<file path=ppt/slides/slide11.xml><?xml version="1.0" encoding="utf-8"?>
+<file path=ppt/slides/slide12.xml><?xml version="1.0" encoding="utf-8"?>
 <p:sld xmlns:a="http://schemas.openxmlformats.org/drawingml/2006/main" xmlns:r="http://schemas.openxmlformats.org/officeDocument/2006/relationships" xmlns:p="http://schemas.openxmlformats.org/presentationml/2006/main">
   <p:cSld>
     <p:spTree>
@@ -15220,7 +18410,7 @@
 </p:sld>
 </file>
 
-<file path=ppt/slides/slide12.xml><?xml version="1.0" encoding="utf-8"?>
+<file path=ppt/slides/slide13.xml><?xml version="1.0" encoding="utf-8"?>
 <p:sld xmlns:a="http://schemas.openxmlformats.org/drawingml/2006/main" xmlns:r="http://schemas.openxmlformats.org/officeDocument/2006/relationships" xmlns:p="http://schemas.openxmlformats.org/presentationml/2006/main">
   <p:cSld>
     <p:spTree>
@@ -15484,7 +18674,7 @@
 </p:sld>
 </file>
 
-<file path=ppt/slides/slide13.xml><?xml version="1.0" encoding="utf-8"?>
+<file path=ppt/slides/slide14.xml><?xml version="1.0" encoding="utf-8"?>
 <p:sld xmlns:a="http://schemas.openxmlformats.org/drawingml/2006/main" xmlns:r="http://schemas.openxmlformats.org/officeDocument/2006/relationships" xmlns:p="http://schemas.openxmlformats.org/presentationml/2006/main">
   <p:cSld>
     <p:spTree>
@@ -15624,7 +18814,7 @@
 </p:sld>
 </file>
 
-<file path=ppt/slides/slide14.xml><?xml version="1.0" encoding="utf-8"?>
+<file path=ppt/slides/slide15.xml><?xml version="1.0" encoding="utf-8"?>
 <p:sld xmlns:a="http://schemas.openxmlformats.org/drawingml/2006/main" xmlns:r="http://schemas.openxmlformats.org/officeDocument/2006/relationships" xmlns:p="http://schemas.openxmlformats.org/presentationml/2006/main">
   <p:cSld>
     <p:spTree>
@@ -15845,7 +19035,7 @@
 </p:sld>
 </file>
 
-<file path=ppt/slides/slide15.xml><?xml version="1.0" encoding="utf-8"?>
+<file path=ppt/slides/slide16.xml><?xml version="1.0" encoding="utf-8"?>
 <p:sld xmlns:a="http://schemas.openxmlformats.org/drawingml/2006/main" xmlns:r="http://schemas.openxmlformats.org/officeDocument/2006/relationships" xmlns:p="http://schemas.openxmlformats.org/presentationml/2006/main">
   <p:cSld>
     <p:spTree>
@@ -16050,7 +19240,7 @@
 </p:sld>
 </file>
 
-<file path=ppt/slides/slide16.xml><?xml version="1.0" encoding="utf-8"?>
+<file path=ppt/slides/slide17.xml><?xml version="1.0" encoding="utf-8"?>
 <p:sld xmlns:a="http://schemas.openxmlformats.org/drawingml/2006/main" xmlns:r="http://schemas.openxmlformats.org/officeDocument/2006/relationships" xmlns:p="http://schemas.openxmlformats.org/presentationml/2006/main">
   <p:cSld>
     <p:spTree>
@@ -16112,7 +19302,7 @@
 </p:sld>
 </file>
 
-<file path=ppt/slides/slide17.xml><?xml version="1.0" encoding="utf-8"?>
+<file path=ppt/slides/slide18.xml><?xml version="1.0" encoding="utf-8"?>
 <p:sld xmlns:a="http://schemas.openxmlformats.org/drawingml/2006/main" xmlns:r="http://schemas.openxmlformats.org/officeDocument/2006/relationships" xmlns:p="http://schemas.openxmlformats.org/presentationml/2006/main">
   <p:cSld>
     <p:spTree>
@@ -16299,7 +19489,7 @@
 </p:sld>
 </file>
 
-<file path=ppt/slides/slide18.xml><?xml version="1.0" encoding="utf-8"?>
+<file path=ppt/slides/slide19.xml><?xml version="1.0" encoding="utf-8"?>
 <p:sld xmlns:a="http://schemas.openxmlformats.org/drawingml/2006/main" xmlns:r="http://schemas.openxmlformats.org/officeDocument/2006/relationships" xmlns:p="http://schemas.openxmlformats.org/presentationml/2006/main">
   <p:cSld>
     <p:spTree>
@@ -18575,6 +21765,96 @@
           <p:cNvPr id="2" name="Title 1">
             <a:extLst>
               <a:ext uri="{FF2B5EF4-FFF2-40B4-BE49-F238E27FC236}">
+                <a16:creationId xmlns:a16="http://schemas.microsoft.com/office/drawing/2014/main" id="{89F1B529-F088-A01D-40C0-27F065C6EDB1}"/>
+              </a:ext>
+            </a:extLst>
+          </p:cNvPr>
+          <p:cNvSpPr>
+            <a:spLocks noGrp="1"/>
+          </p:cNvSpPr>
+          <p:nvPr>
+            <p:ph type="title"/>
+          </p:nvPr>
+        </p:nvSpPr>
+        <p:spPr/>
+        <p:txBody>
+          <a:bodyPr/>
+          <a:lstStyle/>
+          <a:p>
+            <a:r>
+              <a:rPr lang="en-US" dirty="0">
+                <a:solidFill>
+                  <a:schemeClr val="tx1"/>
+                </a:solidFill>
+              </a:rPr>
+              <a:t>Steps to Deploy with Terraform in GitHub Actions</a:t>
+            </a:r>
+          </a:p>
+        </p:txBody>
+      </p:sp>
+      <p:graphicFrame>
+        <p:nvGraphicFramePr>
+          <p:cNvPr id="3" name="Diagram 2">
+            <a:extLst>
+              <a:ext uri="{FF2B5EF4-FFF2-40B4-BE49-F238E27FC236}">
+                <a16:creationId xmlns:a16="http://schemas.microsoft.com/office/drawing/2014/main" id="{5FBB390A-F732-0EE5-47B7-80742995FCFC}"/>
+              </a:ext>
+            </a:extLst>
+          </p:cNvPr>
+          <p:cNvGraphicFramePr/>
+          <p:nvPr>
+            <p:extLst>
+              <p:ext uri="{D42A27DB-BD31-4B8C-83A1-F6EECF244321}">
+                <p14:modId xmlns:p14="http://schemas.microsoft.com/office/powerpoint/2010/main" val="3869356716"/>
+              </p:ext>
+            </p:extLst>
+          </p:nvPr>
+        </p:nvGraphicFramePr>
+        <p:xfrm>
+          <a:off x="397565" y="1011022"/>
+          <a:ext cx="8269357" cy="3592727"/>
+        </p:xfrm>
+        <a:graphic>
+          <a:graphicData uri="http://schemas.openxmlformats.org/drawingml/2006/diagram">
+            <dgm:relIds xmlns:dgm="http://schemas.openxmlformats.org/drawingml/2006/diagram" xmlns:r="http://schemas.openxmlformats.org/officeDocument/2006/relationships" r:dm="rId2" r:lo="rId3" r:qs="rId4" r:cs="rId5"/>
+          </a:graphicData>
+        </a:graphic>
+      </p:graphicFrame>
+    </p:spTree>
+    <p:extLst>
+      <p:ext uri="{BB962C8B-B14F-4D97-AF65-F5344CB8AC3E}">
+        <p14:creationId xmlns:p14="http://schemas.microsoft.com/office/powerpoint/2010/main" val="3883331710"/>
+      </p:ext>
+    </p:extLst>
+  </p:cSld>
+  <p:clrMapOvr>
+    <a:masterClrMapping/>
+  </p:clrMapOvr>
+</p:sld>
+</file>
+
+<file path=ppt/slides/slide8.xml><?xml version="1.0" encoding="utf-8"?>
+<p:sld xmlns:a="http://schemas.openxmlformats.org/drawingml/2006/main" xmlns:r="http://schemas.openxmlformats.org/officeDocument/2006/relationships" xmlns:p="http://schemas.openxmlformats.org/presentationml/2006/main">
+  <p:cSld>
+    <p:spTree>
+      <p:nvGrpSpPr>
+        <p:cNvPr id="1" name=""/>
+        <p:cNvGrpSpPr/>
+        <p:nvPr/>
+      </p:nvGrpSpPr>
+      <p:grpSpPr>
+        <a:xfrm>
+          <a:off x="0" y="0"/>
+          <a:ext cx="0" cy="0"/>
+          <a:chOff x="0" y="0"/>
+          <a:chExt cx="0" cy="0"/>
+        </a:xfrm>
+      </p:grpSpPr>
+      <p:sp>
+        <p:nvSpPr>
+          <p:cNvPr id="2" name="Title 1">
+            <a:extLst>
+              <a:ext uri="{FF2B5EF4-FFF2-40B4-BE49-F238E27FC236}">
                 <a16:creationId xmlns:a16="http://schemas.microsoft.com/office/drawing/2014/main" id="{0D49852B-580D-4480-9F48-DF55BE8E5896}"/>
               </a:ext>
             </a:extLst>
@@ -18747,7 +22027,7 @@
 </p:sld>
 </file>
 
-<file path=ppt/slides/slide8.xml><?xml version="1.0" encoding="utf-8"?>
+<file path=ppt/slides/slide9.xml><?xml version="1.0" encoding="utf-8"?>
 <p:sld xmlns:a="http://schemas.openxmlformats.org/drawingml/2006/main" xmlns:r="http://schemas.openxmlformats.org/officeDocument/2006/relationships" xmlns:p="http://schemas.openxmlformats.org/presentationml/2006/main">
   <p:cSld>
     <p:spTree>
@@ -18973,322 +22253,6 @@
     <p:extLst>
       <p:ext uri="{BB962C8B-B14F-4D97-AF65-F5344CB8AC3E}">
         <p14:creationId xmlns:p14="http://schemas.microsoft.com/office/powerpoint/2010/main" val="1294764771"/>
-      </p:ext>
-    </p:extLst>
-  </p:cSld>
-  <p:clrMapOvr>
-    <a:masterClrMapping/>
-  </p:clrMapOvr>
-</p:sld>
-</file>
-
-<file path=ppt/slides/slide9.xml><?xml version="1.0" encoding="utf-8"?>
-<p:sld xmlns:a="http://schemas.openxmlformats.org/drawingml/2006/main" xmlns:r="http://schemas.openxmlformats.org/officeDocument/2006/relationships" xmlns:p="http://schemas.openxmlformats.org/presentationml/2006/main">
-  <p:cSld>
-    <p:spTree>
-      <p:nvGrpSpPr>
-        <p:cNvPr id="1" name=""/>
-        <p:cNvGrpSpPr/>
-        <p:nvPr/>
-      </p:nvGrpSpPr>
-      <p:grpSpPr>
-        <a:xfrm>
-          <a:off x="0" y="0"/>
-          <a:ext cx="0" cy="0"/>
-          <a:chOff x="0" y="0"/>
-          <a:chExt cx="0" cy="0"/>
-        </a:xfrm>
-      </p:grpSpPr>
-      <p:sp>
-        <p:nvSpPr>
-          <p:cNvPr id="2" name="Title 1">
-            <a:extLst>
-              <a:ext uri="{FF2B5EF4-FFF2-40B4-BE49-F238E27FC236}">
-                <a16:creationId xmlns:a16="http://schemas.microsoft.com/office/drawing/2014/main" id="{31172A33-5ECA-4EF8-A822-18D86D3890A2}"/>
-              </a:ext>
-            </a:extLst>
-          </p:cNvPr>
-          <p:cNvSpPr>
-            <a:spLocks noGrp="1"/>
-          </p:cNvSpPr>
-          <p:nvPr>
-            <p:ph type="title"/>
-          </p:nvPr>
-        </p:nvSpPr>
-        <p:spPr>
-          <a:xfrm>
-            <a:off x="228600" y="575950"/>
-            <a:ext cx="4229099" cy="635400"/>
-          </a:xfrm>
-        </p:spPr>
-        <p:txBody>
-          <a:bodyPr/>
-          <a:lstStyle/>
-          <a:p>
-            <a:r>
-              <a:rPr lang="en-US" dirty="0"/>
-              <a:t>RBAC and</a:t>
-            </a:r>
-            <a:br>
-              <a:rPr lang="en-US" dirty="0"/>
-            </a:br>
-            <a:r>
-              <a:rPr lang="en-US" dirty="0"/>
-              <a:t>Access Control Lists</a:t>
-            </a:r>
-          </a:p>
-        </p:txBody>
-      </p:sp>
-      <p:sp>
-        <p:nvSpPr>
-          <p:cNvPr id="4" name="Text Placeholder 3">
-            <a:extLst>
-              <a:ext uri="{FF2B5EF4-FFF2-40B4-BE49-F238E27FC236}">
-                <a16:creationId xmlns:a16="http://schemas.microsoft.com/office/drawing/2014/main" id="{32CBB2E9-2ABA-4028-91C3-22B87B811D94}"/>
-              </a:ext>
-            </a:extLst>
-          </p:cNvPr>
-          <p:cNvSpPr>
-            <a:spLocks noGrp="1"/>
-          </p:cNvSpPr>
-          <p:nvPr>
-            <p:ph type="body" idx="1"/>
-          </p:nvPr>
-        </p:nvSpPr>
-        <p:spPr>
-          <a:xfrm>
-            <a:off x="228600" y="1602675"/>
-            <a:ext cx="4229099" cy="3002400"/>
-          </a:xfrm>
-        </p:spPr>
-        <p:txBody>
-          <a:bodyPr/>
-          <a:lstStyle/>
-          <a:p>
-            <a:pPr>
-              <a:lnSpc>
-                <a:spcPct val="100000"/>
-              </a:lnSpc>
-            </a:pPr>
-            <a:r>
-              <a:rPr lang="en-US" dirty="0"/>
-              <a:t>Common Role-Based Access Controls:</a:t>
-            </a:r>
-          </a:p>
-          <a:p>
-            <a:pPr lvl="1">
-              <a:lnSpc>
-                <a:spcPct val="100000"/>
-              </a:lnSpc>
-              <a:spcBef>
-                <a:spcPts val="0"/>
-              </a:spcBef>
-            </a:pPr>
-            <a:r>
-              <a:rPr lang="en-US" dirty="0"/>
-              <a:t>Owner</a:t>
-            </a:r>
-          </a:p>
-          <a:p>
-            <a:pPr lvl="2">
-              <a:lnSpc>
-                <a:spcPct val="100000"/>
-              </a:lnSpc>
-              <a:spcBef>
-                <a:spcPts val="0"/>
-              </a:spcBef>
-            </a:pPr>
-            <a:r>
-              <a:rPr lang="en-US" dirty="0"/>
-              <a:t>Grants full access to manage all resources, including the ability to assign roles in Azure RBAC.</a:t>
-            </a:r>
-          </a:p>
-          <a:p>
-            <a:pPr lvl="1">
-              <a:lnSpc>
-                <a:spcPct val="100000"/>
-              </a:lnSpc>
-              <a:spcBef>
-                <a:spcPts val="0"/>
-              </a:spcBef>
-            </a:pPr>
-            <a:r>
-              <a:rPr lang="en-US" dirty="0"/>
-              <a:t>Contributor</a:t>
-            </a:r>
-          </a:p>
-          <a:p>
-            <a:pPr lvl="2">
-              <a:lnSpc>
-                <a:spcPct val="100000"/>
-              </a:lnSpc>
-              <a:spcBef>
-                <a:spcPts val="0"/>
-              </a:spcBef>
-            </a:pPr>
-            <a:r>
-              <a:rPr lang="en-US" dirty="0"/>
-              <a:t>Grants full access to manage all resources, but does not allow you to assign roles in Azure RBAC</a:t>
-            </a:r>
-          </a:p>
-          <a:p>
-            <a:pPr lvl="1">
-              <a:lnSpc>
-                <a:spcPct val="100000"/>
-              </a:lnSpc>
-              <a:spcBef>
-                <a:spcPts val="0"/>
-              </a:spcBef>
-            </a:pPr>
-            <a:r>
-              <a:rPr lang="en-US" dirty="0"/>
-              <a:t>Reader</a:t>
-            </a:r>
-          </a:p>
-          <a:p>
-            <a:pPr lvl="2">
-              <a:lnSpc>
-                <a:spcPct val="100000"/>
-              </a:lnSpc>
-              <a:spcBef>
-                <a:spcPts val="0"/>
-              </a:spcBef>
-            </a:pPr>
-            <a:r>
-              <a:rPr lang="en-US" dirty="0"/>
-              <a:t>View all resources but does not allow you to make any changes.</a:t>
-            </a:r>
-          </a:p>
-          <a:p>
-            <a:pPr lvl="1">
-              <a:spcBef>
-                <a:spcPts val="0"/>
-              </a:spcBef>
-            </a:pPr>
-            <a:endParaRPr lang="en-US" dirty="0"/>
-          </a:p>
-          <a:p>
-            <a:r>
-              <a:rPr lang="en-US" dirty="0"/>
-              <a:t>RBAC: Broad Access to </a:t>
-            </a:r>
-            <a:r>
-              <a:rPr lang="en-US" u="sng" dirty="0"/>
-              <a:t>Resources</a:t>
-            </a:r>
-          </a:p>
-        </p:txBody>
-      </p:sp>
-      <p:sp>
-        <p:nvSpPr>
-          <p:cNvPr id="5" name="Text Placeholder 4">
-            <a:extLst>
-              <a:ext uri="{FF2B5EF4-FFF2-40B4-BE49-F238E27FC236}">
-                <a16:creationId xmlns:a16="http://schemas.microsoft.com/office/drawing/2014/main" id="{650A2090-A988-4686-B19A-92DE27B07275}"/>
-              </a:ext>
-            </a:extLst>
-          </p:cNvPr>
-          <p:cNvSpPr>
-            <a:spLocks noGrp="1"/>
-          </p:cNvSpPr>
-          <p:nvPr>
-            <p:ph type="body" idx="2"/>
-          </p:nvPr>
-        </p:nvSpPr>
-        <p:spPr>
-          <a:xfrm>
-            <a:off x="4572000" y="4053840"/>
-            <a:ext cx="4149972" cy="551234"/>
-          </a:xfrm>
-        </p:spPr>
-        <p:txBody>
-          <a:bodyPr/>
-          <a:lstStyle/>
-          <a:p>
-            <a:r>
-              <a:rPr lang="en-US" dirty="0"/>
-              <a:t>ACLs: Finer Access to </a:t>
-            </a:r>
-            <a:r>
-              <a:rPr lang="en-US" u="sng" dirty="0"/>
-              <a:t>Data</a:t>
-            </a:r>
-          </a:p>
-          <a:p>
-            <a:endParaRPr lang="en-US" dirty="0"/>
-          </a:p>
-        </p:txBody>
-      </p:sp>
-      <p:pic>
-        <p:nvPicPr>
-          <p:cNvPr id="7" name="Picture 6">
-            <a:extLst>
-              <a:ext uri="{FF2B5EF4-FFF2-40B4-BE49-F238E27FC236}">
-                <a16:creationId xmlns:a16="http://schemas.microsoft.com/office/drawing/2014/main" id="{BEF0022F-1DCB-4010-8257-5B1F796D97CD}"/>
-              </a:ext>
-            </a:extLst>
-          </p:cNvPr>
-          <p:cNvPicPr>
-            <a:picLocks noChangeAspect="1"/>
-          </p:cNvPicPr>
-          <p:nvPr/>
-        </p:nvPicPr>
-        <p:blipFill>
-          <a:blip r:embed="rId2"/>
-          <a:stretch>
-            <a:fillRect/>
-          </a:stretch>
-        </p:blipFill>
-        <p:spPr>
-          <a:xfrm>
-            <a:off x="5218059" y="198120"/>
-            <a:ext cx="2857854" cy="3695700"/>
-          </a:xfrm>
-          <a:prstGeom prst="rect">
-            <a:avLst/>
-          </a:prstGeom>
-        </p:spPr>
-      </p:pic>
-      <p:pic>
-        <p:nvPicPr>
-          <p:cNvPr id="9" name="Graphic 8" descr="Cursor with solid fill">
-            <a:extLst>
-              <a:ext uri="{FF2B5EF4-FFF2-40B4-BE49-F238E27FC236}">
-                <a16:creationId xmlns:a16="http://schemas.microsoft.com/office/drawing/2014/main" id="{D10E39E2-C77B-4F11-B3EB-6A1B6C7EC1C5}"/>
-              </a:ext>
-            </a:extLst>
-          </p:cNvPr>
-          <p:cNvPicPr>
-            <a:picLocks noChangeAspect="1"/>
-          </p:cNvPicPr>
-          <p:nvPr/>
-        </p:nvPicPr>
-        <p:blipFill>
-          <a:blip r:embed="rId3">
-            <a:extLst>
-              <a:ext uri="{96DAC541-7B7A-43D3-8B79-37D633B846F1}">
-                <asvg:svgBlip xmlns:asvg="http://schemas.microsoft.com/office/drawing/2016/SVG/main" r:embed="rId4"/>
-              </a:ext>
-            </a:extLst>
-          </a:blip>
-          <a:stretch>
-            <a:fillRect/>
-          </a:stretch>
-        </p:blipFill>
-        <p:spPr>
-          <a:xfrm>
-            <a:off x="6964033" y="641360"/>
-            <a:ext cx="394960" cy="394960"/>
-          </a:xfrm>
-          <a:prstGeom prst="rect">
-            <a:avLst/>
-          </a:prstGeom>
-        </p:spPr>
-      </p:pic>
-    </p:spTree>
-    <p:extLst>
-      <p:ext uri="{BB962C8B-B14F-4D97-AF65-F5344CB8AC3E}">
-        <p14:creationId xmlns:p14="http://schemas.microsoft.com/office/powerpoint/2010/main" val="1897025720"/>
       </p:ext>
     </p:extLst>
   </p:cSld>

--- a/6 - Deployment and Security/Deployment.pptx
+++ b/6 - Deployment and Security/Deployment.pptx
@@ -5,7 +5,7 @@
     <p:sldMasterId id="2147483659" r:id="rId1"/>
   </p:sldMasterIdLst>
   <p:notesMasterIdLst>
-    <p:notesMasterId r:id="rId21"/>
+    <p:notesMasterId r:id="rId22"/>
   </p:notesMasterIdLst>
   <p:sldIdLst>
     <p:sldId id="256" r:id="rId2"/>
@@ -13,51 +13,52 @@
     <p:sldId id="494" r:id="rId4"/>
     <p:sldId id="495" r:id="rId5"/>
     <p:sldId id="497" r:id="rId6"/>
-    <p:sldId id="496" r:id="rId7"/>
-    <p:sldId id="511" r:id="rId8"/>
-    <p:sldId id="492" r:id="rId9"/>
-    <p:sldId id="498" r:id="rId10"/>
-    <p:sldId id="507" r:id="rId11"/>
-    <p:sldId id="499" r:id="rId12"/>
-    <p:sldId id="508" r:id="rId13"/>
-    <p:sldId id="500" r:id="rId14"/>
-    <p:sldId id="503" r:id="rId15"/>
-    <p:sldId id="509" r:id="rId16"/>
-    <p:sldId id="510" r:id="rId17"/>
-    <p:sldId id="501" r:id="rId18"/>
-    <p:sldId id="505" r:id="rId19"/>
-    <p:sldId id="504" r:id="rId20"/>
+    <p:sldId id="512" r:id="rId7"/>
+    <p:sldId id="496" r:id="rId8"/>
+    <p:sldId id="511" r:id="rId9"/>
+    <p:sldId id="492" r:id="rId10"/>
+    <p:sldId id="498" r:id="rId11"/>
+    <p:sldId id="507" r:id="rId12"/>
+    <p:sldId id="499" r:id="rId13"/>
+    <p:sldId id="508" r:id="rId14"/>
+    <p:sldId id="500" r:id="rId15"/>
+    <p:sldId id="503" r:id="rId16"/>
+    <p:sldId id="509" r:id="rId17"/>
+    <p:sldId id="510" r:id="rId18"/>
+    <p:sldId id="501" r:id="rId19"/>
+    <p:sldId id="505" r:id="rId20"/>
+    <p:sldId id="504" r:id="rId21"/>
   </p:sldIdLst>
   <p:sldSz cx="9144000" cy="5143500" type="screen16x9"/>
   <p:notesSz cx="6858000" cy="9144000"/>
   <p:embeddedFontLst>
     <p:embeddedFont>
       <p:font typeface="Consolas" panose="020B0609020204030204" pitchFamily="49" charset="0"/>
-      <p:regular r:id="rId22"/>
-      <p:bold r:id="rId23"/>
-      <p:italic r:id="rId24"/>
-      <p:boldItalic r:id="rId25"/>
+      <p:regular r:id="rId23"/>
+      <p:bold r:id="rId24"/>
+      <p:italic r:id="rId25"/>
+      <p:boldItalic r:id="rId26"/>
     </p:embeddedFont>
     <p:embeddedFont>
       <p:font typeface="Lato" panose="020F0502020204030203" pitchFamily="34" charset="0"/>
-      <p:regular r:id="rId26"/>
-      <p:bold r:id="rId27"/>
-      <p:italic r:id="rId28"/>
-      <p:boldItalic r:id="rId29"/>
+      <p:regular r:id="rId27"/>
+      <p:bold r:id="rId28"/>
+      <p:italic r:id="rId29"/>
+      <p:boldItalic r:id="rId30"/>
     </p:embeddedFont>
     <p:embeddedFont>
-      <p:font typeface="Raleway" pitchFamily="2" charset="77"/>
-      <p:regular r:id="rId30"/>
-      <p:bold r:id="rId31"/>
-      <p:italic r:id="rId32"/>
-      <p:boldItalic r:id="rId33"/>
+      <p:font typeface="Raleway" pitchFamily="2" charset="0"/>
+      <p:regular r:id="rId31"/>
+      <p:bold r:id="rId32"/>
+      <p:italic r:id="rId33"/>
+      <p:boldItalic r:id="rId34"/>
     </p:embeddedFont>
     <p:embeddedFont>
       <p:font typeface="Segoe UI" panose="020B0502040204020203" pitchFamily="34" charset="0"/>
-      <p:regular r:id="rId34"/>
-      <p:bold r:id="rId35"/>
-      <p:italic r:id="rId36"/>
-      <p:boldItalic r:id="rId37"/>
+      <p:regular r:id="rId35"/>
+      <p:bold r:id="rId36"/>
+      <p:italic r:id="rId37"/>
+      <p:boldItalic r:id="rId38"/>
     </p:embeddedFont>
   </p:embeddedFontLst>
   <p:defaultTextStyle>
@@ -4011,13 +4012,13 @@
     <dgm:cxn modelId="{51F98C37-C270-4AC8-B4B8-85F922655795}" type="presOf" srcId="{52C92379-56CA-4145-9D8D-D2419C19DB12}" destId="{9FF7F0ED-D5C8-405A-84FC-8016EB59CCE4}" srcOrd="0" destOrd="0" presId="urn:microsoft.com/office/officeart/2005/8/layout/default"/>
     <dgm:cxn modelId="{3812E63C-E142-4B34-937B-A59E6969A6D2}" type="presOf" srcId="{9B5EA2FC-7E16-4F2F-9350-4C214E870E28}" destId="{62EB7232-2D20-47D1-934B-303969BB0210}" srcOrd="0" destOrd="1" presId="urn:microsoft.com/office/officeart/2005/8/layout/default"/>
     <dgm:cxn modelId="{88C2D33E-3C86-463B-AE50-45D86AB804B7}" type="presOf" srcId="{19C32A6C-1796-43DE-BFF9-C6E76AC68FC4}" destId="{BF92092A-7DD7-4828-8798-8749466E9693}" srcOrd="0" destOrd="0" presId="urn:microsoft.com/office/officeart/2005/8/layout/default"/>
+    <dgm:cxn modelId="{1AF66060-07B0-4230-92C5-5DC9EF7E2AB1}" type="presOf" srcId="{E5BD570C-39F9-437E-AA68-69E247EDCA17}" destId="{809B040E-6CA3-462F-92F4-691C0A8DF4B9}" srcOrd="0" destOrd="0" presId="urn:microsoft.com/office/officeart/2005/8/layout/default"/>
     <dgm:cxn modelId="{B2407847-4584-4441-A3AE-70E2D6740518}" srcId="{C5AF32B7-D897-40F3-A8B2-81E4AA89D7C0}" destId="{47E31199-CCB6-477B-8003-B6D159DCAEF5}" srcOrd="6" destOrd="0" parTransId="{3CE6EE66-C1CA-4F35-AE64-EEBB99DB1C3D}" sibTransId="{EBCBA095-7A7D-4A58-B14D-BB68AFB56501}"/>
     <dgm:cxn modelId="{60AED149-7986-451C-8531-EEFAE5F82A65}" type="presOf" srcId="{C2895E37-7228-44B4-9F60-9F8E17EB98F1}" destId="{F05DCA6E-FA2C-47E3-A826-F80462831911}" srcOrd="0" destOrd="0" presId="urn:microsoft.com/office/officeart/2005/8/layout/default"/>
     <dgm:cxn modelId="{C371874E-4C6B-4EF1-923C-4B7F88DAB76A}" type="presOf" srcId="{FFA918CE-DCAD-421D-A5B3-4534CEFC44AC}" destId="{653B7EB1-631F-4329-8B59-E485B1008A14}" srcOrd="0" destOrd="0" presId="urn:microsoft.com/office/officeart/2005/8/layout/default"/>
-    <dgm:cxn modelId="{24117256-96BA-4543-AE50-FE21AD1EFB02}" type="presOf" srcId="{CD625AC7-7961-4CF9-B2FA-6D08899F6272}" destId="{E994852E-B6F3-44E9-9297-D43A04F9D081}" srcOrd="0" destOrd="0" presId="urn:microsoft.com/office/officeart/2005/8/layout/default"/>
-    <dgm:cxn modelId="{1AF66060-07B0-4230-92C5-5DC9EF7E2AB1}" type="presOf" srcId="{E5BD570C-39F9-437E-AA68-69E247EDCA17}" destId="{809B040E-6CA3-462F-92F4-691C0A8DF4B9}" srcOrd="0" destOrd="0" presId="urn:microsoft.com/office/officeart/2005/8/layout/default"/>
     <dgm:cxn modelId="{9FA85B71-5B0E-4EC2-8888-808DA4C4FE3E}" srcId="{C5AF32B7-D897-40F3-A8B2-81E4AA89D7C0}" destId="{9DC14873-29AA-42E0-9107-A7754BE56ABF}" srcOrd="14" destOrd="0" parTransId="{0612E6D0-DF8A-4DF8-86E3-2A7680CA2BA4}" sibTransId="{7984810D-4158-4A44-A380-285DCD87D3C7}"/>
     <dgm:cxn modelId="{0A8D4176-D515-4878-9ADA-6056FC2A8D39}" type="presOf" srcId="{DF6595B8-A201-4A60-A2F2-EA112897DB7E}" destId="{663263DC-5FEF-4C25-AE71-09C43D8093CC}" srcOrd="0" destOrd="0" presId="urn:microsoft.com/office/officeart/2005/8/layout/default"/>
+    <dgm:cxn modelId="{24117256-96BA-4543-AE50-FE21AD1EFB02}" type="presOf" srcId="{CD625AC7-7961-4CF9-B2FA-6D08899F6272}" destId="{E994852E-B6F3-44E9-9297-D43A04F9D081}" srcOrd="0" destOrd="0" presId="urn:microsoft.com/office/officeart/2005/8/layout/default"/>
     <dgm:cxn modelId="{3F904677-3318-42D9-AD74-15FC69B5F25D}" srcId="{C5AF32B7-D897-40F3-A8B2-81E4AA89D7C0}" destId="{C2895E37-7228-44B4-9F60-9F8E17EB98F1}" srcOrd="17" destOrd="0" parTransId="{27041BF0-DCD1-43AF-94FE-6366345EBEF3}" sibTransId="{98132D86-CBC2-4B55-8A90-7BB910A47C3E}"/>
     <dgm:cxn modelId="{3FA2977D-4746-441C-92C5-34AA2820E636}" srcId="{C5AF32B7-D897-40F3-A8B2-81E4AA89D7C0}" destId="{4A7B320F-5DF2-4F5B-B3D5-164EB63907B4}" srcOrd="2" destOrd="0" parTransId="{F8E217E2-9A3D-46A8-B1D7-A60F294E36D2}" sibTransId="{A3EF0EAD-0CC7-4079-8407-AFB7D282D0D2}"/>
     <dgm:cxn modelId="{0B707282-C413-4891-AE92-9EF431A87837}" srcId="{C5AF32B7-D897-40F3-A8B2-81E4AA89D7C0}" destId="{19C32A6C-1796-43DE-BFF9-C6E76AC68FC4}" srcOrd="12" destOrd="0" parTransId="{0112750E-C61E-4719-95EB-784CCE525153}" sibTransId="{C440AD4B-D650-419B-90E5-23E69E10D14F}"/>
@@ -16026,6 +16027,241 @@
           <p:cNvPr id="2" name="Title 1">
             <a:extLst>
               <a:ext uri="{FF2B5EF4-FFF2-40B4-BE49-F238E27FC236}">
+                <a16:creationId xmlns:a16="http://schemas.microsoft.com/office/drawing/2014/main" id="{9DA01869-22F8-4A00-8F8A-70CD0512CC83}"/>
+              </a:ext>
+            </a:extLst>
+          </p:cNvPr>
+          <p:cNvSpPr>
+            <a:spLocks noGrp="1"/>
+          </p:cNvSpPr>
+          <p:nvPr>
+            <p:ph type="title"/>
+          </p:nvPr>
+        </p:nvSpPr>
+        <p:spPr>
+          <a:xfrm>
+            <a:off x="319500" y="936600"/>
+            <a:ext cx="2297850" cy="755700"/>
+          </a:xfrm>
+        </p:spPr>
+        <p:txBody>
+          <a:bodyPr>
+            <a:normAutofit fontScale="90000"/>
+          </a:bodyPr>
+          <a:lstStyle/>
+          <a:p>
+            <a:pPr algn="ctr"/>
+            <a:r>
+              <a:rPr lang="en-US" dirty="0">
+                <a:solidFill>
+                  <a:schemeClr val="tx1"/>
+                </a:solidFill>
+              </a:rPr>
+              <a:t>Azure Active Directory</a:t>
+            </a:r>
+          </a:p>
+        </p:txBody>
+      </p:sp>
+      <p:sp>
+        <p:nvSpPr>
+          <p:cNvPr id="7" name="Text Placeholder 6">
+            <a:extLst>
+              <a:ext uri="{FF2B5EF4-FFF2-40B4-BE49-F238E27FC236}">
+                <a16:creationId xmlns:a16="http://schemas.microsoft.com/office/drawing/2014/main" id="{69DC49D7-7A9A-4469-9AED-9670E4B6367E}"/>
+              </a:ext>
+            </a:extLst>
+          </p:cNvPr>
+          <p:cNvSpPr>
+            <a:spLocks noGrp="1"/>
+          </p:cNvSpPr>
+          <p:nvPr>
+            <p:ph type="body" idx="1"/>
+          </p:nvPr>
+        </p:nvSpPr>
+        <p:spPr>
+          <a:xfrm>
+            <a:off x="-42030" y="1846804"/>
+            <a:ext cx="2750820" cy="2806200"/>
+          </a:xfrm>
+        </p:spPr>
+        <p:txBody>
+          <a:bodyPr/>
+          <a:lstStyle/>
+          <a:p>
+            <a:r>
+              <a:rPr lang="en-US" dirty="0"/>
+              <a:t>Identity management for users and applications.</a:t>
+            </a:r>
+          </a:p>
+          <a:p>
+            <a:pPr lvl="1">
+              <a:spcBef>
+                <a:spcPts val="0"/>
+              </a:spcBef>
+            </a:pPr>
+            <a:r>
+              <a:rPr lang="en-US" dirty="0"/>
+              <a:t>Single Sign-On (SSO)</a:t>
+            </a:r>
+          </a:p>
+          <a:p>
+            <a:pPr lvl="1">
+              <a:spcBef>
+                <a:spcPts val="0"/>
+              </a:spcBef>
+            </a:pPr>
+            <a:r>
+              <a:rPr lang="en-US" dirty="0"/>
+              <a:t>App registrations</a:t>
+            </a:r>
+          </a:p>
+          <a:p>
+            <a:pPr lvl="2">
+              <a:spcBef>
+                <a:spcPts val="0"/>
+              </a:spcBef>
+            </a:pPr>
+            <a:r>
+              <a:rPr lang="en-US" dirty="0"/>
+              <a:t>External applications</a:t>
+            </a:r>
+          </a:p>
+          <a:p>
+            <a:pPr lvl="2">
+              <a:spcBef>
+                <a:spcPts val="0"/>
+              </a:spcBef>
+            </a:pPr>
+            <a:r>
+              <a:rPr lang="en-US" dirty="0"/>
+              <a:t>Service Principals and Managed Identities</a:t>
+            </a:r>
+          </a:p>
+          <a:p>
+            <a:pPr lvl="1">
+              <a:spcBef>
+                <a:spcPts val="0"/>
+              </a:spcBef>
+            </a:pPr>
+            <a:r>
+              <a:rPr lang="en-US" dirty="0"/>
+              <a:t>Role assignments</a:t>
+            </a:r>
+          </a:p>
+          <a:p>
+            <a:pPr lvl="1">
+              <a:spcBef>
+                <a:spcPts val="0"/>
+              </a:spcBef>
+            </a:pPr>
+            <a:r>
+              <a:rPr lang="en-US" dirty="0"/>
+              <a:t>Group organization</a:t>
+            </a:r>
+          </a:p>
+        </p:txBody>
+      </p:sp>
+      <p:pic>
+        <p:nvPicPr>
+          <p:cNvPr id="4" name="Graphic 3">
+            <a:extLst>
+              <a:ext uri="{FF2B5EF4-FFF2-40B4-BE49-F238E27FC236}">
+                <a16:creationId xmlns:a16="http://schemas.microsoft.com/office/drawing/2014/main" id="{D1E0C583-0B33-4CCE-83E7-8772B21FCD2D}"/>
+              </a:ext>
+            </a:extLst>
+          </p:cNvPr>
+          <p:cNvPicPr>
+            <a:picLocks noChangeAspect="1"/>
+          </p:cNvPicPr>
+          <p:nvPr/>
+        </p:nvPicPr>
+        <p:blipFill>
+          <a:blip r:embed="rId2">
+            <a:extLst>
+              <a:ext uri="{96DAC541-7B7A-43D3-8B79-37D633B846F1}">
+                <asvg:svgBlip xmlns:asvg="http://schemas.microsoft.com/office/drawing/2016/SVG/main" r:embed="rId3"/>
+              </a:ext>
+            </a:extLst>
+          </a:blip>
+          <a:stretch>
+            <a:fillRect/>
+          </a:stretch>
+        </p:blipFill>
+        <p:spPr>
+          <a:xfrm>
+            <a:off x="1125525" y="125400"/>
+            <a:ext cx="685800" cy="685800"/>
+          </a:xfrm>
+          <a:prstGeom prst="rect">
+            <a:avLst/>
+          </a:prstGeom>
+        </p:spPr>
+      </p:pic>
+      <p:pic>
+        <p:nvPicPr>
+          <p:cNvPr id="6" name="Picture 5">
+            <a:extLst>
+              <a:ext uri="{FF2B5EF4-FFF2-40B4-BE49-F238E27FC236}">
+                <a16:creationId xmlns:a16="http://schemas.microsoft.com/office/drawing/2014/main" id="{8B830863-97E0-4759-A0FC-876D665F297F}"/>
+              </a:ext>
+            </a:extLst>
+          </p:cNvPr>
+          <p:cNvPicPr>
+            <a:picLocks noChangeAspect="1"/>
+          </p:cNvPicPr>
+          <p:nvPr/>
+        </p:nvPicPr>
+        <p:blipFill>
+          <a:blip r:embed="rId4"/>
+          <a:stretch>
+            <a:fillRect/>
+          </a:stretch>
+        </p:blipFill>
+        <p:spPr>
+          <a:xfrm>
+            <a:off x="2708790" y="0"/>
+            <a:ext cx="6632864" cy="5143500"/>
+          </a:xfrm>
+          <a:prstGeom prst="rect">
+            <a:avLst/>
+          </a:prstGeom>
+        </p:spPr>
+      </p:pic>
+    </p:spTree>
+    <p:extLst>
+      <p:ext uri="{BB962C8B-B14F-4D97-AF65-F5344CB8AC3E}">
+        <p14:creationId xmlns:p14="http://schemas.microsoft.com/office/powerpoint/2010/main" val="1294764771"/>
+      </p:ext>
+    </p:extLst>
+  </p:cSld>
+  <p:clrMapOvr>
+    <a:masterClrMapping/>
+  </p:clrMapOvr>
+</p:sld>
+</file>
+
+<file path=ppt/slides/slide11.xml><?xml version="1.0" encoding="utf-8"?>
+<p:sld xmlns:a="http://schemas.openxmlformats.org/drawingml/2006/main" xmlns:r="http://schemas.openxmlformats.org/officeDocument/2006/relationships" xmlns:p="http://schemas.openxmlformats.org/presentationml/2006/main">
+  <p:cSld>
+    <p:spTree>
+      <p:nvGrpSpPr>
+        <p:cNvPr id="1" name=""/>
+        <p:cNvGrpSpPr/>
+        <p:nvPr/>
+      </p:nvGrpSpPr>
+      <p:grpSpPr>
+        <a:xfrm>
+          <a:off x="0" y="0"/>
+          <a:ext cx="0" cy="0"/>
+          <a:chOff x="0" y="0"/>
+          <a:chExt cx="0" cy="0"/>
+        </a:xfrm>
+      </p:grpSpPr>
+      <p:sp>
+        <p:nvSpPr>
+          <p:cNvPr id="2" name="Title 1">
+            <a:extLst>
+              <a:ext uri="{FF2B5EF4-FFF2-40B4-BE49-F238E27FC236}">
                 <a16:creationId xmlns:a16="http://schemas.microsoft.com/office/drawing/2014/main" id="{31172A33-5ECA-4EF8-A822-18D86D3890A2}"/>
               </a:ext>
             </a:extLst>
@@ -16320,7 +16556,7 @@
 </p:sld>
 </file>
 
-<file path=ppt/slides/slide11.xml><?xml version="1.0" encoding="utf-8"?>
+<file path=ppt/slides/slide12.xml><?xml version="1.0" encoding="utf-8"?>
 <p:sld xmlns:a="http://schemas.openxmlformats.org/drawingml/2006/main" xmlns:r="http://schemas.openxmlformats.org/officeDocument/2006/relationships" xmlns:p="http://schemas.openxmlformats.org/presentationml/2006/main">
   <p:cSld>
     <p:spTree>
@@ -16492,7 +16728,7 @@
 </p:sld>
 </file>
 
-<file path=ppt/slides/slide12.xml><?xml version="1.0" encoding="utf-8"?>
+<file path=ppt/slides/slide13.xml><?xml version="1.0" encoding="utf-8"?>
 <p:sld xmlns:a="http://schemas.openxmlformats.org/drawingml/2006/main" xmlns:r="http://schemas.openxmlformats.org/officeDocument/2006/relationships" xmlns:p="http://schemas.openxmlformats.org/presentationml/2006/main">
   <p:cSld>
     <p:spTree>
@@ -18410,7 +18646,7 @@
 </p:sld>
 </file>
 
-<file path=ppt/slides/slide13.xml><?xml version="1.0" encoding="utf-8"?>
+<file path=ppt/slides/slide14.xml><?xml version="1.0" encoding="utf-8"?>
 <p:sld xmlns:a="http://schemas.openxmlformats.org/drawingml/2006/main" xmlns:r="http://schemas.openxmlformats.org/officeDocument/2006/relationships" xmlns:p="http://schemas.openxmlformats.org/presentationml/2006/main">
   <p:cSld>
     <p:spTree>
@@ -18674,7 +18910,7 @@
 </p:sld>
 </file>
 
-<file path=ppt/slides/slide14.xml><?xml version="1.0" encoding="utf-8"?>
+<file path=ppt/slides/slide15.xml><?xml version="1.0" encoding="utf-8"?>
 <p:sld xmlns:a="http://schemas.openxmlformats.org/drawingml/2006/main" xmlns:r="http://schemas.openxmlformats.org/officeDocument/2006/relationships" xmlns:p="http://schemas.openxmlformats.org/presentationml/2006/main">
   <p:cSld>
     <p:spTree>
@@ -18814,7 +19050,7 @@
 </p:sld>
 </file>
 
-<file path=ppt/slides/slide15.xml><?xml version="1.0" encoding="utf-8"?>
+<file path=ppt/slides/slide16.xml><?xml version="1.0" encoding="utf-8"?>
 <p:sld xmlns:a="http://schemas.openxmlformats.org/drawingml/2006/main" xmlns:r="http://schemas.openxmlformats.org/officeDocument/2006/relationships" xmlns:p="http://schemas.openxmlformats.org/presentationml/2006/main">
   <p:cSld>
     <p:spTree>
@@ -19035,7 +19271,7 @@
 </p:sld>
 </file>
 
-<file path=ppt/slides/slide16.xml><?xml version="1.0" encoding="utf-8"?>
+<file path=ppt/slides/slide17.xml><?xml version="1.0" encoding="utf-8"?>
 <p:sld xmlns:a="http://schemas.openxmlformats.org/drawingml/2006/main" xmlns:r="http://schemas.openxmlformats.org/officeDocument/2006/relationships" xmlns:p="http://schemas.openxmlformats.org/presentationml/2006/main">
   <p:cSld>
     <p:spTree>
@@ -19240,7 +19476,7 @@
 </p:sld>
 </file>
 
-<file path=ppt/slides/slide17.xml><?xml version="1.0" encoding="utf-8"?>
+<file path=ppt/slides/slide18.xml><?xml version="1.0" encoding="utf-8"?>
 <p:sld xmlns:a="http://schemas.openxmlformats.org/drawingml/2006/main" xmlns:r="http://schemas.openxmlformats.org/officeDocument/2006/relationships" xmlns:p="http://schemas.openxmlformats.org/presentationml/2006/main">
   <p:cSld>
     <p:spTree>
@@ -19302,7 +19538,7 @@
 </p:sld>
 </file>
 
-<file path=ppt/slides/slide18.xml><?xml version="1.0" encoding="utf-8"?>
+<file path=ppt/slides/slide19.xml><?xml version="1.0" encoding="utf-8"?>
 <p:sld xmlns:a="http://schemas.openxmlformats.org/drawingml/2006/main" xmlns:r="http://schemas.openxmlformats.org/officeDocument/2006/relationships" xmlns:p="http://schemas.openxmlformats.org/presentationml/2006/main">
   <p:cSld>
     <p:spTree>
@@ -19489,7 +19725,150 @@
 </p:sld>
 </file>
 
-<file path=ppt/slides/slide19.xml><?xml version="1.0" encoding="utf-8"?>
+<file path=ppt/slides/slide2.xml><?xml version="1.0" encoding="utf-8"?>
+<p:sld xmlns:a="http://schemas.openxmlformats.org/drawingml/2006/main" xmlns:r="http://schemas.openxmlformats.org/officeDocument/2006/relationships" xmlns:p="http://schemas.openxmlformats.org/presentationml/2006/main">
+  <p:cSld>
+    <p:spTree>
+      <p:nvGrpSpPr>
+        <p:cNvPr id="1" name=""/>
+        <p:cNvGrpSpPr/>
+        <p:nvPr/>
+      </p:nvGrpSpPr>
+      <p:grpSpPr>
+        <a:xfrm>
+          <a:off x="0" y="0"/>
+          <a:ext cx="0" cy="0"/>
+          <a:chOff x="0" y="0"/>
+          <a:chExt cx="0" cy="0"/>
+        </a:xfrm>
+      </p:grpSpPr>
+      <p:sp>
+        <p:nvSpPr>
+          <p:cNvPr id="2" name="Title 1">
+            <a:extLst>
+              <a:ext uri="{FF2B5EF4-FFF2-40B4-BE49-F238E27FC236}">
+                <a16:creationId xmlns:a16="http://schemas.microsoft.com/office/drawing/2014/main" id="{377868FE-C586-4BBF-8FC4-3FB444BD0DD3}"/>
+              </a:ext>
+            </a:extLst>
+          </p:cNvPr>
+          <p:cNvSpPr>
+            <a:spLocks noGrp="1"/>
+          </p:cNvSpPr>
+          <p:nvPr>
+            <p:ph type="title"/>
+          </p:nvPr>
+        </p:nvSpPr>
+        <p:spPr/>
+        <p:txBody>
+          <a:bodyPr/>
+          <a:lstStyle/>
+          <a:p>
+            <a:r>
+              <a:rPr lang="en-US" dirty="0"/>
+              <a:t>Deploying Azure Resources</a:t>
+            </a:r>
+          </a:p>
+        </p:txBody>
+      </p:sp>
+      <p:sp>
+        <p:nvSpPr>
+          <p:cNvPr id="3" name="Subtitle 2">
+            <a:extLst>
+              <a:ext uri="{FF2B5EF4-FFF2-40B4-BE49-F238E27FC236}">
+                <a16:creationId xmlns:a16="http://schemas.microsoft.com/office/drawing/2014/main" id="{6226D9F0-C8A6-4321-8F4C-6823AB798054}"/>
+              </a:ext>
+            </a:extLst>
+          </p:cNvPr>
+          <p:cNvSpPr>
+            <a:spLocks noGrp="1"/>
+          </p:cNvSpPr>
+          <p:nvPr>
+            <p:ph type="subTitle" idx="1"/>
+          </p:nvPr>
+        </p:nvSpPr>
+        <p:spPr/>
+        <p:txBody>
+          <a:bodyPr/>
+          <a:lstStyle/>
+          <a:p>
+            <a:endParaRPr lang="en-US"/>
+          </a:p>
+        </p:txBody>
+      </p:sp>
+      <p:sp>
+        <p:nvSpPr>
+          <p:cNvPr id="4" name="Text Placeholder 3">
+            <a:extLst>
+              <a:ext uri="{FF2B5EF4-FFF2-40B4-BE49-F238E27FC236}">
+                <a16:creationId xmlns:a16="http://schemas.microsoft.com/office/drawing/2014/main" id="{943823B2-C9D2-4B65-AF6E-6BE38C51F14D}"/>
+              </a:ext>
+            </a:extLst>
+          </p:cNvPr>
+          <p:cNvSpPr>
+            <a:spLocks noGrp="1"/>
+          </p:cNvSpPr>
+          <p:nvPr>
+            <p:ph type="body" idx="2"/>
+          </p:nvPr>
+        </p:nvSpPr>
+        <p:spPr/>
+        <p:txBody>
+          <a:bodyPr/>
+          <a:lstStyle/>
+          <a:p>
+            <a:endParaRPr lang="en-US" dirty="0"/>
+          </a:p>
+          <a:p>
+            <a:r>
+              <a:rPr lang="en-US" dirty="0"/>
+              <a:t>Infrastructure as Code</a:t>
+            </a:r>
+          </a:p>
+          <a:p>
+            <a:pPr lvl="1"/>
+            <a:r>
+              <a:rPr lang="en-US" dirty="0"/>
+              <a:t>ARMs and Biceps</a:t>
+            </a:r>
+          </a:p>
+          <a:p>
+            <a:pPr lvl="1"/>
+            <a:r>
+              <a:rPr lang="en-US" dirty="0"/>
+              <a:t>Terraform</a:t>
+            </a:r>
+          </a:p>
+          <a:p>
+            <a:endParaRPr lang="en-US" dirty="0"/>
+          </a:p>
+          <a:p>
+            <a:r>
+              <a:rPr lang="en-US" dirty="0"/>
+              <a:t>GitHub Actions / DevOps Build Pipelines</a:t>
+            </a:r>
+          </a:p>
+          <a:p>
+            <a:pPr marL="596900" lvl="1" indent="0">
+              <a:buNone/>
+            </a:pPr>
+            <a:endParaRPr lang="en-US" dirty="0"/>
+          </a:p>
+        </p:txBody>
+      </p:sp>
+    </p:spTree>
+    <p:extLst>
+      <p:ext uri="{BB962C8B-B14F-4D97-AF65-F5344CB8AC3E}">
+        <p14:creationId xmlns:p14="http://schemas.microsoft.com/office/powerpoint/2010/main" val="4011224339"/>
+      </p:ext>
+    </p:extLst>
+  </p:cSld>
+  <p:clrMapOvr>
+    <a:masterClrMapping/>
+  </p:clrMapOvr>
+</p:sld>
+</file>
+
+<file path=ppt/slides/slide20.xml><?xml version="1.0" encoding="utf-8"?>
 <p:sld xmlns:a="http://schemas.openxmlformats.org/drawingml/2006/main" xmlns:r="http://schemas.openxmlformats.org/officeDocument/2006/relationships" xmlns:p="http://schemas.openxmlformats.org/presentationml/2006/main">
   <p:cSld>
     <p:spTree>
@@ -19549,149 +19928,6 @@
 </p:sld>
 </file>
 
-<file path=ppt/slides/slide2.xml><?xml version="1.0" encoding="utf-8"?>
-<p:sld xmlns:a="http://schemas.openxmlformats.org/drawingml/2006/main" xmlns:r="http://schemas.openxmlformats.org/officeDocument/2006/relationships" xmlns:p="http://schemas.openxmlformats.org/presentationml/2006/main">
-  <p:cSld>
-    <p:spTree>
-      <p:nvGrpSpPr>
-        <p:cNvPr id="1" name=""/>
-        <p:cNvGrpSpPr/>
-        <p:nvPr/>
-      </p:nvGrpSpPr>
-      <p:grpSpPr>
-        <a:xfrm>
-          <a:off x="0" y="0"/>
-          <a:ext cx="0" cy="0"/>
-          <a:chOff x="0" y="0"/>
-          <a:chExt cx="0" cy="0"/>
-        </a:xfrm>
-      </p:grpSpPr>
-      <p:sp>
-        <p:nvSpPr>
-          <p:cNvPr id="2" name="Title 1">
-            <a:extLst>
-              <a:ext uri="{FF2B5EF4-FFF2-40B4-BE49-F238E27FC236}">
-                <a16:creationId xmlns:a16="http://schemas.microsoft.com/office/drawing/2014/main" id="{377868FE-C586-4BBF-8FC4-3FB444BD0DD3}"/>
-              </a:ext>
-            </a:extLst>
-          </p:cNvPr>
-          <p:cNvSpPr>
-            <a:spLocks noGrp="1"/>
-          </p:cNvSpPr>
-          <p:nvPr>
-            <p:ph type="title"/>
-          </p:nvPr>
-        </p:nvSpPr>
-        <p:spPr/>
-        <p:txBody>
-          <a:bodyPr/>
-          <a:lstStyle/>
-          <a:p>
-            <a:r>
-              <a:rPr lang="en-US" dirty="0"/>
-              <a:t>Deploying Azure Resources</a:t>
-            </a:r>
-          </a:p>
-        </p:txBody>
-      </p:sp>
-      <p:sp>
-        <p:nvSpPr>
-          <p:cNvPr id="3" name="Subtitle 2">
-            <a:extLst>
-              <a:ext uri="{FF2B5EF4-FFF2-40B4-BE49-F238E27FC236}">
-                <a16:creationId xmlns:a16="http://schemas.microsoft.com/office/drawing/2014/main" id="{6226D9F0-C8A6-4321-8F4C-6823AB798054}"/>
-              </a:ext>
-            </a:extLst>
-          </p:cNvPr>
-          <p:cNvSpPr>
-            <a:spLocks noGrp="1"/>
-          </p:cNvSpPr>
-          <p:nvPr>
-            <p:ph type="subTitle" idx="1"/>
-          </p:nvPr>
-        </p:nvSpPr>
-        <p:spPr/>
-        <p:txBody>
-          <a:bodyPr/>
-          <a:lstStyle/>
-          <a:p>
-            <a:endParaRPr lang="en-US"/>
-          </a:p>
-        </p:txBody>
-      </p:sp>
-      <p:sp>
-        <p:nvSpPr>
-          <p:cNvPr id="4" name="Text Placeholder 3">
-            <a:extLst>
-              <a:ext uri="{FF2B5EF4-FFF2-40B4-BE49-F238E27FC236}">
-                <a16:creationId xmlns:a16="http://schemas.microsoft.com/office/drawing/2014/main" id="{943823B2-C9D2-4B65-AF6E-6BE38C51F14D}"/>
-              </a:ext>
-            </a:extLst>
-          </p:cNvPr>
-          <p:cNvSpPr>
-            <a:spLocks noGrp="1"/>
-          </p:cNvSpPr>
-          <p:nvPr>
-            <p:ph type="body" idx="2"/>
-          </p:nvPr>
-        </p:nvSpPr>
-        <p:spPr/>
-        <p:txBody>
-          <a:bodyPr/>
-          <a:lstStyle/>
-          <a:p>
-            <a:endParaRPr lang="en-US" dirty="0"/>
-          </a:p>
-          <a:p>
-            <a:r>
-              <a:rPr lang="en-US" dirty="0"/>
-              <a:t>Infrastructure as Code</a:t>
-            </a:r>
-          </a:p>
-          <a:p>
-            <a:pPr lvl="1"/>
-            <a:r>
-              <a:rPr lang="en-US" dirty="0"/>
-              <a:t>ARMs and Biceps</a:t>
-            </a:r>
-          </a:p>
-          <a:p>
-            <a:pPr lvl="1"/>
-            <a:r>
-              <a:rPr lang="en-US" dirty="0"/>
-              <a:t>Terraform</a:t>
-            </a:r>
-          </a:p>
-          <a:p>
-            <a:endParaRPr lang="en-US" dirty="0"/>
-          </a:p>
-          <a:p>
-            <a:r>
-              <a:rPr lang="en-US" dirty="0"/>
-              <a:t>GitHub Actions / DevOps Build Pipelines</a:t>
-            </a:r>
-          </a:p>
-          <a:p>
-            <a:pPr marL="596900" lvl="1" indent="0">
-              <a:buNone/>
-            </a:pPr>
-            <a:endParaRPr lang="en-US" dirty="0"/>
-          </a:p>
-        </p:txBody>
-      </p:sp>
-    </p:spTree>
-    <p:extLst>
-      <p:ext uri="{BB962C8B-B14F-4D97-AF65-F5344CB8AC3E}">
-        <p14:creationId xmlns:p14="http://schemas.microsoft.com/office/powerpoint/2010/main" val="4011224339"/>
-      </p:ext>
-    </p:extLst>
-  </p:cSld>
-  <p:clrMapOvr>
-    <a:masterClrMapping/>
-  </p:clrMapOvr>
-</p:sld>
-</file>
-
 <file path=ppt/slides/slide3.xml><?xml version="1.0" encoding="utf-8"?>
 <p:sld xmlns:a="http://schemas.openxmlformats.org/drawingml/2006/main" xmlns:r="http://schemas.openxmlformats.org/officeDocument/2006/relationships" xmlns:p="http://schemas.openxmlformats.org/presentationml/2006/main">
   <p:cSld>
@@ -19805,6 +20041,20 @@
               <a:rPr lang="en-US" dirty="0"/>
               <a:t>Security</a:t>
             </a:r>
+          </a:p>
+          <a:p>
+            <a:pPr lvl="1"/>
+            <a:r>
+              <a:rPr lang="en-US" dirty="0"/>
+              <a:t>Promotion of infrastructure changes from development </a:t>
+            </a:r>
+            <a:r>
+              <a:rPr lang="en-US" dirty="0">
+                <a:sym typeface="Wingdings" panose="05000000000000000000" pitchFamily="2" charset="2"/>
+              </a:rPr>
+              <a:t> staging  production</a:t>
+            </a:r>
+            <a:endParaRPr lang="en-US" dirty="0"/>
           </a:p>
         </p:txBody>
       </p:sp>
@@ -21698,6 +21948,297 @@
           <p:cNvPr id="2" name="Title 1">
             <a:extLst>
               <a:ext uri="{FF2B5EF4-FFF2-40B4-BE49-F238E27FC236}">
+                <a16:creationId xmlns:a16="http://schemas.microsoft.com/office/drawing/2014/main" id="{89F0BF8C-D3A8-3C86-23A3-5763439EF85B}"/>
+              </a:ext>
+            </a:extLst>
+          </p:cNvPr>
+          <p:cNvSpPr>
+            <a:spLocks noGrp="1"/>
+          </p:cNvSpPr>
+          <p:nvPr>
+            <p:ph type="title"/>
+          </p:nvPr>
+        </p:nvSpPr>
+        <p:spPr>
+          <a:xfrm>
+            <a:off x="432138" y="475466"/>
+            <a:ext cx="8279723" cy="635400"/>
+          </a:xfrm>
+        </p:spPr>
+        <p:txBody>
+          <a:bodyPr/>
+          <a:lstStyle/>
+          <a:p>
+            <a:r>
+              <a:rPr lang="en-US" dirty="0"/>
+              <a:t>Service Principals and Managed Identities</a:t>
+            </a:r>
+          </a:p>
+        </p:txBody>
+      </p:sp>
+      <p:sp>
+        <p:nvSpPr>
+          <p:cNvPr id="3" name="Text Placeholder 2">
+            <a:extLst>
+              <a:ext uri="{FF2B5EF4-FFF2-40B4-BE49-F238E27FC236}">
+                <a16:creationId xmlns:a16="http://schemas.microsoft.com/office/drawing/2014/main" id="{2515B9C7-6F35-EC74-C962-720086BEDE70}"/>
+              </a:ext>
+            </a:extLst>
+          </p:cNvPr>
+          <p:cNvSpPr>
+            <a:spLocks noGrp="1"/>
+          </p:cNvSpPr>
+          <p:nvPr>
+            <p:ph type="body" idx="1"/>
+          </p:nvPr>
+        </p:nvSpPr>
+        <p:spPr>
+          <a:xfrm>
+            <a:off x="266282" y="985419"/>
+            <a:ext cx="3592286" cy="3172662"/>
+          </a:xfrm>
+        </p:spPr>
+        <p:txBody>
+          <a:bodyPr/>
+          <a:lstStyle/>
+          <a:p>
+            <a:pPr>
+              <a:spcBef>
+                <a:spcPts val="600"/>
+              </a:spcBef>
+            </a:pPr>
+            <a:r>
+              <a:rPr lang="en-US" sz="1200" dirty="0"/>
+              <a:t>Service Principals are like user accounts, but for services.</a:t>
+            </a:r>
+          </a:p>
+          <a:p>
+            <a:pPr lvl="1">
+              <a:spcBef>
+                <a:spcPts val="600"/>
+              </a:spcBef>
+            </a:pPr>
+            <a:r>
+              <a:rPr lang="en-US" sz="1100" dirty="0"/>
+              <a:t>“Azure-representation of a non-Azure object”</a:t>
+            </a:r>
+          </a:p>
+          <a:p>
+            <a:pPr lvl="1">
+              <a:spcBef>
+                <a:spcPts val="600"/>
+              </a:spcBef>
+            </a:pPr>
+            <a:r>
+              <a:rPr lang="en-US" sz="1100" dirty="0"/>
+              <a:t>Usually assigned for a specific application or purpose.</a:t>
+            </a:r>
+          </a:p>
+          <a:p>
+            <a:pPr>
+              <a:spcBef>
+                <a:spcPts val="600"/>
+              </a:spcBef>
+            </a:pPr>
+            <a:r>
+              <a:rPr lang="en-US" sz="1200" dirty="0"/>
+              <a:t>Managed Identities are a type of Service Principal that operates on behalf of other services (usually other Azure resources)</a:t>
+            </a:r>
+          </a:p>
+          <a:p>
+            <a:pPr lvl="1">
+              <a:spcBef>
+                <a:spcPts val="600"/>
+              </a:spcBef>
+            </a:pPr>
+            <a:r>
+              <a:rPr lang="en-US" sz="1000" dirty="0"/>
+              <a:t>System-assigned managed identities share a lifecycle with various Azure services</a:t>
+            </a:r>
+          </a:p>
+          <a:p>
+            <a:pPr>
+              <a:spcBef>
+                <a:spcPts val="600"/>
+              </a:spcBef>
+            </a:pPr>
+            <a:r>
+              <a:rPr lang="en-US" dirty="0"/>
+              <a:t>Both can be given roles and permissions like users.</a:t>
+            </a:r>
+          </a:p>
+        </p:txBody>
+      </p:sp>
+      <p:pic>
+        <p:nvPicPr>
+          <p:cNvPr id="6" name="Picture 5">
+            <a:extLst>
+              <a:ext uri="{FF2B5EF4-FFF2-40B4-BE49-F238E27FC236}">
+                <a16:creationId xmlns:a16="http://schemas.microsoft.com/office/drawing/2014/main" id="{D922D88F-5473-AADD-3703-563141D4F780}"/>
+              </a:ext>
+            </a:extLst>
+          </p:cNvPr>
+          <p:cNvPicPr>
+            <a:picLocks noChangeAspect="1"/>
+          </p:cNvPicPr>
+          <p:nvPr/>
+        </p:nvPicPr>
+        <p:blipFill>
+          <a:blip r:embed="rId2"/>
+          <a:stretch>
+            <a:fillRect/>
+          </a:stretch>
+        </p:blipFill>
+        <p:spPr>
+          <a:xfrm>
+            <a:off x="3956089" y="3425508"/>
+            <a:ext cx="5024176" cy="1596926"/>
+          </a:xfrm>
+          <a:prstGeom prst="rect">
+            <a:avLst/>
+          </a:prstGeom>
+          <a:ln>
+            <a:solidFill>
+              <a:schemeClr val="tx1"/>
+            </a:solidFill>
+          </a:ln>
+        </p:spPr>
+      </p:pic>
+      <p:pic>
+        <p:nvPicPr>
+          <p:cNvPr id="8" name="Picture 7">
+            <a:extLst>
+              <a:ext uri="{FF2B5EF4-FFF2-40B4-BE49-F238E27FC236}">
+                <a16:creationId xmlns:a16="http://schemas.microsoft.com/office/drawing/2014/main" id="{7E7F756D-5D87-BAF6-AABA-3987D5E91E8A}"/>
+              </a:ext>
+            </a:extLst>
+          </p:cNvPr>
+          <p:cNvPicPr>
+            <a:picLocks noChangeAspect="1"/>
+          </p:cNvPicPr>
+          <p:nvPr/>
+        </p:nvPicPr>
+        <p:blipFill>
+          <a:blip r:embed="rId3"/>
+          <a:stretch>
+            <a:fillRect/>
+          </a:stretch>
+        </p:blipFill>
+        <p:spPr>
+          <a:xfrm>
+            <a:off x="6053179" y="1042256"/>
+            <a:ext cx="2927086" cy="2331007"/>
+          </a:xfrm>
+          <a:prstGeom prst="rect">
+            <a:avLst/>
+          </a:prstGeom>
+          <a:ln>
+            <a:solidFill>
+              <a:schemeClr val="tx1"/>
+            </a:solidFill>
+          </a:ln>
+        </p:spPr>
+      </p:pic>
+      <p:pic>
+        <p:nvPicPr>
+          <p:cNvPr id="10" name="Picture 9">
+            <a:extLst>
+              <a:ext uri="{FF2B5EF4-FFF2-40B4-BE49-F238E27FC236}">
+                <a16:creationId xmlns:a16="http://schemas.microsoft.com/office/drawing/2014/main" id="{1F7BAD97-6472-6252-3766-2CDEAA5A36CD}"/>
+              </a:ext>
+            </a:extLst>
+          </p:cNvPr>
+          <p:cNvPicPr>
+            <a:picLocks noChangeAspect="1"/>
+          </p:cNvPicPr>
+          <p:nvPr/>
+        </p:nvPicPr>
+        <p:blipFill>
+          <a:blip r:embed="rId4"/>
+          <a:stretch>
+            <a:fillRect/>
+          </a:stretch>
+        </p:blipFill>
+        <p:spPr>
+          <a:xfrm>
+            <a:off x="163735" y="4223971"/>
+            <a:ext cx="3694833" cy="888126"/>
+          </a:xfrm>
+          <a:prstGeom prst="rect">
+            <a:avLst/>
+          </a:prstGeom>
+        </p:spPr>
+      </p:pic>
+      <p:pic>
+        <p:nvPicPr>
+          <p:cNvPr id="12" name="Picture 11">
+            <a:extLst>
+              <a:ext uri="{FF2B5EF4-FFF2-40B4-BE49-F238E27FC236}">
+                <a16:creationId xmlns:a16="http://schemas.microsoft.com/office/drawing/2014/main" id="{8FF52C82-3A3E-81C3-1C93-31976210954F}"/>
+              </a:ext>
+            </a:extLst>
+          </p:cNvPr>
+          <p:cNvPicPr>
+            <a:picLocks noChangeAspect="1"/>
+          </p:cNvPicPr>
+          <p:nvPr/>
+        </p:nvPicPr>
+        <p:blipFill>
+          <a:blip r:embed="rId5"/>
+          <a:stretch>
+            <a:fillRect/>
+          </a:stretch>
+        </p:blipFill>
+        <p:spPr>
+          <a:xfrm>
+            <a:off x="3707124" y="1228934"/>
+            <a:ext cx="2297282" cy="1749394"/>
+          </a:xfrm>
+          <a:prstGeom prst="rect">
+            <a:avLst/>
+          </a:prstGeom>
+          <a:ln>
+            <a:solidFill>
+              <a:schemeClr val="tx1"/>
+            </a:solidFill>
+          </a:ln>
+        </p:spPr>
+      </p:pic>
+    </p:spTree>
+    <p:extLst>
+      <p:ext uri="{BB962C8B-B14F-4D97-AF65-F5344CB8AC3E}">
+        <p14:creationId xmlns:p14="http://schemas.microsoft.com/office/powerpoint/2010/main" val="2924244558"/>
+      </p:ext>
+    </p:extLst>
+  </p:cSld>
+  <p:clrMapOvr>
+    <a:masterClrMapping/>
+  </p:clrMapOvr>
+</p:sld>
+</file>
+
+<file path=ppt/slides/slide7.xml><?xml version="1.0" encoding="utf-8"?>
+<p:sld xmlns:a="http://schemas.openxmlformats.org/drawingml/2006/main" xmlns:r="http://schemas.openxmlformats.org/officeDocument/2006/relationships" xmlns:p="http://schemas.openxmlformats.org/presentationml/2006/main">
+  <p:cSld>
+    <p:spTree>
+      <p:nvGrpSpPr>
+        <p:cNvPr id="1" name=""/>
+        <p:cNvGrpSpPr/>
+        <p:nvPr/>
+      </p:nvGrpSpPr>
+      <p:grpSpPr>
+        <a:xfrm>
+          <a:off x="0" y="0"/>
+          <a:ext cx="0" cy="0"/>
+          <a:chOff x="0" y="0"/>
+          <a:chExt cx="0" cy="0"/>
+        </a:xfrm>
+      </p:grpSpPr>
+      <p:sp>
+        <p:nvSpPr>
+          <p:cNvPr id="2" name="Title 1">
+            <a:extLst>
+              <a:ext uri="{FF2B5EF4-FFF2-40B4-BE49-F238E27FC236}">
                 <a16:creationId xmlns:a16="http://schemas.microsoft.com/office/drawing/2014/main" id="{9FA2AE21-14F3-4D1C-9272-AB19E4F34CF2}"/>
               </a:ext>
             </a:extLst>
@@ -21743,7 +22284,7 @@
 </p:sld>
 </file>
 
-<file path=ppt/slides/slide7.xml><?xml version="1.0" encoding="utf-8"?>
+<file path=ppt/slides/slide8.xml><?xml version="1.0" encoding="utf-8"?>
 <p:sld xmlns:a="http://schemas.openxmlformats.org/drawingml/2006/main" xmlns:r="http://schemas.openxmlformats.org/officeDocument/2006/relationships" xmlns:p="http://schemas.openxmlformats.org/presentationml/2006/main">
   <p:cSld>
     <p:spTree>
@@ -21778,7 +22319,9 @@
         </p:nvSpPr>
         <p:spPr/>
         <p:txBody>
-          <a:bodyPr/>
+          <a:bodyPr>
+            <a:normAutofit fontScale="90000"/>
+          </a:bodyPr>
           <a:lstStyle/>
           <a:p>
             <a:r>
@@ -21787,7 +22330,22 @@
                   <a:schemeClr val="tx1"/>
                 </a:solidFill>
               </a:rPr>
-              <a:t>Steps to Deploy with Terraform in GitHub Actions</a:t>
+              <a:t>Steps to Deploy with Terraform </a:t>
+            </a:r>
+            <a:br>
+              <a:rPr lang="en-US" dirty="0">
+                <a:solidFill>
+                  <a:schemeClr val="tx1"/>
+                </a:solidFill>
+              </a:rPr>
+            </a:br>
+            <a:r>
+              <a:rPr lang="en-US" dirty="0">
+                <a:solidFill>
+                  <a:schemeClr val="tx1"/>
+                </a:solidFill>
+              </a:rPr>
+              <a:t>in GitHub Actions</a:t>
             </a:r>
           </a:p>
         </p:txBody>
@@ -21805,13 +22363,13 @@
           <p:nvPr>
             <p:extLst>
               <p:ext uri="{D42A27DB-BD31-4B8C-83A1-F6EECF244321}">
-                <p14:modId xmlns:p14="http://schemas.microsoft.com/office/powerpoint/2010/main" val="3869356716"/>
+                <p14:modId xmlns:p14="http://schemas.microsoft.com/office/powerpoint/2010/main" val="263029424"/>
               </p:ext>
             </p:extLst>
           </p:nvPr>
         </p:nvGraphicFramePr>
         <p:xfrm>
-          <a:off x="397565" y="1011022"/>
+          <a:off x="432607" y="1307448"/>
           <a:ext cx="8269357" cy="3592727"/>
         </p:xfrm>
         <a:graphic>
@@ -21833,7 +22391,7 @@
 </p:sld>
 </file>
 
-<file path=ppt/slides/slide8.xml><?xml version="1.0" encoding="utf-8"?>
+<file path=ppt/slides/slide9.xml><?xml version="1.0" encoding="utf-8"?>
 <p:sld xmlns:a="http://schemas.openxmlformats.org/drawingml/2006/main" xmlns:r="http://schemas.openxmlformats.org/officeDocument/2006/relationships" xmlns:p="http://schemas.openxmlformats.org/presentationml/2006/main">
   <p:cSld>
     <p:spTree>
@@ -22018,241 +22576,6 @@
     <p:extLst>
       <p:ext uri="{BB962C8B-B14F-4D97-AF65-F5344CB8AC3E}">
         <p14:creationId xmlns:p14="http://schemas.microsoft.com/office/powerpoint/2010/main" val="2626124040"/>
-      </p:ext>
-    </p:extLst>
-  </p:cSld>
-  <p:clrMapOvr>
-    <a:masterClrMapping/>
-  </p:clrMapOvr>
-</p:sld>
-</file>
-
-<file path=ppt/slides/slide9.xml><?xml version="1.0" encoding="utf-8"?>
-<p:sld xmlns:a="http://schemas.openxmlformats.org/drawingml/2006/main" xmlns:r="http://schemas.openxmlformats.org/officeDocument/2006/relationships" xmlns:p="http://schemas.openxmlformats.org/presentationml/2006/main">
-  <p:cSld>
-    <p:spTree>
-      <p:nvGrpSpPr>
-        <p:cNvPr id="1" name=""/>
-        <p:cNvGrpSpPr/>
-        <p:nvPr/>
-      </p:nvGrpSpPr>
-      <p:grpSpPr>
-        <a:xfrm>
-          <a:off x="0" y="0"/>
-          <a:ext cx="0" cy="0"/>
-          <a:chOff x="0" y="0"/>
-          <a:chExt cx="0" cy="0"/>
-        </a:xfrm>
-      </p:grpSpPr>
-      <p:sp>
-        <p:nvSpPr>
-          <p:cNvPr id="2" name="Title 1">
-            <a:extLst>
-              <a:ext uri="{FF2B5EF4-FFF2-40B4-BE49-F238E27FC236}">
-                <a16:creationId xmlns:a16="http://schemas.microsoft.com/office/drawing/2014/main" id="{9DA01869-22F8-4A00-8F8A-70CD0512CC83}"/>
-              </a:ext>
-            </a:extLst>
-          </p:cNvPr>
-          <p:cNvSpPr>
-            <a:spLocks noGrp="1"/>
-          </p:cNvSpPr>
-          <p:nvPr>
-            <p:ph type="title"/>
-          </p:nvPr>
-        </p:nvSpPr>
-        <p:spPr>
-          <a:xfrm>
-            <a:off x="319500" y="936600"/>
-            <a:ext cx="2297850" cy="755700"/>
-          </a:xfrm>
-        </p:spPr>
-        <p:txBody>
-          <a:bodyPr>
-            <a:normAutofit fontScale="90000"/>
-          </a:bodyPr>
-          <a:lstStyle/>
-          <a:p>
-            <a:pPr algn="ctr"/>
-            <a:r>
-              <a:rPr lang="en-US" dirty="0">
-                <a:solidFill>
-                  <a:schemeClr val="tx1"/>
-                </a:solidFill>
-              </a:rPr>
-              <a:t>Azure Active Directory</a:t>
-            </a:r>
-          </a:p>
-        </p:txBody>
-      </p:sp>
-      <p:sp>
-        <p:nvSpPr>
-          <p:cNvPr id="7" name="Text Placeholder 6">
-            <a:extLst>
-              <a:ext uri="{FF2B5EF4-FFF2-40B4-BE49-F238E27FC236}">
-                <a16:creationId xmlns:a16="http://schemas.microsoft.com/office/drawing/2014/main" id="{69DC49D7-7A9A-4469-9AED-9670E4B6367E}"/>
-              </a:ext>
-            </a:extLst>
-          </p:cNvPr>
-          <p:cNvSpPr>
-            <a:spLocks noGrp="1"/>
-          </p:cNvSpPr>
-          <p:nvPr>
-            <p:ph type="body" idx="1"/>
-          </p:nvPr>
-        </p:nvSpPr>
-        <p:spPr>
-          <a:xfrm>
-            <a:off x="-42030" y="1846804"/>
-            <a:ext cx="2750820" cy="2806200"/>
-          </a:xfrm>
-        </p:spPr>
-        <p:txBody>
-          <a:bodyPr/>
-          <a:lstStyle/>
-          <a:p>
-            <a:r>
-              <a:rPr lang="en-US" dirty="0"/>
-              <a:t>Identity management for users and applications.</a:t>
-            </a:r>
-          </a:p>
-          <a:p>
-            <a:pPr lvl="1">
-              <a:spcBef>
-                <a:spcPts val="0"/>
-              </a:spcBef>
-            </a:pPr>
-            <a:r>
-              <a:rPr lang="en-US" dirty="0"/>
-              <a:t>Single Sign-On (SSO)</a:t>
-            </a:r>
-          </a:p>
-          <a:p>
-            <a:pPr lvl="1">
-              <a:spcBef>
-                <a:spcPts val="0"/>
-              </a:spcBef>
-            </a:pPr>
-            <a:r>
-              <a:rPr lang="en-US" dirty="0"/>
-              <a:t>App registrations</a:t>
-            </a:r>
-          </a:p>
-          <a:p>
-            <a:pPr lvl="2">
-              <a:spcBef>
-                <a:spcPts val="0"/>
-              </a:spcBef>
-            </a:pPr>
-            <a:r>
-              <a:rPr lang="en-US" dirty="0"/>
-              <a:t>External applications</a:t>
-            </a:r>
-          </a:p>
-          <a:p>
-            <a:pPr lvl="2">
-              <a:spcBef>
-                <a:spcPts val="0"/>
-              </a:spcBef>
-            </a:pPr>
-            <a:r>
-              <a:rPr lang="en-US" dirty="0"/>
-              <a:t>Service Principals and Managed Identities</a:t>
-            </a:r>
-          </a:p>
-          <a:p>
-            <a:pPr lvl="1">
-              <a:spcBef>
-                <a:spcPts val="0"/>
-              </a:spcBef>
-            </a:pPr>
-            <a:r>
-              <a:rPr lang="en-US" dirty="0"/>
-              <a:t>Role assignments</a:t>
-            </a:r>
-          </a:p>
-          <a:p>
-            <a:pPr lvl="1">
-              <a:spcBef>
-                <a:spcPts val="0"/>
-              </a:spcBef>
-            </a:pPr>
-            <a:r>
-              <a:rPr lang="en-US" dirty="0"/>
-              <a:t>Group organization</a:t>
-            </a:r>
-          </a:p>
-        </p:txBody>
-      </p:sp>
-      <p:pic>
-        <p:nvPicPr>
-          <p:cNvPr id="4" name="Graphic 3">
-            <a:extLst>
-              <a:ext uri="{FF2B5EF4-FFF2-40B4-BE49-F238E27FC236}">
-                <a16:creationId xmlns:a16="http://schemas.microsoft.com/office/drawing/2014/main" id="{D1E0C583-0B33-4CCE-83E7-8772B21FCD2D}"/>
-              </a:ext>
-            </a:extLst>
-          </p:cNvPr>
-          <p:cNvPicPr>
-            <a:picLocks noChangeAspect="1"/>
-          </p:cNvPicPr>
-          <p:nvPr/>
-        </p:nvPicPr>
-        <p:blipFill>
-          <a:blip r:embed="rId2">
-            <a:extLst>
-              <a:ext uri="{96DAC541-7B7A-43D3-8B79-37D633B846F1}">
-                <asvg:svgBlip xmlns:asvg="http://schemas.microsoft.com/office/drawing/2016/SVG/main" r:embed="rId3"/>
-              </a:ext>
-            </a:extLst>
-          </a:blip>
-          <a:stretch>
-            <a:fillRect/>
-          </a:stretch>
-        </p:blipFill>
-        <p:spPr>
-          <a:xfrm>
-            <a:off x="1125525" y="125400"/>
-            <a:ext cx="685800" cy="685800"/>
-          </a:xfrm>
-          <a:prstGeom prst="rect">
-            <a:avLst/>
-          </a:prstGeom>
-        </p:spPr>
-      </p:pic>
-      <p:pic>
-        <p:nvPicPr>
-          <p:cNvPr id="6" name="Picture 5">
-            <a:extLst>
-              <a:ext uri="{FF2B5EF4-FFF2-40B4-BE49-F238E27FC236}">
-                <a16:creationId xmlns:a16="http://schemas.microsoft.com/office/drawing/2014/main" id="{8B830863-97E0-4759-A0FC-876D665F297F}"/>
-              </a:ext>
-            </a:extLst>
-          </p:cNvPr>
-          <p:cNvPicPr>
-            <a:picLocks noChangeAspect="1"/>
-          </p:cNvPicPr>
-          <p:nvPr/>
-        </p:nvPicPr>
-        <p:blipFill>
-          <a:blip r:embed="rId4"/>
-          <a:stretch>
-            <a:fillRect/>
-          </a:stretch>
-        </p:blipFill>
-        <p:spPr>
-          <a:xfrm>
-            <a:off x="2708790" y="0"/>
-            <a:ext cx="6632864" cy="5143500"/>
-          </a:xfrm>
-          <a:prstGeom prst="rect">
-            <a:avLst/>
-          </a:prstGeom>
-        </p:spPr>
-      </p:pic>
-    </p:spTree>
-    <p:extLst>
-      <p:ext uri="{BB962C8B-B14F-4D97-AF65-F5344CB8AC3E}">
-        <p14:creationId xmlns:p14="http://schemas.microsoft.com/office/powerpoint/2010/main" val="1294764771"/>
       </p:ext>
     </p:extLst>
   </p:cSld>

--- a/6 - Deployment and Security/Deployment.pptx
+++ b/6 - Deployment and Security/Deployment.pptx
@@ -5,60 +5,64 @@
     <p:sldMasterId id="2147483659" r:id="rId1"/>
   </p:sldMasterIdLst>
   <p:notesMasterIdLst>
-    <p:notesMasterId r:id="rId22"/>
+    <p:notesMasterId r:id="rId26"/>
   </p:notesMasterIdLst>
   <p:sldIdLst>
     <p:sldId id="256" r:id="rId2"/>
     <p:sldId id="491" r:id="rId3"/>
-    <p:sldId id="494" r:id="rId4"/>
-    <p:sldId id="495" r:id="rId5"/>
-    <p:sldId id="497" r:id="rId6"/>
-    <p:sldId id="512" r:id="rId7"/>
-    <p:sldId id="496" r:id="rId8"/>
-    <p:sldId id="511" r:id="rId9"/>
-    <p:sldId id="492" r:id="rId10"/>
-    <p:sldId id="498" r:id="rId11"/>
-    <p:sldId id="507" r:id="rId12"/>
-    <p:sldId id="499" r:id="rId13"/>
-    <p:sldId id="508" r:id="rId14"/>
-    <p:sldId id="500" r:id="rId15"/>
-    <p:sldId id="503" r:id="rId16"/>
-    <p:sldId id="509" r:id="rId17"/>
-    <p:sldId id="510" r:id="rId18"/>
-    <p:sldId id="501" r:id="rId19"/>
-    <p:sldId id="505" r:id="rId20"/>
-    <p:sldId id="504" r:id="rId21"/>
+    <p:sldId id="513" r:id="rId4"/>
+    <p:sldId id="514" r:id="rId5"/>
+    <p:sldId id="515" r:id="rId6"/>
+    <p:sldId id="516" r:id="rId7"/>
+    <p:sldId id="494" r:id="rId8"/>
+    <p:sldId id="495" r:id="rId9"/>
+    <p:sldId id="497" r:id="rId10"/>
+    <p:sldId id="512" r:id="rId11"/>
+    <p:sldId id="496" r:id="rId12"/>
+    <p:sldId id="511" r:id="rId13"/>
+    <p:sldId id="492" r:id="rId14"/>
+    <p:sldId id="498" r:id="rId15"/>
+    <p:sldId id="507" r:id="rId16"/>
+    <p:sldId id="499" r:id="rId17"/>
+    <p:sldId id="508" r:id="rId18"/>
+    <p:sldId id="500" r:id="rId19"/>
+    <p:sldId id="503" r:id="rId20"/>
+    <p:sldId id="509" r:id="rId21"/>
+    <p:sldId id="510" r:id="rId22"/>
+    <p:sldId id="501" r:id="rId23"/>
+    <p:sldId id="505" r:id="rId24"/>
+    <p:sldId id="504" r:id="rId25"/>
   </p:sldIdLst>
   <p:sldSz cx="9144000" cy="5143500" type="screen16x9"/>
   <p:notesSz cx="6858000" cy="9144000"/>
   <p:embeddedFontLst>
     <p:embeddedFont>
       <p:font typeface="Consolas" panose="020B0609020204030204" pitchFamily="49" charset="0"/>
-      <p:regular r:id="rId23"/>
-      <p:bold r:id="rId24"/>
-      <p:italic r:id="rId25"/>
-      <p:boldItalic r:id="rId26"/>
-    </p:embeddedFont>
-    <p:embeddedFont>
-      <p:font typeface="Lato" panose="020F0502020204030203" pitchFamily="34" charset="0"/>
       <p:regular r:id="rId27"/>
       <p:bold r:id="rId28"/>
       <p:italic r:id="rId29"/>
       <p:boldItalic r:id="rId30"/>
     </p:embeddedFont>
     <p:embeddedFont>
-      <p:font typeface="Raleway" pitchFamily="2" charset="0"/>
+      <p:font typeface="Lato" panose="020F0502020204030203" pitchFamily="34" charset="0"/>
       <p:regular r:id="rId31"/>
       <p:bold r:id="rId32"/>
       <p:italic r:id="rId33"/>
       <p:boldItalic r:id="rId34"/>
     </p:embeddedFont>
     <p:embeddedFont>
-      <p:font typeface="Segoe UI" panose="020B0502040204020203" pitchFamily="34" charset="0"/>
+      <p:font typeface="Raleway" pitchFamily="2" charset="0"/>
       <p:regular r:id="rId35"/>
       <p:bold r:id="rId36"/>
       <p:italic r:id="rId37"/>
       <p:boldItalic r:id="rId38"/>
+    </p:embeddedFont>
+    <p:embeddedFont>
+      <p:font typeface="Segoe UI" panose="020B0502040204020203" pitchFamily="34" charset="0"/>
+      <p:regular r:id="rId39"/>
+      <p:bold r:id="rId40"/>
+      <p:italic r:id="rId41"/>
+      <p:boldItalic r:id="rId42"/>
     </p:embeddedFont>
   </p:embeddedFontLst>
   <p:defaultTextStyle>
@@ -16027,6 +16031,665 @@
           <p:cNvPr id="2" name="Title 1">
             <a:extLst>
               <a:ext uri="{FF2B5EF4-FFF2-40B4-BE49-F238E27FC236}">
+                <a16:creationId xmlns:a16="http://schemas.microsoft.com/office/drawing/2014/main" id="{89F0BF8C-D3A8-3C86-23A3-5763439EF85B}"/>
+              </a:ext>
+            </a:extLst>
+          </p:cNvPr>
+          <p:cNvSpPr>
+            <a:spLocks noGrp="1"/>
+          </p:cNvSpPr>
+          <p:nvPr>
+            <p:ph type="title"/>
+          </p:nvPr>
+        </p:nvSpPr>
+        <p:spPr>
+          <a:xfrm>
+            <a:off x="432138" y="475466"/>
+            <a:ext cx="8279723" cy="635400"/>
+          </a:xfrm>
+        </p:spPr>
+        <p:txBody>
+          <a:bodyPr/>
+          <a:lstStyle/>
+          <a:p>
+            <a:r>
+              <a:rPr lang="en-US" dirty="0"/>
+              <a:t>Service Principals and Managed Identities</a:t>
+            </a:r>
+          </a:p>
+        </p:txBody>
+      </p:sp>
+      <p:sp>
+        <p:nvSpPr>
+          <p:cNvPr id="3" name="Text Placeholder 2">
+            <a:extLst>
+              <a:ext uri="{FF2B5EF4-FFF2-40B4-BE49-F238E27FC236}">
+                <a16:creationId xmlns:a16="http://schemas.microsoft.com/office/drawing/2014/main" id="{2515B9C7-6F35-EC74-C962-720086BEDE70}"/>
+              </a:ext>
+            </a:extLst>
+          </p:cNvPr>
+          <p:cNvSpPr>
+            <a:spLocks noGrp="1"/>
+          </p:cNvSpPr>
+          <p:nvPr>
+            <p:ph type="body" idx="1"/>
+          </p:nvPr>
+        </p:nvSpPr>
+        <p:spPr>
+          <a:xfrm>
+            <a:off x="266282" y="985419"/>
+            <a:ext cx="3592286" cy="3172662"/>
+          </a:xfrm>
+        </p:spPr>
+        <p:txBody>
+          <a:bodyPr/>
+          <a:lstStyle/>
+          <a:p>
+            <a:pPr>
+              <a:spcBef>
+                <a:spcPts val="600"/>
+              </a:spcBef>
+            </a:pPr>
+            <a:r>
+              <a:rPr lang="en-US" sz="1200" dirty="0"/>
+              <a:t>Service Principals are like user accounts, but for services.</a:t>
+            </a:r>
+          </a:p>
+          <a:p>
+            <a:pPr lvl="1">
+              <a:spcBef>
+                <a:spcPts val="600"/>
+              </a:spcBef>
+            </a:pPr>
+            <a:r>
+              <a:rPr lang="en-US" sz="1100" dirty="0"/>
+              <a:t>“Azure-representation of a non-Azure object”</a:t>
+            </a:r>
+          </a:p>
+          <a:p>
+            <a:pPr lvl="1">
+              <a:spcBef>
+                <a:spcPts val="600"/>
+              </a:spcBef>
+            </a:pPr>
+            <a:r>
+              <a:rPr lang="en-US" sz="1100" dirty="0"/>
+              <a:t>Usually assigned for a specific application or purpose.</a:t>
+            </a:r>
+          </a:p>
+          <a:p>
+            <a:pPr>
+              <a:spcBef>
+                <a:spcPts val="600"/>
+              </a:spcBef>
+            </a:pPr>
+            <a:r>
+              <a:rPr lang="en-US" sz="1200" dirty="0"/>
+              <a:t>Managed Identities are a type of Service Principal that operates on behalf of other services (usually other Azure resources)</a:t>
+            </a:r>
+          </a:p>
+          <a:p>
+            <a:pPr lvl="1">
+              <a:spcBef>
+                <a:spcPts val="600"/>
+              </a:spcBef>
+            </a:pPr>
+            <a:r>
+              <a:rPr lang="en-US" sz="1000" dirty="0"/>
+              <a:t>System-assigned managed identities share a lifecycle with various Azure services</a:t>
+            </a:r>
+          </a:p>
+          <a:p>
+            <a:pPr>
+              <a:spcBef>
+                <a:spcPts val="600"/>
+              </a:spcBef>
+            </a:pPr>
+            <a:r>
+              <a:rPr lang="en-US" dirty="0"/>
+              <a:t>Both can be given roles and permissions like users.</a:t>
+            </a:r>
+          </a:p>
+        </p:txBody>
+      </p:sp>
+      <p:pic>
+        <p:nvPicPr>
+          <p:cNvPr id="6" name="Picture 5">
+            <a:extLst>
+              <a:ext uri="{FF2B5EF4-FFF2-40B4-BE49-F238E27FC236}">
+                <a16:creationId xmlns:a16="http://schemas.microsoft.com/office/drawing/2014/main" id="{D922D88F-5473-AADD-3703-563141D4F780}"/>
+              </a:ext>
+            </a:extLst>
+          </p:cNvPr>
+          <p:cNvPicPr>
+            <a:picLocks noChangeAspect="1"/>
+          </p:cNvPicPr>
+          <p:nvPr/>
+        </p:nvPicPr>
+        <p:blipFill>
+          <a:blip r:embed="rId2"/>
+          <a:stretch>
+            <a:fillRect/>
+          </a:stretch>
+        </p:blipFill>
+        <p:spPr>
+          <a:xfrm>
+            <a:off x="3956089" y="3425508"/>
+            <a:ext cx="5024176" cy="1596926"/>
+          </a:xfrm>
+          <a:prstGeom prst="rect">
+            <a:avLst/>
+          </a:prstGeom>
+          <a:ln>
+            <a:solidFill>
+              <a:schemeClr val="tx1"/>
+            </a:solidFill>
+          </a:ln>
+        </p:spPr>
+      </p:pic>
+      <p:pic>
+        <p:nvPicPr>
+          <p:cNvPr id="8" name="Picture 7">
+            <a:extLst>
+              <a:ext uri="{FF2B5EF4-FFF2-40B4-BE49-F238E27FC236}">
+                <a16:creationId xmlns:a16="http://schemas.microsoft.com/office/drawing/2014/main" id="{7E7F756D-5D87-BAF6-AABA-3987D5E91E8A}"/>
+              </a:ext>
+            </a:extLst>
+          </p:cNvPr>
+          <p:cNvPicPr>
+            <a:picLocks noChangeAspect="1"/>
+          </p:cNvPicPr>
+          <p:nvPr/>
+        </p:nvPicPr>
+        <p:blipFill>
+          <a:blip r:embed="rId3"/>
+          <a:stretch>
+            <a:fillRect/>
+          </a:stretch>
+        </p:blipFill>
+        <p:spPr>
+          <a:xfrm>
+            <a:off x="6053179" y="1042256"/>
+            <a:ext cx="2927086" cy="2331007"/>
+          </a:xfrm>
+          <a:prstGeom prst="rect">
+            <a:avLst/>
+          </a:prstGeom>
+          <a:ln>
+            <a:solidFill>
+              <a:schemeClr val="tx1"/>
+            </a:solidFill>
+          </a:ln>
+        </p:spPr>
+      </p:pic>
+      <p:pic>
+        <p:nvPicPr>
+          <p:cNvPr id="10" name="Picture 9">
+            <a:extLst>
+              <a:ext uri="{FF2B5EF4-FFF2-40B4-BE49-F238E27FC236}">
+                <a16:creationId xmlns:a16="http://schemas.microsoft.com/office/drawing/2014/main" id="{1F7BAD97-6472-6252-3766-2CDEAA5A36CD}"/>
+              </a:ext>
+            </a:extLst>
+          </p:cNvPr>
+          <p:cNvPicPr>
+            <a:picLocks noChangeAspect="1"/>
+          </p:cNvPicPr>
+          <p:nvPr/>
+        </p:nvPicPr>
+        <p:blipFill>
+          <a:blip r:embed="rId4"/>
+          <a:stretch>
+            <a:fillRect/>
+          </a:stretch>
+        </p:blipFill>
+        <p:spPr>
+          <a:xfrm>
+            <a:off x="163735" y="4223971"/>
+            <a:ext cx="3694833" cy="888126"/>
+          </a:xfrm>
+          <a:prstGeom prst="rect">
+            <a:avLst/>
+          </a:prstGeom>
+        </p:spPr>
+      </p:pic>
+      <p:pic>
+        <p:nvPicPr>
+          <p:cNvPr id="12" name="Picture 11">
+            <a:extLst>
+              <a:ext uri="{FF2B5EF4-FFF2-40B4-BE49-F238E27FC236}">
+                <a16:creationId xmlns:a16="http://schemas.microsoft.com/office/drawing/2014/main" id="{8FF52C82-3A3E-81C3-1C93-31976210954F}"/>
+              </a:ext>
+            </a:extLst>
+          </p:cNvPr>
+          <p:cNvPicPr>
+            <a:picLocks noChangeAspect="1"/>
+          </p:cNvPicPr>
+          <p:nvPr/>
+        </p:nvPicPr>
+        <p:blipFill>
+          <a:blip r:embed="rId5"/>
+          <a:stretch>
+            <a:fillRect/>
+          </a:stretch>
+        </p:blipFill>
+        <p:spPr>
+          <a:xfrm>
+            <a:off x="3707124" y="1228934"/>
+            <a:ext cx="2297282" cy="1749394"/>
+          </a:xfrm>
+          <a:prstGeom prst="rect">
+            <a:avLst/>
+          </a:prstGeom>
+          <a:ln>
+            <a:solidFill>
+              <a:schemeClr val="tx1"/>
+            </a:solidFill>
+          </a:ln>
+        </p:spPr>
+      </p:pic>
+    </p:spTree>
+    <p:extLst>
+      <p:ext uri="{BB962C8B-B14F-4D97-AF65-F5344CB8AC3E}">
+        <p14:creationId xmlns:p14="http://schemas.microsoft.com/office/powerpoint/2010/main" val="2924244558"/>
+      </p:ext>
+    </p:extLst>
+  </p:cSld>
+  <p:clrMapOvr>
+    <a:masterClrMapping/>
+  </p:clrMapOvr>
+</p:sld>
+</file>
+
+<file path=ppt/slides/slide11.xml><?xml version="1.0" encoding="utf-8"?>
+<p:sld xmlns:a="http://schemas.openxmlformats.org/drawingml/2006/main" xmlns:r="http://schemas.openxmlformats.org/officeDocument/2006/relationships" xmlns:p="http://schemas.openxmlformats.org/presentationml/2006/main">
+  <p:cSld>
+    <p:spTree>
+      <p:nvGrpSpPr>
+        <p:cNvPr id="1" name=""/>
+        <p:cNvGrpSpPr/>
+        <p:nvPr/>
+      </p:nvGrpSpPr>
+      <p:grpSpPr>
+        <a:xfrm>
+          <a:off x="0" y="0"/>
+          <a:ext cx="0" cy="0"/>
+          <a:chOff x="0" y="0"/>
+          <a:chExt cx="0" cy="0"/>
+        </a:xfrm>
+      </p:grpSpPr>
+      <p:sp>
+        <p:nvSpPr>
+          <p:cNvPr id="2" name="Title 1">
+            <a:extLst>
+              <a:ext uri="{FF2B5EF4-FFF2-40B4-BE49-F238E27FC236}">
+                <a16:creationId xmlns:a16="http://schemas.microsoft.com/office/drawing/2014/main" id="{9FA2AE21-14F3-4D1C-9272-AB19E4F34CF2}"/>
+              </a:ext>
+            </a:extLst>
+          </p:cNvPr>
+          <p:cNvSpPr>
+            <a:spLocks noGrp="1"/>
+          </p:cNvSpPr>
+          <p:nvPr>
+            <p:ph type="title"/>
+          </p:nvPr>
+        </p:nvSpPr>
+        <p:spPr>
+          <a:xfrm>
+            <a:off x="283103" y="712141"/>
+            <a:ext cx="6339839" cy="3835500"/>
+          </a:xfrm>
+        </p:spPr>
+        <p:txBody>
+          <a:bodyPr/>
+          <a:lstStyle/>
+          <a:p>
+            <a:r>
+              <a:rPr lang="en-US" dirty="0">
+                <a:solidFill>
+                  <a:schemeClr val="accent2"/>
+                </a:solidFill>
+              </a:rPr>
+              <a:t>Deploying with GitHub Actions</a:t>
+            </a:r>
+          </a:p>
+        </p:txBody>
+      </p:sp>
+    </p:spTree>
+    <p:extLst>
+      <p:ext uri="{BB962C8B-B14F-4D97-AF65-F5344CB8AC3E}">
+        <p14:creationId xmlns:p14="http://schemas.microsoft.com/office/powerpoint/2010/main" val="1034448779"/>
+      </p:ext>
+    </p:extLst>
+  </p:cSld>
+  <p:clrMapOvr>
+    <a:masterClrMapping/>
+  </p:clrMapOvr>
+</p:sld>
+</file>
+
+<file path=ppt/slides/slide12.xml><?xml version="1.0" encoding="utf-8"?>
+<p:sld xmlns:a="http://schemas.openxmlformats.org/drawingml/2006/main" xmlns:r="http://schemas.openxmlformats.org/officeDocument/2006/relationships" xmlns:p="http://schemas.openxmlformats.org/presentationml/2006/main">
+  <p:cSld>
+    <p:spTree>
+      <p:nvGrpSpPr>
+        <p:cNvPr id="1" name=""/>
+        <p:cNvGrpSpPr/>
+        <p:nvPr/>
+      </p:nvGrpSpPr>
+      <p:grpSpPr>
+        <a:xfrm>
+          <a:off x="0" y="0"/>
+          <a:ext cx="0" cy="0"/>
+          <a:chOff x="0" y="0"/>
+          <a:chExt cx="0" cy="0"/>
+        </a:xfrm>
+      </p:grpSpPr>
+      <p:sp>
+        <p:nvSpPr>
+          <p:cNvPr id="2" name="Title 1">
+            <a:extLst>
+              <a:ext uri="{FF2B5EF4-FFF2-40B4-BE49-F238E27FC236}">
+                <a16:creationId xmlns:a16="http://schemas.microsoft.com/office/drawing/2014/main" id="{89F1B529-F088-A01D-40C0-27F065C6EDB1}"/>
+              </a:ext>
+            </a:extLst>
+          </p:cNvPr>
+          <p:cNvSpPr>
+            <a:spLocks noGrp="1"/>
+          </p:cNvSpPr>
+          <p:nvPr>
+            <p:ph type="title"/>
+          </p:nvPr>
+        </p:nvSpPr>
+        <p:spPr/>
+        <p:txBody>
+          <a:bodyPr>
+            <a:normAutofit fontScale="90000"/>
+          </a:bodyPr>
+          <a:lstStyle/>
+          <a:p>
+            <a:r>
+              <a:rPr lang="en-US" dirty="0">
+                <a:solidFill>
+                  <a:schemeClr val="tx1"/>
+                </a:solidFill>
+              </a:rPr>
+              <a:t>Steps to Deploy with Terraform </a:t>
+            </a:r>
+            <a:br>
+              <a:rPr lang="en-US" dirty="0">
+                <a:solidFill>
+                  <a:schemeClr val="tx1"/>
+                </a:solidFill>
+              </a:rPr>
+            </a:br>
+            <a:r>
+              <a:rPr lang="en-US" dirty="0">
+                <a:solidFill>
+                  <a:schemeClr val="tx1"/>
+                </a:solidFill>
+              </a:rPr>
+              <a:t>in GitHub Actions</a:t>
+            </a:r>
+          </a:p>
+        </p:txBody>
+      </p:sp>
+      <p:graphicFrame>
+        <p:nvGraphicFramePr>
+          <p:cNvPr id="3" name="Diagram 2">
+            <a:extLst>
+              <a:ext uri="{FF2B5EF4-FFF2-40B4-BE49-F238E27FC236}">
+                <a16:creationId xmlns:a16="http://schemas.microsoft.com/office/drawing/2014/main" id="{5FBB390A-F732-0EE5-47B7-80742995FCFC}"/>
+              </a:ext>
+            </a:extLst>
+          </p:cNvPr>
+          <p:cNvGraphicFramePr/>
+          <p:nvPr>
+            <p:extLst>
+              <p:ext uri="{D42A27DB-BD31-4B8C-83A1-F6EECF244321}">
+                <p14:modId xmlns:p14="http://schemas.microsoft.com/office/powerpoint/2010/main" val="263029424"/>
+              </p:ext>
+            </p:extLst>
+          </p:nvPr>
+        </p:nvGraphicFramePr>
+        <p:xfrm>
+          <a:off x="432607" y="1307448"/>
+          <a:ext cx="8269357" cy="3592727"/>
+        </p:xfrm>
+        <a:graphic>
+          <a:graphicData uri="http://schemas.openxmlformats.org/drawingml/2006/diagram">
+            <dgm:relIds xmlns:dgm="http://schemas.openxmlformats.org/drawingml/2006/diagram" xmlns:r="http://schemas.openxmlformats.org/officeDocument/2006/relationships" r:dm="rId2" r:lo="rId3" r:qs="rId4" r:cs="rId5"/>
+          </a:graphicData>
+        </a:graphic>
+      </p:graphicFrame>
+    </p:spTree>
+    <p:extLst>
+      <p:ext uri="{BB962C8B-B14F-4D97-AF65-F5344CB8AC3E}">
+        <p14:creationId xmlns:p14="http://schemas.microsoft.com/office/powerpoint/2010/main" val="3883331710"/>
+      </p:ext>
+    </p:extLst>
+  </p:cSld>
+  <p:clrMapOvr>
+    <a:masterClrMapping/>
+  </p:clrMapOvr>
+</p:sld>
+</file>
+
+<file path=ppt/slides/slide13.xml><?xml version="1.0" encoding="utf-8"?>
+<p:sld xmlns:a="http://schemas.openxmlformats.org/drawingml/2006/main" xmlns:r="http://schemas.openxmlformats.org/officeDocument/2006/relationships" xmlns:p="http://schemas.openxmlformats.org/presentationml/2006/main">
+  <p:cSld>
+    <p:spTree>
+      <p:nvGrpSpPr>
+        <p:cNvPr id="1" name=""/>
+        <p:cNvGrpSpPr/>
+        <p:nvPr/>
+      </p:nvGrpSpPr>
+      <p:grpSpPr>
+        <a:xfrm>
+          <a:off x="0" y="0"/>
+          <a:ext cx="0" cy="0"/>
+          <a:chOff x="0" y="0"/>
+          <a:chExt cx="0" cy="0"/>
+        </a:xfrm>
+      </p:grpSpPr>
+      <p:sp>
+        <p:nvSpPr>
+          <p:cNvPr id="2" name="Title 1">
+            <a:extLst>
+              <a:ext uri="{FF2B5EF4-FFF2-40B4-BE49-F238E27FC236}">
+                <a16:creationId xmlns:a16="http://schemas.microsoft.com/office/drawing/2014/main" id="{0D49852B-580D-4480-9F48-DF55BE8E5896}"/>
+              </a:ext>
+            </a:extLst>
+          </p:cNvPr>
+          <p:cNvSpPr>
+            <a:spLocks noGrp="1"/>
+          </p:cNvSpPr>
+          <p:nvPr>
+            <p:ph type="title"/>
+          </p:nvPr>
+        </p:nvSpPr>
+        <p:spPr/>
+        <p:txBody>
+          <a:bodyPr/>
+          <a:lstStyle/>
+          <a:p>
+            <a:r>
+              <a:rPr lang="en-US" dirty="0"/>
+              <a:t>Security, Compliance, and Data Governance</a:t>
+            </a:r>
+          </a:p>
+        </p:txBody>
+      </p:sp>
+      <p:sp>
+        <p:nvSpPr>
+          <p:cNvPr id="3" name="Subtitle 2">
+            <a:extLst>
+              <a:ext uri="{FF2B5EF4-FFF2-40B4-BE49-F238E27FC236}">
+                <a16:creationId xmlns:a16="http://schemas.microsoft.com/office/drawing/2014/main" id="{FF2FF18A-A858-41D9-A404-97525A3E93B6}"/>
+              </a:ext>
+            </a:extLst>
+          </p:cNvPr>
+          <p:cNvSpPr>
+            <a:spLocks noGrp="1"/>
+          </p:cNvSpPr>
+          <p:nvPr>
+            <p:ph type="subTitle" idx="1"/>
+          </p:nvPr>
+        </p:nvSpPr>
+        <p:spPr/>
+        <p:txBody>
+          <a:bodyPr/>
+          <a:lstStyle/>
+          <a:p>
+            <a:endParaRPr lang="en-US"/>
+          </a:p>
+        </p:txBody>
+      </p:sp>
+      <p:sp>
+        <p:nvSpPr>
+          <p:cNvPr id="4" name="Text Placeholder 3">
+            <a:extLst>
+              <a:ext uri="{FF2B5EF4-FFF2-40B4-BE49-F238E27FC236}">
+                <a16:creationId xmlns:a16="http://schemas.microsoft.com/office/drawing/2014/main" id="{60E02379-14AB-4D1E-9E4E-0B5882C587D0}"/>
+              </a:ext>
+            </a:extLst>
+          </p:cNvPr>
+          <p:cNvSpPr>
+            <a:spLocks noGrp="1"/>
+          </p:cNvSpPr>
+          <p:nvPr>
+            <p:ph type="body" idx="2"/>
+          </p:nvPr>
+        </p:nvSpPr>
+        <p:spPr/>
+        <p:txBody>
+          <a:bodyPr/>
+          <a:lstStyle/>
+          <a:p>
+            <a:r>
+              <a:rPr lang="en-US" dirty="0"/>
+              <a:t>Role-Based Access Controls</a:t>
+            </a:r>
+          </a:p>
+          <a:p>
+            <a:pPr lvl="1">
+              <a:spcBef>
+                <a:spcPts val="0"/>
+              </a:spcBef>
+            </a:pPr>
+            <a:r>
+              <a:rPr lang="en-US" dirty="0"/>
+              <a:t>Azure Active Directory</a:t>
+            </a:r>
+          </a:p>
+          <a:p>
+            <a:pPr lvl="1">
+              <a:spcBef>
+                <a:spcPts val="0"/>
+              </a:spcBef>
+            </a:pPr>
+            <a:r>
+              <a:rPr lang="en-US" dirty="0"/>
+              <a:t>Access Control Lists in Azure Storage</a:t>
+            </a:r>
+          </a:p>
+          <a:p>
+            <a:pPr lvl="1">
+              <a:spcBef>
+                <a:spcPts val="0"/>
+              </a:spcBef>
+            </a:pPr>
+            <a:endParaRPr lang="en-US" dirty="0"/>
+          </a:p>
+          <a:p>
+            <a:r>
+              <a:rPr lang="en-US" dirty="0"/>
+              <a:t>Compliance</a:t>
+            </a:r>
+          </a:p>
+          <a:p>
+            <a:pPr lvl="1">
+              <a:spcBef>
+                <a:spcPts val="0"/>
+              </a:spcBef>
+            </a:pPr>
+            <a:r>
+              <a:rPr lang="en-US" dirty="0"/>
+              <a:t>HIPAA, HITRUST, SOX, ISO</a:t>
+            </a:r>
+          </a:p>
+          <a:p>
+            <a:pPr lvl="1">
+              <a:spcBef>
+                <a:spcPts val="0"/>
+              </a:spcBef>
+            </a:pPr>
+            <a:r>
+              <a:rPr lang="en-US" dirty="0"/>
+              <a:t>Blueprints, etc.</a:t>
+            </a:r>
+          </a:p>
+          <a:p>
+            <a:pPr lvl="1">
+              <a:spcBef>
+                <a:spcPts val="0"/>
+              </a:spcBef>
+            </a:pPr>
+            <a:endParaRPr lang="en-US" dirty="0"/>
+          </a:p>
+          <a:p>
+            <a:r>
+              <a:rPr lang="en-US" dirty="0"/>
+              <a:t>Data Governance</a:t>
+            </a:r>
+          </a:p>
+          <a:p>
+            <a:pPr lvl="1">
+              <a:spcBef>
+                <a:spcPts val="0"/>
+              </a:spcBef>
+            </a:pPr>
+            <a:r>
+              <a:rPr lang="en-US" dirty="0"/>
+              <a:t>Azure Purview</a:t>
+            </a:r>
+          </a:p>
+        </p:txBody>
+      </p:sp>
+    </p:spTree>
+    <p:extLst>
+      <p:ext uri="{BB962C8B-B14F-4D97-AF65-F5344CB8AC3E}">
+        <p14:creationId xmlns:p14="http://schemas.microsoft.com/office/powerpoint/2010/main" val="2626124040"/>
+      </p:ext>
+    </p:extLst>
+  </p:cSld>
+  <p:clrMapOvr>
+    <a:masterClrMapping/>
+  </p:clrMapOvr>
+</p:sld>
+</file>
+
+<file path=ppt/slides/slide14.xml><?xml version="1.0" encoding="utf-8"?>
+<p:sld xmlns:a="http://schemas.openxmlformats.org/drawingml/2006/main" xmlns:r="http://schemas.openxmlformats.org/officeDocument/2006/relationships" xmlns:p="http://schemas.openxmlformats.org/presentationml/2006/main">
+  <p:cSld>
+    <p:spTree>
+      <p:nvGrpSpPr>
+        <p:cNvPr id="1" name=""/>
+        <p:cNvGrpSpPr/>
+        <p:nvPr/>
+      </p:nvGrpSpPr>
+      <p:grpSpPr>
+        <a:xfrm>
+          <a:off x="0" y="0"/>
+          <a:ext cx="0" cy="0"/>
+          <a:chOff x="0" y="0"/>
+          <a:chExt cx="0" cy="0"/>
+        </a:xfrm>
+      </p:grpSpPr>
+      <p:sp>
+        <p:nvSpPr>
+          <p:cNvPr id="2" name="Title 1">
+            <a:extLst>
+              <a:ext uri="{FF2B5EF4-FFF2-40B4-BE49-F238E27FC236}">
                 <a16:creationId xmlns:a16="http://schemas.microsoft.com/office/drawing/2014/main" id="{9DA01869-22F8-4A00-8F8A-70CD0512CC83}"/>
               </a:ext>
             </a:extLst>
@@ -16240,7 +16903,7 @@
 </p:sld>
 </file>
 
-<file path=ppt/slides/slide11.xml><?xml version="1.0" encoding="utf-8"?>
+<file path=ppt/slides/slide15.xml><?xml version="1.0" encoding="utf-8"?>
 <p:sld xmlns:a="http://schemas.openxmlformats.org/drawingml/2006/main" xmlns:r="http://schemas.openxmlformats.org/officeDocument/2006/relationships" xmlns:p="http://schemas.openxmlformats.org/presentationml/2006/main">
   <p:cSld>
     <p:spTree>
@@ -16556,7 +17219,7 @@
 </p:sld>
 </file>
 
-<file path=ppt/slides/slide12.xml><?xml version="1.0" encoding="utf-8"?>
+<file path=ppt/slides/slide16.xml><?xml version="1.0" encoding="utf-8"?>
 <p:sld xmlns:a="http://schemas.openxmlformats.org/drawingml/2006/main" xmlns:r="http://schemas.openxmlformats.org/officeDocument/2006/relationships" xmlns:p="http://schemas.openxmlformats.org/presentationml/2006/main">
   <p:cSld>
     <p:spTree>
@@ -16728,7 +17391,7 @@
 </p:sld>
 </file>
 
-<file path=ppt/slides/slide13.xml><?xml version="1.0" encoding="utf-8"?>
+<file path=ppt/slides/slide17.xml><?xml version="1.0" encoding="utf-8"?>
 <p:sld xmlns:a="http://schemas.openxmlformats.org/drawingml/2006/main" xmlns:r="http://schemas.openxmlformats.org/officeDocument/2006/relationships" xmlns:p="http://schemas.openxmlformats.org/presentationml/2006/main">
   <p:cSld>
     <p:spTree>
@@ -18646,7 +19309,7 @@
 </p:sld>
 </file>
 
-<file path=ppt/slides/slide14.xml><?xml version="1.0" encoding="utf-8"?>
+<file path=ppt/slides/slide18.xml><?xml version="1.0" encoding="utf-8"?>
 <p:sld xmlns:a="http://schemas.openxmlformats.org/drawingml/2006/main" xmlns:r="http://schemas.openxmlformats.org/officeDocument/2006/relationships" xmlns:p="http://schemas.openxmlformats.org/presentationml/2006/main">
   <p:cSld>
     <p:spTree>
@@ -18910,7 +19573,7 @@
 </p:sld>
 </file>
 
-<file path=ppt/slides/slide15.xml><?xml version="1.0" encoding="utf-8"?>
+<file path=ppt/slides/slide19.xml><?xml version="1.0" encoding="utf-8"?>
 <p:sld xmlns:a="http://schemas.openxmlformats.org/drawingml/2006/main" xmlns:r="http://schemas.openxmlformats.org/officeDocument/2006/relationships" xmlns:p="http://schemas.openxmlformats.org/presentationml/2006/main">
   <p:cSld>
     <p:spTree>
@@ -19050,7 +19713,162 @@
 </p:sld>
 </file>
 
-<file path=ppt/slides/slide16.xml><?xml version="1.0" encoding="utf-8"?>
+<file path=ppt/slides/slide2.xml><?xml version="1.0" encoding="utf-8"?>
+<p:sld xmlns:a="http://schemas.openxmlformats.org/drawingml/2006/main" xmlns:r="http://schemas.openxmlformats.org/officeDocument/2006/relationships" xmlns:p="http://schemas.openxmlformats.org/presentationml/2006/main">
+  <p:cSld>
+    <p:spTree>
+      <p:nvGrpSpPr>
+        <p:cNvPr id="1" name=""/>
+        <p:cNvGrpSpPr/>
+        <p:nvPr/>
+      </p:nvGrpSpPr>
+      <p:grpSpPr>
+        <a:xfrm>
+          <a:off x="0" y="0"/>
+          <a:ext cx="0" cy="0"/>
+          <a:chOff x="0" y="0"/>
+          <a:chExt cx="0" cy="0"/>
+        </a:xfrm>
+      </p:grpSpPr>
+      <p:sp>
+        <p:nvSpPr>
+          <p:cNvPr id="2" name="Title 1">
+            <a:extLst>
+              <a:ext uri="{FF2B5EF4-FFF2-40B4-BE49-F238E27FC236}">
+                <a16:creationId xmlns:a16="http://schemas.microsoft.com/office/drawing/2014/main" id="{377868FE-C586-4BBF-8FC4-3FB444BD0DD3}"/>
+              </a:ext>
+            </a:extLst>
+          </p:cNvPr>
+          <p:cNvSpPr>
+            <a:spLocks noGrp="1"/>
+          </p:cNvSpPr>
+          <p:nvPr>
+            <p:ph type="title"/>
+          </p:nvPr>
+        </p:nvSpPr>
+        <p:spPr/>
+        <p:txBody>
+          <a:bodyPr/>
+          <a:lstStyle/>
+          <a:p>
+            <a:r>
+              <a:rPr lang="en-US" dirty="0"/>
+              <a:t>Deploying Azure Resources</a:t>
+            </a:r>
+          </a:p>
+        </p:txBody>
+      </p:sp>
+      <p:sp>
+        <p:nvSpPr>
+          <p:cNvPr id="3" name="Subtitle 2">
+            <a:extLst>
+              <a:ext uri="{FF2B5EF4-FFF2-40B4-BE49-F238E27FC236}">
+                <a16:creationId xmlns:a16="http://schemas.microsoft.com/office/drawing/2014/main" id="{6226D9F0-C8A6-4321-8F4C-6823AB798054}"/>
+              </a:ext>
+            </a:extLst>
+          </p:cNvPr>
+          <p:cNvSpPr>
+            <a:spLocks noGrp="1"/>
+          </p:cNvSpPr>
+          <p:nvPr>
+            <p:ph type="subTitle" idx="1"/>
+          </p:nvPr>
+        </p:nvSpPr>
+        <p:spPr/>
+        <p:txBody>
+          <a:bodyPr/>
+          <a:lstStyle/>
+          <a:p>
+            <a:endParaRPr lang="en-US"/>
+          </a:p>
+        </p:txBody>
+      </p:sp>
+      <p:sp>
+        <p:nvSpPr>
+          <p:cNvPr id="4" name="Text Placeholder 3">
+            <a:extLst>
+              <a:ext uri="{FF2B5EF4-FFF2-40B4-BE49-F238E27FC236}">
+                <a16:creationId xmlns:a16="http://schemas.microsoft.com/office/drawing/2014/main" id="{943823B2-C9D2-4B65-AF6E-6BE38C51F14D}"/>
+              </a:ext>
+            </a:extLst>
+          </p:cNvPr>
+          <p:cNvSpPr>
+            <a:spLocks noGrp="1"/>
+          </p:cNvSpPr>
+          <p:nvPr>
+            <p:ph type="body" idx="2"/>
+          </p:nvPr>
+        </p:nvSpPr>
+        <p:spPr/>
+        <p:txBody>
+          <a:bodyPr/>
+          <a:lstStyle/>
+          <a:p>
+            <a:endParaRPr lang="en-US" dirty="0"/>
+          </a:p>
+          <a:p>
+            <a:r>
+              <a:rPr lang="en-US" dirty="0"/>
+              <a:t>Basics of Networking</a:t>
+            </a:r>
+          </a:p>
+          <a:p>
+            <a:pPr marL="114300" indent="0">
+              <a:buNone/>
+            </a:pPr>
+            <a:endParaRPr lang="en-US" dirty="0"/>
+          </a:p>
+          <a:p>
+            <a:r>
+              <a:rPr lang="en-US" dirty="0"/>
+              <a:t>Infrastructure as Code</a:t>
+            </a:r>
+          </a:p>
+          <a:p>
+            <a:pPr lvl="1"/>
+            <a:r>
+              <a:rPr lang="en-US" dirty="0"/>
+              <a:t>ARMs and Biceps</a:t>
+            </a:r>
+          </a:p>
+          <a:p>
+            <a:pPr lvl="1"/>
+            <a:r>
+              <a:rPr lang="en-US" dirty="0"/>
+              <a:t>Terraform</a:t>
+            </a:r>
+          </a:p>
+          <a:p>
+            <a:endParaRPr lang="en-US" dirty="0"/>
+          </a:p>
+          <a:p>
+            <a:r>
+              <a:rPr lang="en-US" dirty="0"/>
+              <a:t>GitHub Actions / DevOps Build Pipelines</a:t>
+            </a:r>
+          </a:p>
+          <a:p>
+            <a:pPr marL="596900" lvl="1" indent="0">
+              <a:buNone/>
+            </a:pPr>
+            <a:endParaRPr lang="en-US" dirty="0"/>
+          </a:p>
+        </p:txBody>
+      </p:sp>
+    </p:spTree>
+    <p:extLst>
+      <p:ext uri="{BB962C8B-B14F-4D97-AF65-F5344CB8AC3E}">
+        <p14:creationId xmlns:p14="http://schemas.microsoft.com/office/powerpoint/2010/main" val="4011224339"/>
+      </p:ext>
+    </p:extLst>
+  </p:cSld>
+  <p:clrMapOvr>
+    <a:masterClrMapping/>
+  </p:clrMapOvr>
+</p:sld>
+</file>
+
+<file path=ppt/slides/slide20.xml><?xml version="1.0" encoding="utf-8"?>
 <p:sld xmlns:a="http://schemas.openxmlformats.org/drawingml/2006/main" xmlns:r="http://schemas.openxmlformats.org/officeDocument/2006/relationships" xmlns:p="http://schemas.openxmlformats.org/presentationml/2006/main">
   <p:cSld>
     <p:spTree>
@@ -19271,7 +20089,7 @@
 </p:sld>
 </file>
 
-<file path=ppt/slides/slide17.xml><?xml version="1.0" encoding="utf-8"?>
+<file path=ppt/slides/slide21.xml><?xml version="1.0" encoding="utf-8"?>
 <p:sld xmlns:a="http://schemas.openxmlformats.org/drawingml/2006/main" xmlns:r="http://schemas.openxmlformats.org/officeDocument/2006/relationships" xmlns:p="http://schemas.openxmlformats.org/presentationml/2006/main">
   <p:cSld>
     <p:spTree>
@@ -19476,7 +20294,7 @@
 </p:sld>
 </file>
 
-<file path=ppt/slides/slide18.xml><?xml version="1.0" encoding="utf-8"?>
+<file path=ppt/slides/slide22.xml><?xml version="1.0" encoding="utf-8"?>
 <p:sld xmlns:a="http://schemas.openxmlformats.org/drawingml/2006/main" xmlns:r="http://schemas.openxmlformats.org/officeDocument/2006/relationships" xmlns:p="http://schemas.openxmlformats.org/presentationml/2006/main">
   <p:cSld>
     <p:spTree>
@@ -19538,7 +20356,7 @@
 </p:sld>
 </file>
 
-<file path=ppt/slides/slide19.xml><?xml version="1.0" encoding="utf-8"?>
+<file path=ppt/slides/slide23.xml><?xml version="1.0" encoding="utf-8"?>
 <p:sld xmlns:a="http://schemas.openxmlformats.org/drawingml/2006/main" xmlns:r="http://schemas.openxmlformats.org/officeDocument/2006/relationships" xmlns:p="http://schemas.openxmlformats.org/presentationml/2006/main">
   <p:cSld>
     <p:spTree>
@@ -19725,150 +20543,7 @@
 </p:sld>
 </file>
 
-<file path=ppt/slides/slide2.xml><?xml version="1.0" encoding="utf-8"?>
-<p:sld xmlns:a="http://schemas.openxmlformats.org/drawingml/2006/main" xmlns:r="http://schemas.openxmlformats.org/officeDocument/2006/relationships" xmlns:p="http://schemas.openxmlformats.org/presentationml/2006/main">
-  <p:cSld>
-    <p:spTree>
-      <p:nvGrpSpPr>
-        <p:cNvPr id="1" name=""/>
-        <p:cNvGrpSpPr/>
-        <p:nvPr/>
-      </p:nvGrpSpPr>
-      <p:grpSpPr>
-        <a:xfrm>
-          <a:off x="0" y="0"/>
-          <a:ext cx="0" cy="0"/>
-          <a:chOff x="0" y="0"/>
-          <a:chExt cx="0" cy="0"/>
-        </a:xfrm>
-      </p:grpSpPr>
-      <p:sp>
-        <p:nvSpPr>
-          <p:cNvPr id="2" name="Title 1">
-            <a:extLst>
-              <a:ext uri="{FF2B5EF4-FFF2-40B4-BE49-F238E27FC236}">
-                <a16:creationId xmlns:a16="http://schemas.microsoft.com/office/drawing/2014/main" id="{377868FE-C586-4BBF-8FC4-3FB444BD0DD3}"/>
-              </a:ext>
-            </a:extLst>
-          </p:cNvPr>
-          <p:cNvSpPr>
-            <a:spLocks noGrp="1"/>
-          </p:cNvSpPr>
-          <p:nvPr>
-            <p:ph type="title"/>
-          </p:nvPr>
-        </p:nvSpPr>
-        <p:spPr/>
-        <p:txBody>
-          <a:bodyPr/>
-          <a:lstStyle/>
-          <a:p>
-            <a:r>
-              <a:rPr lang="en-US" dirty="0"/>
-              <a:t>Deploying Azure Resources</a:t>
-            </a:r>
-          </a:p>
-        </p:txBody>
-      </p:sp>
-      <p:sp>
-        <p:nvSpPr>
-          <p:cNvPr id="3" name="Subtitle 2">
-            <a:extLst>
-              <a:ext uri="{FF2B5EF4-FFF2-40B4-BE49-F238E27FC236}">
-                <a16:creationId xmlns:a16="http://schemas.microsoft.com/office/drawing/2014/main" id="{6226D9F0-C8A6-4321-8F4C-6823AB798054}"/>
-              </a:ext>
-            </a:extLst>
-          </p:cNvPr>
-          <p:cNvSpPr>
-            <a:spLocks noGrp="1"/>
-          </p:cNvSpPr>
-          <p:nvPr>
-            <p:ph type="subTitle" idx="1"/>
-          </p:nvPr>
-        </p:nvSpPr>
-        <p:spPr/>
-        <p:txBody>
-          <a:bodyPr/>
-          <a:lstStyle/>
-          <a:p>
-            <a:endParaRPr lang="en-US"/>
-          </a:p>
-        </p:txBody>
-      </p:sp>
-      <p:sp>
-        <p:nvSpPr>
-          <p:cNvPr id="4" name="Text Placeholder 3">
-            <a:extLst>
-              <a:ext uri="{FF2B5EF4-FFF2-40B4-BE49-F238E27FC236}">
-                <a16:creationId xmlns:a16="http://schemas.microsoft.com/office/drawing/2014/main" id="{943823B2-C9D2-4B65-AF6E-6BE38C51F14D}"/>
-              </a:ext>
-            </a:extLst>
-          </p:cNvPr>
-          <p:cNvSpPr>
-            <a:spLocks noGrp="1"/>
-          </p:cNvSpPr>
-          <p:nvPr>
-            <p:ph type="body" idx="2"/>
-          </p:nvPr>
-        </p:nvSpPr>
-        <p:spPr/>
-        <p:txBody>
-          <a:bodyPr/>
-          <a:lstStyle/>
-          <a:p>
-            <a:endParaRPr lang="en-US" dirty="0"/>
-          </a:p>
-          <a:p>
-            <a:r>
-              <a:rPr lang="en-US" dirty="0"/>
-              <a:t>Infrastructure as Code</a:t>
-            </a:r>
-          </a:p>
-          <a:p>
-            <a:pPr lvl="1"/>
-            <a:r>
-              <a:rPr lang="en-US" dirty="0"/>
-              <a:t>ARMs and Biceps</a:t>
-            </a:r>
-          </a:p>
-          <a:p>
-            <a:pPr lvl="1"/>
-            <a:r>
-              <a:rPr lang="en-US" dirty="0"/>
-              <a:t>Terraform</a:t>
-            </a:r>
-          </a:p>
-          <a:p>
-            <a:endParaRPr lang="en-US" dirty="0"/>
-          </a:p>
-          <a:p>
-            <a:r>
-              <a:rPr lang="en-US" dirty="0"/>
-              <a:t>GitHub Actions / DevOps Build Pipelines</a:t>
-            </a:r>
-          </a:p>
-          <a:p>
-            <a:pPr marL="596900" lvl="1" indent="0">
-              <a:buNone/>
-            </a:pPr>
-            <a:endParaRPr lang="en-US" dirty="0"/>
-          </a:p>
-        </p:txBody>
-      </p:sp>
-    </p:spTree>
-    <p:extLst>
-      <p:ext uri="{BB962C8B-B14F-4D97-AF65-F5344CB8AC3E}">
-        <p14:creationId xmlns:p14="http://schemas.microsoft.com/office/powerpoint/2010/main" val="4011224339"/>
-      </p:ext>
-    </p:extLst>
-  </p:cSld>
-  <p:clrMapOvr>
-    <a:masterClrMapping/>
-  </p:clrMapOvr>
-</p:sld>
-</file>
-
-<file path=ppt/slides/slide20.xml><?xml version="1.0" encoding="utf-8"?>
+<file path=ppt/slides/slide24.xml><?xml version="1.0" encoding="utf-8"?>
 <p:sld xmlns:a="http://schemas.openxmlformats.org/drawingml/2006/main" xmlns:r="http://schemas.openxmlformats.org/officeDocument/2006/relationships" xmlns:p="http://schemas.openxmlformats.org/presentationml/2006/main">
   <p:cSld>
     <p:spTree>
@@ -19950,6 +20625,628 @@
           <p:cNvPr id="2" name="Title 1">
             <a:extLst>
               <a:ext uri="{FF2B5EF4-FFF2-40B4-BE49-F238E27FC236}">
+                <a16:creationId xmlns:a16="http://schemas.microsoft.com/office/drawing/2014/main" id="{25AAD2B3-71F5-4666-4072-E7D0320959F7}"/>
+              </a:ext>
+            </a:extLst>
+          </p:cNvPr>
+          <p:cNvSpPr>
+            <a:spLocks noGrp="1"/>
+          </p:cNvSpPr>
+          <p:nvPr>
+            <p:ph type="title"/>
+          </p:nvPr>
+        </p:nvSpPr>
+        <p:spPr/>
+        <p:txBody>
+          <a:bodyPr/>
+          <a:lstStyle/>
+          <a:p>
+            <a:r>
+              <a:rPr lang="en-US" dirty="0">
+                <a:solidFill>
+                  <a:schemeClr val="tx1"/>
+                </a:solidFill>
+              </a:rPr>
+              <a:t>Networking</a:t>
+            </a:r>
+          </a:p>
+        </p:txBody>
+      </p:sp>
+    </p:spTree>
+    <p:extLst>
+      <p:ext uri="{BB962C8B-B14F-4D97-AF65-F5344CB8AC3E}">
+        <p14:creationId xmlns:p14="http://schemas.microsoft.com/office/powerpoint/2010/main" val="2199263162"/>
+      </p:ext>
+    </p:extLst>
+  </p:cSld>
+  <p:clrMapOvr>
+    <a:masterClrMapping/>
+  </p:clrMapOvr>
+</p:sld>
+</file>
+
+<file path=ppt/slides/slide4.xml><?xml version="1.0" encoding="utf-8"?>
+<p:sld xmlns:a="http://schemas.openxmlformats.org/drawingml/2006/main" xmlns:r="http://schemas.openxmlformats.org/officeDocument/2006/relationships" xmlns:p="http://schemas.openxmlformats.org/presentationml/2006/main">
+  <p:cSld>
+    <p:spTree>
+      <p:nvGrpSpPr>
+        <p:cNvPr id="1" name=""/>
+        <p:cNvGrpSpPr/>
+        <p:nvPr/>
+      </p:nvGrpSpPr>
+      <p:grpSpPr>
+        <a:xfrm>
+          <a:off x="0" y="0"/>
+          <a:ext cx="0" cy="0"/>
+          <a:chOff x="0" y="0"/>
+          <a:chExt cx="0" cy="0"/>
+        </a:xfrm>
+      </p:grpSpPr>
+      <p:pic>
+        <p:nvPicPr>
+          <p:cNvPr id="6" name="Picture 5" descr="A diagram of a virtual network&#10;&#10;Description automatically generated">
+            <a:extLst>
+              <a:ext uri="{FF2B5EF4-FFF2-40B4-BE49-F238E27FC236}">
+                <a16:creationId xmlns:a16="http://schemas.microsoft.com/office/drawing/2014/main" id="{85ECACF5-3C66-F277-EBAE-FB759C34B5B0}"/>
+              </a:ext>
+            </a:extLst>
+          </p:cNvPr>
+          <p:cNvPicPr>
+            <a:picLocks noChangeAspect="1"/>
+          </p:cNvPicPr>
+          <p:nvPr/>
+        </p:nvPicPr>
+        <p:blipFill>
+          <a:blip r:embed="rId2">
+            <a:clrChange>
+              <a:clrFrom>
+                <a:srgbClr val="FBFDFC"/>
+              </a:clrFrom>
+              <a:clrTo>
+                <a:srgbClr val="FBFDFC">
+                  <a:alpha val="0"/>
+                </a:srgbClr>
+              </a:clrTo>
+            </a:clrChange>
+          </a:blip>
+          <a:stretch>
+            <a:fillRect/>
+          </a:stretch>
+        </p:blipFill>
+        <p:spPr>
+          <a:xfrm>
+            <a:off x="4944981" y="442838"/>
+            <a:ext cx="3552063" cy="1998036"/>
+          </a:xfrm>
+          <a:prstGeom prst="rect">
+            <a:avLst/>
+          </a:prstGeom>
+        </p:spPr>
+      </p:pic>
+      <p:sp>
+        <p:nvSpPr>
+          <p:cNvPr id="2" name="Title 1">
+            <a:extLst>
+              <a:ext uri="{FF2B5EF4-FFF2-40B4-BE49-F238E27FC236}">
+                <a16:creationId xmlns:a16="http://schemas.microsoft.com/office/drawing/2014/main" id="{9A937896-9B33-4496-7F4A-751C5A7AE39B}"/>
+              </a:ext>
+            </a:extLst>
+          </p:cNvPr>
+          <p:cNvSpPr>
+            <a:spLocks noGrp="1"/>
+          </p:cNvSpPr>
+          <p:nvPr>
+            <p:ph type="title"/>
+          </p:nvPr>
+        </p:nvSpPr>
+        <p:spPr>
+          <a:xfrm>
+            <a:off x="532564" y="488756"/>
+            <a:ext cx="4747846" cy="635400"/>
+          </a:xfrm>
+        </p:spPr>
+        <p:txBody>
+          <a:bodyPr/>
+          <a:lstStyle/>
+          <a:p>
+            <a:r>
+              <a:rPr lang="en-US" dirty="0"/>
+              <a:t>Virtual Networks and Subnets</a:t>
+            </a:r>
+          </a:p>
+        </p:txBody>
+      </p:sp>
+      <p:sp>
+        <p:nvSpPr>
+          <p:cNvPr id="3" name="Text Placeholder 2">
+            <a:extLst>
+              <a:ext uri="{FF2B5EF4-FFF2-40B4-BE49-F238E27FC236}">
+                <a16:creationId xmlns:a16="http://schemas.microsoft.com/office/drawing/2014/main" id="{CA275249-C555-C5C1-D5B2-685E69FC9192}"/>
+              </a:ext>
+            </a:extLst>
+          </p:cNvPr>
+          <p:cNvSpPr>
+            <a:spLocks noGrp="1"/>
+          </p:cNvSpPr>
+          <p:nvPr>
+            <p:ph type="body" idx="1"/>
+          </p:nvPr>
+        </p:nvSpPr>
+        <p:spPr>
+          <a:xfrm>
+            <a:off x="325318" y="1436914"/>
+            <a:ext cx="3071400" cy="3213379"/>
+          </a:xfrm>
+        </p:spPr>
+        <p:txBody>
+          <a:bodyPr/>
+          <a:lstStyle/>
+          <a:p>
+            <a:pPr>
+              <a:lnSpc>
+                <a:spcPct val="100000"/>
+              </a:lnSpc>
+              <a:spcBef>
+                <a:spcPts val="600"/>
+              </a:spcBef>
+            </a:pPr>
+            <a:r>
+              <a:rPr lang="en-US" dirty="0"/>
+              <a:t>Virtual networks, like real networks, control the communication between cloud services, the internet, and on-prem resources</a:t>
+            </a:r>
+          </a:p>
+          <a:p>
+            <a:pPr>
+              <a:lnSpc>
+                <a:spcPct val="100000"/>
+              </a:lnSpc>
+              <a:spcBef>
+                <a:spcPts val="600"/>
+              </a:spcBef>
+            </a:pPr>
+            <a:r>
+              <a:rPr lang="en-US" dirty="0"/>
+              <a:t>Other features:</a:t>
+            </a:r>
+          </a:p>
+          <a:p>
+            <a:pPr lvl="1">
+              <a:lnSpc>
+                <a:spcPct val="100000"/>
+              </a:lnSpc>
+              <a:spcBef>
+                <a:spcPts val="600"/>
+              </a:spcBef>
+            </a:pPr>
+            <a:r>
+              <a:rPr lang="en-US" dirty="0"/>
+              <a:t>Control and filter internet vs. internal routing</a:t>
+            </a:r>
+          </a:p>
+          <a:p>
+            <a:pPr lvl="1">
+              <a:lnSpc>
+                <a:spcPct val="100000"/>
+              </a:lnSpc>
+              <a:spcBef>
+                <a:spcPts val="600"/>
+              </a:spcBef>
+            </a:pPr>
+            <a:r>
+              <a:rPr lang="en-US" dirty="0"/>
+              <a:t>DDoS protection</a:t>
+            </a:r>
+          </a:p>
+          <a:p>
+            <a:pPr lvl="1">
+              <a:lnSpc>
+                <a:spcPct val="100000"/>
+              </a:lnSpc>
+              <a:spcBef>
+                <a:spcPts val="600"/>
+              </a:spcBef>
+            </a:pPr>
+            <a:r>
+              <a:rPr lang="en-US" dirty="0"/>
+              <a:t>Network Peering</a:t>
+            </a:r>
+          </a:p>
+          <a:p>
+            <a:pPr>
+              <a:lnSpc>
+                <a:spcPct val="100000"/>
+              </a:lnSpc>
+              <a:spcBef>
+                <a:spcPts val="600"/>
+              </a:spcBef>
+            </a:pPr>
+            <a:r>
+              <a:rPr lang="en-US" dirty="0"/>
+              <a:t>Subnets relate to a specific service, giving an address space to each (CIDR block)</a:t>
+            </a:r>
+          </a:p>
+          <a:p>
+            <a:pPr>
+              <a:lnSpc>
+                <a:spcPct val="100000"/>
+              </a:lnSpc>
+              <a:spcBef>
+                <a:spcPts val="600"/>
+              </a:spcBef>
+            </a:pPr>
+            <a:endParaRPr lang="en-US" dirty="0"/>
+          </a:p>
+        </p:txBody>
+      </p:sp>
+      <p:pic>
+        <p:nvPicPr>
+          <p:cNvPr id="8" name="Picture 7">
+            <a:extLst>
+              <a:ext uri="{FF2B5EF4-FFF2-40B4-BE49-F238E27FC236}">
+                <a16:creationId xmlns:a16="http://schemas.microsoft.com/office/drawing/2014/main" id="{23BD1499-701B-0689-95B4-3C6212006AD5}"/>
+              </a:ext>
+            </a:extLst>
+          </p:cNvPr>
+          <p:cNvPicPr>
+            <a:picLocks noChangeAspect="1"/>
+          </p:cNvPicPr>
+          <p:nvPr/>
+        </p:nvPicPr>
+        <p:blipFill>
+          <a:blip r:embed="rId3"/>
+          <a:stretch>
+            <a:fillRect/>
+          </a:stretch>
+        </p:blipFill>
+        <p:spPr>
+          <a:xfrm>
+            <a:off x="3583803" y="2440874"/>
+            <a:ext cx="5221088" cy="2702626"/>
+          </a:xfrm>
+          <a:prstGeom prst="rect">
+            <a:avLst/>
+          </a:prstGeom>
+          <a:ln>
+            <a:solidFill>
+              <a:schemeClr val="tx1"/>
+            </a:solidFill>
+          </a:ln>
+        </p:spPr>
+      </p:pic>
+      <p:sp>
+        <p:nvSpPr>
+          <p:cNvPr id="9" name="TextBox 8">
+            <a:extLst>
+              <a:ext uri="{FF2B5EF4-FFF2-40B4-BE49-F238E27FC236}">
+                <a16:creationId xmlns:a16="http://schemas.microsoft.com/office/drawing/2014/main" id="{A29A0763-FCAF-BC93-D88F-945CA145C1C8}"/>
+              </a:ext>
+            </a:extLst>
+          </p:cNvPr>
+          <p:cNvSpPr txBox="1"/>
+          <p:nvPr/>
+        </p:nvSpPr>
+        <p:spPr>
+          <a:xfrm>
+            <a:off x="3689282" y="1917654"/>
+            <a:ext cx="2511397" cy="523220"/>
+          </a:xfrm>
+          <a:prstGeom prst="rect">
+            <a:avLst/>
+          </a:prstGeom>
+          <a:noFill/>
+        </p:spPr>
+        <p:txBody>
+          <a:bodyPr wrap="square" rtlCol="0">
+            <a:spAutoFit/>
+          </a:bodyPr>
+          <a:lstStyle/>
+          <a:p>
+            <a:r>
+              <a:rPr lang="en-US" dirty="0">
+                <a:solidFill>
+                  <a:schemeClr val="tx1"/>
+                </a:solidFill>
+              </a:rPr>
+              <a:t>Example: the subnet of our class Kubernetes service:</a:t>
+            </a:r>
+          </a:p>
+        </p:txBody>
+      </p:sp>
+    </p:spTree>
+    <p:extLst>
+      <p:ext uri="{BB962C8B-B14F-4D97-AF65-F5344CB8AC3E}">
+        <p14:creationId xmlns:p14="http://schemas.microsoft.com/office/powerpoint/2010/main" val="262615607"/>
+      </p:ext>
+    </p:extLst>
+  </p:cSld>
+  <p:clrMapOvr>
+    <a:masterClrMapping/>
+  </p:clrMapOvr>
+</p:sld>
+</file>
+
+<file path=ppt/slides/slide5.xml><?xml version="1.0" encoding="utf-8"?>
+<p:sld xmlns:a="http://schemas.openxmlformats.org/drawingml/2006/main" xmlns:r="http://schemas.openxmlformats.org/officeDocument/2006/relationships" xmlns:p="http://schemas.openxmlformats.org/presentationml/2006/main">
+  <p:cSld>
+    <p:spTree>
+      <p:nvGrpSpPr>
+        <p:cNvPr id="1" name=""/>
+        <p:cNvGrpSpPr/>
+        <p:nvPr/>
+      </p:nvGrpSpPr>
+      <p:grpSpPr>
+        <a:xfrm>
+          <a:off x="0" y="0"/>
+          <a:ext cx="0" cy="0"/>
+          <a:chOff x="0" y="0"/>
+          <a:chExt cx="0" cy="0"/>
+        </a:xfrm>
+      </p:grpSpPr>
+      <p:pic>
+        <p:nvPicPr>
+          <p:cNvPr id="1026" name="Picture 2" descr="Diagram showing Firewall Basic.">
+            <a:extLst>
+              <a:ext uri="{FF2B5EF4-FFF2-40B4-BE49-F238E27FC236}">
+                <a16:creationId xmlns:a16="http://schemas.microsoft.com/office/drawing/2014/main" id="{5CC909A8-DA52-EF64-EF05-85210F55251D}"/>
+              </a:ext>
+            </a:extLst>
+          </p:cNvPr>
+          <p:cNvPicPr>
+            <a:picLocks noChangeAspect="1" noChangeArrowheads="1"/>
+          </p:cNvPicPr>
+          <p:nvPr/>
+        </p:nvPicPr>
+        <p:blipFill>
+          <a:blip r:embed="rId2">
+            <a:extLst>
+              <a:ext uri="{28A0092B-C50C-407E-A947-70E740481C1C}">
+                <a14:useLocalDpi xmlns:a14="http://schemas.microsoft.com/office/drawing/2010/main" val="0"/>
+              </a:ext>
+            </a:extLst>
+          </a:blip>
+          <a:srcRect/>
+          <a:stretch>
+            <a:fillRect/>
+          </a:stretch>
+        </p:blipFill>
+        <p:spPr bwMode="auto">
+          <a:xfrm>
+            <a:off x="281354" y="1326381"/>
+            <a:ext cx="4065560" cy="3170256"/>
+          </a:xfrm>
+          <a:prstGeom prst="rect">
+            <a:avLst/>
+          </a:prstGeom>
+          <a:noFill/>
+          <a:ln>
+            <a:solidFill>
+              <a:schemeClr val="tx1"/>
+            </a:solidFill>
+          </a:ln>
+          <a:extLst>
+            <a:ext uri="{909E8E84-426E-40DD-AFC4-6F175D3DCCD1}">
+              <a14:hiddenFill xmlns:a14="http://schemas.microsoft.com/office/drawing/2010/main">
+                <a:solidFill>
+                  <a:srgbClr val="FFFFFF"/>
+                </a:solidFill>
+              </a14:hiddenFill>
+            </a:ext>
+          </a:extLst>
+        </p:spPr>
+      </p:pic>
+      <p:sp>
+        <p:nvSpPr>
+          <p:cNvPr id="2" name="Title 1">
+            <a:extLst>
+              <a:ext uri="{FF2B5EF4-FFF2-40B4-BE49-F238E27FC236}">
+                <a16:creationId xmlns:a16="http://schemas.microsoft.com/office/drawing/2014/main" id="{41B07B64-A2D3-A454-724F-60E32181EF0E}"/>
+              </a:ext>
+            </a:extLst>
+          </p:cNvPr>
+          <p:cNvSpPr>
+            <a:spLocks noGrp="1"/>
+          </p:cNvSpPr>
+          <p:nvPr>
+            <p:ph type="title"/>
+          </p:nvPr>
+        </p:nvSpPr>
+        <p:spPr/>
+        <p:txBody>
+          <a:bodyPr/>
+          <a:lstStyle/>
+          <a:p>
+            <a:r>
+              <a:rPr lang="en-US" dirty="0"/>
+              <a:t>Firewalls and Private Endpoints</a:t>
+            </a:r>
+          </a:p>
+        </p:txBody>
+      </p:sp>
+      <p:sp>
+        <p:nvSpPr>
+          <p:cNvPr id="3" name="Text Placeholder 2">
+            <a:extLst>
+              <a:ext uri="{FF2B5EF4-FFF2-40B4-BE49-F238E27FC236}">
+                <a16:creationId xmlns:a16="http://schemas.microsoft.com/office/drawing/2014/main" id="{3245BA21-B675-4236-49A0-D35F732C08C1}"/>
+              </a:ext>
+            </a:extLst>
+          </p:cNvPr>
+          <p:cNvSpPr>
+            <a:spLocks noGrp="1"/>
+          </p:cNvSpPr>
+          <p:nvPr>
+            <p:ph type="body" idx="1"/>
+          </p:nvPr>
+        </p:nvSpPr>
+        <p:spPr>
+          <a:xfrm>
+            <a:off x="4396154" y="1211350"/>
+            <a:ext cx="4325696" cy="3002400"/>
+          </a:xfrm>
+        </p:spPr>
+        <p:txBody>
+          <a:bodyPr/>
+          <a:lstStyle/>
+          <a:p>
+            <a:pPr marL="139700" indent="0">
+              <a:buNone/>
+            </a:pPr>
+            <a:r>
+              <a:rPr lang="en-US" b="1" dirty="0"/>
+              <a:t>Firewalls:</a:t>
+            </a:r>
+          </a:p>
+          <a:p>
+            <a:r>
+              <a:rPr lang="en-US" dirty="0"/>
+              <a:t>Firewalls all you to communicate with multiple networks (including virtual networks) and control access (certain IPs, ports, etc.)</a:t>
+            </a:r>
+          </a:p>
+          <a:p>
+            <a:r>
+              <a:rPr lang="en-US" dirty="0"/>
+              <a:t>Also, it provides some enhanced threat detection, and traffic filtering, etc.</a:t>
+            </a:r>
+          </a:p>
+          <a:p>
+            <a:pPr marL="139700" indent="0">
+              <a:buNone/>
+            </a:pPr>
+            <a:endParaRPr lang="en-US" dirty="0"/>
+          </a:p>
+          <a:p>
+            <a:pPr marL="139700" indent="0">
+              <a:buNone/>
+            </a:pPr>
+            <a:r>
+              <a:rPr lang="en-US" b="1" dirty="0"/>
+              <a:t>Private Endpoints:</a:t>
+            </a:r>
+          </a:p>
+          <a:p>
+            <a:r>
+              <a:rPr lang="en-US" dirty="0"/>
+              <a:t>Normally, Azure services have a public endpoint (a public URL where you can access the service from the open internet). For security reasons, you can make an endpoint for certain services as part of your </a:t>
+            </a:r>
+            <a:r>
+              <a:rPr lang="en-US" dirty="0" err="1"/>
+              <a:t>vnet</a:t>
+            </a:r>
+            <a:r>
+              <a:rPr lang="en-US" dirty="0"/>
+              <a:t>.</a:t>
+            </a:r>
+          </a:p>
+          <a:p>
+            <a:pPr marL="139700" indent="0">
+              <a:buNone/>
+            </a:pPr>
+            <a:endParaRPr lang="en-US" dirty="0"/>
+          </a:p>
+        </p:txBody>
+      </p:sp>
+    </p:spTree>
+    <p:extLst>
+      <p:ext uri="{BB962C8B-B14F-4D97-AF65-F5344CB8AC3E}">
+        <p14:creationId xmlns:p14="http://schemas.microsoft.com/office/powerpoint/2010/main" val="1039548611"/>
+      </p:ext>
+    </p:extLst>
+  </p:cSld>
+  <p:clrMapOvr>
+    <a:masterClrMapping/>
+  </p:clrMapOvr>
+</p:sld>
+</file>
+
+<file path=ppt/slides/slide6.xml><?xml version="1.0" encoding="utf-8"?>
+<p:sld xmlns:a="http://schemas.openxmlformats.org/drawingml/2006/main" xmlns:r="http://schemas.openxmlformats.org/officeDocument/2006/relationships" xmlns:p="http://schemas.openxmlformats.org/presentationml/2006/main">
+  <p:cSld>
+    <p:spTree>
+      <p:nvGrpSpPr>
+        <p:cNvPr id="1" name=""/>
+        <p:cNvGrpSpPr/>
+        <p:nvPr/>
+      </p:nvGrpSpPr>
+      <p:grpSpPr>
+        <a:xfrm>
+          <a:off x="0" y="0"/>
+          <a:ext cx="0" cy="0"/>
+          <a:chOff x="0" y="0"/>
+          <a:chExt cx="0" cy="0"/>
+        </a:xfrm>
+      </p:grpSpPr>
+      <p:sp>
+        <p:nvSpPr>
+          <p:cNvPr id="2" name="Title 1">
+            <a:extLst>
+              <a:ext uri="{FF2B5EF4-FFF2-40B4-BE49-F238E27FC236}">
+                <a16:creationId xmlns:a16="http://schemas.microsoft.com/office/drawing/2014/main" id="{58A1B400-9B8E-0917-9EEE-A9E6099C2BBF}"/>
+              </a:ext>
+            </a:extLst>
+          </p:cNvPr>
+          <p:cNvSpPr>
+            <a:spLocks noGrp="1"/>
+          </p:cNvSpPr>
+          <p:nvPr>
+            <p:ph type="title"/>
+          </p:nvPr>
+        </p:nvSpPr>
+        <p:spPr>
+          <a:xfrm>
+            <a:off x="283102" y="712141"/>
+            <a:ext cx="7142629" cy="3835500"/>
+          </a:xfrm>
+        </p:spPr>
+        <p:txBody>
+          <a:bodyPr/>
+          <a:lstStyle/>
+          <a:p>
+            <a:r>
+              <a:rPr lang="en-US" dirty="0">
+                <a:solidFill>
+                  <a:schemeClr val="tx1"/>
+                </a:solidFill>
+              </a:rPr>
+              <a:t>Infrastructure-as-Code</a:t>
+            </a:r>
+          </a:p>
+        </p:txBody>
+      </p:sp>
+    </p:spTree>
+    <p:extLst>
+      <p:ext uri="{BB962C8B-B14F-4D97-AF65-F5344CB8AC3E}">
+        <p14:creationId xmlns:p14="http://schemas.microsoft.com/office/powerpoint/2010/main" val="3334739314"/>
+      </p:ext>
+    </p:extLst>
+  </p:cSld>
+  <p:clrMapOvr>
+    <a:masterClrMapping/>
+  </p:clrMapOvr>
+</p:sld>
+</file>
+
+<file path=ppt/slides/slide7.xml><?xml version="1.0" encoding="utf-8"?>
+<p:sld xmlns:a="http://schemas.openxmlformats.org/drawingml/2006/main" xmlns:r="http://schemas.openxmlformats.org/officeDocument/2006/relationships" xmlns:p="http://schemas.openxmlformats.org/presentationml/2006/main">
+  <p:cSld>
+    <p:spTree>
+      <p:nvGrpSpPr>
+        <p:cNvPr id="1" name=""/>
+        <p:cNvGrpSpPr/>
+        <p:nvPr/>
+      </p:nvGrpSpPr>
+      <p:grpSpPr>
+        <a:xfrm>
+          <a:off x="0" y="0"/>
+          <a:ext cx="0" cy="0"/>
+          <a:chOff x="0" y="0"/>
+          <a:chExt cx="0" cy="0"/>
+        </a:xfrm>
+      </p:grpSpPr>
+      <p:sp>
+        <p:nvSpPr>
+          <p:cNvPr id="2" name="Title 1">
+            <a:extLst>
+              <a:ext uri="{FF2B5EF4-FFF2-40B4-BE49-F238E27FC236}">
                 <a16:creationId xmlns:a16="http://schemas.microsoft.com/office/drawing/2014/main" id="{7E80F5BC-83C7-47FC-AD63-85842448CED4}"/>
               </a:ext>
             </a:extLst>
@@ -20046,7 +21343,16 @@
             <a:pPr lvl="1"/>
             <a:r>
               <a:rPr lang="en-US" dirty="0"/>
-              <a:t>Promotion of infrastructure changes from development </a:t>
+              <a:t>Promotion of infrastructure changes from:</a:t>
+            </a:r>
+          </a:p>
+          <a:p>
+            <a:pPr marL="609600" lvl="1" indent="0">
+              <a:buNone/>
+            </a:pPr>
+            <a:r>
+              <a:rPr lang="en-US" dirty="0"/>
+              <a:t>	 development </a:t>
             </a:r>
             <a:r>
               <a:rPr lang="en-US" dirty="0">
@@ -20071,7 +21377,7 @@
 </p:sld>
 </file>
 
-<file path=ppt/slides/slide4.xml><?xml version="1.0" encoding="utf-8"?>
+<file path=ppt/slides/slide8.xml><?xml version="1.0" encoding="utf-8"?>
 <p:sld xmlns:a="http://schemas.openxmlformats.org/drawingml/2006/main" xmlns:r="http://schemas.openxmlformats.org/officeDocument/2006/relationships" xmlns:p="http://schemas.openxmlformats.org/presentationml/2006/main">
   <p:cSld>
     <p:spTree>
@@ -20654,7 +21960,7 @@
 </p:sld>
 </file>
 
-<file path=ppt/slides/slide5.xml><?xml version="1.0" encoding="utf-8"?>
+<file path=ppt/slides/slide9.xml><?xml version="1.0" encoding="utf-8"?>
 <p:sld xmlns:a="http://schemas.openxmlformats.org/drawingml/2006/main" xmlns:r="http://schemas.openxmlformats.org/officeDocument/2006/relationships" xmlns:p="http://schemas.openxmlformats.org/presentationml/2006/main">
   <p:cSld>
     <p:spTree>
@@ -21917,665 +23223,6 @@
     <p:extLst>
       <p:ext uri="{BB962C8B-B14F-4D97-AF65-F5344CB8AC3E}">
         <p14:creationId xmlns:p14="http://schemas.microsoft.com/office/powerpoint/2010/main" val="662077954"/>
-      </p:ext>
-    </p:extLst>
-  </p:cSld>
-  <p:clrMapOvr>
-    <a:masterClrMapping/>
-  </p:clrMapOvr>
-</p:sld>
-</file>
-
-<file path=ppt/slides/slide6.xml><?xml version="1.0" encoding="utf-8"?>
-<p:sld xmlns:a="http://schemas.openxmlformats.org/drawingml/2006/main" xmlns:r="http://schemas.openxmlformats.org/officeDocument/2006/relationships" xmlns:p="http://schemas.openxmlformats.org/presentationml/2006/main">
-  <p:cSld>
-    <p:spTree>
-      <p:nvGrpSpPr>
-        <p:cNvPr id="1" name=""/>
-        <p:cNvGrpSpPr/>
-        <p:nvPr/>
-      </p:nvGrpSpPr>
-      <p:grpSpPr>
-        <a:xfrm>
-          <a:off x="0" y="0"/>
-          <a:ext cx="0" cy="0"/>
-          <a:chOff x="0" y="0"/>
-          <a:chExt cx="0" cy="0"/>
-        </a:xfrm>
-      </p:grpSpPr>
-      <p:sp>
-        <p:nvSpPr>
-          <p:cNvPr id="2" name="Title 1">
-            <a:extLst>
-              <a:ext uri="{FF2B5EF4-FFF2-40B4-BE49-F238E27FC236}">
-                <a16:creationId xmlns:a16="http://schemas.microsoft.com/office/drawing/2014/main" id="{89F0BF8C-D3A8-3C86-23A3-5763439EF85B}"/>
-              </a:ext>
-            </a:extLst>
-          </p:cNvPr>
-          <p:cNvSpPr>
-            <a:spLocks noGrp="1"/>
-          </p:cNvSpPr>
-          <p:nvPr>
-            <p:ph type="title"/>
-          </p:nvPr>
-        </p:nvSpPr>
-        <p:spPr>
-          <a:xfrm>
-            <a:off x="432138" y="475466"/>
-            <a:ext cx="8279723" cy="635400"/>
-          </a:xfrm>
-        </p:spPr>
-        <p:txBody>
-          <a:bodyPr/>
-          <a:lstStyle/>
-          <a:p>
-            <a:r>
-              <a:rPr lang="en-US" dirty="0"/>
-              <a:t>Service Principals and Managed Identities</a:t>
-            </a:r>
-          </a:p>
-        </p:txBody>
-      </p:sp>
-      <p:sp>
-        <p:nvSpPr>
-          <p:cNvPr id="3" name="Text Placeholder 2">
-            <a:extLst>
-              <a:ext uri="{FF2B5EF4-FFF2-40B4-BE49-F238E27FC236}">
-                <a16:creationId xmlns:a16="http://schemas.microsoft.com/office/drawing/2014/main" id="{2515B9C7-6F35-EC74-C962-720086BEDE70}"/>
-              </a:ext>
-            </a:extLst>
-          </p:cNvPr>
-          <p:cNvSpPr>
-            <a:spLocks noGrp="1"/>
-          </p:cNvSpPr>
-          <p:nvPr>
-            <p:ph type="body" idx="1"/>
-          </p:nvPr>
-        </p:nvSpPr>
-        <p:spPr>
-          <a:xfrm>
-            <a:off x="266282" y="985419"/>
-            <a:ext cx="3592286" cy="3172662"/>
-          </a:xfrm>
-        </p:spPr>
-        <p:txBody>
-          <a:bodyPr/>
-          <a:lstStyle/>
-          <a:p>
-            <a:pPr>
-              <a:spcBef>
-                <a:spcPts val="600"/>
-              </a:spcBef>
-            </a:pPr>
-            <a:r>
-              <a:rPr lang="en-US" sz="1200" dirty="0"/>
-              <a:t>Service Principals are like user accounts, but for services.</a:t>
-            </a:r>
-          </a:p>
-          <a:p>
-            <a:pPr lvl="1">
-              <a:spcBef>
-                <a:spcPts val="600"/>
-              </a:spcBef>
-            </a:pPr>
-            <a:r>
-              <a:rPr lang="en-US" sz="1100" dirty="0"/>
-              <a:t>“Azure-representation of a non-Azure object”</a:t>
-            </a:r>
-          </a:p>
-          <a:p>
-            <a:pPr lvl="1">
-              <a:spcBef>
-                <a:spcPts val="600"/>
-              </a:spcBef>
-            </a:pPr>
-            <a:r>
-              <a:rPr lang="en-US" sz="1100" dirty="0"/>
-              <a:t>Usually assigned for a specific application or purpose.</a:t>
-            </a:r>
-          </a:p>
-          <a:p>
-            <a:pPr>
-              <a:spcBef>
-                <a:spcPts val="600"/>
-              </a:spcBef>
-            </a:pPr>
-            <a:r>
-              <a:rPr lang="en-US" sz="1200" dirty="0"/>
-              <a:t>Managed Identities are a type of Service Principal that operates on behalf of other services (usually other Azure resources)</a:t>
-            </a:r>
-          </a:p>
-          <a:p>
-            <a:pPr lvl="1">
-              <a:spcBef>
-                <a:spcPts val="600"/>
-              </a:spcBef>
-            </a:pPr>
-            <a:r>
-              <a:rPr lang="en-US" sz="1000" dirty="0"/>
-              <a:t>System-assigned managed identities share a lifecycle with various Azure services</a:t>
-            </a:r>
-          </a:p>
-          <a:p>
-            <a:pPr>
-              <a:spcBef>
-                <a:spcPts val="600"/>
-              </a:spcBef>
-            </a:pPr>
-            <a:r>
-              <a:rPr lang="en-US" dirty="0"/>
-              <a:t>Both can be given roles and permissions like users.</a:t>
-            </a:r>
-          </a:p>
-        </p:txBody>
-      </p:sp>
-      <p:pic>
-        <p:nvPicPr>
-          <p:cNvPr id="6" name="Picture 5">
-            <a:extLst>
-              <a:ext uri="{FF2B5EF4-FFF2-40B4-BE49-F238E27FC236}">
-                <a16:creationId xmlns:a16="http://schemas.microsoft.com/office/drawing/2014/main" id="{D922D88F-5473-AADD-3703-563141D4F780}"/>
-              </a:ext>
-            </a:extLst>
-          </p:cNvPr>
-          <p:cNvPicPr>
-            <a:picLocks noChangeAspect="1"/>
-          </p:cNvPicPr>
-          <p:nvPr/>
-        </p:nvPicPr>
-        <p:blipFill>
-          <a:blip r:embed="rId2"/>
-          <a:stretch>
-            <a:fillRect/>
-          </a:stretch>
-        </p:blipFill>
-        <p:spPr>
-          <a:xfrm>
-            <a:off x="3956089" y="3425508"/>
-            <a:ext cx="5024176" cy="1596926"/>
-          </a:xfrm>
-          <a:prstGeom prst="rect">
-            <a:avLst/>
-          </a:prstGeom>
-          <a:ln>
-            <a:solidFill>
-              <a:schemeClr val="tx1"/>
-            </a:solidFill>
-          </a:ln>
-        </p:spPr>
-      </p:pic>
-      <p:pic>
-        <p:nvPicPr>
-          <p:cNvPr id="8" name="Picture 7">
-            <a:extLst>
-              <a:ext uri="{FF2B5EF4-FFF2-40B4-BE49-F238E27FC236}">
-                <a16:creationId xmlns:a16="http://schemas.microsoft.com/office/drawing/2014/main" id="{7E7F756D-5D87-BAF6-AABA-3987D5E91E8A}"/>
-              </a:ext>
-            </a:extLst>
-          </p:cNvPr>
-          <p:cNvPicPr>
-            <a:picLocks noChangeAspect="1"/>
-          </p:cNvPicPr>
-          <p:nvPr/>
-        </p:nvPicPr>
-        <p:blipFill>
-          <a:blip r:embed="rId3"/>
-          <a:stretch>
-            <a:fillRect/>
-          </a:stretch>
-        </p:blipFill>
-        <p:spPr>
-          <a:xfrm>
-            <a:off x="6053179" y="1042256"/>
-            <a:ext cx="2927086" cy="2331007"/>
-          </a:xfrm>
-          <a:prstGeom prst="rect">
-            <a:avLst/>
-          </a:prstGeom>
-          <a:ln>
-            <a:solidFill>
-              <a:schemeClr val="tx1"/>
-            </a:solidFill>
-          </a:ln>
-        </p:spPr>
-      </p:pic>
-      <p:pic>
-        <p:nvPicPr>
-          <p:cNvPr id="10" name="Picture 9">
-            <a:extLst>
-              <a:ext uri="{FF2B5EF4-FFF2-40B4-BE49-F238E27FC236}">
-                <a16:creationId xmlns:a16="http://schemas.microsoft.com/office/drawing/2014/main" id="{1F7BAD97-6472-6252-3766-2CDEAA5A36CD}"/>
-              </a:ext>
-            </a:extLst>
-          </p:cNvPr>
-          <p:cNvPicPr>
-            <a:picLocks noChangeAspect="1"/>
-          </p:cNvPicPr>
-          <p:nvPr/>
-        </p:nvPicPr>
-        <p:blipFill>
-          <a:blip r:embed="rId4"/>
-          <a:stretch>
-            <a:fillRect/>
-          </a:stretch>
-        </p:blipFill>
-        <p:spPr>
-          <a:xfrm>
-            <a:off x="163735" y="4223971"/>
-            <a:ext cx="3694833" cy="888126"/>
-          </a:xfrm>
-          <a:prstGeom prst="rect">
-            <a:avLst/>
-          </a:prstGeom>
-        </p:spPr>
-      </p:pic>
-      <p:pic>
-        <p:nvPicPr>
-          <p:cNvPr id="12" name="Picture 11">
-            <a:extLst>
-              <a:ext uri="{FF2B5EF4-FFF2-40B4-BE49-F238E27FC236}">
-                <a16:creationId xmlns:a16="http://schemas.microsoft.com/office/drawing/2014/main" id="{8FF52C82-3A3E-81C3-1C93-31976210954F}"/>
-              </a:ext>
-            </a:extLst>
-          </p:cNvPr>
-          <p:cNvPicPr>
-            <a:picLocks noChangeAspect="1"/>
-          </p:cNvPicPr>
-          <p:nvPr/>
-        </p:nvPicPr>
-        <p:blipFill>
-          <a:blip r:embed="rId5"/>
-          <a:stretch>
-            <a:fillRect/>
-          </a:stretch>
-        </p:blipFill>
-        <p:spPr>
-          <a:xfrm>
-            <a:off x="3707124" y="1228934"/>
-            <a:ext cx="2297282" cy="1749394"/>
-          </a:xfrm>
-          <a:prstGeom prst="rect">
-            <a:avLst/>
-          </a:prstGeom>
-          <a:ln>
-            <a:solidFill>
-              <a:schemeClr val="tx1"/>
-            </a:solidFill>
-          </a:ln>
-        </p:spPr>
-      </p:pic>
-    </p:spTree>
-    <p:extLst>
-      <p:ext uri="{BB962C8B-B14F-4D97-AF65-F5344CB8AC3E}">
-        <p14:creationId xmlns:p14="http://schemas.microsoft.com/office/powerpoint/2010/main" val="2924244558"/>
-      </p:ext>
-    </p:extLst>
-  </p:cSld>
-  <p:clrMapOvr>
-    <a:masterClrMapping/>
-  </p:clrMapOvr>
-</p:sld>
-</file>
-
-<file path=ppt/slides/slide7.xml><?xml version="1.0" encoding="utf-8"?>
-<p:sld xmlns:a="http://schemas.openxmlformats.org/drawingml/2006/main" xmlns:r="http://schemas.openxmlformats.org/officeDocument/2006/relationships" xmlns:p="http://schemas.openxmlformats.org/presentationml/2006/main">
-  <p:cSld>
-    <p:spTree>
-      <p:nvGrpSpPr>
-        <p:cNvPr id="1" name=""/>
-        <p:cNvGrpSpPr/>
-        <p:nvPr/>
-      </p:nvGrpSpPr>
-      <p:grpSpPr>
-        <a:xfrm>
-          <a:off x="0" y="0"/>
-          <a:ext cx="0" cy="0"/>
-          <a:chOff x="0" y="0"/>
-          <a:chExt cx="0" cy="0"/>
-        </a:xfrm>
-      </p:grpSpPr>
-      <p:sp>
-        <p:nvSpPr>
-          <p:cNvPr id="2" name="Title 1">
-            <a:extLst>
-              <a:ext uri="{FF2B5EF4-FFF2-40B4-BE49-F238E27FC236}">
-                <a16:creationId xmlns:a16="http://schemas.microsoft.com/office/drawing/2014/main" id="{9FA2AE21-14F3-4D1C-9272-AB19E4F34CF2}"/>
-              </a:ext>
-            </a:extLst>
-          </p:cNvPr>
-          <p:cNvSpPr>
-            <a:spLocks noGrp="1"/>
-          </p:cNvSpPr>
-          <p:nvPr>
-            <p:ph type="title"/>
-          </p:nvPr>
-        </p:nvSpPr>
-        <p:spPr>
-          <a:xfrm>
-            <a:off x="283103" y="712141"/>
-            <a:ext cx="6339839" cy="3835500"/>
-          </a:xfrm>
-        </p:spPr>
-        <p:txBody>
-          <a:bodyPr/>
-          <a:lstStyle/>
-          <a:p>
-            <a:r>
-              <a:rPr lang="en-US" dirty="0">
-                <a:solidFill>
-                  <a:schemeClr val="accent2"/>
-                </a:solidFill>
-              </a:rPr>
-              <a:t>Deploying with GitHub Actions</a:t>
-            </a:r>
-          </a:p>
-        </p:txBody>
-      </p:sp>
-    </p:spTree>
-    <p:extLst>
-      <p:ext uri="{BB962C8B-B14F-4D97-AF65-F5344CB8AC3E}">
-        <p14:creationId xmlns:p14="http://schemas.microsoft.com/office/powerpoint/2010/main" val="1034448779"/>
-      </p:ext>
-    </p:extLst>
-  </p:cSld>
-  <p:clrMapOvr>
-    <a:masterClrMapping/>
-  </p:clrMapOvr>
-</p:sld>
-</file>
-
-<file path=ppt/slides/slide8.xml><?xml version="1.0" encoding="utf-8"?>
-<p:sld xmlns:a="http://schemas.openxmlformats.org/drawingml/2006/main" xmlns:r="http://schemas.openxmlformats.org/officeDocument/2006/relationships" xmlns:p="http://schemas.openxmlformats.org/presentationml/2006/main">
-  <p:cSld>
-    <p:spTree>
-      <p:nvGrpSpPr>
-        <p:cNvPr id="1" name=""/>
-        <p:cNvGrpSpPr/>
-        <p:nvPr/>
-      </p:nvGrpSpPr>
-      <p:grpSpPr>
-        <a:xfrm>
-          <a:off x="0" y="0"/>
-          <a:ext cx="0" cy="0"/>
-          <a:chOff x="0" y="0"/>
-          <a:chExt cx="0" cy="0"/>
-        </a:xfrm>
-      </p:grpSpPr>
-      <p:sp>
-        <p:nvSpPr>
-          <p:cNvPr id="2" name="Title 1">
-            <a:extLst>
-              <a:ext uri="{FF2B5EF4-FFF2-40B4-BE49-F238E27FC236}">
-                <a16:creationId xmlns:a16="http://schemas.microsoft.com/office/drawing/2014/main" id="{89F1B529-F088-A01D-40C0-27F065C6EDB1}"/>
-              </a:ext>
-            </a:extLst>
-          </p:cNvPr>
-          <p:cNvSpPr>
-            <a:spLocks noGrp="1"/>
-          </p:cNvSpPr>
-          <p:nvPr>
-            <p:ph type="title"/>
-          </p:nvPr>
-        </p:nvSpPr>
-        <p:spPr/>
-        <p:txBody>
-          <a:bodyPr>
-            <a:normAutofit fontScale="90000"/>
-          </a:bodyPr>
-          <a:lstStyle/>
-          <a:p>
-            <a:r>
-              <a:rPr lang="en-US" dirty="0">
-                <a:solidFill>
-                  <a:schemeClr val="tx1"/>
-                </a:solidFill>
-              </a:rPr>
-              <a:t>Steps to Deploy with Terraform </a:t>
-            </a:r>
-            <a:br>
-              <a:rPr lang="en-US" dirty="0">
-                <a:solidFill>
-                  <a:schemeClr val="tx1"/>
-                </a:solidFill>
-              </a:rPr>
-            </a:br>
-            <a:r>
-              <a:rPr lang="en-US" dirty="0">
-                <a:solidFill>
-                  <a:schemeClr val="tx1"/>
-                </a:solidFill>
-              </a:rPr>
-              <a:t>in GitHub Actions</a:t>
-            </a:r>
-          </a:p>
-        </p:txBody>
-      </p:sp>
-      <p:graphicFrame>
-        <p:nvGraphicFramePr>
-          <p:cNvPr id="3" name="Diagram 2">
-            <a:extLst>
-              <a:ext uri="{FF2B5EF4-FFF2-40B4-BE49-F238E27FC236}">
-                <a16:creationId xmlns:a16="http://schemas.microsoft.com/office/drawing/2014/main" id="{5FBB390A-F732-0EE5-47B7-80742995FCFC}"/>
-              </a:ext>
-            </a:extLst>
-          </p:cNvPr>
-          <p:cNvGraphicFramePr/>
-          <p:nvPr>
-            <p:extLst>
-              <p:ext uri="{D42A27DB-BD31-4B8C-83A1-F6EECF244321}">
-                <p14:modId xmlns:p14="http://schemas.microsoft.com/office/powerpoint/2010/main" val="263029424"/>
-              </p:ext>
-            </p:extLst>
-          </p:nvPr>
-        </p:nvGraphicFramePr>
-        <p:xfrm>
-          <a:off x="432607" y="1307448"/>
-          <a:ext cx="8269357" cy="3592727"/>
-        </p:xfrm>
-        <a:graphic>
-          <a:graphicData uri="http://schemas.openxmlformats.org/drawingml/2006/diagram">
-            <dgm:relIds xmlns:dgm="http://schemas.openxmlformats.org/drawingml/2006/diagram" xmlns:r="http://schemas.openxmlformats.org/officeDocument/2006/relationships" r:dm="rId2" r:lo="rId3" r:qs="rId4" r:cs="rId5"/>
-          </a:graphicData>
-        </a:graphic>
-      </p:graphicFrame>
-    </p:spTree>
-    <p:extLst>
-      <p:ext uri="{BB962C8B-B14F-4D97-AF65-F5344CB8AC3E}">
-        <p14:creationId xmlns:p14="http://schemas.microsoft.com/office/powerpoint/2010/main" val="3883331710"/>
-      </p:ext>
-    </p:extLst>
-  </p:cSld>
-  <p:clrMapOvr>
-    <a:masterClrMapping/>
-  </p:clrMapOvr>
-</p:sld>
-</file>
-
-<file path=ppt/slides/slide9.xml><?xml version="1.0" encoding="utf-8"?>
-<p:sld xmlns:a="http://schemas.openxmlformats.org/drawingml/2006/main" xmlns:r="http://schemas.openxmlformats.org/officeDocument/2006/relationships" xmlns:p="http://schemas.openxmlformats.org/presentationml/2006/main">
-  <p:cSld>
-    <p:spTree>
-      <p:nvGrpSpPr>
-        <p:cNvPr id="1" name=""/>
-        <p:cNvGrpSpPr/>
-        <p:nvPr/>
-      </p:nvGrpSpPr>
-      <p:grpSpPr>
-        <a:xfrm>
-          <a:off x="0" y="0"/>
-          <a:ext cx="0" cy="0"/>
-          <a:chOff x="0" y="0"/>
-          <a:chExt cx="0" cy="0"/>
-        </a:xfrm>
-      </p:grpSpPr>
-      <p:sp>
-        <p:nvSpPr>
-          <p:cNvPr id="2" name="Title 1">
-            <a:extLst>
-              <a:ext uri="{FF2B5EF4-FFF2-40B4-BE49-F238E27FC236}">
-                <a16:creationId xmlns:a16="http://schemas.microsoft.com/office/drawing/2014/main" id="{0D49852B-580D-4480-9F48-DF55BE8E5896}"/>
-              </a:ext>
-            </a:extLst>
-          </p:cNvPr>
-          <p:cNvSpPr>
-            <a:spLocks noGrp="1"/>
-          </p:cNvSpPr>
-          <p:nvPr>
-            <p:ph type="title"/>
-          </p:nvPr>
-        </p:nvSpPr>
-        <p:spPr/>
-        <p:txBody>
-          <a:bodyPr/>
-          <a:lstStyle/>
-          <a:p>
-            <a:r>
-              <a:rPr lang="en-US" dirty="0"/>
-              <a:t>Security, Compliance, and Data Governance</a:t>
-            </a:r>
-          </a:p>
-        </p:txBody>
-      </p:sp>
-      <p:sp>
-        <p:nvSpPr>
-          <p:cNvPr id="3" name="Subtitle 2">
-            <a:extLst>
-              <a:ext uri="{FF2B5EF4-FFF2-40B4-BE49-F238E27FC236}">
-                <a16:creationId xmlns:a16="http://schemas.microsoft.com/office/drawing/2014/main" id="{FF2FF18A-A858-41D9-A404-97525A3E93B6}"/>
-              </a:ext>
-            </a:extLst>
-          </p:cNvPr>
-          <p:cNvSpPr>
-            <a:spLocks noGrp="1"/>
-          </p:cNvSpPr>
-          <p:nvPr>
-            <p:ph type="subTitle" idx="1"/>
-          </p:nvPr>
-        </p:nvSpPr>
-        <p:spPr/>
-        <p:txBody>
-          <a:bodyPr/>
-          <a:lstStyle/>
-          <a:p>
-            <a:endParaRPr lang="en-US"/>
-          </a:p>
-        </p:txBody>
-      </p:sp>
-      <p:sp>
-        <p:nvSpPr>
-          <p:cNvPr id="4" name="Text Placeholder 3">
-            <a:extLst>
-              <a:ext uri="{FF2B5EF4-FFF2-40B4-BE49-F238E27FC236}">
-                <a16:creationId xmlns:a16="http://schemas.microsoft.com/office/drawing/2014/main" id="{60E02379-14AB-4D1E-9E4E-0B5882C587D0}"/>
-              </a:ext>
-            </a:extLst>
-          </p:cNvPr>
-          <p:cNvSpPr>
-            <a:spLocks noGrp="1"/>
-          </p:cNvSpPr>
-          <p:nvPr>
-            <p:ph type="body" idx="2"/>
-          </p:nvPr>
-        </p:nvSpPr>
-        <p:spPr/>
-        <p:txBody>
-          <a:bodyPr/>
-          <a:lstStyle/>
-          <a:p>
-            <a:r>
-              <a:rPr lang="en-US" dirty="0"/>
-              <a:t>Role-Based Access Controls</a:t>
-            </a:r>
-          </a:p>
-          <a:p>
-            <a:pPr lvl="1">
-              <a:spcBef>
-                <a:spcPts val="0"/>
-              </a:spcBef>
-            </a:pPr>
-            <a:r>
-              <a:rPr lang="en-US" dirty="0"/>
-              <a:t>Azure Active Directory</a:t>
-            </a:r>
-          </a:p>
-          <a:p>
-            <a:pPr lvl="1">
-              <a:spcBef>
-                <a:spcPts val="0"/>
-              </a:spcBef>
-            </a:pPr>
-            <a:r>
-              <a:rPr lang="en-US" dirty="0"/>
-              <a:t>Access Control Lists in Azure Storage</a:t>
-            </a:r>
-          </a:p>
-          <a:p>
-            <a:pPr lvl="1">
-              <a:spcBef>
-                <a:spcPts val="0"/>
-              </a:spcBef>
-            </a:pPr>
-            <a:endParaRPr lang="en-US" dirty="0"/>
-          </a:p>
-          <a:p>
-            <a:r>
-              <a:rPr lang="en-US" dirty="0"/>
-              <a:t>Compliance</a:t>
-            </a:r>
-          </a:p>
-          <a:p>
-            <a:pPr lvl="1">
-              <a:spcBef>
-                <a:spcPts val="0"/>
-              </a:spcBef>
-            </a:pPr>
-            <a:r>
-              <a:rPr lang="en-US" dirty="0"/>
-              <a:t>HIPAA, HITRUST, SOX, ISO</a:t>
-            </a:r>
-          </a:p>
-          <a:p>
-            <a:pPr lvl="1">
-              <a:spcBef>
-                <a:spcPts val="0"/>
-              </a:spcBef>
-            </a:pPr>
-            <a:r>
-              <a:rPr lang="en-US" dirty="0"/>
-              <a:t>Blueprints, etc.</a:t>
-            </a:r>
-          </a:p>
-          <a:p>
-            <a:pPr lvl="1">
-              <a:spcBef>
-                <a:spcPts val="0"/>
-              </a:spcBef>
-            </a:pPr>
-            <a:endParaRPr lang="en-US" dirty="0"/>
-          </a:p>
-          <a:p>
-            <a:r>
-              <a:rPr lang="en-US" dirty="0"/>
-              <a:t>Data Governance</a:t>
-            </a:r>
-          </a:p>
-          <a:p>
-            <a:pPr lvl="1">
-              <a:spcBef>
-                <a:spcPts val="0"/>
-              </a:spcBef>
-            </a:pPr>
-            <a:r>
-              <a:rPr lang="en-US" dirty="0"/>
-              <a:t>Azure Purview</a:t>
-            </a:r>
-          </a:p>
-        </p:txBody>
-      </p:sp>
-    </p:spTree>
-    <p:extLst>
-      <p:ext uri="{BB962C8B-B14F-4D97-AF65-F5344CB8AC3E}">
-        <p14:creationId xmlns:p14="http://schemas.microsoft.com/office/powerpoint/2010/main" val="2626124040"/>
       </p:ext>
     </p:extLst>
   </p:cSld>

--- a/6 - Deployment and Security/Deployment.pptx
+++ b/6 - Deployment and Security/Deployment.pptx
@@ -5,7 +5,7 @@
     <p:sldMasterId id="2147483659" r:id="rId1"/>
   </p:sldMasterIdLst>
   <p:notesMasterIdLst>
-    <p:notesMasterId r:id="rId26"/>
+    <p:notesMasterId r:id="rId29"/>
   </p:notesMasterIdLst>
   <p:sldIdLst>
     <p:sldId id="256" r:id="rId2"/>
@@ -27,42 +27,45 @@
     <p:sldId id="508" r:id="rId18"/>
     <p:sldId id="500" r:id="rId19"/>
     <p:sldId id="503" r:id="rId20"/>
-    <p:sldId id="509" r:id="rId21"/>
-    <p:sldId id="510" r:id="rId22"/>
-    <p:sldId id="501" r:id="rId23"/>
-    <p:sldId id="505" r:id="rId24"/>
-    <p:sldId id="504" r:id="rId25"/>
+    <p:sldId id="519" r:id="rId21"/>
+    <p:sldId id="509" r:id="rId22"/>
+    <p:sldId id="510" r:id="rId23"/>
+    <p:sldId id="517" r:id="rId24"/>
+    <p:sldId id="501" r:id="rId25"/>
+    <p:sldId id="505" r:id="rId26"/>
+    <p:sldId id="504" r:id="rId27"/>
+    <p:sldId id="518" r:id="rId28"/>
   </p:sldIdLst>
   <p:sldSz cx="9144000" cy="5143500" type="screen16x9"/>
   <p:notesSz cx="6858000" cy="9144000"/>
   <p:embeddedFontLst>
     <p:embeddedFont>
       <p:font typeface="Consolas" panose="020B0609020204030204" pitchFamily="49" charset="0"/>
-      <p:regular r:id="rId27"/>
-      <p:bold r:id="rId28"/>
-      <p:italic r:id="rId29"/>
-      <p:boldItalic r:id="rId30"/>
+      <p:regular r:id="rId30"/>
+      <p:bold r:id="rId31"/>
+      <p:italic r:id="rId32"/>
+      <p:boldItalic r:id="rId33"/>
     </p:embeddedFont>
     <p:embeddedFont>
       <p:font typeface="Lato" panose="020F0502020204030203" pitchFamily="34" charset="0"/>
-      <p:regular r:id="rId31"/>
-      <p:bold r:id="rId32"/>
-      <p:italic r:id="rId33"/>
-      <p:boldItalic r:id="rId34"/>
+      <p:regular r:id="rId34"/>
+      <p:bold r:id="rId35"/>
+      <p:italic r:id="rId36"/>
+      <p:boldItalic r:id="rId37"/>
     </p:embeddedFont>
     <p:embeddedFont>
-      <p:font typeface="Raleway" pitchFamily="2" charset="0"/>
-      <p:regular r:id="rId35"/>
-      <p:bold r:id="rId36"/>
-      <p:italic r:id="rId37"/>
-      <p:boldItalic r:id="rId38"/>
+      <p:font typeface="Raleway" pitchFamily="2" charset="77"/>
+      <p:regular r:id="rId38"/>
+      <p:bold r:id="rId39"/>
+      <p:italic r:id="rId40"/>
+      <p:boldItalic r:id="rId41"/>
     </p:embeddedFont>
     <p:embeddedFont>
       <p:font typeface="Segoe UI" panose="020B0502040204020203" pitchFamily="34" charset="0"/>
-      <p:regular r:id="rId39"/>
-      <p:bold r:id="rId40"/>
-      <p:italic r:id="rId41"/>
-      <p:boldItalic r:id="rId42"/>
+      <p:regular r:id="rId42"/>
+      <p:bold r:id="rId43"/>
+      <p:italic r:id="rId44"/>
+      <p:boldItalic r:id="rId45"/>
     </p:embeddedFont>
   </p:embeddedFontLst>
   <p:defaultTextStyle>
@@ -4016,13 +4019,13 @@
     <dgm:cxn modelId="{51F98C37-C270-4AC8-B4B8-85F922655795}" type="presOf" srcId="{52C92379-56CA-4145-9D8D-D2419C19DB12}" destId="{9FF7F0ED-D5C8-405A-84FC-8016EB59CCE4}" srcOrd="0" destOrd="0" presId="urn:microsoft.com/office/officeart/2005/8/layout/default"/>
     <dgm:cxn modelId="{3812E63C-E142-4B34-937B-A59E6969A6D2}" type="presOf" srcId="{9B5EA2FC-7E16-4F2F-9350-4C214E870E28}" destId="{62EB7232-2D20-47D1-934B-303969BB0210}" srcOrd="0" destOrd="1" presId="urn:microsoft.com/office/officeart/2005/8/layout/default"/>
     <dgm:cxn modelId="{88C2D33E-3C86-463B-AE50-45D86AB804B7}" type="presOf" srcId="{19C32A6C-1796-43DE-BFF9-C6E76AC68FC4}" destId="{BF92092A-7DD7-4828-8798-8749466E9693}" srcOrd="0" destOrd="0" presId="urn:microsoft.com/office/officeart/2005/8/layout/default"/>
-    <dgm:cxn modelId="{1AF66060-07B0-4230-92C5-5DC9EF7E2AB1}" type="presOf" srcId="{E5BD570C-39F9-437E-AA68-69E247EDCA17}" destId="{809B040E-6CA3-462F-92F4-691C0A8DF4B9}" srcOrd="0" destOrd="0" presId="urn:microsoft.com/office/officeart/2005/8/layout/default"/>
     <dgm:cxn modelId="{B2407847-4584-4441-A3AE-70E2D6740518}" srcId="{C5AF32B7-D897-40F3-A8B2-81E4AA89D7C0}" destId="{47E31199-CCB6-477B-8003-B6D159DCAEF5}" srcOrd="6" destOrd="0" parTransId="{3CE6EE66-C1CA-4F35-AE64-EEBB99DB1C3D}" sibTransId="{EBCBA095-7A7D-4A58-B14D-BB68AFB56501}"/>
     <dgm:cxn modelId="{60AED149-7986-451C-8531-EEFAE5F82A65}" type="presOf" srcId="{C2895E37-7228-44B4-9F60-9F8E17EB98F1}" destId="{F05DCA6E-FA2C-47E3-A826-F80462831911}" srcOrd="0" destOrd="0" presId="urn:microsoft.com/office/officeart/2005/8/layout/default"/>
     <dgm:cxn modelId="{C371874E-4C6B-4EF1-923C-4B7F88DAB76A}" type="presOf" srcId="{FFA918CE-DCAD-421D-A5B3-4534CEFC44AC}" destId="{653B7EB1-631F-4329-8B59-E485B1008A14}" srcOrd="0" destOrd="0" presId="urn:microsoft.com/office/officeart/2005/8/layout/default"/>
+    <dgm:cxn modelId="{24117256-96BA-4543-AE50-FE21AD1EFB02}" type="presOf" srcId="{CD625AC7-7961-4CF9-B2FA-6D08899F6272}" destId="{E994852E-B6F3-44E9-9297-D43A04F9D081}" srcOrd="0" destOrd="0" presId="urn:microsoft.com/office/officeart/2005/8/layout/default"/>
+    <dgm:cxn modelId="{1AF66060-07B0-4230-92C5-5DC9EF7E2AB1}" type="presOf" srcId="{E5BD570C-39F9-437E-AA68-69E247EDCA17}" destId="{809B040E-6CA3-462F-92F4-691C0A8DF4B9}" srcOrd="0" destOrd="0" presId="urn:microsoft.com/office/officeart/2005/8/layout/default"/>
     <dgm:cxn modelId="{9FA85B71-5B0E-4EC2-8888-808DA4C4FE3E}" srcId="{C5AF32B7-D897-40F3-A8B2-81E4AA89D7C0}" destId="{9DC14873-29AA-42E0-9107-A7754BE56ABF}" srcOrd="14" destOrd="0" parTransId="{0612E6D0-DF8A-4DF8-86E3-2A7680CA2BA4}" sibTransId="{7984810D-4158-4A44-A380-285DCD87D3C7}"/>
     <dgm:cxn modelId="{0A8D4176-D515-4878-9ADA-6056FC2A8D39}" type="presOf" srcId="{DF6595B8-A201-4A60-A2F2-EA112897DB7E}" destId="{663263DC-5FEF-4C25-AE71-09C43D8093CC}" srcOrd="0" destOrd="0" presId="urn:microsoft.com/office/officeart/2005/8/layout/default"/>
-    <dgm:cxn modelId="{24117256-96BA-4543-AE50-FE21AD1EFB02}" type="presOf" srcId="{CD625AC7-7961-4CF9-B2FA-6D08899F6272}" destId="{E994852E-B6F3-44E9-9297-D43A04F9D081}" srcOrd="0" destOrd="0" presId="urn:microsoft.com/office/officeart/2005/8/layout/default"/>
     <dgm:cxn modelId="{3F904677-3318-42D9-AD74-15FC69B5F25D}" srcId="{C5AF32B7-D897-40F3-A8B2-81E4AA89D7C0}" destId="{C2895E37-7228-44B4-9F60-9F8E17EB98F1}" srcOrd="17" destOrd="0" parTransId="{27041BF0-DCD1-43AF-94FE-6366345EBEF3}" sibTransId="{98132D86-CBC2-4B55-8A90-7BB910A47C3E}"/>
     <dgm:cxn modelId="{3FA2977D-4746-441C-92C5-34AA2820E636}" srcId="{C5AF32B7-D897-40F3-A8B2-81E4AA89D7C0}" destId="{4A7B320F-5DF2-4F5B-B3D5-164EB63907B4}" srcOrd="2" destOrd="0" parTransId="{F8E217E2-9A3D-46A8-B1D7-A60F294E36D2}" sibTransId="{A3EF0EAD-0CC7-4079-8407-AFB7D282D0D2}"/>
     <dgm:cxn modelId="{0B707282-C413-4891-AE92-9EF431A87837}" srcId="{C5AF32B7-D897-40F3-A8B2-81E4AA89D7C0}" destId="{19C32A6C-1796-43DE-BFF9-C6E76AC68FC4}" srcOrd="12" destOrd="0" parTransId="{0112750E-C61E-4719-95EB-784CCE525153}" sibTransId="{C440AD4B-D650-419B-90E5-23E69E10D14F}"/>
@@ -6546,7 +6549,7 @@
       <dsp:spPr>
         <a:xfrm>
           <a:off x="232818" y="43528"/>
-          <a:ext cx="3259452" cy="442800"/>
+          <a:ext cx="3259451" cy="442800"/>
         </a:xfrm>
         <a:prstGeom prst="roundRect">
           <a:avLst/>
@@ -6620,7 +6623,7 @@
       </dsp:txBody>
       <dsp:txXfrm>
         <a:off x="254434" y="65144"/>
-        <a:ext cx="3216220" cy="399568"/>
+        <a:ext cx="3216219" cy="399568"/>
       </dsp:txXfrm>
     </dsp:sp>
     <dsp:sp modelId="{7817B7F6-7C59-45E1-821E-BB650ACEBE6E}">
@@ -6707,7 +6710,7 @@
       <dsp:spPr>
         <a:xfrm>
           <a:off x="232818" y="971990"/>
-          <a:ext cx="3259452" cy="442800"/>
+          <a:ext cx="3259451" cy="442800"/>
         </a:xfrm>
         <a:prstGeom prst="roundRect">
           <a:avLst/>
@@ -6773,7 +6776,7 @@
       </dsp:txBody>
       <dsp:txXfrm>
         <a:off x="254434" y="993606"/>
-        <a:ext cx="3216220" cy="399568"/>
+        <a:ext cx="3216219" cy="399568"/>
       </dsp:txXfrm>
     </dsp:sp>
     <dsp:sp modelId="{DA46E052-B427-4276-86A5-8FB96E5D92B5}">
@@ -6878,7 +6881,7 @@
       <dsp:spPr>
         <a:xfrm>
           <a:off x="232818" y="1900453"/>
-          <a:ext cx="3259452" cy="442800"/>
+          <a:ext cx="3259451" cy="442800"/>
         </a:xfrm>
         <a:prstGeom prst="roundRect">
           <a:avLst/>
@@ -6944,7 +6947,7 @@
       </dsp:txBody>
       <dsp:txXfrm>
         <a:off x="254434" y="1922069"/>
-        <a:ext cx="3216220" cy="399568"/>
+        <a:ext cx="3216219" cy="399568"/>
       </dsp:txXfrm>
     </dsp:sp>
     <dsp:sp modelId="{AE5CC45A-80FF-4D3B-B996-0FEB814435E2}">
@@ -7031,7 +7034,7 @@
       <dsp:spPr>
         <a:xfrm>
           <a:off x="232818" y="3053353"/>
-          <a:ext cx="3259452" cy="442800"/>
+          <a:ext cx="3259451" cy="442800"/>
         </a:xfrm>
         <a:prstGeom prst="roundRect">
           <a:avLst/>
@@ -7097,7 +7100,7 @@
       </dsp:txBody>
       <dsp:txXfrm>
         <a:off x="254434" y="3074969"/>
-        <a:ext cx="3216220" cy="399568"/>
+        <a:ext cx="3216219" cy="399568"/>
       </dsp:txXfrm>
     </dsp:sp>
   </dsp:spTree>
@@ -16704,7 +16707,7 @@
         <p:spPr>
           <a:xfrm>
             <a:off x="319500" y="936600"/>
-            <a:ext cx="2297850" cy="755700"/>
+            <a:ext cx="2297850" cy="1075080"/>
           </a:xfrm>
         </p:spPr>
         <p:txBody>
@@ -16721,6 +16724,21 @@
                 </a:solidFill>
               </a:rPr>
               <a:t>Azure Active Directory</a:t>
+            </a:r>
+            <a:br>
+              <a:rPr lang="en-US" dirty="0">
+                <a:solidFill>
+                  <a:schemeClr val="tx1"/>
+                </a:solidFill>
+              </a:rPr>
+            </a:br>
+            <a:r>
+              <a:rPr lang="en-US" dirty="0">
+                <a:solidFill>
+                  <a:schemeClr val="tx1"/>
+                </a:solidFill>
+              </a:rPr>
+              <a:t>(Entra ID)</a:t>
             </a:r>
           </a:p>
         </p:txBody>
@@ -19890,6 +19908,248 @@
           <p:cNvPr id="2" name="Title 1">
             <a:extLst>
               <a:ext uri="{FF2B5EF4-FFF2-40B4-BE49-F238E27FC236}">
+                <a16:creationId xmlns:a16="http://schemas.microsoft.com/office/drawing/2014/main" id="{502DF2DB-2A7E-FA66-DB18-302FC93EA378}"/>
+              </a:ext>
+            </a:extLst>
+          </p:cNvPr>
+          <p:cNvSpPr>
+            <a:spLocks noGrp="1"/>
+          </p:cNvSpPr>
+          <p:nvPr>
+            <p:ph type="title"/>
+          </p:nvPr>
+        </p:nvSpPr>
+        <p:spPr>
+          <a:xfrm>
+            <a:off x="319500" y="936600"/>
+            <a:ext cx="3200940" cy="755700"/>
+          </a:xfrm>
+        </p:spPr>
+        <p:txBody>
+          <a:bodyPr/>
+          <a:lstStyle/>
+          <a:p>
+            <a:r>
+              <a:rPr lang="en-US" dirty="0"/>
+              <a:t>Defender for Cloud</a:t>
+            </a:r>
+          </a:p>
+        </p:txBody>
+      </p:sp>
+      <p:sp>
+        <p:nvSpPr>
+          <p:cNvPr id="3" name="Text Placeholder 2">
+            <a:extLst>
+              <a:ext uri="{FF2B5EF4-FFF2-40B4-BE49-F238E27FC236}">
+                <a16:creationId xmlns:a16="http://schemas.microsoft.com/office/drawing/2014/main" id="{C84D4E4D-CDFA-3C31-28FB-CC26E80FD470}"/>
+              </a:ext>
+            </a:extLst>
+          </p:cNvPr>
+          <p:cNvSpPr>
+            <a:spLocks noGrp="1"/>
+          </p:cNvSpPr>
+          <p:nvPr>
+            <p:ph type="body" idx="1"/>
+          </p:nvPr>
+        </p:nvSpPr>
+        <p:spPr/>
+        <p:txBody>
+          <a:bodyPr/>
+          <a:lstStyle/>
+          <a:p>
+            <a:r>
+              <a:rPr lang="en-US" dirty="0"/>
+              <a:t>Reviews your various services to check for vulnerabilities</a:t>
+            </a:r>
+          </a:p>
+          <a:p>
+            <a:endParaRPr lang="en-US" dirty="0"/>
+          </a:p>
+          <a:p>
+            <a:r>
+              <a:rPr lang="en-US" dirty="0"/>
+              <a:t>Assesses your compliance to various security standards</a:t>
+            </a:r>
+          </a:p>
+          <a:p>
+            <a:endParaRPr lang="en-US" dirty="0"/>
+          </a:p>
+          <a:p>
+            <a:r>
+              <a:rPr lang="en-US" dirty="0"/>
+              <a:t>Works across clouds</a:t>
+            </a:r>
+          </a:p>
+          <a:p>
+            <a:endParaRPr lang="en-US" dirty="0"/>
+          </a:p>
+          <a:p>
+            <a:r>
+              <a:rPr lang="en-US" dirty="0"/>
+              <a:t>Pay by the resource</a:t>
+            </a:r>
+          </a:p>
+        </p:txBody>
+      </p:sp>
+      <p:pic>
+        <p:nvPicPr>
+          <p:cNvPr id="3074" name="Picture 2" descr="Home · Azure/Microsoft-Defender-for-Cloud Wiki · GitHub">
+            <a:extLst>
+              <a:ext uri="{FF2B5EF4-FFF2-40B4-BE49-F238E27FC236}">
+                <a16:creationId xmlns:a16="http://schemas.microsoft.com/office/drawing/2014/main" id="{F4B8C53E-A923-BADF-1050-11CC80D5A912}"/>
+              </a:ext>
+            </a:extLst>
+          </p:cNvPr>
+          <p:cNvPicPr>
+            <a:picLocks noChangeAspect="1" noChangeArrowheads="1"/>
+          </p:cNvPicPr>
+          <p:nvPr/>
+        </p:nvPicPr>
+        <p:blipFill>
+          <a:blip r:embed="rId2">
+            <a:extLst>
+              <a:ext uri="{28A0092B-C50C-407E-A947-70E740481C1C}">
+                <a14:useLocalDpi xmlns:a14="http://schemas.microsoft.com/office/drawing/2010/main" val="0"/>
+              </a:ext>
+            </a:extLst>
+          </a:blip>
+          <a:srcRect/>
+          <a:stretch>
+            <a:fillRect/>
+          </a:stretch>
+        </p:blipFill>
+        <p:spPr bwMode="auto">
+          <a:xfrm>
+            <a:off x="939729" y="274320"/>
+            <a:ext cx="1567542" cy="822960"/>
+          </a:xfrm>
+          <a:prstGeom prst="rect">
+            <a:avLst/>
+          </a:prstGeom>
+          <a:noFill/>
+          <a:extLst>
+            <a:ext uri="{909E8E84-426E-40DD-AFC4-6F175D3DCCD1}">
+              <a14:hiddenFill xmlns:a14="http://schemas.microsoft.com/office/drawing/2010/main">
+                <a:solidFill>
+                  <a:srgbClr val="FFFFFF"/>
+                </a:solidFill>
+              </a14:hiddenFill>
+            </a:ext>
+          </a:extLst>
+        </p:spPr>
+      </p:pic>
+      <p:pic>
+        <p:nvPicPr>
+          <p:cNvPr id="3076" name="Picture 4" descr="A security posture in Defender for Cloud. ">
+            <a:extLst>
+              <a:ext uri="{FF2B5EF4-FFF2-40B4-BE49-F238E27FC236}">
+                <a16:creationId xmlns:a16="http://schemas.microsoft.com/office/drawing/2014/main" id="{05012D6E-1C53-DDD5-8E40-69981343C16A}"/>
+              </a:ext>
+            </a:extLst>
+          </p:cNvPr>
+          <p:cNvPicPr>
+            <a:picLocks noChangeAspect="1" noChangeArrowheads="1"/>
+          </p:cNvPicPr>
+          <p:nvPr/>
+        </p:nvPicPr>
+        <p:blipFill>
+          <a:blip r:embed="rId3">
+            <a:extLst>
+              <a:ext uri="{28A0092B-C50C-407E-A947-70E740481C1C}">
+                <a14:useLocalDpi xmlns:a14="http://schemas.microsoft.com/office/drawing/2010/main" val="0"/>
+              </a:ext>
+            </a:extLst>
+          </a:blip>
+          <a:srcRect/>
+          <a:stretch>
+            <a:fillRect/>
+          </a:stretch>
+        </p:blipFill>
+        <p:spPr bwMode="auto">
+          <a:xfrm>
+            <a:off x="3520440" y="-251461"/>
+            <a:ext cx="5623560" cy="3647715"/>
+          </a:xfrm>
+          <a:prstGeom prst="rect">
+            <a:avLst/>
+          </a:prstGeom>
+          <a:noFill/>
+          <a:extLst>
+            <a:ext uri="{909E8E84-426E-40DD-AFC4-6F175D3DCCD1}">
+              <a14:hiddenFill xmlns:a14="http://schemas.microsoft.com/office/drawing/2010/main">
+                <a:solidFill>
+                  <a:srgbClr val="FFFFFF"/>
+                </a:solidFill>
+              </a14:hiddenFill>
+            </a:ext>
+          </a:extLst>
+        </p:spPr>
+      </p:pic>
+      <p:pic>
+        <p:nvPicPr>
+          <p:cNvPr id="4" name="Picture 3">
+            <a:extLst>
+              <a:ext uri="{FF2B5EF4-FFF2-40B4-BE49-F238E27FC236}">
+                <a16:creationId xmlns:a16="http://schemas.microsoft.com/office/drawing/2014/main" id="{23BAC24F-BEE0-E713-9C0B-02F21E4CEB87}"/>
+              </a:ext>
+            </a:extLst>
+          </p:cNvPr>
+          <p:cNvPicPr>
+            <a:picLocks noChangeAspect="1"/>
+          </p:cNvPicPr>
+          <p:nvPr/>
+        </p:nvPicPr>
+        <p:blipFill>
+          <a:blip r:embed="rId4"/>
+          <a:stretch>
+            <a:fillRect/>
+          </a:stretch>
+        </p:blipFill>
+        <p:spPr>
+          <a:xfrm>
+            <a:off x="5078170" y="3075908"/>
+            <a:ext cx="2513543" cy="2067592"/>
+          </a:xfrm>
+          <a:prstGeom prst="rect">
+            <a:avLst/>
+          </a:prstGeom>
+        </p:spPr>
+      </p:pic>
+    </p:spTree>
+    <p:extLst>
+      <p:ext uri="{BB962C8B-B14F-4D97-AF65-F5344CB8AC3E}">
+        <p14:creationId xmlns:p14="http://schemas.microsoft.com/office/powerpoint/2010/main" val="516592568"/>
+      </p:ext>
+    </p:extLst>
+  </p:cSld>
+  <p:clrMapOvr>
+    <a:masterClrMapping/>
+  </p:clrMapOvr>
+</p:sld>
+</file>
+
+<file path=ppt/slides/slide21.xml><?xml version="1.0" encoding="utf-8"?>
+<p:sld xmlns:a="http://schemas.openxmlformats.org/drawingml/2006/main" xmlns:r="http://schemas.openxmlformats.org/officeDocument/2006/relationships" xmlns:p="http://schemas.openxmlformats.org/presentationml/2006/main">
+  <p:cSld>
+    <p:spTree>
+      <p:nvGrpSpPr>
+        <p:cNvPr id="1" name=""/>
+        <p:cNvGrpSpPr/>
+        <p:nvPr/>
+      </p:nvGrpSpPr>
+      <p:grpSpPr>
+        <a:xfrm>
+          <a:off x="0" y="0"/>
+          <a:ext cx="0" cy="0"/>
+          <a:chOff x="0" y="0"/>
+          <a:chExt cx="0" cy="0"/>
+        </a:xfrm>
+      </p:grpSpPr>
+      <p:sp>
+        <p:nvSpPr>
+          <p:cNvPr id="2" name="Title 1">
+            <a:extLst>
+              <a:ext uri="{FF2B5EF4-FFF2-40B4-BE49-F238E27FC236}">
                 <a16:creationId xmlns:a16="http://schemas.microsoft.com/office/drawing/2014/main" id="{3BEFF49E-0D41-4D38-B00E-82AEAA319237}"/>
               </a:ext>
             </a:extLst>
@@ -20089,7 +20349,7 @@
 </p:sld>
 </file>
 
-<file path=ppt/slides/slide21.xml><?xml version="1.0" encoding="utf-8"?>
+<file path=ppt/slides/slide22.xml><?xml version="1.0" encoding="utf-8"?>
 <p:sld xmlns:a="http://schemas.openxmlformats.org/drawingml/2006/main" xmlns:r="http://schemas.openxmlformats.org/officeDocument/2006/relationships" xmlns:p="http://schemas.openxmlformats.org/presentationml/2006/main">
   <p:cSld>
     <p:spTree>
@@ -20294,7 +20554,260 @@
 </p:sld>
 </file>
 
-<file path=ppt/slides/slide22.xml><?xml version="1.0" encoding="utf-8"?>
+<file path=ppt/slides/slide23.xml><?xml version="1.0" encoding="utf-8"?>
+<p:sld xmlns:a="http://schemas.openxmlformats.org/drawingml/2006/main" xmlns:r="http://schemas.openxmlformats.org/officeDocument/2006/relationships" xmlns:p="http://schemas.openxmlformats.org/presentationml/2006/main">
+  <p:cSld>
+    <p:spTree>
+      <p:nvGrpSpPr>
+        <p:cNvPr id="1" name=""/>
+        <p:cNvGrpSpPr/>
+        <p:nvPr/>
+      </p:nvGrpSpPr>
+      <p:grpSpPr>
+        <a:xfrm>
+          <a:off x="0" y="0"/>
+          <a:ext cx="0" cy="0"/>
+          <a:chOff x="0" y="0"/>
+          <a:chExt cx="0" cy="0"/>
+        </a:xfrm>
+      </p:grpSpPr>
+      <p:sp>
+        <p:nvSpPr>
+          <p:cNvPr id="2" name="Title 1">
+            <a:extLst>
+              <a:ext uri="{FF2B5EF4-FFF2-40B4-BE49-F238E27FC236}">
+                <a16:creationId xmlns:a16="http://schemas.microsoft.com/office/drawing/2014/main" id="{8C986BE2-BAC5-1FB6-8BCB-D1846AA918DF}"/>
+              </a:ext>
+            </a:extLst>
+          </p:cNvPr>
+          <p:cNvSpPr>
+            <a:spLocks noGrp="1"/>
+          </p:cNvSpPr>
+          <p:nvPr>
+            <p:ph type="title"/>
+          </p:nvPr>
+        </p:nvSpPr>
+        <p:spPr>
+          <a:xfrm>
+            <a:off x="319500" y="936600"/>
+            <a:ext cx="3338100" cy="755700"/>
+          </a:xfrm>
+        </p:spPr>
+        <p:txBody>
+          <a:bodyPr/>
+          <a:lstStyle/>
+          <a:p>
+            <a:r>
+              <a:rPr lang="en-US" dirty="0"/>
+              <a:t>Azure Chaos Studio</a:t>
+            </a:r>
+          </a:p>
+        </p:txBody>
+      </p:sp>
+      <p:sp>
+        <p:nvSpPr>
+          <p:cNvPr id="3" name="Text Placeholder 2">
+            <a:extLst>
+              <a:ext uri="{FF2B5EF4-FFF2-40B4-BE49-F238E27FC236}">
+                <a16:creationId xmlns:a16="http://schemas.microsoft.com/office/drawing/2014/main" id="{DD13DCA6-EA3D-B4D2-C1DD-70AD0CCD9B70}"/>
+              </a:ext>
+            </a:extLst>
+          </p:cNvPr>
+          <p:cNvSpPr>
+            <a:spLocks noGrp="1"/>
+          </p:cNvSpPr>
+          <p:nvPr>
+            <p:ph type="body" idx="1"/>
+          </p:nvPr>
+        </p:nvSpPr>
+        <p:spPr/>
+        <p:txBody>
+          <a:bodyPr/>
+          <a:lstStyle/>
+          <a:p>
+            <a:r>
+              <a:rPr lang="en-US" dirty="0"/>
+              <a:t>Run experiments to see how your infrastructure handles certain scenarios</a:t>
+            </a:r>
+          </a:p>
+          <a:p>
+            <a:pPr lvl="1"/>
+            <a:r>
+              <a:rPr lang="en-US" dirty="0"/>
+              <a:t>Disaster recovery</a:t>
+            </a:r>
+          </a:p>
+          <a:p>
+            <a:pPr lvl="1"/>
+            <a:r>
+              <a:rPr lang="en-US" dirty="0"/>
+              <a:t>Fault injections</a:t>
+            </a:r>
+          </a:p>
+          <a:p>
+            <a:pPr lvl="1"/>
+            <a:r>
+              <a:rPr lang="en-US" dirty="0"/>
+              <a:t>Code optimizations </a:t>
+            </a:r>
+          </a:p>
+        </p:txBody>
+      </p:sp>
+      <p:pic>
+        <p:nvPicPr>
+          <p:cNvPr id="1026" name="Picture 2" descr="Application insights using Azure Chaos Studio">
+            <a:extLst>
+              <a:ext uri="{FF2B5EF4-FFF2-40B4-BE49-F238E27FC236}">
+                <a16:creationId xmlns:a16="http://schemas.microsoft.com/office/drawing/2014/main" id="{BD89B34A-93ED-7CB6-3636-C5B849A6494B}"/>
+              </a:ext>
+            </a:extLst>
+          </p:cNvPr>
+          <p:cNvPicPr>
+            <a:picLocks noChangeAspect="1" noChangeArrowheads="1"/>
+          </p:cNvPicPr>
+          <p:nvPr/>
+        </p:nvPicPr>
+        <p:blipFill>
+          <a:blip r:embed="rId2">
+            <a:extLst>
+              <a:ext uri="{28A0092B-C50C-407E-A947-70E740481C1C}">
+                <a14:useLocalDpi xmlns:a14="http://schemas.microsoft.com/office/drawing/2010/main" val="0"/>
+              </a:ext>
+            </a:extLst>
+          </a:blip>
+          <a:srcRect/>
+          <a:stretch>
+            <a:fillRect/>
+          </a:stretch>
+        </p:blipFill>
+        <p:spPr bwMode="auto">
+          <a:xfrm>
+            <a:off x="4145280" y="207964"/>
+            <a:ext cx="4572000" cy="2439988"/>
+          </a:xfrm>
+          <a:prstGeom prst="rect">
+            <a:avLst/>
+          </a:prstGeom>
+          <a:noFill/>
+          <a:extLst>
+            <a:ext uri="{909E8E84-426E-40DD-AFC4-6F175D3DCCD1}">
+              <a14:hiddenFill xmlns:a14="http://schemas.microsoft.com/office/drawing/2010/main">
+                <a:solidFill>
+                  <a:srgbClr val="FFFFFF"/>
+                </a:solidFill>
+              </a14:hiddenFill>
+            </a:ext>
+          </a:extLst>
+        </p:spPr>
+      </p:pic>
+      <p:pic>
+        <p:nvPicPr>
+          <p:cNvPr id="1028" name="Picture 4" descr="An experiment being created in Azure Chaos Studio">
+            <a:extLst>
+              <a:ext uri="{FF2B5EF4-FFF2-40B4-BE49-F238E27FC236}">
+                <a16:creationId xmlns:a16="http://schemas.microsoft.com/office/drawing/2014/main" id="{EDB5D8D2-7441-CC32-0E49-1C09EF68ABE0}"/>
+              </a:ext>
+            </a:extLst>
+          </p:cNvPr>
+          <p:cNvPicPr>
+            <a:picLocks noChangeAspect="1" noChangeArrowheads="1"/>
+          </p:cNvPicPr>
+          <p:nvPr/>
+        </p:nvPicPr>
+        <p:blipFill>
+          <a:blip r:embed="rId3">
+            <a:extLst>
+              <a:ext uri="{28A0092B-C50C-407E-A947-70E740481C1C}">
+                <a14:useLocalDpi xmlns:a14="http://schemas.microsoft.com/office/drawing/2010/main" val="0"/>
+              </a:ext>
+            </a:extLst>
+          </a:blip>
+          <a:srcRect/>
+          <a:stretch>
+            <a:fillRect/>
+          </a:stretch>
+        </p:blipFill>
+        <p:spPr bwMode="auto">
+          <a:xfrm>
+            <a:off x="4133820" y="2647952"/>
+            <a:ext cx="4572000" cy="2439988"/>
+          </a:xfrm>
+          <a:prstGeom prst="rect">
+            <a:avLst/>
+          </a:prstGeom>
+          <a:noFill/>
+          <a:extLst>
+            <a:ext uri="{909E8E84-426E-40DD-AFC4-6F175D3DCCD1}">
+              <a14:hiddenFill xmlns:a14="http://schemas.microsoft.com/office/drawing/2010/main">
+                <a:solidFill>
+                  <a:srgbClr val="FFFFFF"/>
+                </a:solidFill>
+              </a14:hiddenFill>
+            </a:ext>
+          </a:extLst>
+        </p:spPr>
+      </p:pic>
+      <p:pic>
+        <p:nvPicPr>
+          <p:cNvPr id="1030" name="Picture 6" descr="Azure Chaos Studio - Pricing | Microsoft Azure">
+            <a:extLst>
+              <a:ext uri="{FF2B5EF4-FFF2-40B4-BE49-F238E27FC236}">
+                <a16:creationId xmlns:a16="http://schemas.microsoft.com/office/drawing/2014/main" id="{DA257A51-F9DB-C230-3252-C5F0CF9A5052}"/>
+              </a:ext>
+            </a:extLst>
+          </p:cNvPr>
+          <p:cNvPicPr>
+            <a:picLocks noChangeAspect="1" noChangeArrowheads="1"/>
+          </p:cNvPicPr>
+          <p:nvPr/>
+        </p:nvPicPr>
+        <p:blipFill>
+          <a:blip r:embed="rId4">
+            <a:extLst>
+              <a:ext uri="{28A0092B-C50C-407E-A947-70E740481C1C}">
+                <a14:useLocalDpi xmlns:a14="http://schemas.microsoft.com/office/drawing/2010/main" val="0"/>
+              </a:ext>
+            </a:extLst>
+          </a:blip>
+          <a:srcRect/>
+          <a:stretch>
+            <a:fillRect/>
+          </a:stretch>
+        </p:blipFill>
+        <p:spPr bwMode="auto">
+          <a:xfrm>
+            <a:off x="1162067" y="487344"/>
+            <a:ext cx="1122865" cy="589504"/>
+          </a:xfrm>
+          <a:prstGeom prst="rect">
+            <a:avLst/>
+          </a:prstGeom>
+          <a:noFill/>
+          <a:extLst>
+            <a:ext uri="{909E8E84-426E-40DD-AFC4-6F175D3DCCD1}">
+              <a14:hiddenFill xmlns:a14="http://schemas.microsoft.com/office/drawing/2010/main">
+                <a:solidFill>
+                  <a:srgbClr val="FFFFFF"/>
+                </a:solidFill>
+              </a14:hiddenFill>
+            </a:ext>
+          </a:extLst>
+        </p:spPr>
+      </p:pic>
+    </p:spTree>
+    <p:extLst>
+      <p:ext uri="{BB962C8B-B14F-4D97-AF65-F5344CB8AC3E}">
+        <p14:creationId xmlns:p14="http://schemas.microsoft.com/office/powerpoint/2010/main" val="3205690726"/>
+      </p:ext>
+    </p:extLst>
+  </p:cSld>
+  <p:clrMapOvr>
+    <a:masterClrMapping/>
+  </p:clrMapOvr>
+</p:sld>
+</file>
+
+<file path=ppt/slides/slide24.xml><?xml version="1.0" encoding="utf-8"?>
 <p:sld xmlns:a="http://schemas.openxmlformats.org/drawingml/2006/main" xmlns:r="http://schemas.openxmlformats.org/officeDocument/2006/relationships" xmlns:p="http://schemas.openxmlformats.org/presentationml/2006/main">
   <p:cSld>
     <p:spTree>
@@ -20356,7 +20869,7 @@
 </p:sld>
 </file>
 
-<file path=ppt/slides/slide23.xml><?xml version="1.0" encoding="utf-8"?>
+<file path=ppt/slides/slide25.xml><?xml version="1.0" encoding="utf-8"?>
 <p:sld xmlns:a="http://schemas.openxmlformats.org/drawingml/2006/main" xmlns:r="http://schemas.openxmlformats.org/officeDocument/2006/relationships" xmlns:p="http://schemas.openxmlformats.org/presentationml/2006/main">
   <p:cSld>
     <p:spTree>
@@ -20543,7 +21056,7 @@
 </p:sld>
 </file>
 
-<file path=ppt/slides/slide24.xml><?xml version="1.0" encoding="utf-8"?>
+<file path=ppt/slides/slide26.xml><?xml version="1.0" encoding="utf-8"?>
 <p:sld xmlns:a="http://schemas.openxmlformats.org/drawingml/2006/main" xmlns:r="http://schemas.openxmlformats.org/officeDocument/2006/relationships" xmlns:p="http://schemas.openxmlformats.org/presentationml/2006/main">
   <p:cSld>
     <p:spTree>
@@ -20594,6 +21107,559 @@
     <p:extLst>
       <p:ext uri="{BB962C8B-B14F-4D97-AF65-F5344CB8AC3E}">
         <p14:creationId xmlns:p14="http://schemas.microsoft.com/office/powerpoint/2010/main" val="3241907714"/>
+      </p:ext>
+    </p:extLst>
+  </p:cSld>
+  <p:clrMapOvr>
+    <a:masterClrMapping/>
+  </p:clrMapOvr>
+</p:sld>
+</file>
+
+<file path=ppt/slides/slide27.xml><?xml version="1.0" encoding="utf-8"?>
+<p:sld xmlns:a="http://schemas.openxmlformats.org/drawingml/2006/main" xmlns:r="http://schemas.openxmlformats.org/officeDocument/2006/relationships" xmlns:p="http://schemas.openxmlformats.org/presentationml/2006/main">
+  <p:cSld>
+    <p:spTree>
+      <p:nvGrpSpPr>
+        <p:cNvPr id="1" name=""/>
+        <p:cNvGrpSpPr/>
+        <p:nvPr/>
+      </p:nvGrpSpPr>
+      <p:grpSpPr>
+        <a:xfrm>
+          <a:off x="0" y="0"/>
+          <a:ext cx="0" cy="0"/>
+          <a:chOff x="0" y="0"/>
+          <a:chExt cx="0" cy="0"/>
+        </a:xfrm>
+      </p:grpSpPr>
+      <p:sp>
+        <p:nvSpPr>
+          <p:cNvPr id="2" name="Title 1">
+            <a:extLst>
+              <a:ext uri="{FF2B5EF4-FFF2-40B4-BE49-F238E27FC236}">
+                <a16:creationId xmlns:a16="http://schemas.microsoft.com/office/drawing/2014/main" id="{0CFACCA8-F895-D704-A846-4B04FF232A1F}"/>
+              </a:ext>
+            </a:extLst>
+          </p:cNvPr>
+          <p:cNvSpPr>
+            <a:spLocks noGrp="1"/>
+          </p:cNvSpPr>
+          <p:nvPr>
+            <p:ph type="title"/>
+          </p:nvPr>
+        </p:nvSpPr>
+        <p:spPr/>
+        <p:txBody>
+          <a:bodyPr/>
+          <a:lstStyle/>
+          <a:p>
+            <a:r>
+              <a:rPr lang="en-US" dirty="0"/>
+              <a:t>Subscriptions</a:t>
+            </a:r>
+          </a:p>
+        </p:txBody>
+      </p:sp>
+      <p:sp>
+        <p:nvSpPr>
+          <p:cNvPr id="3" name="Text Placeholder 2">
+            <a:extLst>
+              <a:ext uri="{FF2B5EF4-FFF2-40B4-BE49-F238E27FC236}">
+                <a16:creationId xmlns:a16="http://schemas.microsoft.com/office/drawing/2014/main" id="{F204A233-3ADE-E313-3E84-B85E94B042EA}"/>
+              </a:ext>
+            </a:extLst>
+          </p:cNvPr>
+          <p:cNvSpPr>
+            <a:spLocks noGrp="1"/>
+          </p:cNvSpPr>
+          <p:nvPr>
+            <p:ph type="body" idx="1"/>
+          </p:nvPr>
+        </p:nvSpPr>
+        <p:spPr>
+          <a:xfrm>
+            <a:off x="97009" y="1854424"/>
+            <a:ext cx="2808000" cy="2806200"/>
+          </a:xfrm>
+        </p:spPr>
+        <p:txBody>
+          <a:bodyPr/>
+          <a:lstStyle/>
+          <a:p>
+            <a:pPr>
+              <a:lnSpc>
+                <a:spcPct val="100000"/>
+              </a:lnSpc>
+              <a:spcBef>
+                <a:spcPts val="600"/>
+              </a:spcBef>
+            </a:pPr>
+            <a:r>
+              <a:rPr lang="en-US" dirty="0"/>
+              <a:t>Subscriptions are the place where cloud services are billed</a:t>
+            </a:r>
+          </a:p>
+          <a:p>
+            <a:pPr>
+              <a:lnSpc>
+                <a:spcPct val="100000"/>
+              </a:lnSpc>
+              <a:spcBef>
+                <a:spcPts val="600"/>
+              </a:spcBef>
+            </a:pPr>
+            <a:r>
+              <a:rPr lang="en-US" dirty="0"/>
+              <a:t>In smaller organizations, it’s common to see a single Subscription for the whole company</a:t>
+            </a:r>
+          </a:p>
+          <a:p>
+            <a:pPr>
+              <a:lnSpc>
+                <a:spcPct val="100000"/>
+              </a:lnSpc>
+              <a:spcBef>
+                <a:spcPts val="600"/>
+              </a:spcBef>
+            </a:pPr>
+            <a:r>
+              <a:rPr lang="en-US" dirty="0"/>
+              <a:t>In larger organizations, you may see Subscriptions set up for individual groups or applications</a:t>
+            </a:r>
+          </a:p>
+          <a:p>
+            <a:pPr lvl="1">
+              <a:lnSpc>
+                <a:spcPct val="100000"/>
+              </a:lnSpc>
+              <a:spcBef>
+                <a:spcPts val="600"/>
+              </a:spcBef>
+            </a:pPr>
+            <a:r>
+              <a:rPr lang="en-US" dirty="0"/>
+              <a:t>Also, maybe even separate Subs for dev, staging, and production.</a:t>
+            </a:r>
+          </a:p>
+        </p:txBody>
+      </p:sp>
+      <p:pic>
+        <p:nvPicPr>
+          <p:cNvPr id="4" name="Picture 3">
+            <a:extLst>
+              <a:ext uri="{FF2B5EF4-FFF2-40B4-BE49-F238E27FC236}">
+                <a16:creationId xmlns:a16="http://schemas.microsoft.com/office/drawing/2014/main" id="{53AA5F54-9928-0AF1-B055-F757A579CD5C}"/>
+              </a:ext>
+            </a:extLst>
+          </p:cNvPr>
+          <p:cNvPicPr>
+            <a:picLocks noChangeAspect="1"/>
+          </p:cNvPicPr>
+          <p:nvPr/>
+        </p:nvPicPr>
+        <p:blipFill>
+          <a:blip r:embed="rId2"/>
+          <a:srcRect l="4424"/>
+          <a:stretch/>
+        </p:blipFill>
+        <p:spPr>
+          <a:xfrm>
+            <a:off x="3127500" y="266096"/>
+            <a:ext cx="5919491" cy="3050528"/>
+          </a:xfrm>
+          <a:prstGeom prst="rect">
+            <a:avLst/>
+          </a:prstGeom>
+        </p:spPr>
+      </p:pic>
+      <p:sp>
+        <p:nvSpPr>
+          <p:cNvPr id="6" name="Text Placeholder 2">
+            <a:extLst>
+              <a:ext uri="{FF2B5EF4-FFF2-40B4-BE49-F238E27FC236}">
+                <a16:creationId xmlns:a16="http://schemas.microsoft.com/office/drawing/2014/main" id="{9221C460-F632-C538-221C-762566707200}"/>
+              </a:ext>
+            </a:extLst>
+          </p:cNvPr>
+          <p:cNvSpPr txBox="1">
+            <a:spLocks/>
+          </p:cNvSpPr>
+          <p:nvPr/>
+        </p:nvSpPr>
+        <p:spPr>
+          <a:xfrm>
+            <a:off x="4024423" y="3479460"/>
+            <a:ext cx="4429140" cy="1665964"/>
+          </a:xfrm>
+          <a:prstGeom prst="rect">
+            <a:avLst/>
+          </a:prstGeom>
+          <a:noFill/>
+          <a:ln>
+            <a:noFill/>
+          </a:ln>
+        </p:spPr>
+        <p:txBody>
+          <a:bodyPr spcFirstLastPara="1" wrap="square" lIns="91425" tIns="91425" rIns="91425" bIns="91425" anchor="t" anchorCtr="0"/>
+          <a:lstStyle>
+            <a:defPPr marR="0" lvl="0" algn="l" rtl="0">
+              <a:lnSpc>
+                <a:spcPct val="100000"/>
+              </a:lnSpc>
+              <a:spcBef>
+                <a:spcPts val="0"/>
+              </a:spcBef>
+              <a:spcAft>
+                <a:spcPts val="0"/>
+              </a:spcAft>
+            </a:defPPr>
+            <a:lvl1pPr marL="457200" marR="0" lvl="0" indent="-304800" algn="l" rtl="0" eaLnBrk="1" hangingPunct="1">
+              <a:lnSpc>
+                <a:spcPct val="115000"/>
+              </a:lnSpc>
+              <a:spcBef>
+                <a:spcPts val="0"/>
+              </a:spcBef>
+              <a:spcAft>
+                <a:spcPts val="0"/>
+              </a:spcAft>
+              <a:buClr>
+                <a:schemeClr val="dk2"/>
+              </a:buClr>
+              <a:buSzPts val="1200"/>
+              <a:buFont typeface="Lato"/>
+              <a:buChar char="●"/>
+              <a:defRPr sz="1200" b="0" i="0" u="none" strike="noStrike" cap="none">
+                <a:solidFill>
+                  <a:schemeClr val="dk2"/>
+                </a:solidFill>
+                <a:latin typeface="Lato"/>
+                <a:ea typeface="Lato"/>
+                <a:cs typeface="Lato"/>
+                <a:sym typeface="Lato"/>
+              </a:defRPr>
+            </a:lvl1pPr>
+            <a:lvl2pPr marL="914400" marR="0" lvl="1" indent="-304800" algn="l" rtl="0" eaLnBrk="1" hangingPunct="1">
+              <a:lnSpc>
+                <a:spcPct val="115000"/>
+              </a:lnSpc>
+              <a:spcBef>
+                <a:spcPts val="1600"/>
+              </a:spcBef>
+              <a:spcAft>
+                <a:spcPts val="0"/>
+              </a:spcAft>
+              <a:buClr>
+                <a:schemeClr val="dk2"/>
+              </a:buClr>
+              <a:buSzPts val="1200"/>
+              <a:buFont typeface="Lato"/>
+              <a:buChar char="○"/>
+              <a:defRPr sz="1200" b="0" i="0" u="none" strike="noStrike" cap="none">
+                <a:solidFill>
+                  <a:schemeClr val="dk2"/>
+                </a:solidFill>
+                <a:latin typeface="Lato"/>
+                <a:ea typeface="Lato"/>
+                <a:cs typeface="Lato"/>
+                <a:sym typeface="Lato"/>
+              </a:defRPr>
+            </a:lvl2pPr>
+            <a:lvl3pPr marL="1371600" marR="0" lvl="2" indent="-304800" algn="l" rtl="0" eaLnBrk="1" hangingPunct="1">
+              <a:lnSpc>
+                <a:spcPct val="115000"/>
+              </a:lnSpc>
+              <a:spcBef>
+                <a:spcPts val="1600"/>
+              </a:spcBef>
+              <a:spcAft>
+                <a:spcPts val="0"/>
+              </a:spcAft>
+              <a:buClr>
+                <a:schemeClr val="dk2"/>
+              </a:buClr>
+              <a:buSzPts val="1200"/>
+              <a:buFont typeface="Lato"/>
+              <a:buChar char="■"/>
+              <a:defRPr sz="1200" b="0" i="0" u="none" strike="noStrike" cap="none">
+                <a:solidFill>
+                  <a:schemeClr val="dk2"/>
+                </a:solidFill>
+                <a:latin typeface="Lato"/>
+                <a:ea typeface="Lato"/>
+                <a:cs typeface="Lato"/>
+                <a:sym typeface="Lato"/>
+              </a:defRPr>
+            </a:lvl3pPr>
+            <a:lvl4pPr marL="1828800" marR="0" lvl="3" indent="-304800" algn="l" rtl="0" eaLnBrk="1" hangingPunct="1">
+              <a:lnSpc>
+                <a:spcPct val="115000"/>
+              </a:lnSpc>
+              <a:spcBef>
+                <a:spcPts val="1600"/>
+              </a:spcBef>
+              <a:spcAft>
+                <a:spcPts val="0"/>
+              </a:spcAft>
+              <a:buClr>
+                <a:schemeClr val="dk2"/>
+              </a:buClr>
+              <a:buSzPts val="1200"/>
+              <a:buFont typeface="Lato"/>
+              <a:buChar char="●"/>
+              <a:defRPr sz="1200" b="0" i="0" u="none" strike="noStrike" cap="none">
+                <a:solidFill>
+                  <a:schemeClr val="dk2"/>
+                </a:solidFill>
+                <a:latin typeface="Lato"/>
+                <a:ea typeface="Lato"/>
+                <a:cs typeface="Lato"/>
+                <a:sym typeface="Lato"/>
+              </a:defRPr>
+            </a:lvl4pPr>
+            <a:lvl5pPr marL="2286000" marR="0" lvl="4" indent="-304800" algn="l" rtl="0" eaLnBrk="1" hangingPunct="1">
+              <a:lnSpc>
+                <a:spcPct val="115000"/>
+              </a:lnSpc>
+              <a:spcBef>
+                <a:spcPts val="1600"/>
+              </a:spcBef>
+              <a:spcAft>
+                <a:spcPts val="0"/>
+              </a:spcAft>
+              <a:buClr>
+                <a:schemeClr val="dk2"/>
+              </a:buClr>
+              <a:buSzPts val="1200"/>
+              <a:buFont typeface="Lato"/>
+              <a:buChar char="○"/>
+              <a:defRPr sz="1200" b="0" i="0" u="none" strike="noStrike" cap="none">
+                <a:solidFill>
+                  <a:schemeClr val="dk2"/>
+                </a:solidFill>
+                <a:latin typeface="Lato"/>
+                <a:ea typeface="Lato"/>
+                <a:cs typeface="Lato"/>
+                <a:sym typeface="Lato"/>
+              </a:defRPr>
+            </a:lvl5pPr>
+            <a:lvl6pPr marL="2743200" marR="0" lvl="5" indent="-304800" algn="l" rtl="0" eaLnBrk="1" hangingPunct="1">
+              <a:lnSpc>
+                <a:spcPct val="115000"/>
+              </a:lnSpc>
+              <a:spcBef>
+                <a:spcPts val="1600"/>
+              </a:spcBef>
+              <a:spcAft>
+                <a:spcPts val="0"/>
+              </a:spcAft>
+              <a:buClr>
+                <a:schemeClr val="dk2"/>
+              </a:buClr>
+              <a:buSzPts val="1200"/>
+              <a:buFont typeface="Lato"/>
+              <a:buChar char="■"/>
+              <a:defRPr sz="1200" b="0" i="0" u="none" strike="noStrike" cap="none">
+                <a:solidFill>
+                  <a:schemeClr val="dk2"/>
+                </a:solidFill>
+                <a:latin typeface="Lato"/>
+                <a:ea typeface="Lato"/>
+                <a:cs typeface="Lato"/>
+                <a:sym typeface="Lato"/>
+              </a:defRPr>
+            </a:lvl6pPr>
+            <a:lvl7pPr marL="3200400" marR="0" lvl="6" indent="-304800" algn="l" rtl="0" eaLnBrk="1" hangingPunct="1">
+              <a:lnSpc>
+                <a:spcPct val="115000"/>
+              </a:lnSpc>
+              <a:spcBef>
+                <a:spcPts val="1600"/>
+              </a:spcBef>
+              <a:spcAft>
+                <a:spcPts val="0"/>
+              </a:spcAft>
+              <a:buClr>
+                <a:schemeClr val="dk2"/>
+              </a:buClr>
+              <a:buSzPts val="1200"/>
+              <a:buFont typeface="Lato"/>
+              <a:buChar char="●"/>
+              <a:defRPr sz="1200" b="0" i="0" u="none" strike="noStrike" cap="none">
+                <a:solidFill>
+                  <a:schemeClr val="dk2"/>
+                </a:solidFill>
+                <a:latin typeface="Lato"/>
+                <a:ea typeface="Lato"/>
+                <a:cs typeface="Lato"/>
+                <a:sym typeface="Lato"/>
+              </a:defRPr>
+            </a:lvl7pPr>
+            <a:lvl8pPr marL="3657600" marR="0" lvl="7" indent="-304800" algn="l" rtl="0" eaLnBrk="1" hangingPunct="1">
+              <a:lnSpc>
+                <a:spcPct val="115000"/>
+              </a:lnSpc>
+              <a:spcBef>
+                <a:spcPts val="1600"/>
+              </a:spcBef>
+              <a:spcAft>
+                <a:spcPts val="0"/>
+              </a:spcAft>
+              <a:buClr>
+                <a:schemeClr val="dk2"/>
+              </a:buClr>
+              <a:buSzPts val="1200"/>
+              <a:buFont typeface="Lato"/>
+              <a:buChar char="○"/>
+              <a:defRPr sz="1200" b="0" i="0" u="none" strike="noStrike" cap="none">
+                <a:solidFill>
+                  <a:schemeClr val="dk2"/>
+                </a:solidFill>
+                <a:latin typeface="Lato"/>
+                <a:ea typeface="Lato"/>
+                <a:cs typeface="Lato"/>
+                <a:sym typeface="Lato"/>
+              </a:defRPr>
+            </a:lvl8pPr>
+            <a:lvl9pPr marL="4114800" marR="0" lvl="8" indent="-304800" algn="l" rtl="0" eaLnBrk="1" hangingPunct="1">
+              <a:lnSpc>
+                <a:spcPct val="115000"/>
+              </a:lnSpc>
+              <a:spcBef>
+                <a:spcPts val="1600"/>
+              </a:spcBef>
+              <a:spcAft>
+                <a:spcPts val="1600"/>
+              </a:spcAft>
+              <a:buClr>
+                <a:schemeClr val="dk2"/>
+              </a:buClr>
+              <a:buSzPts val="1200"/>
+              <a:buFont typeface="Lato"/>
+              <a:buChar char="■"/>
+              <a:defRPr sz="1200" b="0" i="0" u="none" strike="noStrike" cap="none">
+                <a:solidFill>
+                  <a:schemeClr val="dk2"/>
+                </a:solidFill>
+                <a:latin typeface="Lato"/>
+                <a:ea typeface="Lato"/>
+                <a:cs typeface="Lato"/>
+                <a:sym typeface="Lato"/>
+              </a:defRPr>
+            </a:lvl9pPr>
+          </a:lstStyle>
+          <a:p>
+            <a:pPr>
+              <a:lnSpc>
+                <a:spcPct val="100000"/>
+              </a:lnSpc>
+              <a:spcBef>
+                <a:spcPts val="600"/>
+              </a:spcBef>
+            </a:pPr>
+            <a:r>
+              <a:rPr lang="en-US" dirty="0"/>
+              <a:t>There are different “offer types” that may affect pricing.</a:t>
+            </a:r>
+          </a:p>
+          <a:p>
+            <a:pPr lvl="1">
+              <a:lnSpc>
+                <a:spcPct val="100000"/>
+              </a:lnSpc>
+              <a:spcBef>
+                <a:spcPts val="600"/>
+              </a:spcBef>
+            </a:pPr>
+            <a:r>
+              <a:rPr lang="en-US" dirty="0"/>
+              <a:t>Pay-as-you-Go vs. Enterprise Agreement</a:t>
+            </a:r>
+          </a:p>
+          <a:p>
+            <a:pPr marL="152400" indent="0" algn="ctr">
+              <a:lnSpc>
+                <a:spcPct val="100000"/>
+              </a:lnSpc>
+              <a:spcBef>
+                <a:spcPts val="600"/>
+              </a:spcBef>
+              <a:buNone/>
+            </a:pPr>
+            <a:r>
+              <a:rPr lang="en-US" dirty="0">
+                <a:hlinkClick r:id="rId3"/>
+              </a:rPr>
+              <a:t>https://azure.microsoft.com/en-us/support/legal/offer-details</a:t>
+            </a:r>
+            <a:endParaRPr lang="en-US" dirty="0"/>
+          </a:p>
+          <a:p>
+            <a:pPr marL="152400" indent="0">
+              <a:lnSpc>
+                <a:spcPct val="100000"/>
+              </a:lnSpc>
+              <a:spcBef>
+                <a:spcPts val="600"/>
+              </a:spcBef>
+              <a:buNone/>
+            </a:pPr>
+            <a:endParaRPr lang="en-US" dirty="0"/>
+          </a:p>
+        </p:txBody>
+      </p:sp>
+      <p:pic>
+        <p:nvPicPr>
+          <p:cNvPr id="2050" name="Picture 2" descr="Azure · Diagrams">
+            <a:extLst>
+              <a:ext uri="{FF2B5EF4-FFF2-40B4-BE49-F238E27FC236}">
+                <a16:creationId xmlns:a16="http://schemas.microsoft.com/office/drawing/2014/main" id="{8D8A7607-8BAE-0D6F-291E-03EFF4EAF977}"/>
+              </a:ext>
+            </a:extLst>
+          </p:cNvPr>
+          <p:cNvPicPr>
+            <a:picLocks noChangeAspect="1" noChangeArrowheads="1"/>
+          </p:cNvPicPr>
+          <p:nvPr/>
+        </p:nvPicPr>
+        <p:blipFill>
+          <a:blip r:embed="rId4">
+            <a:extLst>
+              <a:ext uri="{28A0092B-C50C-407E-A947-70E740481C1C}">
+                <a14:useLocalDpi xmlns:a14="http://schemas.microsoft.com/office/drawing/2010/main" val="0"/>
+              </a:ext>
+            </a:extLst>
+          </a:blip>
+          <a:srcRect/>
+          <a:stretch>
+            <a:fillRect/>
+          </a:stretch>
+        </p:blipFill>
+        <p:spPr bwMode="auto">
+          <a:xfrm>
+            <a:off x="1099844" y="482876"/>
+            <a:ext cx="660531" cy="660531"/>
+          </a:xfrm>
+          <a:prstGeom prst="rect">
+            <a:avLst/>
+          </a:prstGeom>
+          <a:noFill/>
+          <a:extLst>
+            <a:ext uri="{909E8E84-426E-40DD-AFC4-6F175D3DCCD1}">
+              <a14:hiddenFill xmlns:a14="http://schemas.microsoft.com/office/drawing/2010/main">
+                <a:solidFill>
+                  <a:srgbClr val="FFFFFF"/>
+                </a:solidFill>
+              </a14:hiddenFill>
+            </a:ext>
+          </a:extLst>
+        </p:spPr>
+      </p:pic>
+    </p:spTree>
+    <p:extLst>
+      <p:ext uri="{BB962C8B-B14F-4D97-AF65-F5344CB8AC3E}">
+        <p14:creationId xmlns:p14="http://schemas.microsoft.com/office/powerpoint/2010/main" val="2381892170"/>
       </p:ext>
     </p:extLst>
   </p:cSld>

--- a/6 - Deployment and Security/Deployment.pptx
+++ b/6 - Deployment and Security/Deployment.pptx
@@ -16628,6 +16628,17 @@
             </a:pPr>
             <a:r>
               <a:rPr lang="en-US" dirty="0"/>
+              <a:t>Defender for Cloud</a:t>
+            </a:r>
+          </a:p>
+          <a:p>
+            <a:pPr lvl="1">
+              <a:spcBef>
+                <a:spcPts val="0"/>
+              </a:spcBef>
+            </a:pPr>
+            <a:r>
+              <a:rPr lang="en-US" dirty="0"/>
               <a:t>Blueprints, etc.</a:t>
             </a:r>
           </a:p>
@@ -16642,7 +16653,7 @@
           <a:p>
             <a:r>
               <a:rPr lang="en-US" dirty="0"/>
-              <a:t>Data Governance</a:t>
+              <a:t>And more…</a:t>
             </a:r>
           </a:p>
           <a:p>
@@ -16653,7 +16664,29 @@
             </a:pPr>
             <a:r>
               <a:rPr lang="en-US" dirty="0"/>
-              <a:t>Azure Purview</a:t>
+              <a:t>Data Governance: Azure Purview</a:t>
+            </a:r>
+          </a:p>
+          <a:p>
+            <a:pPr lvl="1">
+              <a:spcBef>
+                <a:spcPts val="0"/>
+              </a:spcBef>
+            </a:pPr>
+            <a:r>
+              <a:rPr lang="en-US" dirty="0"/>
+              <a:t>Subscriptions</a:t>
+            </a:r>
+          </a:p>
+          <a:p>
+            <a:pPr lvl="1">
+              <a:spcBef>
+                <a:spcPts val="0"/>
+              </a:spcBef>
+            </a:pPr>
+            <a:r>
+              <a:rPr lang="en-US" dirty="0"/>
+              <a:t>Chaos Studio</a:t>
             </a:r>
           </a:p>
         </p:txBody>
@@ -19372,7 +19405,7 @@
           <a:p>
             <a:r>
               <a:rPr lang="en-US" dirty="0"/>
-              <a:t>HIPAA, HITECT, and HITRUST</a:t>
+              <a:t>HIPAA, HITECH, and HITRUST</a:t>
             </a:r>
           </a:p>
         </p:txBody>

--- a/6 - Deployment and Security/Deployment.pptx
+++ b/6 - Deployment and Security/Deployment.pptx
@@ -15891,8 +15891,8 @@
         </p:nvSpPr>
         <p:spPr>
           <a:xfrm>
-            <a:off x="2371725" y="630225"/>
-            <a:ext cx="6331500" cy="1542000"/>
+            <a:off x="1600200" y="630225"/>
+            <a:ext cx="7103025" cy="1542000"/>
           </a:xfrm>
           <a:prstGeom prst="rect">
             <a:avLst/>
@@ -15915,7 +15915,7 @@
             </a:pPr>
             <a:r>
               <a:rPr lang="en-US" b="0" dirty="0"/>
-              <a:t>Deployment and Security</a:t>
+              <a:t>Deployment, Security, and Cloud Management</a:t>
             </a:r>
             <a:endParaRPr dirty="0"/>
           </a:p>
@@ -16675,7 +16675,7 @@
             </a:pPr>
             <a:r>
               <a:rPr lang="en-US" dirty="0"/>
-              <a:t>Subscriptions</a:t>
+              <a:t>Azure Chaos Studio</a:t>
             </a:r>
           </a:p>
           <a:p>
@@ -16686,7 +16686,7 @@
             </a:pPr>
             <a:r>
               <a:rPr lang="en-US" dirty="0"/>
-              <a:t>Chaos Studio</a:t>
+              <a:t>Subscriptions</a:t>
             </a:r>
           </a:p>
         </p:txBody>

--- a/6 - Deployment and Security/Deployment.pptx
+++ b/6 - Deployment and Security/Deployment.pptx
@@ -3182,7 +3182,7 @@
         <a:p>
           <a:r>
             <a:rPr lang="en-US" dirty="0"/>
-            <a:t>Address</a:t>
+            <a:t>Address (Smaller than first 3 digits of zip code)</a:t>
           </a:r>
         </a:p>
       </dgm:t>
@@ -5194,7 +5194,7 @@
           </a:pPr>
           <a:r>
             <a:rPr lang="en-US" sz="1100" kern="1200" dirty="0"/>
-            <a:t>Address</a:t>
+            <a:t>Address (Smaller than first 3 digits of zip code)</a:t>
           </a:r>
         </a:p>
       </dsp:txBody>
@@ -19566,7 +19566,7 @@
           <p:nvPr>
             <p:extLst>
               <p:ext uri="{D42A27DB-BD31-4B8C-83A1-F6EECF244321}">
-                <p14:modId xmlns:p14="http://schemas.microsoft.com/office/powerpoint/2010/main" val="4191207812"/>
+                <p14:modId xmlns:p14="http://schemas.microsoft.com/office/powerpoint/2010/main" val="2110070956"/>
               </p:ext>
             </p:extLst>
           </p:nvPr>
